--- a/IA_PROJETO/artefatos/Projeto Apresentação.pptx
+++ b/IA_PROJETO/artefatos/Projeto Apresentação.pptx
@@ -10,13 +10,16 @@
     <p:sldId id="258" r:id="rId4"/>
     <p:sldId id="259" r:id="rId5"/>
     <p:sldId id="262" r:id="rId6"/>
-    <p:sldId id="261" r:id="rId7"/>
-    <p:sldId id="266" r:id="rId8"/>
-    <p:sldId id="265" r:id="rId9"/>
-    <p:sldId id="267" r:id="rId10"/>
-    <p:sldId id="260" r:id="rId11"/>
-    <p:sldId id="263" r:id="rId12"/>
-    <p:sldId id="264" r:id="rId13"/>
+    <p:sldId id="268" r:id="rId7"/>
+    <p:sldId id="269" r:id="rId8"/>
+    <p:sldId id="270" r:id="rId9"/>
+    <p:sldId id="265" r:id="rId10"/>
+    <p:sldId id="267" r:id="rId11"/>
+    <p:sldId id="260" r:id="rId12"/>
+    <p:sldId id="271" r:id="rId13"/>
+    <p:sldId id="263" r:id="rId14"/>
+    <p:sldId id="272" r:id="rId15"/>
+    <p:sldId id="264" r:id="rId16"/>
   </p:sldIdLst>
   <p:sldSz cx="12192000" cy="6858000"/>
   <p:notesSz cx="6858000" cy="9144000"/>
@@ -254,7 +257,7 @@
           <a:p>
             <a:fld id="{C297F656-AC51-4644-BEED-4EC8694262A0}" type="datetimeFigureOut">
               <a:rPr lang="pt-BR" smtClean="0"/>
-              <a:t>09/08/2018</a:t>
+              <a:t>15/08/2018</a:t>
             </a:fld>
             <a:endParaRPr lang="pt-BR"/>
           </a:p>
@@ -424,7 +427,7 @@
           <a:p>
             <a:fld id="{C297F656-AC51-4644-BEED-4EC8694262A0}" type="datetimeFigureOut">
               <a:rPr lang="pt-BR" smtClean="0"/>
-              <a:t>09/08/2018</a:t>
+              <a:t>15/08/2018</a:t>
             </a:fld>
             <a:endParaRPr lang="pt-BR"/>
           </a:p>
@@ -604,7 +607,7 @@
           <a:p>
             <a:fld id="{C297F656-AC51-4644-BEED-4EC8694262A0}" type="datetimeFigureOut">
               <a:rPr lang="pt-BR" smtClean="0"/>
-              <a:t>09/08/2018</a:t>
+              <a:t>15/08/2018</a:t>
             </a:fld>
             <a:endParaRPr lang="pt-BR"/>
           </a:p>
@@ -774,7 +777,7 @@
           <a:p>
             <a:fld id="{C297F656-AC51-4644-BEED-4EC8694262A0}" type="datetimeFigureOut">
               <a:rPr lang="pt-BR" smtClean="0"/>
-              <a:t>09/08/2018</a:t>
+              <a:t>15/08/2018</a:t>
             </a:fld>
             <a:endParaRPr lang="pt-BR"/>
           </a:p>
@@ -1020,7 +1023,7 @@
           <a:p>
             <a:fld id="{C297F656-AC51-4644-BEED-4EC8694262A0}" type="datetimeFigureOut">
               <a:rPr lang="pt-BR" smtClean="0"/>
-              <a:t>09/08/2018</a:t>
+              <a:t>15/08/2018</a:t>
             </a:fld>
             <a:endParaRPr lang="pt-BR"/>
           </a:p>
@@ -1252,7 +1255,7 @@
           <a:p>
             <a:fld id="{C297F656-AC51-4644-BEED-4EC8694262A0}" type="datetimeFigureOut">
               <a:rPr lang="pt-BR" smtClean="0"/>
-              <a:t>09/08/2018</a:t>
+              <a:t>15/08/2018</a:t>
             </a:fld>
             <a:endParaRPr lang="pt-BR"/>
           </a:p>
@@ -1619,7 +1622,7 @@
           <a:p>
             <a:fld id="{C297F656-AC51-4644-BEED-4EC8694262A0}" type="datetimeFigureOut">
               <a:rPr lang="pt-BR" smtClean="0"/>
-              <a:t>09/08/2018</a:t>
+              <a:t>15/08/2018</a:t>
             </a:fld>
             <a:endParaRPr lang="pt-BR"/>
           </a:p>
@@ -1737,7 +1740,7 @@
           <a:p>
             <a:fld id="{C297F656-AC51-4644-BEED-4EC8694262A0}" type="datetimeFigureOut">
               <a:rPr lang="pt-BR" smtClean="0"/>
-              <a:t>09/08/2018</a:t>
+              <a:t>15/08/2018</a:t>
             </a:fld>
             <a:endParaRPr lang="pt-BR"/>
           </a:p>
@@ -1832,7 +1835,7 @@
           <a:p>
             <a:fld id="{C297F656-AC51-4644-BEED-4EC8694262A0}" type="datetimeFigureOut">
               <a:rPr lang="pt-BR" smtClean="0"/>
-              <a:t>09/08/2018</a:t>
+              <a:t>15/08/2018</a:t>
             </a:fld>
             <a:endParaRPr lang="pt-BR"/>
           </a:p>
@@ -2109,7 +2112,7 @@
           <a:p>
             <a:fld id="{C297F656-AC51-4644-BEED-4EC8694262A0}" type="datetimeFigureOut">
               <a:rPr lang="pt-BR" smtClean="0"/>
-              <a:t>09/08/2018</a:t>
+              <a:t>15/08/2018</a:t>
             </a:fld>
             <a:endParaRPr lang="pt-BR"/>
           </a:p>
@@ -2362,7 +2365,7 @@
           <a:p>
             <a:fld id="{C297F656-AC51-4644-BEED-4EC8694262A0}" type="datetimeFigureOut">
               <a:rPr lang="pt-BR" smtClean="0"/>
-              <a:t>09/08/2018</a:t>
+              <a:t>15/08/2018</a:t>
             </a:fld>
             <a:endParaRPr lang="pt-BR"/>
           </a:p>
@@ -2575,7 +2578,7 @@
           <a:p>
             <a:fld id="{C297F656-AC51-4644-BEED-4EC8694262A0}" type="datetimeFigureOut">
               <a:rPr lang="pt-BR" smtClean="0"/>
-              <a:t>09/08/2018</a:t>
+              <a:t>15/08/2018</a:t>
             </a:fld>
             <a:endParaRPr lang="pt-BR"/>
           </a:p>
@@ -3014,21 +3017,7 @@
                 <a:latin typeface="Times New Roman" panose="02020603050405020304" pitchFamily="18" charset="0"/>
                 <a:cs typeface="Times New Roman" panose="02020603050405020304" pitchFamily="18" charset="0"/>
               </a:rPr>
-              <a:t>RECOMENDAÇÃO </a:t>
-            </a:r>
-            <a:r>
-              <a:rPr lang="pt-BR" b="1" dirty="0" smtClean="0">
-                <a:effectLst>
-                  <a:outerShdw blurRad="38100" dist="38100" dir="2700000" algn="tl">
-                    <a:srgbClr val="000000">
-                      <a:alpha val="43137"/>
-                    </a:srgbClr>
-                  </a:outerShdw>
-                </a:effectLst>
-                <a:latin typeface="Times New Roman" panose="02020603050405020304" pitchFamily="18" charset="0"/>
-                <a:cs typeface="Times New Roman" panose="02020603050405020304" pitchFamily="18" charset="0"/>
-              </a:rPr>
-              <a:t>DE JOGOS</a:t>
+              <a:t>RECOMENDAÇÃO DE JOGOS</a:t>
             </a:r>
             <a:endParaRPr lang="pt-BR" dirty="0">
               <a:effectLst>
@@ -3165,7 +3154,7 @@
           <a:p>
             <a:pPr algn="ctr"/>
             <a:r>
-              <a:rPr lang="pt-BR" sz="5400" b="1" dirty="0" smtClean="0">
+              <a:rPr lang="pt-BR" sz="5400" b="1" dirty="0" err="1" smtClean="0">
                 <a:effectLst>
                   <a:outerShdw blurRad="38100" dist="38100" dir="2700000" algn="tl">
                     <a:srgbClr val="000000">
@@ -3176,7 +3165,7 @@
                 <a:latin typeface="Times New Roman" panose="02020603050405020304" pitchFamily="18" charset="0"/>
                 <a:cs typeface="Times New Roman" panose="02020603050405020304" pitchFamily="18" charset="0"/>
               </a:rPr>
-              <a:t>Resultado</a:t>
+              <a:t>Pseudo-Código</a:t>
             </a:r>
             <a:endParaRPr lang="pt-BR" sz="5400" b="1" dirty="0">
               <a:effectLst>
@@ -3218,6 +3207,646 @@
           <a:noFill/>
         </p:spPr>
       </p:pic>
+      <p:pic>
+        <p:nvPicPr>
+          <p:cNvPr id="15" name="Picture 26" descr="Resultado de imagem para mortal kombat x icon png"/>
+          <p:cNvPicPr>
+            <a:picLocks noChangeAspect="1" noChangeArrowheads="1"/>
+          </p:cNvPicPr>
+          <p:nvPr/>
+        </p:nvPicPr>
+        <p:blipFill>
+          <a:blip r:embed="rId3" cstate="print">
+            <a:extLst>
+              <a:ext uri="{28A0092B-C50C-407E-A947-70E740481C1C}">
+                <a14:useLocalDpi xmlns:a14="http://schemas.microsoft.com/office/drawing/2010/main" val="0"/>
+              </a:ext>
+            </a:extLst>
+          </a:blip>
+          <a:srcRect/>
+          <a:stretch>
+            <a:fillRect/>
+          </a:stretch>
+        </p:blipFill>
+        <p:spPr bwMode="auto">
+          <a:xfrm>
+            <a:off x="10438522" y="365125"/>
+            <a:ext cx="915278" cy="937245"/>
+          </a:xfrm>
+          <a:prstGeom prst="rect">
+            <a:avLst/>
+          </a:prstGeom>
+          <a:noFill/>
+          <a:extLst>
+            <a:ext uri="{909E8E84-426E-40DD-AFC4-6F175D3DCCD1}">
+              <a14:hiddenFill xmlns:a14="http://schemas.microsoft.com/office/drawing/2010/main">
+                <a:solidFill>
+                  <a:srgbClr val="FFFFFF"/>
+                </a:solidFill>
+              </a14:hiddenFill>
+            </a:ext>
+          </a:extLst>
+        </p:spPr>
+      </p:pic>
+      <p:sp>
+        <p:nvSpPr>
+          <p:cNvPr id="6" name="Caixa de Texto 2"/>
+          <p:cNvSpPr txBox="1">
+            <a:spLocks noGrp="1" noChangeArrowheads="1"/>
+          </p:cNvSpPr>
+          <p:nvPr>
+            <p:ph idx="1"/>
+          </p:nvPr>
+        </p:nvSpPr>
+        <p:spPr bwMode="auto">
+          <a:xfrm>
+            <a:off x="838200" y="1825625"/>
+            <a:ext cx="10515600" cy="4016484"/>
+          </a:xfrm>
+          <a:prstGeom prst="rect">
+            <a:avLst/>
+          </a:prstGeom>
+          <a:solidFill>
+            <a:srgbClr val="FFFFFF"/>
+          </a:solidFill>
+          <a:ln w="9525">
+            <a:solidFill>
+              <a:srgbClr val="000000"/>
+            </a:solidFill>
+            <a:miter lim="800000"/>
+            <a:headEnd/>
+            <a:tailEnd/>
+          </a:ln>
+        </p:spPr>
+        <p:txBody>
+          <a:bodyPr rot="0" vert="horz" wrap="square" lIns="91440" tIns="45720" rIns="91440" bIns="45720" anchor="t" anchorCtr="0">
+            <a:spAutoFit/>
+          </a:bodyPr>
+          <a:lstStyle/>
+          <a:p>
+            <a:pPr marL="457200" indent="-228600" algn="just">
+              <a:spcBef>
+                <a:spcPts val="600"/>
+              </a:spcBef>
+              <a:spcAft>
+                <a:spcPts val="0"/>
+              </a:spcAft>
+              <a:buFont typeface="+mj-lt"/>
+              <a:buAutoNum type="arabicPeriod"/>
+              <a:tabLst>
+                <a:tab pos="457200" algn="l"/>
+              </a:tabLst>
+            </a:pPr>
+            <a:r>
+              <a:rPr lang="en-US" sz="2000" b="1" dirty="0" err="1">
+                <a:effectLst/>
+                <a:latin typeface="Times" panose="02020603050405020304" pitchFamily="18" charset="0"/>
+                <a:ea typeface="Times New Roman" panose="02020603050405020304" pitchFamily="18" charset="0"/>
+                <a:cs typeface="Times New Roman" panose="02020603050405020304" pitchFamily="18" charset="0"/>
+              </a:rPr>
+              <a:t>Inicialização</a:t>
+            </a:r>
+            <a:r>
+              <a:rPr lang="en-US" sz="2000" b="1" dirty="0">
+                <a:effectLst/>
+                <a:latin typeface="Times" panose="02020603050405020304" pitchFamily="18" charset="0"/>
+                <a:ea typeface="Times New Roman" panose="02020603050405020304" pitchFamily="18" charset="0"/>
+                <a:cs typeface="Times New Roman" panose="02020603050405020304" pitchFamily="18" charset="0"/>
+              </a:rPr>
+              <a:t>:</a:t>
+            </a:r>
+            <a:endParaRPr lang="pt-BR" sz="2000" dirty="0">
+              <a:effectLst/>
+              <a:latin typeface="Times" panose="02020603050405020304" pitchFamily="18" charset="0"/>
+              <a:ea typeface="Times New Roman" panose="02020603050405020304" pitchFamily="18" charset="0"/>
+              <a:cs typeface="Times New Roman" panose="02020603050405020304" pitchFamily="18" charset="0"/>
+            </a:endParaRPr>
+          </a:p>
+          <a:p>
+            <a:pPr marL="457200" indent="-228600" algn="just">
+              <a:spcAft>
+                <a:spcPts val="0"/>
+              </a:spcAft>
+              <a:buFont typeface="+mj-lt"/>
+              <a:buAutoNum type="arabicPeriod"/>
+              <a:tabLst>
+                <a:tab pos="457200" algn="l"/>
+              </a:tabLst>
+            </a:pPr>
+            <a:r>
+              <a:rPr lang="en-US" sz="2000" dirty="0">
+                <a:effectLst/>
+                <a:latin typeface="Times" panose="02020603050405020304" pitchFamily="18" charset="0"/>
+                <a:ea typeface="Times New Roman" panose="02020603050405020304" pitchFamily="18" charset="0"/>
+                <a:cs typeface="Times New Roman" panose="02020603050405020304" pitchFamily="18" charset="0"/>
+              </a:rPr>
+              <a:t>          </a:t>
+            </a:r>
+            <a:r>
+              <a:rPr lang="en-US" sz="2000" dirty="0" err="1">
+                <a:effectLst/>
+                <a:latin typeface="Times" panose="02020603050405020304" pitchFamily="18" charset="0"/>
+                <a:ea typeface="Times New Roman" panose="02020603050405020304" pitchFamily="18" charset="0"/>
+                <a:cs typeface="Times New Roman" panose="02020603050405020304" pitchFamily="18" charset="0"/>
+              </a:rPr>
+              <a:t>Recebe</a:t>
+            </a:r>
+            <a:r>
+              <a:rPr lang="en-US" sz="2000" dirty="0">
+                <a:effectLst/>
+                <a:latin typeface="Times" panose="02020603050405020304" pitchFamily="18" charset="0"/>
+                <a:ea typeface="Times New Roman" panose="02020603050405020304" pitchFamily="18" charset="0"/>
+                <a:cs typeface="Times New Roman" panose="02020603050405020304" pitchFamily="18" charset="0"/>
+              </a:rPr>
+              <a:t> o dataset;</a:t>
+            </a:r>
+            <a:endParaRPr lang="pt-BR" sz="2000" dirty="0">
+              <a:effectLst/>
+              <a:latin typeface="Times" panose="02020603050405020304" pitchFamily="18" charset="0"/>
+              <a:ea typeface="Times New Roman" panose="02020603050405020304" pitchFamily="18" charset="0"/>
+              <a:cs typeface="Times New Roman" panose="02020603050405020304" pitchFamily="18" charset="0"/>
+            </a:endParaRPr>
+          </a:p>
+          <a:p>
+            <a:pPr marL="457200" indent="-228600" algn="just">
+              <a:spcAft>
+                <a:spcPts val="0"/>
+              </a:spcAft>
+              <a:buFont typeface="+mj-lt"/>
+              <a:buAutoNum type="arabicPeriod"/>
+              <a:tabLst>
+                <a:tab pos="457200" algn="l"/>
+              </a:tabLst>
+            </a:pPr>
+            <a:r>
+              <a:rPr lang="en-US" sz="2000" dirty="0">
+                <a:effectLst/>
+                <a:latin typeface="Times" panose="02020603050405020304" pitchFamily="18" charset="0"/>
+                <a:ea typeface="Times New Roman" panose="02020603050405020304" pitchFamily="18" charset="0"/>
+                <a:cs typeface="Times New Roman" panose="02020603050405020304" pitchFamily="18" charset="0"/>
+              </a:rPr>
+              <a:t>          </a:t>
+            </a:r>
+            <a:r>
+              <a:rPr lang="en-US" sz="2000" dirty="0" err="1">
+                <a:effectLst/>
+                <a:latin typeface="Times" panose="02020603050405020304" pitchFamily="18" charset="0"/>
+                <a:ea typeface="Times New Roman" panose="02020603050405020304" pitchFamily="18" charset="0"/>
+                <a:cs typeface="Times New Roman" panose="02020603050405020304" pitchFamily="18" charset="0"/>
+              </a:rPr>
+              <a:t>Receba</a:t>
+            </a:r>
+            <a:r>
+              <a:rPr lang="en-US" sz="2000" dirty="0">
+                <a:effectLst/>
+                <a:latin typeface="Times" panose="02020603050405020304" pitchFamily="18" charset="0"/>
+                <a:ea typeface="Times New Roman" panose="02020603050405020304" pitchFamily="18" charset="0"/>
+                <a:cs typeface="Times New Roman" panose="02020603050405020304" pitchFamily="18" charset="0"/>
+              </a:rPr>
+              <a:t> </a:t>
+            </a:r>
+            <a:r>
+              <a:rPr lang="en-US" sz="2000" dirty="0" err="1">
+                <a:effectLst/>
+                <a:latin typeface="Times" panose="02020603050405020304" pitchFamily="18" charset="0"/>
+                <a:ea typeface="Times New Roman" panose="02020603050405020304" pitchFamily="18" charset="0"/>
+                <a:cs typeface="Times New Roman" panose="02020603050405020304" pitchFamily="18" charset="0"/>
+              </a:rPr>
+              <a:t>os</a:t>
+            </a:r>
+            <a:r>
+              <a:rPr lang="en-US" sz="2000" dirty="0">
+                <a:effectLst/>
+                <a:latin typeface="Times" panose="02020603050405020304" pitchFamily="18" charset="0"/>
+                <a:ea typeface="Times New Roman" panose="02020603050405020304" pitchFamily="18" charset="0"/>
+                <a:cs typeface="Times New Roman" panose="02020603050405020304" pitchFamily="18" charset="0"/>
+              </a:rPr>
+              <a:t> </a:t>
+            </a:r>
+            <a:r>
+              <a:rPr lang="en-US" sz="2000" dirty="0" err="1">
+                <a:effectLst/>
+                <a:latin typeface="Times" panose="02020603050405020304" pitchFamily="18" charset="0"/>
+                <a:ea typeface="Times New Roman" panose="02020603050405020304" pitchFamily="18" charset="0"/>
+                <a:cs typeface="Times New Roman" panose="02020603050405020304" pitchFamily="18" charset="0"/>
+              </a:rPr>
+              <a:t>jogos</a:t>
+            </a:r>
+            <a:r>
+              <a:rPr lang="en-US" sz="2000" dirty="0">
+                <a:effectLst/>
+                <a:latin typeface="Times" panose="02020603050405020304" pitchFamily="18" charset="0"/>
+                <a:ea typeface="Times New Roman" panose="02020603050405020304" pitchFamily="18" charset="0"/>
+                <a:cs typeface="Times New Roman" panose="02020603050405020304" pitchFamily="18" charset="0"/>
+              </a:rPr>
+              <a:t> do </a:t>
+            </a:r>
+            <a:r>
+              <a:rPr lang="en-US" sz="2000" dirty="0" err="1">
+                <a:effectLst/>
+                <a:latin typeface="Times" panose="02020603050405020304" pitchFamily="18" charset="0"/>
+                <a:ea typeface="Times New Roman" panose="02020603050405020304" pitchFamily="18" charset="0"/>
+                <a:cs typeface="Times New Roman" panose="02020603050405020304" pitchFamily="18" charset="0"/>
+              </a:rPr>
+              <a:t>usuário</a:t>
+            </a:r>
+            <a:endParaRPr lang="pt-BR" sz="2000" dirty="0">
+              <a:effectLst/>
+              <a:latin typeface="Times" panose="02020603050405020304" pitchFamily="18" charset="0"/>
+              <a:ea typeface="Times New Roman" panose="02020603050405020304" pitchFamily="18" charset="0"/>
+              <a:cs typeface="Times New Roman" panose="02020603050405020304" pitchFamily="18" charset="0"/>
+            </a:endParaRPr>
+          </a:p>
+          <a:p>
+            <a:pPr marL="457200" indent="-228600" algn="just">
+              <a:spcAft>
+                <a:spcPts val="0"/>
+              </a:spcAft>
+              <a:buFont typeface="+mj-lt"/>
+              <a:buAutoNum type="arabicPeriod"/>
+              <a:tabLst>
+                <a:tab pos="457200" algn="l"/>
+              </a:tabLst>
+            </a:pPr>
+            <a:r>
+              <a:rPr lang="pt-BR" sz="2000" b="1" dirty="0">
+                <a:effectLst/>
+                <a:latin typeface="Times" panose="02020603050405020304" pitchFamily="18" charset="0"/>
+                <a:ea typeface="Times New Roman" panose="02020603050405020304" pitchFamily="18" charset="0"/>
+                <a:cs typeface="Times" panose="02020603050405020304" pitchFamily="18" charset="0"/>
+              </a:rPr>
+              <a:t>para </a:t>
+            </a:r>
+            <a:r>
+              <a:rPr lang="pt-BR" sz="2000" dirty="0">
+                <a:effectLst/>
+                <a:latin typeface="Times" panose="02020603050405020304" pitchFamily="18" charset="0"/>
+                <a:ea typeface="Times New Roman" panose="02020603050405020304" pitchFamily="18" charset="0"/>
+                <a:cs typeface="Times" panose="02020603050405020304" pitchFamily="18" charset="0"/>
+              </a:rPr>
+              <a:t>cada novo jogo que o usuário inserir </a:t>
+            </a:r>
+            <a:r>
+              <a:rPr lang="pt-BR" sz="2000" b="1" dirty="0">
+                <a:effectLst/>
+                <a:latin typeface="Times" panose="02020603050405020304" pitchFamily="18" charset="0"/>
+                <a:ea typeface="Times New Roman" panose="02020603050405020304" pitchFamily="18" charset="0"/>
+                <a:cs typeface="Times" panose="02020603050405020304" pitchFamily="18" charset="0"/>
+              </a:rPr>
+              <a:t>faça</a:t>
+            </a:r>
+            <a:endParaRPr lang="pt-BR" sz="2000" dirty="0">
+              <a:effectLst/>
+              <a:latin typeface="Times" panose="02020603050405020304" pitchFamily="18" charset="0"/>
+              <a:ea typeface="Times New Roman" panose="02020603050405020304" pitchFamily="18" charset="0"/>
+              <a:cs typeface="Times New Roman" panose="02020603050405020304" pitchFamily="18" charset="0"/>
+            </a:endParaRPr>
+          </a:p>
+          <a:p>
+            <a:pPr marL="457200" indent="-228600" algn="just">
+              <a:spcAft>
+                <a:spcPts val="0"/>
+              </a:spcAft>
+              <a:buFont typeface="+mj-lt"/>
+              <a:buAutoNum type="arabicPeriod"/>
+              <a:tabLst>
+                <a:tab pos="457200" algn="l"/>
+              </a:tabLst>
+            </a:pPr>
+            <a:r>
+              <a:rPr lang="pt-BR" sz="2000" b="1" dirty="0">
+                <a:effectLst/>
+                <a:latin typeface="Times" panose="02020603050405020304" pitchFamily="18" charset="0"/>
+                <a:ea typeface="Times New Roman" panose="02020603050405020304" pitchFamily="18" charset="0"/>
+                <a:cs typeface="Times" panose="02020603050405020304" pitchFamily="18" charset="0"/>
+              </a:rPr>
+              <a:t>          </a:t>
+            </a:r>
+            <a:r>
+              <a:rPr lang="pt-BR" sz="2000" dirty="0">
+                <a:effectLst/>
+                <a:latin typeface="Times" panose="02020603050405020304" pitchFamily="18" charset="0"/>
+                <a:ea typeface="Times New Roman" panose="02020603050405020304" pitchFamily="18" charset="0"/>
+                <a:cs typeface="Times" panose="02020603050405020304" pitchFamily="18" charset="0"/>
+              </a:rPr>
+              <a:t>Calcula a distância da amostra do usuário para as amostras do </a:t>
+            </a:r>
+            <a:r>
+              <a:rPr lang="pt-BR" sz="2000" dirty="0" err="1">
+                <a:effectLst/>
+                <a:latin typeface="Times" panose="02020603050405020304" pitchFamily="18" charset="0"/>
+                <a:ea typeface="Times New Roman" panose="02020603050405020304" pitchFamily="18" charset="0"/>
+                <a:cs typeface="Times" panose="02020603050405020304" pitchFamily="18" charset="0"/>
+              </a:rPr>
+              <a:t>dataset</a:t>
+            </a:r>
+            <a:endParaRPr lang="pt-BR" sz="2000" dirty="0">
+              <a:effectLst/>
+              <a:latin typeface="Times" panose="02020603050405020304" pitchFamily="18" charset="0"/>
+              <a:ea typeface="Times New Roman" panose="02020603050405020304" pitchFamily="18" charset="0"/>
+              <a:cs typeface="Times New Roman" panose="02020603050405020304" pitchFamily="18" charset="0"/>
+            </a:endParaRPr>
+          </a:p>
+          <a:p>
+            <a:pPr marL="457200" indent="-228600" algn="just">
+              <a:spcAft>
+                <a:spcPts val="0"/>
+              </a:spcAft>
+              <a:buFont typeface="+mj-lt"/>
+              <a:buAutoNum type="arabicPeriod"/>
+              <a:tabLst>
+                <a:tab pos="457200" algn="l"/>
+              </a:tabLst>
+            </a:pPr>
+            <a:r>
+              <a:rPr lang="pt-BR" sz="2000" dirty="0">
+                <a:effectLst/>
+                <a:latin typeface="Times" panose="02020603050405020304" pitchFamily="18" charset="0"/>
+                <a:ea typeface="Times New Roman" panose="02020603050405020304" pitchFamily="18" charset="0"/>
+                <a:cs typeface="Times" panose="02020603050405020304" pitchFamily="18" charset="0"/>
+              </a:rPr>
+              <a:t>          Determinar os </a:t>
+            </a:r>
+            <a:r>
+              <a:rPr lang="pt-BR" sz="2000" b="1" dirty="0">
+                <a:effectLst/>
+                <a:latin typeface="Times" panose="02020603050405020304" pitchFamily="18" charset="0"/>
+                <a:ea typeface="Times New Roman" panose="02020603050405020304" pitchFamily="18" charset="0"/>
+                <a:cs typeface="Times" panose="02020603050405020304" pitchFamily="18" charset="0"/>
+              </a:rPr>
+              <a:t>K</a:t>
+            </a:r>
+            <a:r>
+              <a:rPr lang="pt-BR" sz="2000" dirty="0">
+                <a:effectLst/>
+                <a:latin typeface="Times" panose="02020603050405020304" pitchFamily="18" charset="0"/>
+                <a:ea typeface="Times New Roman" panose="02020603050405020304" pitchFamily="18" charset="0"/>
+                <a:cs typeface="Times" panose="02020603050405020304" pitchFamily="18" charset="0"/>
+              </a:rPr>
+              <a:t> mais próximos </a:t>
+            </a:r>
+            <a:endParaRPr lang="pt-BR" sz="2000" dirty="0">
+              <a:effectLst/>
+              <a:latin typeface="Times" panose="02020603050405020304" pitchFamily="18" charset="0"/>
+              <a:ea typeface="Times New Roman" panose="02020603050405020304" pitchFamily="18" charset="0"/>
+              <a:cs typeface="Times New Roman" panose="02020603050405020304" pitchFamily="18" charset="0"/>
+            </a:endParaRPr>
+          </a:p>
+          <a:p>
+            <a:pPr marL="457200" indent="-228600" algn="just">
+              <a:spcAft>
+                <a:spcPts val="0"/>
+              </a:spcAft>
+              <a:buFont typeface="+mj-lt"/>
+              <a:buAutoNum type="arabicPeriod"/>
+              <a:tabLst>
+                <a:tab pos="457200" algn="l"/>
+              </a:tabLst>
+            </a:pPr>
+            <a:r>
+              <a:rPr lang="pt-BR" sz="2000" dirty="0">
+                <a:effectLst/>
+                <a:latin typeface="Times" panose="02020603050405020304" pitchFamily="18" charset="0"/>
+                <a:ea typeface="Times New Roman" panose="02020603050405020304" pitchFamily="18" charset="0"/>
+                <a:cs typeface="Times" panose="02020603050405020304" pitchFamily="18" charset="0"/>
+              </a:rPr>
+              <a:t>          O rótulo com maior similaridade e tiver maior índice de recomendação</a:t>
+            </a:r>
+            <a:endParaRPr lang="pt-BR" sz="2000" dirty="0">
+              <a:effectLst/>
+              <a:latin typeface="Times" panose="02020603050405020304" pitchFamily="18" charset="0"/>
+              <a:ea typeface="Times New Roman" panose="02020603050405020304" pitchFamily="18" charset="0"/>
+              <a:cs typeface="Times New Roman" panose="02020603050405020304" pitchFamily="18" charset="0"/>
+            </a:endParaRPr>
+          </a:p>
+          <a:p>
+            <a:pPr marL="457200" indent="-228600" algn="just">
+              <a:spcAft>
+                <a:spcPts val="0"/>
+              </a:spcAft>
+              <a:buFont typeface="+mj-lt"/>
+              <a:buAutoNum type="arabicPeriod"/>
+              <a:tabLst>
+                <a:tab pos="457200" algn="l"/>
+              </a:tabLst>
+            </a:pPr>
+            <a:r>
+              <a:rPr lang="pt-BR" sz="2000" b="1" dirty="0">
+                <a:effectLst/>
+                <a:latin typeface="Times" panose="02020603050405020304" pitchFamily="18" charset="0"/>
+                <a:ea typeface="Times New Roman" panose="02020603050405020304" pitchFamily="18" charset="0"/>
+                <a:cs typeface="Times New Roman" panose="02020603050405020304" pitchFamily="18" charset="0"/>
+              </a:rPr>
+              <a:t>          </a:t>
+            </a:r>
+            <a:r>
+              <a:rPr lang="pt-BR" sz="2000" dirty="0">
+                <a:effectLst/>
+                <a:latin typeface="Times" panose="02020603050405020304" pitchFamily="18" charset="0"/>
+                <a:ea typeface="Times New Roman" panose="02020603050405020304" pitchFamily="18" charset="0"/>
+                <a:cs typeface="Times" panose="02020603050405020304" pitchFamily="18" charset="0"/>
+              </a:rPr>
+              <a:t>no conjunto dos </a:t>
+            </a:r>
+            <a:r>
+              <a:rPr lang="pt-BR" sz="2000" b="1" dirty="0">
+                <a:effectLst/>
+                <a:latin typeface="Times" panose="02020603050405020304" pitchFamily="18" charset="0"/>
+                <a:ea typeface="Times New Roman" panose="02020603050405020304" pitchFamily="18" charset="0"/>
+                <a:cs typeface="Times" panose="02020603050405020304" pitchFamily="18" charset="0"/>
+              </a:rPr>
+              <a:t>K </a:t>
+            </a:r>
+            <a:r>
+              <a:rPr lang="pt-BR" sz="2000" dirty="0">
+                <a:effectLst/>
+                <a:latin typeface="Times" panose="02020603050405020304" pitchFamily="18" charset="0"/>
+                <a:ea typeface="Times New Roman" panose="02020603050405020304" pitchFamily="18" charset="0"/>
+                <a:cs typeface="Times" panose="02020603050405020304" pitchFamily="18" charset="0"/>
+              </a:rPr>
+              <a:t>vizinhos será o escolhido</a:t>
+            </a:r>
+            <a:endParaRPr lang="pt-BR" sz="2000" dirty="0">
+              <a:effectLst/>
+              <a:latin typeface="Times" panose="02020603050405020304" pitchFamily="18" charset="0"/>
+              <a:ea typeface="Times New Roman" panose="02020603050405020304" pitchFamily="18" charset="0"/>
+              <a:cs typeface="Times New Roman" panose="02020603050405020304" pitchFamily="18" charset="0"/>
+            </a:endParaRPr>
+          </a:p>
+          <a:p>
+            <a:pPr marL="457200" indent="-228600" algn="just">
+              <a:spcAft>
+                <a:spcPts val="0"/>
+              </a:spcAft>
+              <a:buFont typeface="+mj-lt"/>
+              <a:buAutoNum type="arabicPeriod"/>
+              <a:tabLst>
+                <a:tab pos="457200" algn="l"/>
+              </a:tabLst>
+            </a:pPr>
+            <a:r>
+              <a:rPr lang="pt-BR" sz="2000" b="1" dirty="0">
+                <a:effectLst/>
+                <a:latin typeface="Times" panose="02020603050405020304" pitchFamily="18" charset="0"/>
+                <a:ea typeface="Times New Roman" panose="02020603050405020304" pitchFamily="18" charset="0"/>
+                <a:cs typeface="Times" panose="02020603050405020304" pitchFamily="18" charset="0"/>
+              </a:rPr>
+              <a:t>fim para</a:t>
+            </a:r>
+            <a:endParaRPr lang="pt-BR" sz="2000" dirty="0">
+              <a:effectLst/>
+              <a:latin typeface="Times" panose="02020603050405020304" pitchFamily="18" charset="0"/>
+              <a:ea typeface="Times New Roman" panose="02020603050405020304" pitchFamily="18" charset="0"/>
+              <a:cs typeface="Times New Roman" panose="02020603050405020304" pitchFamily="18" charset="0"/>
+            </a:endParaRPr>
+          </a:p>
+          <a:p>
+            <a:pPr marL="457200" indent="-228600" algn="just">
+              <a:spcAft>
+                <a:spcPts val="0"/>
+              </a:spcAft>
+              <a:buFont typeface="+mj-lt"/>
+              <a:buAutoNum type="arabicPeriod"/>
+              <a:tabLst>
+                <a:tab pos="457200" algn="l"/>
+              </a:tabLst>
+            </a:pPr>
+            <a:r>
+              <a:rPr lang="pt-BR" sz="2000" b="1" dirty="0">
+                <a:effectLst/>
+                <a:latin typeface="Times" panose="02020603050405020304" pitchFamily="18" charset="0"/>
+                <a:ea typeface="Times New Roman" panose="02020603050405020304" pitchFamily="18" charset="0"/>
+                <a:cs typeface="Times" panose="02020603050405020304" pitchFamily="18" charset="0"/>
+              </a:rPr>
+              <a:t>retornar: </a:t>
+            </a:r>
+            <a:r>
+              <a:rPr lang="pt-BR" sz="2000" dirty="0">
+                <a:effectLst/>
+                <a:latin typeface="Times" panose="02020603050405020304" pitchFamily="18" charset="0"/>
+                <a:ea typeface="Times New Roman" panose="02020603050405020304" pitchFamily="18" charset="0"/>
+                <a:cs typeface="Times" panose="02020603050405020304" pitchFamily="18" charset="0"/>
+              </a:rPr>
+              <a:t>jogo escolhido</a:t>
+            </a:r>
+            <a:endParaRPr lang="pt-BR" sz="2000" dirty="0">
+              <a:effectLst/>
+              <a:latin typeface="Times" panose="02020603050405020304" pitchFamily="18" charset="0"/>
+              <a:ea typeface="Times New Roman" panose="02020603050405020304" pitchFamily="18" charset="0"/>
+              <a:cs typeface="Times New Roman" panose="02020603050405020304" pitchFamily="18" charset="0"/>
+            </a:endParaRPr>
+          </a:p>
+        </p:txBody>
+      </p:sp>
+    </p:spTree>
+    <p:extLst>
+      <p:ext uri="{BB962C8B-B14F-4D97-AF65-F5344CB8AC3E}">
+        <p14:creationId xmlns:p14="http://schemas.microsoft.com/office/powerpoint/2010/main" val="3607148027"/>
+      </p:ext>
+    </p:extLst>
+  </p:cSld>
+  <p:clrMapOvr>
+    <a:masterClrMapping/>
+  </p:clrMapOvr>
+  <p:timing>
+    <p:tnLst>
+      <p:par>
+        <p:cTn id="1" dur="indefinite" restart="never" nodeType="tmRoot"/>
+      </p:par>
+    </p:tnLst>
+  </p:timing>
+</p:sld>
+</file>
+
+<file path=ppt/slides/slide11.xml><?xml version="1.0" encoding="utf-8"?>
+<p:sld xmlns:a="http://schemas.openxmlformats.org/drawingml/2006/main" xmlns:r="http://schemas.openxmlformats.org/officeDocument/2006/relationships" xmlns:p="http://schemas.openxmlformats.org/presentationml/2006/main">
+  <p:cSld>
+    <p:spTree>
+      <p:nvGrpSpPr>
+        <p:cNvPr id="1" name=""/>
+        <p:cNvGrpSpPr/>
+        <p:nvPr/>
+      </p:nvGrpSpPr>
+      <p:grpSpPr>
+        <a:xfrm>
+          <a:off x="0" y="0"/>
+          <a:ext cx="0" cy="0"/>
+          <a:chOff x="0" y="0"/>
+          <a:chExt cx="0" cy="0"/>
+        </a:xfrm>
+      </p:grpSpPr>
+      <p:sp>
+        <p:nvSpPr>
+          <p:cNvPr id="2" name="Título 1"/>
+          <p:cNvSpPr>
+            <a:spLocks noGrp="1"/>
+          </p:cNvSpPr>
+          <p:nvPr>
+            <p:ph type="title"/>
+          </p:nvPr>
+        </p:nvSpPr>
+        <p:spPr/>
+        <p:txBody>
+          <a:bodyPr>
+            <a:normAutofit/>
+          </a:bodyPr>
+          <a:lstStyle/>
+          <a:p>
+            <a:pPr algn="ctr"/>
+            <a:r>
+              <a:rPr lang="pt-BR" sz="5400" b="1" dirty="0" smtClean="0">
+                <a:effectLst>
+                  <a:outerShdw blurRad="38100" dist="38100" dir="2700000" algn="tl">
+                    <a:srgbClr val="000000">
+                      <a:alpha val="43137"/>
+                    </a:srgbClr>
+                  </a:outerShdw>
+                </a:effectLst>
+                <a:latin typeface="Times New Roman" panose="02020603050405020304" pitchFamily="18" charset="0"/>
+                <a:cs typeface="Times New Roman" panose="02020603050405020304" pitchFamily="18" charset="0"/>
+              </a:rPr>
+              <a:t>Resultados</a:t>
+            </a:r>
+            <a:endParaRPr lang="pt-BR" sz="5400" b="1" dirty="0">
+              <a:effectLst>
+                <a:outerShdw blurRad="38100" dist="38100" dir="2700000" algn="tl">
+                  <a:srgbClr val="000000">
+                    <a:alpha val="43137"/>
+                  </a:srgbClr>
+                </a:outerShdw>
+              </a:effectLst>
+              <a:latin typeface="Times New Roman" panose="02020603050405020304" pitchFamily="18" charset="0"/>
+              <a:cs typeface="Times New Roman" panose="02020603050405020304" pitchFamily="18" charset="0"/>
+            </a:endParaRPr>
+          </a:p>
+        </p:txBody>
+      </p:sp>
+      <p:pic>
+        <p:nvPicPr>
+          <p:cNvPr id="4" name="Picture 2" descr="C:\Users\thiago\Desktop\Estudo BCC\introdução à Ciência da computação\Trabalho ICC\UFRPE Imagem.jpg"/>
+          <p:cNvPicPr>
+            <a:picLocks noChangeAspect="1" noChangeArrowheads="1"/>
+          </p:cNvPicPr>
+          <p:nvPr/>
+        </p:nvPicPr>
+        <p:blipFill>
+          <a:blip r:embed="rId2" cstate="print"/>
+          <a:srcRect/>
+          <a:stretch>
+            <a:fillRect/>
+          </a:stretch>
+        </p:blipFill>
+        <p:spPr bwMode="auto">
+          <a:xfrm>
+            <a:off x="11148392" y="5606494"/>
+            <a:ext cx="1043608" cy="1251506"/>
+          </a:xfrm>
+          <a:prstGeom prst="rect">
+            <a:avLst/>
+          </a:prstGeom>
+          <a:noFill/>
+        </p:spPr>
+      </p:pic>
       <p:sp>
         <p:nvSpPr>
           <p:cNvPr id="9" name="Espaço Reservado para Conteúdo 8"/>
@@ -3233,2567 +3862,75 @@
           <a:bodyPr/>
           <a:lstStyle/>
           <a:p>
+            <a:endParaRPr lang="pt-BR" dirty="0" smtClean="0"/>
+          </a:p>
+          <a:p>
             <a:r>
               <a:rPr lang="pt-BR" dirty="0" smtClean="0"/>
-              <a:t>K = 5, </a:t>
+              <a:t>Outros índices de similaridades: Distância de Manhattan(Com e sem </a:t>
+            </a:r>
+            <a:r>
+              <a:rPr lang="pt-BR" dirty="0" err="1" smtClean="0"/>
+              <a:t>ponderamento</a:t>
             </a:r>
             <a:r>
               <a:rPr lang="pt-BR" dirty="0" smtClean="0"/>
-              <a:t>Dota 2</a:t>
+              <a:t>), Distância Euclidiana</a:t>
             </a:r>
             <a:r>
               <a:rPr lang="pt-BR" dirty="0" smtClean="0"/>
-              <a:t>				K = </a:t>
+              <a:t>(</a:t>
+            </a:r>
+            <a:r>
+              <a:rPr lang="pt-BR" dirty="0"/>
+              <a:t>Com e sem </a:t>
+            </a:r>
+            <a:r>
+              <a:rPr lang="pt-BR" dirty="0" err="1"/>
+              <a:t>ponderamento</a:t>
             </a:r>
             <a:r>
               <a:rPr lang="pt-BR" dirty="0" smtClean="0"/>
-              <a:t>10, Dota 2</a:t>
-            </a:r>
+              <a:t>)</a:t>
+            </a:r>
+          </a:p>
+          <a:p>
+            <a:pPr lvl="1"/>
+            <a:r>
+              <a:rPr lang="pt-BR" dirty="0" smtClean="0"/>
+              <a:t>A distância </a:t>
+            </a:r>
+            <a:r>
+              <a:rPr lang="pt-BR" dirty="0" err="1" smtClean="0"/>
+              <a:t>Hamming</a:t>
+            </a:r>
+            <a:r>
+              <a:rPr lang="pt-BR" dirty="0" smtClean="0"/>
+              <a:t> possuía resultados mais interessantes</a:t>
+            </a:r>
+          </a:p>
+          <a:p>
+            <a:pPr lvl="1"/>
             <a:endParaRPr lang="pt-BR" dirty="0" smtClean="0"/>
           </a:p>
           <a:p>
-            <a:endParaRPr lang="pt-BR" dirty="0" smtClean="0"/>
-          </a:p>
-          <a:p>
+            <a:pPr lvl="1"/>
             <a:endParaRPr lang="pt-BR" dirty="0"/>
           </a:p>
           <a:p>
-            <a:endParaRPr lang="pt-BR" dirty="0" smtClean="0"/>
+            <a:r>
+              <a:rPr lang="pt-BR" dirty="0" smtClean="0"/>
+              <a:t>Não importa o valor de K (número de vizinhos a ser comparados)</a:t>
+            </a:r>
           </a:p>
           <a:p>
             <a:endParaRPr lang="pt-BR" dirty="0"/>
           </a:p>
           <a:p>
-            <a:r>
-              <a:rPr lang="pt-BR" dirty="0" smtClean="0"/>
-              <a:t>K = </a:t>
-            </a:r>
-            <a:r>
-              <a:rPr lang="pt-BR" dirty="0" smtClean="0"/>
-              <a:t>13, Dota 2</a:t>
-            </a:r>
-            <a:r>
-              <a:rPr lang="pt-BR" dirty="0" smtClean="0"/>
-              <a:t>				</a:t>
-            </a:r>
-            <a:r>
-              <a:rPr lang="pt-BR" dirty="0" smtClean="0"/>
-              <a:t>K=35, Dota 2</a:t>
-            </a:r>
             <a:endParaRPr lang="pt-BR" dirty="0"/>
           </a:p>
         </p:txBody>
       </p:sp>
-      <p:graphicFrame>
-        <p:nvGraphicFramePr>
-          <p:cNvPr id="10" name="Tabela 9"/>
-          <p:cNvGraphicFramePr>
-            <a:graphicFrameLocks noGrp="1"/>
-          </p:cNvGraphicFramePr>
-          <p:nvPr>
-            <p:extLst>
-              <p:ext uri="{D42A27DB-BD31-4B8C-83A1-F6EECF244321}">
-                <p14:modId xmlns:p14="http://schemas.microsoft.com/office/powerpoint/2010/main" val="3960515178"/>
-              </p:ext>
-            </p:extLst>
-          </p:nvPr>
-        </p:nvGraphicFramePr>
-        <p:xfrm>
-          <a:off x="838201" y="2426851"/>
-          <a:ext cx="5124718" cy="1143000"/>
-        </p:xfrm>
-        <a:graphic>
-          <a:graphicData uri="http://schemas.openxmlformats.org/drawingml/2006/table">
-            <a:tbl>
-              <a:tblPr firstRow="1" firstCol="1" bandRow="1">
-                <a:tableStyleId>{5C22544A-7EE6-4342-B048-85BDC9FD1C3A}</a:tableStyleId>
-              </a:tblPr>
-              <a:tblGrid>
-                <a:gridCol w="1280770"/>
-                <a:gridCol w="1281316"/>
-                <a:gridCol w="1281316"/>
-                <a:gridCol w="1281316"/>
-              </a:tblGrid>
-              <a:tr h="446143">
-                <a:tc>
-                  <a:txBody>
-                    <a:bodyPr/>
-                    <a:lstStyle/>
-                    <a:p>
-                      <a:pPr algn="ctr">
-                        <a:lnSpc>
-                          <a:spcPct val="150000"/>
-                        </a:lnSpc>
-                        <a:spcAft>
-                          <a:spcPts val="0"/>
-                        </a:spcAft>
-                      </a:pPr>
-                      <a:r>
-                        <a:rPr lang="pt-BR" sz="1000" dirty="0">
-                          <a:effectLst/>
-                        </a:rPr>
-                        <a:t>Distância Euclidiana </a:t>
-                      </a:r>
-                      <a:endParaRPr lang="pt-BR" sz="900" dirty="0">
-                        <a:effectLst/>
-                        <a:latin typeface="Times New Roman" panose="02020603050405020304" pitchFamily="18" charset="0"/>
-                        <a:ea typeface="Times New Roman" panose="02020603050405020304" pitchFamily="18" charset="0"/>
-                        <a:cs typeface="Times New Roman" panose="02020603050405020304" pitchFamily="18" charset="0"/>
-                      </a:endParaRPr>
-                    </a:p>
-                  </a:txBody>
-                  <a:tcPr marL="58911" marR="58911" marT="0" marB="0" anchor="ctr"/>
-                </a:tc>
-                <a:tc>
-                  <a:txBody>
-                    <a:bodyPr/>
-                    <a:lstStyle/>
-                    <a:p>
-                      <a:pPr algn="ctr">
-                        <a:lnSpc>
-                          <a:spcPct val="150000"/>
-                        </a:lnSpc>
-                        <a:spcAft>
-                          <a:spcPts val="0"/>
-                        </a:spcAft>
-                      </a:pPr>
-                      <a:r>
-                        <a:rPr lang="pt-BR" sz="1000">
-                          <a:effectLst/>
-                        </a:rPr>
-                        <a:t>Distância Manhattan</a:t>
-                      </a:r>
-                      <a:endParaRPr lang="pt-BR" sz="900">
-                        <a:effectLst/>
-                        <a:latin typeface="Times New Roman" panose="02020603050405020304" pitchFamily="18" charset="0"/>
-                        <a:ea typeface="Times New Roman" panose="02020603050405020304" pitchFamily="18" charset="0"/>
-                        <a:cs typeface="Times New Roman" panose="02020603050405020304" pitchFamily="18" charset="0"/>
-                      </a:endParaRPr>
-                    </a:p>
-                  </a:txBody>
-                  <a:tcPr marL="58911" marR="58911" marT="0" marB="0" anchor="ctr"/>
-                </a:tc>
-                <a:tc>
-                  <a:txBody>
-                    <a:bodyPr/>
-                    <a:lstStyle/>
-                    <a:p>
-                      <a:pPr algn="ctr">
-                        <a:lnSpc>
-                          <a:spcPct val="150000"/>
-                        </a:lnSpc>
-                        <a:spcAft>
-                          <a:spcPts val="0"/>
-                        </a:spcAft>
-                      </a:pPr>
-                      <a:r>
-                        <a:rPr lang="pt-BR" sz="1000">
-                          <a:effectLst/>
-                        </a:rPr>
-                        <a:t>Distância Manhattan Ponderada</a:t>
-                      </a:r>
-                      <a:endParaRPr lang="pt-BR" sz="900">
-                        <a:effectLst/>
-                        <a:latin typeface="Times New Roman" panose="02020603050405020304" pitchFamily="18" charset="0"/>
-                        <a:ea typeface="Times New Roman" panose="02020603050405020304" pitchFamily="18" charset="0"/>
-                        <a:cs typeface="Times New Roman" panose="02020603050405020304" pitchFamily="18" charset="0"/>
-                      </a:endParaRPr>
-                    </a:p>
-                  </a:txBody>
-                  <a:tcPr marL="58911" marR="58911" marT="0" marB="0" anchor="ctr"/>
-                </a:tc>
-                <a:tc>
-                  <a:txBody>
-                    <a:bodyPr/>
-                    <a:lstStyle/>
-                    <a:p>
-                      <a:pPr algn="ctr">
-                        <a:lnSpc>
-                          <a:spcPct val="150000"/>
-                        </a:lnSpc>
-                        <a:spcAft>
-                          <a:spcPts val="0"/>
-                        </a:spcAft>
-                      </a:pPr>
-                      <a:r>
-                        <a:rPr lang="pt-BR" sz="1000" dirty="0">
-                          <a:effectLst/>
-                        </a:rPr>
-                        <a:t>Distância Euclidiana Ponderada</a:t>
-                      </a:r>
-                      <a:endParaRPr lang="pt-BR" sz="900" dirty="0">
-                        <a:effectLst/>
-                        <a:latin typeface="Times New Roman" panose="02020603050405020304" pitchFamily="18" charset="0"/>
-                        <a:ea typeface="Times New Roman" panose="02020603050405020304" pitchFamily="18" charset="0"/>
-                        <a:cs typeface="Times New Roman" panose="02020603050405020304" pitchFamily="18" charset="0"/>
-                      </a:endParaRPr>
-                    </a:p>
-                  </a:txBody>
-                  <a:tcPr marL="58911" marR="58911" marT="0" marB="0" anchor="ctr"/>
-                </a:tc>
-              </a:tr>
-              <a:tr h="210498">
-                <a:tc>
-                  <a:txBody>
-                    <a:bodyPr/>
-                    <a:lstStyle/>
-                    <a:p>
-                      <a:pPr algn="ctr">
-                        <a:lnSpc>
-                          <a:spcPct val="150000"/>
-                        </a:lnSpc>
-                        <a:spcAft>
-                          <a:spcPts val="0"/>
-                        </a:spcAft>
-                      </a:pPr>
-                      <a:r>
-                        <a:rPr lang="pt-BR" sz="1000" b="0" dirty="0">
-                          <a:solidFill>
-                            <a:schemeClr val="tx1"/>
-                          </a:solidFill>
-                          <a:effectLst/>
-                        </a:rPr>
-                        <a:t>100% em 4288 ms</a:t>
-                      </a:r>
-                      <a:endParaRPr lang="pt-BR" sz="900" b="0" dirty="0">
-                        <a:solidFill>
-                          <a:schemeClr val="tx1"/>
-                        </a:solidFill>
-                        <a:effectLst/>
-                        <a:latin typeface="Times New Roman" panose="02020603050405020304" pitchFamily="18" charset="0"/>
-                        <a:ea typeface="Times New Roman" panose="02020603050405020304" pitchFamily="18" charset="0"/>
-                        <a:cs typeface="Times New Roman" panose="02020603050405020304" pitchFamily="18" charset="0"/>
-                      </a:endParaRPr>
-                    </a:p>
-                  </a:txBody>
-                  <a:tcPr marL="58911" marR="58911" marT="0" marB="0" anchor="ctr">
-                    <a:solidFill>
-                      <a:schemeClr val="accent1">
-                        <a:tint val="40000"/>
-                      </a:schemeClr>
-                    </a:solidFill>
-                  </a:tcPr>
-                </a:tc>
-                <a:tc>
-                  <a:txBody>
-                    <a:bodyPr/>
-                    <a:lstStyle/>
-                    <a:p>
-                      <a:pPr algn="ctr">
-                        <a:lnSpc>
-                          <a:spcPct val="150000"/>
-                        </a:lnSpc>
-                        <a:spcAft>
-                          <a:spcPts val="0"/>
-                        </a:spcAft>
-                      </a:pPr>
-                      <a:r>
-                        <a:rPr lang="pt-BR" sz="1000" dirty="0">
-                          <a:solidFill>
-                            <a:schemeClr val="tx1"/>
-                          </a:solidFill>
-                          <a:effectLst/>
-                        </a:rPr>
-                        <a:t>11% em 5047 ms</a:t>
-                      </a:r>
-                      <a:endParaRPr lang="pt-BR" sz="900" dirty="0">
-                        <a:solidFill>
-                          <a:schemeClr val="tx1"/>
-                        </a:solidFill>
-                        <a:effectLst/>
-                        <a:latin typeface="Times New Roman" panose="02020603050405020304" pitchFamily="18" charset="0"/>
-                        <a:ea typeface="Times New Roman" panose="02020603050405020304" pitchFamily="18" charset="0"/>
-                        <a:cs typeface="Times New Roman" panose="02020603050405020304" pitchFamily="18" charset="0"/>
-                      </a:endParaRPr>
-                    </a:p>
-                  </a:txBody>
-                  <a:tcPr marL="58911" marR="58911" marT="0" marB="0" anchor="ctr">
-                    <a:solidFill>
-                      <a:schemeClr val="accent1">
-                        <a:tint val="40000"/>
-                      </a:schemeClr>
-                    </a:solidFill>
-                  </a:tcPr>
-                </a:tc>
-                <a:tc>
-                  <a:txBody>
-                    <a:bodyPr/>
-                    <a:lstStyle/>
-                    <a:p>
-                      <a:pPr algn="ctr">
-                        <a:lnSpc>
-                          <a:spcPct val="150000"/>
-                        </a:lnSpc>
-                        <a:spcAft>
-                          <a:spcPts val="0"/>
-                        </a:spcAft>
-                      </a:pPr>
-                      <a:r>
-                        <a:rPr lang="pt-BR" sz="1000" dirty="0">
-                          <a:effectLst/>
-                        </a:rPr>
-                        <a:t>11% em 9117 ms</a:t>
-                      </a:r>
-                      <a:endParaRPr lang="pt-BR" sz="900" dirty="0">
-                        <a:effectLst/>
-                        <a:latin typeface="Times New Roman" panose="02020603050405020304" pitchFamily="18" charset="0"/>
-                        <a:ea typeface="Times New Roman" panose="02020603050405020304" pitchFamily="18" charset="0"/>
-                        <a:cs typeface="Times New Roman" panose="02020603050405020304" pitchFamily="18" charset="0"/>
-                      </a:endParaRPr>
-                    </a:p>
-                  </a:txBody>
-                  <a:tcPr marL="58911" marR="58911" marT="0" marB="0" anchor="ctr">
-                    <a:solidFill>
-                      <a:schemeClr val="accent1">
-                        <a:tint val="40000"/>
-                      </a:schemeClr>
-                    </a:solidFill>
-                  </a:tcPr>
-                </a:tc>
-                <a:tc>
-                  <a:txBody>
-                    <a:bodyPr/>
-                    <a:lstStyle/>
-                    <a:p>
-                      <a:pPr algn="ctr">
-                        <a:lnSpc>
-                          <a:spcPct val="150000"/>
-                        </a:lnSpc>
-                        <a:spcAft>
-                          <a:spcPts val="0"/>
-                        </a:spcAft>
-                      </a:pPr>
-                      <a:r>
-                        <a:rPr lang="pt-BR" sz="1000" dirty="0">
-                          <a:effectLst/>
-                        </a:rPr>
-                        <a:t>0% em 12771 ms</a:t>
-                      </a:r>
-                      <a:endParaRPr lang="pt-BR" sz="900" dirty="0">
-                        <a:effectLst/>
-                        <a:latin typeface="Times New Roman" panose="02020603050405020304" pitchFamily="18" charset="0"/>
-                        <a:ea typeface="Times New Roman" panose="02020603050405020304" pitchFamily="18" charset="0"/>
-                        <a:cs typeface="Times New Roman" panose="02020603050405020304" pitchFamily="18" charset="0"/>
-                      </a:endParaRPr>
-                    </a:p>
-                  </a:txBody>
-                  <a:tcPr marL="58911" marR="58911" marT="0" marB="0" anchor="ctr">
-                    <a:solidFill>
-                      <a:schemeClr val="accent1">
-                        <a:tint val="40000"/>
-                      </a:schemeClr>
-                    </a:solidFill>
-                  </a:tcPr>
-                </a:tc>
-              </a:tr>
-              <a:tr h="210498">
-                <a:tc>
-                  <a:txBody>
-                    <a:bodyPr/>
-                    <a:lstStyle/>
-                    <a:p>
-                      <a:pPr algn="ctr">
-                        <a:lnSpc>
-                          <a:spcPct val="150000"/>
-                        </a:lnSpc>
-                        <a:spcAft>
-                          <a:spcPts val="0"/>
-                        </a:spcAft>
-                      </a:pPr>
-                      <a:r>
-                        <a:rPr lang="pt-BR" sz="1000" b="0" dirty="0">
-                          <a:solidFill>
-                            <a:schemeClr val="tx1"/>
-                          </a:solidFill>
-                          <a:effectLst/>
-                        </a:rPr>
-                        <a:t>100% em 2648 ms</a:t>
-                      </a:r>
-                      <a:endParaRPr lang="pt-BR" sz="900" b="0" dirty="0">
-                        <a:solidFill>
-                          <a:schemeClr val="tx1"/>
-                        </a:solidFill>
-                        <a:effectLst/>
-                        <a:latin typeface="Times New Roman" panose="02020603050405020304" pitchFamily="18" charset="0"/>
-                        <a:ea typeface="Times New Roman" panose="02020603050405020304" pitchFamily="18" charset="0"/>
-                        <a:cs typeface="Times New Roman" panose="02020603050405020304" pitchFamily="18" charset="0"/>
-                      </a:endParaRPr>
-                    </a:p>
-                  </a:txBody>
-                  <a:tcPr marL="58911" marR="58911" marT="0" marB="0" anchor="ctr">
-                    <a:solidFill>
-                      <a:schemeClr val="accent1">
-                        <a:tint val="40000"/>
-                      </a:schemeClr>
-                    </a:solidFill>
-                  </a:tcPr>
-                </a:tc>
-                <a:tc>
-                  <a:txBody>
-                    <a:bodyPr/>
-                    <a:lstStyle/>
-                    <a:p>
-                      <a:pPr algn="ctr">
-                        <a:lnSpc>
-                          <a:spcPct val="150000"/>
-                        </a:lnSpc>
-                        <a:spcAft>
-                          <a:spcPts val="0"/>
-                        </a:spcAft>
-                      </a:pPr>
-                      <a:r>
-                        <a:rPr lang="pt-BR" sz="1000" dirty="0">
-                          <a:solidFill>
-                            <a:schemeClr val="tx1"/>
-                          </a:solidFill>
-                          <a:effectLst/>
-                        </a:rPr>
-                        <a:t>11% em 5021 ms</a:t>
-                      </a:r>
-                      <a:endParaRPr lang="pt-BR" sz="900" dirty="0">
-                        <a:solidFill>
-                          <a:schemeClr val="tx1"/>
-                        </a:solidFill>
-                        <a:effectLst/>
-                        <a:latin typeface="Times New Roman" panose="02020603050405020304" pitchFamily="18" charset="0"/>
-                        <a:ea typeface="Times New Roman" panose="02020603050405020304" pitchFamily="18" charset="0"/>
-                        <a:cs typeface="Times New Roman" panose="02020603050405020304" pitchFamily="18" charset="0"/>
-                      </a:endParaRPr>
-                    </a:p>
-                  </a:txBody>
-                  <a:tcPr marL="58911" marR="58911" marT="0" marB="0" anchor="ctr">
-                    <a:solidFill>
-                      <a:schemeClr val="accent1">
-                        <a:tint val="40000"/>
-                      </a:schemeClr>
-                    </a:solidFill>
-                  </a:tcPr>
-                </a:tc>
-                <a:tc>
-                  <a:txBody>
-                    <a:bodyPr/>
-                    <a:lstStyle/>
-                    <a:p>
-                      <a:pPr algn="ctr">
-                        <a:lnSpc>
-                          <a:spcPct val="150000"/>
-                        </a:lnSpc>
-                        <a:spcAft>
-                          <a:spcPts val="0"/>
-                        </a:spcAft>
-                      </a:pPr>
-                      <a:r>
-                        <a:rPr lang="pt-BR" sz="1000" dirty="0">
-                          <a:effectLst/>
-                        </a:rPr>
-                        <a:t>11% em 9203 ms</a:t>
-                      </a:r>
-                      <a:endParaRPr lang="pt-BR" sz="900" dirty="0">
-                        <a:effectLst/>
-                        <a:latin typeface="Times New Roman" panose="02020603050405020304" pitchFamily="18" charset="0"/>
-                        <a:ea typeface="Times New Roman" panose="02020603050405020304" pitchFamily="18" charset="0"/>
-                        <a:cs typeface="Times New Roman" panose="02020603050405020304" pitchFamily="18" charset="0"/>
-                      </a:endParaRPr>
-                    </a:p>
-                  </a:txBody>
-                  <a:tcPr marL="58911" marR="58911" marT="0" marB="0" anchor="ctr">
-                    <a:solidFill>
-                      <a:schemeClr val="accent1">
-                        <a:tint val="40000"/>
-                      </a:schemeClr>
-                    </a:solidFill>
-                  </a:tcPr>
-                </a:tc>
-                <a:tc>
-                  <a:txBody>
-                    <a:bodyPr/>
-                    <a:lstStyle/>
-                    <a:p>
-                      <a:pPr algn="ctr">
-                        <a:lnSpc>
-                          <a:spcPct val="150000"/>
-                        </a:lnSpc>
-                        <a:spcAft>
-                          <a:spcPts val="0"/>
-                        </a:spcAft>
-                      </a:pPr>
-                      <a:r>
-                        <a:rPr lang="pt-BR" sz="1000" dirty="0">
-                          <a:effectLst/>
-                        </a:rPr>
-                        <a:t>0% em 11960 ms</a:t>
-                      </a:r>
-                      <a:endParaRPr lang="pt-BR" sz="900" dirty="0">
-                        <a:effectLst/>
-                        <a:latin typeface="Times New Roman" panose="02020603050405020304" pitchFamily="18" charset="0"/>
-                        <a:ea typeface="Times New Roman" panose="02020603050405020304" pitchFamily="18" charset="0"/>
-                        <a:cs typeface="Times New Roman" panose="02020603050405020304" pitchFamily="18" charset="0"/>
-                      </a:endParaRPr>
-                    </a:p>
-                  </a:txBody>
-                  <a:tcPr marL="58911" marR="58911" marT="0" marB="0" anchor="ctr">
-                    <a:solidFill>
-                      <a:schemeClr val="accent1">
-                        <a:tint val="40000"/>
-                      </a:schemeClr>
-                    </a:solidFill>
-                  </a:tcPr>
-                </a:tc>
-              </a:tr>
-              <a:tr h="210498">
-                <a:tc>
-                  <a:txBody>
-                    <a:bodyPr/>
-                    <a:lstStyle/>
-                    <a:p>
-                      <a:pPr algn="ctr">
-                        <a:lnSpc>
-                          <a:spcPct val="150000"/>
-                        </a:lnSpc>
-                        <a:spcAft>
-                          <a:spcPts val="0"/>
-                        </a:spcAft>
-                      </a:pPr>
-                      <a:r>
-                        <a:rPr lang="pt-BR" sz="1000" b="0" dirty="0">
-                          <a:solidFill>
-                            <a:schemeClr val="tx1"/>
-                          </a:solidFill>
-                          <a:effectLst/>
-                        </a:rPr>
-                        <a:t>100% em 4312 ms</a:t>
-                      </a:r>
-                      <a:endParaRPr lang="pt-BR" sz="900" b="0" dirty="0">
-                        <a:solidFill>
-                          <a:schemeClr val="tx1"/>
-                        </a:solidFill>
-                        <a:effectLst/>
-                        <a:latin typeface="Times New Roman" panose="02020603050405020304" pitchFamily="18" charset="0"/>
-                        <a:ea typeface="Times New Roman" panose="02020603050405020304" pitchFamily="18" charset="0"/>
-                        <a:cs typeface="Times New Roman" panose="02020603050405020304" pitchFamily="18" charset="0"/>
-                      </a:endParaRPr>
-                    </a:p>
-                  </a:txBody>
-                  <a:tcPr marL="58911" marR="58911" marT="0" marB="0" anchor="ctr">
-                    <a:solidFill>
-                      <a:schemeClr val="accent1">
-                        <a:tint val="40000"/>
-                      </a:schemeClr>
-                    </a:solidFill>
-                  </a:tcPr>
-                </a:tc>
-                <a:tc>
-                  <a:txBody>
-                    <a:bodyPr/>
-                    <a:lstStyle/>
-                    <a:p>
-                      <a:pPr algn="ctr">
-                        <a:lnSpc>
-                          <a:spcPct val="150000"/>
-                        </a:lnSpc>
-                        <a:spcAft>
-                          <a:spcPts val="0"/>
-                        </a:spcAft>
-                      </a:pPr>
-                      <a:r>
-                        <a:rPr lang="pt-BR" sz="1000" dirty="0">
-                          <a:solidFill>
-                            <a:schemeClr val="tx1"/>
-                          </a:solidFill>
-                          <a:effectLst/>
-                        </a:rPr>
-                        <a:t>11% em 5028 ms</a:t>
-                      </a:r>
-                      <a:endParaRPr lang="pt-BR" sz="900" dirty="0">
-                        <a:solidFill>
-                          <a:schemeClr val="tx1"/>
-                        </a:solidFill>
-                        <a:effectLst/>
-                        <a:latin typeface="Times New Roman" panose="02020603050405020304" pitchFamily="18" charset="0"/>
-                        <a:ea typeface="Times New Roman" panose="02020603050405020304" pitchFamily="18" charset="0"/>
-                        <a:cs typeface="Times New Roman" panose="02020603050405020304" pitchFamily="18" charset="0"/>
-                      </a:endParaRPr>
-                    </a:p>
-                  </a:txBody>
-                  <a:tcPr marL="58911" marR="58911" marT="0" marB="0" anchor="ctr">
-                    <a:solidFill>
-                      <a:schemeClr val="accent1">
-                        <a:tint val="40000"/>
-                      </a:schemeClr>
-                    </a:solidFill>
-                  </a:tcPr>
-                </a:tc>
-                <a:tc>
-                  <a:txBody>
-                    <a:bodyPr/>
-                    <a:lstStyle/>
-                    <a:p>
-                      <a:pPr algn="ctr">
-                        <a:lnSpc>
-                          <a:spcPct val="150000"/>
-                        </a:lnSpc>
-                        <a:spcAft>
-                          <a:spcPts val="0"/>
-                        </a:spcAft>
-                      </a:pPr>
-                      <a:r>
-                        <a:rPr lang="pt-BR" sz="1000" dirty="0">
-                          <a:effectLst/>
-                        </a:rPr>
-                        <a:t>11% em 9213 ms</a:t>
-                      </a:r>
-                      <a:endParaRPr lang="pt-BR" sz="900" dirty="0">
-                        <a:effectLst/>
-                        <a:latin typeface="Times New Roman" panose="02020603050405020304" pitchFamily="18" charset="0"/>
-                        <a:ea typeface="Times New Roman" panose="02020603050405020304" pitchFamily="18" charset="0"/>
-                        <a:cs typeface="Times New Roman" panose="02020603050405020304" pitchFamily="18" charset="0"/>
-                      </a:endParaRPr>
-                    </a:p>
-                  </a:txBody>
-                  <a:tcPr marL="58911" marR="58911" marT="0" marB="0" anchor="ctr">
-                    <a:solidFill>
-                      <a:schemeClr val="accent1">
-                        <a:tint val="40000"/>
-                      </a:schemeClr>
-                    </a:solidFill>
-                  </a:tcPr>
-                </a:tc>
-                <a:tc>
-                  <a:txBody>
-                    <a:bodyPr/>
-                    <a:lstStyle/>
-                    <a:p>
-                      <a:pPr algn="ctr">
-                        <a:lnSpc>
-                          <a:spcPct val="150000"/>
-                        </a:lnSpc>
-                        <a:spcAft>
-                          <a:spcPts val="0"/>
-                        </a:spcAft>
-                      </a:pPr>
-                      <a:r>
-                        <a:rPr lang="pt-BR" sz="1000" dirty="0">
-                          <a:effectLst/>
-                        </a:rPr>
-                        <a:t>0% em 11532 ms</a:t>
-                      </a:r>
-                      <a:endParaRPr lang="pt-BR" sz="900" dirty="0">
-                        <a:effectLst/>
-                        <a:latin typeface="Times New Roman" panose="02020603050405020304" pitchFamily="18" charset="0"/>
-                        <a:ea typeface="Times New Roman" panose="02020603050405020304" pitchFamily="18" charset="0"/>
-                        <a:cs typeface="Times New Roman" panose="02020603050405020304" pitchFamily="18" charset="0"/>
-                      </a:endParaRPr>
-                    </a:p>
-                  </a:txBody>
-                  <a:tcPr marL="58911" marR="58911" marT="0" marB="0" anchor="ctr">
-                    <a:solidFill>
-                      <a:schemeClr val="accent1">
-                        <a:tint val="40000"/>
-                      </a:schemeClr>
-                    </a:solidFill>
-                  </a:tcPr>
-                </a:tc>
-              </a:tr>
-            </a:tbl>
-          </a:graphicData>
-        </a:graphic>
-      </p:graphicFrame>
-      <p:graphicFrame>
-        <p:nvGraphicFramePr>
-          <p:cNvPr id="11" name="Tabela 10"/>
-          <p:cNvGraphicFramePr>
-            <a:graphicFrameLocks noGrp="1"/>
-          </p:cNvGraphicFramePr>
-          <p:nvPr>
-            <p:extLst>
-              <p:ext uri="{D42A27DB-BD31-4B8C-83A1-F6EECF244321}">
-                <p14:modId xmlns:p14="http://schemas.microsoft.com/office/powerpoint/2010/main" val="392018032"/>
-              </p:ext>
-            </p:extLst>
-          </p:nvPr>
-        </p:nvGraphicFramePr>
-        <p:xfrm>
-          <a:off x="6211375" y="2426851"/>
-          <a:ext cx="4893969" cy="1143000"/>
-        </p:xfrm>
-        <a:graphic>
-          <a:graphicData uri="http://schemas.openxmlformats.org/drawingml/2006/table">
-            <a:tbl>
-              <a:tblPr firstRow="1" firstCol="1" bandRow="1">
-                <a:tableStyleId>{5C22544A-7EE6-4342-B048-85BDC9FD1C3A}</a:tableStyleId>
-              </a:tblPr>
-              <a:tblGrid>
-                <a:gridCol w="1223103"/>
-                <a:gridCol w="1223622"/>
-                <a:gridCol w="1223622"/>
-                <a:gridCol w="1223622"/>
-              </a:tblGrid>
-              <a:tr h="457200">
-                <a:tc>
-                  <a:txBody>
-                    <a:bodyPr/>
-                    <a:lstStyle/>
-                    <a:p>
-                      <a:pPr algn="ctr">
-                        <a:lnSpc>
-                          <a:spcPct val="150000"/>
-                        </a:lnSpc>
-                        <a:spcAft>
-                          <a:spcPts val="0"/>
-                        </a:spcAft>
-                      </a:pPr>
-                      <a:r>
-                        <a:rPr lang="pt-BR" sz="1000" dirty="0">
-                          <a:effectLst/>
-                        </a:rPr>
-                        <a:t>Distância Euclidiana </a:t>
-                      </a:r>
-                      <a:endParaRPr lang="pt-BR" sz="900" dirty="0">
-                        <a:effectLst/>
-                        <a:latin typeface="Times New Roman" panose="02020603050405020304" pitchFamily="18" charset="0"/>
-                        <a:ea typeface="Times New Roman" panose="02020603050405020304" pitchFamily="18" charset="0"/>
-                        <a:cs typeface="Times New Roman" panose="02020603050405020304" pitchFamily="18" charset="0"/>
-                      </a:endParaRPr>
-                    </a:p>
-                  </a:txBody>
-                  <a:tcPr marL="56258" marR="56258" marT="0" marB="0" anchor="ctr"/>
-                </a:tc>
-                <a:tc>
-                  <a:txBody>
-                    <a:bodyPr/>
-                    <a:lstStyle/>
-                    <a:p>
-                      <a:pPr algn="ctr">
-                        <a:lnSpc>
-                          <a:spcPct val="150000"/>
-                        </a:lnSpc>
-                        <a:spcAft>
-                          <a:spcPts val="0"/>
-                        </a:spcAft>
-                      </a:pPr>
-                      <a:r>
-                        <a:rPr lang="pt-BR" sz="1000">
-                          <a:effectLst/>
-                        </a:rPr>
-                        <a:t>Distância Manhattan</a:t>
-                      </a:r>
-                      <a:endParaRPr lang="pt-BR" sz="900">
-                        <a:effectLst/>
-                        <a:latin typeface="Times New Roman" panose="02020603050405020304" pitchFamily="18" charset="0"/>
-                        <a:ea typeface="Times New Roman" panose="02020603050405020304" pitchFamily="18" charset="0"/>
-                        <a:cs typeface="Times New Roman" panose="02020603050405020304" pitchFamily="18" charset="0"/>
-                      </a:endParaRPr>
-                    </a:p>
-                  </a:txBody>
-                  <a:tcPr marL="56258" marR="56258" marT="0" marB="0" anchor="ctr"/>
-                </a:tc>
-                <a:tc>
-                  <a:txBody>
-                    <a:bodyPr/>
-                    <a:lstStyle/>
-                    <a:p>
-                      <a:pPr algn="ctr">
-                        <a:lnSpc>
-                          <a:spcPct val="150000"/>
-                        </a:lnSpc>
-                        <a:spcAft>
-                          <a:spcPts val="0"/>
-                        </a:spcAft>
-                      </a:pPr>
-                      <a:r>
-                        <a:rPr lang="pt-BR" sz="1000">
-                          <a:effectLst/>
-                        </a:rPr>
-                        <a:t>Distância Manhattan Ponderada</a:t>
-                      </a:r>
-                      <a:endParaRPr lang="pt-BR" sz="900">
-                        <a:effectLst/>
-                        <a:latin typeface="Times New Roman" panose="02020603050405020304" pitchFamily="18" charset="0"/>
-                        <a:ea typeface="Times New Roman" panose="02020603050405020304" pitchFamily="18" charset="0"/>
-                        <a:cs typeface="Times New Roman" panose="02020603050405020304" pitchFamily="18" charset="0"/>
-                      </a:endParaRPr>
-                    </a:p>
-                  </a:txBody>
-                  <a:tcPr marL="56258" marR="56258" marT="0" marB="0" anchor="ctr"/>
-                </a:tc>
-                <a:tc>
-                  <a:txBody>
-                    <a:bodyPr/>
-                    <a:lstStyle/>
-                    <a:p>
-                      <a:pPr algn="ctr">
-                        <a:lnSpc>
-                          <a:spcPct val="150000"/>
-                        </a:lnSpc>
-                        <a:spcAft>
-                          <a:spcPts val="0"/>
-                        </a:spcAft>
-                      </a:pPr>
-                      <a:r>
-                        <a:rPr lang="pt-BR" sz="1000">
-                          <a:effectLst/>
-                        </a:rPr>
-                        <a:t>Distância Euclidiana Ponderada</a:t>
-                      </a:r>
-                      <a:endParaRPr lang="pt-BR" sz="900">
-                        <a:effectLst/>
-                        <a:latin typeface="Times New Roman" panose="02020603050405020304" pitchFamily="18" charset="0"/>
-                        <a:ea typeface="Times New Roman" panose="02020603050405020304" pitchFamily="18" charset="0"/>
-                        <a:cs typeface="Times New Roman" panose="02020603050405020304" pitchFamily="18" charset="0"/>
-                      </a:endParaRPr>
-                    </a:p>
-                  </a:txBody>
-                  <a:tcPr marL="56258" marR="56258" marT="0" marB="0" anchor="ctr"/>
-                </a:tc>
-              </a:tr>
-              <a:tr h="228600">
-                <a:tc>
-                  <a:txBody>
-                    <a:bodyPr/>
-                    <a:lstStyle/>
-                    <a:p>
-                      <a:pPr algn="ctr">
-                        <a:lnSpc>
-                          <a:spcPct val="150000"/>
-                        </a:lnSpc>
-                        <a:spcAft>
-                          <a:spcPts val="0"/>
-                        </a:spcAft>
-                      </a:pPr>
-                      <a:r>
-                        <a:rPr lang="pt-BR" sz="1000" b="0" dirty="0">
-                          <a:solidFill>
-                            <a:schemeClr val="tx1"/>
-                          </a:solidFill>
-                          <a:effectLst/>
-                        </a:rPr>
-                        <a:t>20% em 6259 ms</a:t>
-                      </a:r>
-                      <a:endParaRPr lang="pt-BR" sz="900" b="0" dirty="0">
-                        <a:solidFill>
-                          <a:schemeClr val="tx1"/>
-                        </a:solidFill>
-                        <a:effectLst/>
-                        <a:latin typeface="Times New Roman" panose="02020603050405020304" pitchFamily="18" charset="0"/>
-                        <a:ea typeface="Times New Roman" panose="02020603050405020304" pitchFamily="18" charset="0"/>
-                        <a:cs typeface="Times New Roman" panose="02020603050405020304" pitchFamily="18" charset="0"/>
-                      </a:endParaRPr>
-                    </a:p>
-                  </a:txBody>
-                  <a:tcPr marL="56258" marR="56258" marT="0" marB="0" anchor="ctr">
-                    <a:solidFill>
-                      <a:schemeClr val="accent1">
-                        <a:tint val="40000"/>
-                      </a:schemeClr>
-                    </a:solidFill>
-                  </a:tcPr>
-                </a:tc>
-                <a:tc>
-                  <a:txBody>
-                    <a:bodyPr/>
-                    <a:lstStyle/>
-                    <a:p>
-                      <a:pPr algn="ctr">
-                        <a:lnSpc>
-                          <a:spcPct val="150000"/>
-                        </a:lnSpc>
-                        <a:spcAft>
-                          <a:spcPts val="0"/>
-                        </a:spcAft>
-                      </a:pPr>
-                      <a:r>
-                        <a:rPr lang="pt-BR" sz="1000">
-                          <a:solidFill>
-                            <a:schemeClr val="tx1"/>
-                          </a:solidFill>
-                          <a:effectLst/>
-                        </a:rPr>
-                        <a:t>11% em 6847 ms</a:t>
-                      </a:r>
-                      <a:endParaRPr lang="pt-BR" sz="900">
-                        <a:solidFill>
-                          <a:schemeClr val="tx1"/>
-                        </a:solidFill>
-                        <a:effectLst/>
-                        <a:latin typeface="Times New Roman" panose="02020603050405020304" pitchFamily="18" charset="0"/>
-                        <a:ea typeface="Times New Roman" panose="02020603050405020304" pitchFamily="18" charset="0"/>
-                        <a:cs typeface="Times New Roman" panose="02020603050405020304" pitchFamily="18" charset="0"/>
-                      </a:endParaRPr>
-                    </a:p>
-                  </a:txBody>
-                  <a:tcPr marL="56258" marR="56258" marT="0" marB="0" anchor="ctr">
-                    <a:solidFill>
-                      <a:schemeClr val="accent1">
-                        <a:tint val="40000"/>
-                      </a:schemeClr>
-                    </a:solidFill>
-                  </a:tcPr>
-                </a:tc>
-                <a:tc>
-                  <a:txBody>
-                    <a:bodyPr/>
-                    <a:lstStyle/>
-                    <a:p>
-                      <a:pPr algn="ctr">
-                        <a:lnSpc>
-                          <a:spcPct val="150000"/>
-                        </a:lnSpc>
-                        <a:spcAft>
-                          <a:spcPts val="0"/>
-                        </a:spcAft>
-                      </a:pPr>
-                      <a:r>
-                        <a:rPr lang="pt-BR" sz="1000">
-                          <a:solidFill>
-                            <a:schemeClr val="tx1"/>
-                          </a:solidFill>
-                          <a:effectLst/>
-                        </a:rPr>
-                        <a:t>11% em 10678 ms</a:t>
-                      </a:r>
-                      <a:endParaRPr lang="pt-BR" sz="900">
-                        <a:solidFill>
-                          <a:schemeClr val="tx1"/>
-                        </a:solidFill>
-                        <a:effectLst/>
-                        <a:latin typeface="Times New Roman" panose="02020603050405020304" pitchFamily="18" charset="0"/>
-                        <a:ea typeface="Times New Roman" panose="02020603050405020304" pitchFamily="18" charset="0"/>
-                        <a:cs typeface="Times New Roman" panose="02020603050405020304" pitchFamily="18" charset="0"/>
-                      </a:endParaRPr>
-                    </a:p>
-                  </a:txBody>
-                  <a:tcPr marL="56258" marR="56258" marT="0" marB="0" anchor="ctr">
-                    <a:solidFill>
-                      <a:schemeClr val="accent1">
-                        <a:tint val="40000"/>
-                      </a:schemeClr>
-                    </a:solidFill>
-                  </a:tcPr>
-                </a:tc>
-                <a:tc>
-                  <a:txBody>
-                    <a:bodyPr/>
-                    <a:lstStyle/>
-                    <a:p>
-                      <a:pPr algn="ctr">
-                        <a:lnSpc>
-                          <a:spcPct val="150000"/>
-                        </a:lnSpc>
-                        <a:spcAft>
-                          <a:spcPts val="0"/>
-                        </a:spcAft>
-                      </a:pPr>
-                      <a:r>
-                        <a:rPr lang="pt-BR" sz="1000">
-                          <a:solidFill>
-                            <a:schemeClr val="tx1"/>
-                          </a:solidFill>
-                          <a:effectLst/>
-                        </a:rPr>
-                        <a:t>20% em 12571 ms</a:t>
-                      </a:r>
-                      <a:endParaRPr lang="pt-BR" sz="900">
-                        <a:solidFill>
-                          <a:schemeClr val="tx1"/>
-                        </a:solidFill>
-                        <a:effectLst/>
-                        <a:latin typeface="Times New Roman" panose="02020603050405020304" pitchFamily="18" charset="0"/>
-                        <a:ea typeface="Times New Roman" panose="02020603050405020304" pitchFamily="18" charset="0"/>
-                        <a:cs typeface="Times New Roman" panose="02020603050405020304" pitchFamily="18" charset="0"/>
-                      </a:endParaRPr>
-                    </a:p>
-                  </a:txBody>
-                  <a:tcPr marL="56258" marR="56258" marT="0" marB="0" anchor="ctr">
-                    <a:solidFill>
-                      <a:schemeClr val="accent1">
-                        <a:tint val="40000"/>
-                      </a:schemeClr>
-                    </a:solidFill>
-                  </a:tcPr>
-                </a:tc>
-              </a:tr>
-              <a:tr h="228600">
-                <a:tc>
-                  <a:txBody>
-                    <a:bodyPr/>
-                    <a:lstStyle/>
-                    <a:p>
-                      <a:pPr algn="ctr">
-                        <a:lnSpc>
-                          <a:spcPct val="150000"/>
-                        </a:lnSpc>
-                        <a:spcAft>
-                          <a:spcPts val="0"/>
-                        </a:spcAft>
-                      </a:pPr>
-                      <a:r>
-                        <a:rPr lang="pt-BR" sz="1000" b="0" dirty="0">
-                          <a:solidFill>
-                            <a:schemeClr val="tx1"/>
-                          </a:solidFill>
-                          <a:effectLst/>
-                        </a:rPr>
-                        <a:t>20% em 6286 ms</a:t>
-                      </a:r>
-                      <a:endParaRPr lang="pt-BR" sz="900" b="0" dirty="0">
-                        <a:solidFill>
-                          <a:schemeClr val="tx1"/>
-                        </a:solidFill>
-                        <a:effectLst/>
-                        <a:latin typeface="Times New Roman" panose="02020603050405020304" pitchFamily="18" charset="0"/>
-                        <a:ea typeface="Times New Roman" panose="02020603050405020304" pitchFamily="18" charset="0"/>
-                        <a:cs typeface="Times New Roman" panose="02020603050405020304" pitchFamily="18" charset="0"/>
-                      </a:endParaRPr>
-                    </a:p>
-                  </a:txBody>
-                  <a:tcPr marL="56258" marR="56258" marT="0" marB="0" anchor="ctr">
-                    <a:solidFill>
-                      <a:schemeClr val="accent1">
-                        <a:tint val="40000"/>
-                      </a:schemeClr>
-                    </a:solidFill>
-                  </a:tcPr>
-                </a:tc>
-                <a:tc>
-                  <a:txBody>
-                    <a:bodyPr/>
-                    <a:lstStyle/>
-                    <a:p>
-                      <a:pPr algn="ctr">
-                        <a:lnSpc>
-                          <a:spcPct val="150000"/>
-                        </a:lnSpc>
-                        <a:spcAft>
-                          <a:spcPts val="0"/>
-                        </a:spcAft>
-                      </a:pPr>
-                      <a:r>
-                        <a:rPr lang="pt-BR" sz="1000" dirty="0">
-                          <a:solidFill>
-                            <a:schemeClr val="tx1"/>
-                          </a:solidFill>
-                          <a:effectLst/>
-                        </a:rPr>
-                        <a:t>11% em 6765 ms</a:t>
-                      </a:r>
-                      <a:endParaRPr lang="pt-BR" sz="900" dirty="0">
-                        <a:solidFill>
-                          <a:schemeClr val="tx1"/>
-                        </a:solidFill>
-                        <a:effectLst/>
-                        <a:latin typeface="Times New Roman" panose="02020603050405020304" pitchFamily="18" charset="0"/>
-                        <a:ea typeface="Times New Roman" panose="02020603050405020304" pitchFamily="18" charset="0"/>
-                        <a:cs typeface="Times New Roman" panose="02020603050405020304" pitchFamily="18" charset="0"/>
-                      </a:endParaRPr>
-                    </a:p>
-                  </a:txBody>
-                  <a:tcPr marL="56258" marR="56258" marT="0" marB="0" anchor="ctr">
-                    <a:solidFill>
-                      <a:schemeClr val="accent1">
-                        <a:tint val="40000"/>
-                      </a:schemeClr>
-                    </a:solidFill>
-                  </a:tcPr>
-                </a:tc>
-                <a:tc>
-                  <a:txBody>
-                    <a:bodyPr/>
-                    <a:lstStyle/>
-                    <a:p>
-                      <a:pPr algn="ctr">
-                        <a:lnSpc>
-                          <a:spcPct val="150000"/>
-                        </a:lnSpc>
-                        <a:spcAft>
-                          <a:spcPts val="0"/>
-                        </a:spcAft>
-                      </a:pPr>
-                      <a:r>
-                        <a:rPr lang="pt-BR" sz="1000" dirty="0">
-                          <a:solidFill>
-                            <a:schemeClr val="tx1"/>
-                          </a:solidFill>
-                          <a:effectLst/>
-                        </a:rPr>
-                        <a:t>11% em 12210 ms</a:t>
-                      </a:r>
-                      <a:endParaRPr lang="pt-BR" sz="900" dirty="0">
-                        <a:solidFill>
-                          <a:schemeClr val="tx1"/>
-                        </a:solidFill>
-                        <a:effectLst/>
-                        <a:latin typeface="Times New Roman" panose="02020603050405020304" pitchFamily="18" charset="0"/>
-                        <a:ea typeface="Times New Roman" panose="02020603050405020304" pitchFamily="18" charset="0"/>
-                        <a:cs typeface="Times New Roman" panose="02020603050405020304" pitchFamily="18" charset="0"/>
-                      </a:endParaRPr>
-                    </a:p>
-                  </a:txBody>
-                  <a:tcPr marL="56258" marR="56258" marT="0" marB="0" anchor="ctr">
-                    <a:solidFill>
-                      <a:schemeClr val="accent1">
-                        <a:tint val="40000"/>
-                      </a:schemeClr>
-                    </a:solidFill>
-                  </a:tcPr>
-                </a:tc>
-                <a:tc>
-                  <a:txBody>
-                    <a:bodyPr/>
-                    <a:lstStyle/>
-                    <a:p>
-                      <a:pPr algn="ctr">
-                        <a:lnSpc>
-                          <a:spcPct val="150000"/>
-                        </a:lnSpc>
-                        <a:spcAft>
-                          <a:spcPts val="0"/>
-                        </a:spcAft>
-                      </a:pPr>
-                      <a:r>
-                        <a:rPr lang="pt-BR" sz="1000">
-                          <a:solidFill>
-                            <a:schemeClr val="tx1"/>
-                          </a:solidFill>
-                          <a:effectLst/>
-                        </a:rPr>
-                        <a:t>20% em 12585 ms</a:t>
-                      </a:r>
-                      <a:endParaRPr lang="pt-BR" sz="900">
-                        <a:solidFill>
-                          <a:schemeClr val="tx1"/>
-                        </a:solidFill>
-                        <a:effectLst/>
-                        <a:latin typeface="Times New Roman" panose="02020603050405020304" pitchFamily="18" charset="0"/>
-                        <a:ea typeface="Times New Roman" panose="02020603050405020304" pitchFamily="18" charset="0"/>
-                        <a:cs typeface="Times New Roman" panose="02020603050405020304" pitchFamily="18" charset="0"/>
-                      </a:endParaRPr>
-                    </a:p>
-                  </a:txBody>
-                  <a:tcPr marL="56258" marR="56258" marT="0" marB="0" anchor="ctr">
-                    <a:solidFill>
-                      <a:schemeClr val="accent1">
-                        <a:tint val="40000"/>
-                      </a:schemeClr>
-                    </a:solidFill>
-                  </a:tcPr>
-                </a:tc>
-              </a:tr>
-              <a:tr h="228600">
-                <a:tc>
-                  <a:txBody>
-                    <a:bodyPr/>
-                    <a:lstStyle/>
-                    <a:p>
-                      <a:pPr algn="ctr">
-                        <a:lnSpc>
-                          <a:spcPct val="150000"/>
-                        </a:lnSpc>
-                        <a:spcAft>
-                          <a:spcPts val="0"/>
-                        </a:spcAft>
-                      </a:pPr>
-                      <a:r>
-                        <a:rPr lang="pt-BR" sz="1000" b="0" dirty="0">
-                          <a:solidFill>
-                            <a:schemeClr val="tx1"/>
-                          </a:solidFill>
-                          <a:effectLst/>
-                        </a:rPr>
-                        <a:t>20% em 6195 ms</a:t>
-                      </a:r>
-                      <a:endParaRPr lang="pt-BR" sz="900" b="0" dirty="0">
-                        <a:solidFill>
-                          <a:schemeClr val="tx1"/>
-                        </a:solidFill>
-                        <a:effectLst/>
-                        <a:latin typeface="Times New Roman" panose="02020603050405020304" pitchFamily="18" charset="0"/>
-                        <a:ea typeface="Times New Roman" panose="02020603050405020304" pitchFamily="18" charset="0"/>
-                        <a:cs typeface="Times New Roman" panose="02020603050405020304" pitchFamily="18" charset="0"/>
-                      </a:endParaRPr>
-                    </a:p>
-                  </a:txBody>
-                  <a:tcPr marL="56258" marR="56258" marT="0" marB="0" anchor="ctr">
-                    <a:solidFill>
-                      <a:schemeClr val="accent1">
-                        <a:tint val="40000"/>
-                      </a:schemeClr>
-                    </a:solidFill>
-                  </a:tcPr>
-                </a:tc>
-                <a:tc>
-                  <a:txBody>
-                    <a:bodyPr/>
-                    <a:lstStyle/>
-                    <a:p>
-                      <a:pPr algn="ctr">
-                        <a:lnSpc>
-                          <a:spcPct val="150000"/>
-                        </a:lnSpc>
-                        <a:spcAft>
-                          <a:spcPts val="0"/>
-                        </a:spcAft>
-                      </a:pPr>
-                      <a:r>
-                        <a:rPr lang="pt-BR" sz="1000" dirty="0">
-                          <a:solidFill>
-                            <a:schemeClr val="tx1"/>
-                          </a:solidFill>
-                          <a:effectLst/>
-                        </a:rPr>
-                        <a:t>11% em 7220 ms</a:t>
-                      </a:r>
-                      <a:endParaRPr lang="pt-BR" sz="900" dirty="0">
-                        <a:solidFill>
-                          <a:schemeClr val="tx1"/>
-                        </a:solidFill>
-                        <a:effectLst/>
-                        <a:latin typeface="Times New Roman" panose="02020603050405020304" pitchFamily="18" charset="0"/>
-                        <a:ea typeface="Times New Roman" panose="02020603050405020304" pitchFamily="18" charset="0"/>
-                        <a:cs typeface="Times New Roman" panose="02020603050405020304" pitchFamily="18" charset="0"/>
-                      </a:endParaRPr>
-                    </a:p>
-                  </a:txBody>
-                  <a:tcPr marL="56258" marR="56258" marT="0" marB="0" anchor="ctr">
-                    <a:solidFill>
-                      <a:schemeClr val="accent1">
-                        <a:tint val="40000"/>
-                      </a:schemeClr>
-                    </a:solidFill>
-                  </a:tcPr>
-                </a:tc>
-                <a:tc>
-                  <a:txBody>
-                    <a:bodyPr/>
-                    <a:lstStyle/>
-                    <a:p>
-                      <a:pPr algn="ctr">
-                        <a:lnSpc>
-                          <a:spcPct val="150000"/>
-                        </a:lnSpc>
-                        <a:spcAft>
-                          <a:spcPts val="0"/>
-                        </a:spcAft>
-                      </a:pPr>
-                      <a:r>
-                        <a:rPr lang="pt-BR" sz="1000" dirty="0">
-                          <a:solidFill>
-                            <a:schemeClr val="tx1"/>
-                          </a:solidFill>
-                          <a:effectLst/>
-                        </a:rPr>
-                        <a:t>11% em 11597 ms</a:t>
-                      </a:r>
-                      <a:endParaRPr lang="pt-BR" sz="900" dirty="0">
-                        <a:solidFill>
-                          <a:schemeClr val="tx1"/>
-                        </a:solidFill>
-                        <a:effectLst/>
-                        <a:latin typeface="Times New Roman" panose="02020603050405020304" pitchFamily="18" charset="0"/>
-                        <a:ea typeface="Times New Roman" panose="02020603050405020304" pitchFamily="18" charset="0"/>
-                        <a:cs typeface="Times New Roman" panose="02020603050405020304" pitchFamily="18" charset="0"/>
-                      </a:endParaRPr>
-                    </a:p>
-                  </a:txBody>
-                  <a:tcPr marL="56258" marR="56258" marT="0" marB="0" anchor="ctr">
-                    <a:solidFill>
-                      <a:schemeClr val="accent1">
-                        <a:tint val="40000"/>
-                      </a:schemeClr>
-                    </a:solidFill>
-                  </a:tcPr>
-                </a:tc>
-                <a:tc>
-                  <a:txBody>
-                    <a:bodyPr/>
-                    <a:lstStyle/>
-                    <a:p>
-                      <a:pPr algn="ctr">
-                        <a:lnSpc>
-                          <a:spcPct val="150000"/>
-                        </a:lnSpc>
-                        <a:spcAft>
-                          <a:spcPts val="0"/>
-                        </a:spcAft>
-                      </a:pPr>
-                      <a:r>
-                        <a:rPr lang="pt-BR" sz="1000" dirty="0">
-                          <a:solidFill>
-                            <a:schemeClr val="tx1"/>
-                          </a:solidFill>
-                          <a:effectLst/>
-                        </a:rPr>
-                        <a:t>20% em 12276 ms</a:t>
-                      </a:r>
-                      <a:endParaRPr lang="pt-BR" sz="900" dirty="0">
-                        <a:solidFill>
-                          <a:schemeClr val="tx1"/>
-                        </a:solidFill>
-                        <a:effectLst/>
-                        <a:latin typeface="Times New Roman" panose="02020603050405020304" pitchFamily="18" charset="0"/>
-                        <a:ea typeface="Times New Roman" panose="02020603050405020304" pitchFamily="18" charset="0"/>
-                        <a:cs typeface="Times New Roman" panose="02020603050405020304" pitchFamily="18" charset="0"/>
-                      </a:endParaRPr>
-                    </a:p>
-                  </a:txBody>
-                  <a:tcPr marL="56258" marR="56258" marT="0" marB="0" anchor="ctr">
-                    <a:solidFill>
-                      <a:schemeClr val="accent1">
-                        <a:tint val="40000"/>
-                      </a:schemeClr>
-                    </a:solidFill>
-                  </a:tcPr>
-                </a:tc>
-              </a:tr>
-            </a:tbl>
-          </a:graphicData>
-        </a:graphic>
-      </p:graphicFrame>
-      <p:graphicFrame>
-        <p:nvGraphicFramePr>
-          <p:cNvPr id="12" name="Tabela 11"/>
-          <p:cNvGraphicFramePr>
-            <a:graphicFrameLocks noGrp="1"/>
-          </p:cNvGraphicFramePr>
-          <p:nvPr>
-            <p:extLst>
-              <p:ext uri="{D42A27DB-BD31-4B8C-83A1-F6EECF244321}">
-                <p14:modId xmlns:p14="http://schemas.microsoft.com/office/powerpoint/2010/main" val="448735379"/>
-              </p:ext>
-            </p:extLst>
-          </p:nvPr>
-        </p:nvGraphicFramePr>
-        <p:xfrm>
-          <a:off x="838199" y="5033963"/>
-          <a:ext cx="5124719" cy="1143000"/>
-        </p:xfrm>
-        <a:graphic>
-          <a:graphicData uri="http://schemas.openxmlformats.org/drawingml/2006/table">
-            <a:tbl>
-              <a:tblPr firstRow="1" firstCol="1" bandRow="1">
-                <a:tableStyleId>{5C22544A-7EE6-4342-B048-85BDC9FD1C3A}</a:tableStyleId>
-              </a:tblPr>
-              <a:tblGrid>
-                <a:gridCol w="1280771"/>
-                <a:gridCol w="1281316"/>
-                <a:gridCol w="1281316"/>
-                <a:gridCol w="1281316"/>
-              </a:tblGrid>
-              <a:tr h="446143">
-                <a:tc>
-                  <a:txBody>
-                    <a:bodyPr/>
-                    <a:lstStyle/>
-                    <a:p>
-                      <a:pPr algn="ctr">
-                        <a:lnSpc>
-                          <a:spcPct val="150000"/>
-                        </a:lnSpc>
-                        <a:spcAft>
-                          <a:spcPts val="0"/>
-                        </a:spcAft>
-                      </a:pPr>
-                      <a:r>
-                        <a:rPr lang="pt-BR" sz="1000" dirty="0">
-                          <a:effectLst/>
-                        </a:rPr>
-                        <a:t>Distância Euclidiana </a:t>
-                      </a:r>
-                      <a:endParaRPr lang="pt-BR" sz="900" dirty="0">
-                        <a:effectLst/>
-                        <a:latin typeface="Times New Roman" panose="02020603050405020304" pitchFamily="18" charset="0"/>
-                        <a:ea typeface="Times New Roman" panose="02020603050405020304" pitchFamily="18" charset="0"/>
-                        <a:cs typeface="Times New Roman" panose="02020603050405020304" pitchFamily="18" charset="0"/>
-                      </a:endParaRPr>
-                    </a:p>
-                  </a:txBody>
-                  <a:tcPr marL="58911" marR="58911" marT="0" marB="0" anchor="ctr"/>
-                </a:tc>
-                <a:tc>
-                  <a:txBody>
-                    <a:bodyPr/>
-                    <a:lstStyle/>
-                    <a:p>
-                      <a:pPr algn="ctr">
-                        <a:lnSpc>
-                          <a:spcPct val="150000"/>
-                        </a:lnSpc>
-                        <a:spcAft>
-                          <a:spcPts val="0"/>
-                        </a:spcAft>
-                      </a:pPr>
-                      <a:r>
-                        <a:rPr lang="pt-BR" sz="1000">
-                          <a:effectLst/>
-                        </a:rPr>
-                        <a:t>Distância Manhattan</a:t>
-                      </a:r>
-                      <a:endParaRPr lang="pt-BR" sz="900">
-                        <a:effectLst/>
-                        <a:latin typeface="Times New Roman" panose="02020603050405020304" pitchFamily="18" charset="0"/>
-                        <a:ea typeface="Times New Roman" panose="02020603050405020304" pitchFamily="18" charset="0"/>
-                        <a:cs typeface="Times New Roman" panose="02020603050405020304" pitchFamily="18" charset="0"/>
-                      </a:endParaRPr>
-                    </a:p>
-                  </a:txBody>
-                  <a:tcPr marL="58911" marR="58911" marT="0" marB="0" anchor="ctr"/>
-                </a:tc>
-                <a:tc>
-                  <a:txBody>
-                    <a:bodyPr/>
-                    <a:lstStyle/>
-                    <a:p>
-                      <a:pPr algn="ctr">
-                        <a:lnSpc>
-                          <a:spcPct val="150000"/>
-                        </a:lnSpc>
-                        <a:spcAft>
-                          <a:spcPts val="0"/>
-                        </a:spcAft>
-                      </a:pPr>
-                      <a:r>
-                        <a:rPr lang="pt-BR" sz="1000">
-                          <a:effectLst/>
-                        </a:rPr>
-                        <a:t>Distância Manhattan Ponderada</a:t>
-                      </a:r>
-                      <a:endParaRPr lang="pt-BR" sz="900">
-                        <a:effectLst/>
-                        <a:latin typeface="Times New Roman" panose="02020603050405020304" pitchFamily="18" charset="0"/>
-                        <a:ea typeface="Times New Roman" panose="02020603050405020304" pitchFamily="18" charset="0"/>
-                        <a:cs typeface="Times New Roman" panose="02020603050405020304" pitchFamily="18" charset="0"/>
-                      </a:endParaRPr>
-                    </a:p>
-                  </a:txBody>
-                  <a:tcPr marL="58911" marR="58911" marT="0" marB="0" anchor="ctr"/>
-                </a:tc>
-                <a:tc>
-                  <a:txBody>
-                    <a:bodyPr/>
-                    <a:lstStyle/>
-                    <a:p>
-                      <a:pPr algn="ctr">
-                        <a:lnSpc>
-                          <a:spcPct val="150000"/>
-                        </a:lnSpc>
-                        <a:spcAft>
-                          <a:spcPts val="0"/>
-                        </a:spcAft>
-                      </a:pPr>
-                      <a:r>
-                        <a:rPr lang="pt-BR" sz="1000">
-                          <a:effectLst/>
-                        </a:rPr>
-                        <a:t>Distância Euclidiana Ponderada</a:t>
-                      </a:r>
-                      <a:endParaRPr lang="pt-BR" sz="900">
-                        <a:effectLst/>
-                        <a:latin typeface="Times New Roman" panose="02020603050405020304" pitchFamily="18" charset="0"/>
-                        <a:ea typeface="Times New Roman" panose="02020603050405020304" pitchFamily="18" charset="0"/>
-                        <a:cs typeface="Times New Roman" panose="02020603050405020304" pitchFamily="18" charset="0"/>
-                      </a:endParaRPr>
-                    </a:p>
-                  </a:txBody>
-                  <a:tcPr marL="58911" marR="58911" marT="0" marB="0" anchor="ctr"/>
-                </a:tc>
-              </a:tr>
-              <a:tr h="210499">
-                <a:tc>
-                  <a:txBody>
-                    <a:bodyPr/>
-                    <a:lstStyle/>
-                    <a:p>
-                      <a:pPr algn="ctr">
-                        <a:lnSpc>
-                          <a:spcPct val="150000"/>
-                        </a:lnSpc>
-                        <a:spcAft>
-                          <a:spcPts val="0"/>
-                        </a:spcAft>
-                      </a:pPr>
-                      <a:r>
-                        <a:rPr lang="pt-BR" sz="1000" b="0" dirty="0">
-                          <a:solidFill>
-                            <a:schemeClr val="tx1"/>
-                          </a:solidFill>
-                          <a:effectLst/>
-                        </a:rPr>
-                        <a:t>100% em 4328 ms</a:t>
-                      </a:r>
-                      <a:endParaRPr lang="pt-BR" sz="900" b="0" dirty="0">
-                        <a:solidFill>
-                          <a:schemeClr val="tx1"/>
-                        </a:solidFill>
-                        <a:effectLst/>
-                        <a:latin typeface="Times New Roman" panose="02020603050405020304" pitchFamily="18" charset="0"/>
-                        <a:ea typeface="Times New Roman" panose="02020603050405020304" pitchFamily="18" charset="0"/>
-                        <a:cs typeface="Times New Roman" panose="02020603050405020304" pitchFamily="18" charset="0"/>
-                      </a:endParaRPr>
-                    </a:p>
-                  </a:txBody>
-                  <a:tcPr marL="58911" marR="58911" marT="0" marB="0" anchor="ctr">
-                    <a:solidFill>
-                      <a:schemeClr val="accent1">
-                        <a:tint val="40000"/>
-                      </a:schemeClr>
-                    </a:solidFill>
-                  </a:tcPr>
-                </a:tc>
-                <a:tc>
-                  <a:txBody>
-                    <a:bodyPr/>
-                    <a:lstStyle/>
-                    <a:p>
-                      <a:pPr algn="ctr">
-                        <a:lnSpc>
-                          <a:spcPct val="150000"/>
-                        </a:lnSpc>
-                        <a:spcAft>
-                          <a:spcPts val="0"/>
-                        </a:spcAft>
-                      </a:pPr>
-                      <a:r>
-                        <a:rPr lang="pt-BR" sz="1000">
-                          <a:effectLst/>
-                        </a:rPr>
-                        <a:t>11% em 6990 ms</a:t>
-                      </a:r>
-                      <a:endParaRPr lang="pt-BR" sz="900">
-                        <a:effectLst/>
-                        <a:latin typeface="Times New Roman" panose="02020603050405020304" pitchFamily="18" charset="0"/>
-                        <a:ea typeface="Times New Roman" panose="02020603050405020304" pitchFamily="18" charset="0"/>
-                        <a:cs typeface="Times New Roman" panose="02020603050405020304" pitchFamily="18" charset="0"/>
-                      </a:endParaRPr>
-                    </a:p>
-                  </a:txBody>
-                  <a:tcPr marL="58911" marR="58911" marT="0" marB="0" anchor="ctr">
-                    <a:solidFill>
-                      <a:schemeClr val="accent1">
-                        <a:tint val="40000"/>
-                      </a:schemeClr>
-                    </a:solidFill>
-                  </a:tcPr>
-                </a:tc>
-                <a:tc>
-                  <a:txBody>
-                    <a:bodyPr/>
-                    <a:lstStyle/>
-                    <a:p>
-                      <a:pPr algn="ctr">
-                        <a:lnSpc>
-                          <a:spcPct val="150000"/>
-                        </a:lnSpc>
-                        <a:spcAft>
-                          <a:spcPts val="0"/>
-                        </a:spcAft>
-                      </a:pPr>
-                      <a:r>
-                        <a:rPr lang="pt-BR" sz="1000">
-                          <a:effectLst/>
-                        </a:rPr>
-                        <a:t>11% em 7005 ms</a:t>
-                      </a:r>
-                      <a:endParaRPr lang="pt-BR" sz="900">
-                        <a:effectLst/>
-                        <a:latin typeface="Times New Roman" panose="02020603050405020304" pitchFamily="18" charset="0"/>
-                        <a:ea typeface="Times New Roman" panose="02020603050405020304" pitchFamily="18" charset="0"/>
-                        <a:cs typeface="Times New Roman" panose="02020603050405020304" pitchFamily="18" charset="0"/>
-                      </a:endParaRPr>
-                    </a:p>
-                  </a:txBody>
-                  <a:tcPr marL="58911" marR="58911" marT="0" marB="0" anchor="ctr">
-                    <a:solidFill>
-                      <a:schemeClr val="accent1">
-                        <a:tint val="40000"/>
-                      </a:schemeClr>
-                    </a:solidFill>
-                  </a:tcPr>
-                </a:tc>
-                <a:tc>
-                  <a:txBody>
-                    <a:bodyPr/>
-                    <a:lstStyle/>
-                    <a:p>
-                      <a:pPr algn="ctr">
-                        <a:lnSpc>
-                          <a:spcPct val="150000"/>
-                        </a:lnSpc>
-                        <a:spcAft>
-                          <a:spcPts val="0"/>
-                        </a:spcAft>
-                      </a:pPr>
-                      <a:r>
-                        <a:rPr lang="pt-BR" sz="1000">
-                          <a:effectLst/>
-                        </a:rPr>
-                        <a:t>0% em 10200 ms</a:t>
-                      </a:r>
-                      <a:endParaRPr lang="pt-BR" sz="900">
-                        <a:effectLst/>
-                        <a:latin typeface="Times New Roman" panose="02020603050405020304" pitchFamily="18" charset="0"/>
-                        <a:ea typeface="Times New Roman" panose="02020603050405020304" pitchFamily="18" charset="0"/>
-                        <a:cs typeface="Times New Roman" panose="02020603050405020304" pitchFamily="18" charset="0"/>
-                      </a:endParaRPr>
-                    </a:p>
-                  </a:txBody>
-                  <a:tcPr marL="58911" marR="58911" marT="0" marB="0" anchor="ctr">
-                    <a:solidFill>
-                      <a:schemeClr val="accent1">
-                        <a:tint val="40000"/>
-                      </a:schemeClr>
-                    </a:solidFill>
-                  </a:tcPr>
-                </a:tc>
-              </a:tr>
-              <a:tr h="210499">
-                <a:tc>
-                  <a:txBody>
-                    <a:bodyPr/>
-                    <a:lstStyle/>
-                    <a:p>
-                      <a:pPr algn="ctr">
-                        <a:lnSpc>
-                          <a:spcPct val="150000"/>
-                        </a:lnSpc>
-                        <a:spcAft>
-                          <a:spcPts val="0"/>
-                        </a:spcAft>
-                      </a:pPr>
-                      <a:r>
-                        <a:rPr lang="pt-BR" sz="1000" b="0" dirty="0">
-                          <a:solidFill>
-                            <a:schemeClr val="tx1"/>
-                          </a:solidFill>
-                          <a:effectLst/>
-                        </a:rPr>
-                        <a:t>100% em 4284 ms</a:t>
-                      </a:r>
-                      <a:endParaRPr lang="pt-BR" sz="900" b="0" dirty="0">
-                        <a:solidFill>
-                          <a:schemeClr val="tx1"/>
-                        </a:solidFill>
-                        <a:effectLst/>
-                        <a:latin typeface="Times New Roman" panose="02020603050405020304" pitchFamily="18" charset="0"/>
-                        <a:ea typeface="Times New Roman" panose="02020603050405020304" pitchFamily="18" charset="0"/>
-                        <a:cs typeface="Times New Roman" panose="02020603050405020304" pitchFamily="18" charset="0"/>
-                      </a:endParaRPr>
-                    </a:p>
-                  </a:txBody>
-                  <a:tcPr marL="58911" marR="58911" marT="0" marB="0" anchor="ctr">
-                    <a:solidFill>
-                      <a:schemeClr val="accent1">
-                        <a:tint val="40000"/>
-                      </a:schemeClr>
-                    </a:solidFill>
-                  </a:tcPr>
-                </a:tc>
-                <a:tc>
-                  <a:txBody>
-                    <a:bodyPr/>
-                    <a:lstStyle/>
-                    <a:p>
-                      <a:pPr algn="ctr">
-                        <a:lnSpc>
-                          <a:spcPct val="150000"/>
-                        </a:lnSpc>
-                        <a:spcAft>
-                          <a:spcPts val="0"/>
-                        </a:spcAft>
-                      </a:pPr>
-                      <a:r>
-                        <a:rPr lang="pt-BR" sz="1000" dirty="0">
-                          <a:effectLst/>
-                        </a:rPr>
-                        <a:t>11% em 7125 ms</a:t>
-                      </a:r>
-                      <a:endParaRPr lang="pt-BR" sz="900" dirty="0">
-                        <a:effectLst/>
-                        <a:latin typeface="Times New Roman" panose="02020603050405020304" pitchFamily="18" charset="0"/>
-                        <a:ea typeface="Times New Roman" panose="02020603050405020304" pitchFamily="18" charset="0"/>
-                        <a:cs typeface="Times New Roman" panose="02020603050405020304" pitchFamily="18" charset="0"/>
-                      </a:endParaRPr>
-                    </a:p>
-                  </a:txBody>
-                  <a:tcPr marL="58911" marR="58911" marT="0" marB="0" anchor="ctr">
-                    <a:solidFill>
-                      <a:schemeClr val="accent1">
-                        <a:tint val="40000"/>
-                      </a:schemeClr>
-                    </a:solidFill>
-                  </a:tcPr>
-                </a:tc>
-                <a:tc>
-                  <a:txBody>
-                    <a:bodyPr/>
-                    <a:lstStyle/>
-                    <a:p>
-                      <a:pPr algn="ctr">
-                        <a:lnSpc>
-                          <a:spcPct val="150000"/>
-                        </a:lnSpc>
-                        <a:spcAft>
-                          <a:spcPts val="0"/>
-                        </a:spcAft>
-                      </a:pPr>
-                      <a:r>
-                        <a:rPr lang="pt-BR" sz="1000" dirty="0">
-                          <a:effectLst/>
-                        </a:rPr>
-                        <a:t>11% em 6717 ms</a:t>
-                      </a:r>
-                      <a:endParaRPr lang="pt-BR" sz="900" dirty="0">
-                        <a:effectLst/>
-                        <a:latin typeface="Times New Roman" panose="02020603050405020304" pitchFamily="18" charset="0"/>
-                        <a:ea typeface="Times New Roman" panose="02020603050405020304" pitchFamily="18" charset="0"/>
-                        <a:cs typeface="Times New Roman" panose="02020603050405020304" pitchFamily="18" charset="0"/>
-                      </a:endParaRPr>
-                    </a:p>
-                  </a:txBody>
-                  <a:tcPr marL="58911" marR="58911" marT="0" marB="0" anchor="ctr">
-                    <a:solidFill>
-                      <a:schemeClr val="accent1">
-                        <a:tint val="40000"/>
-                      </a:schemeClr>
-                    </a:solidFill>
-                  </a:tcPr>
-                </a:tc>
-                <a:tc>
-                  <a:txBody>
-                    <a:bodyPr/>
-                    <a:lstStyle/>
-                    <a:p>
-                      <a:pPr algn="ctr">
-                        <a:lnSpc>
-                          <a:spcPct val="150000"/>
-                        </a:lnSpc>
-                        <a:spcAft>
-                          <a:spcPts val="0"/>
-                        </a:spcAft>
-                      </a:pPr>
-                      <a:r>
-                        <a:rPr lang="pt-BR" sz="1000" dirty="0">
-                          <a:effectLst/>
-                        </a:rPr>
-                        <a:t>0% em 12036 ms</a:t>
-                      </a:r>
-                      <a:endParaRPr lang="pt-BR" sz="900" dirty="0">
-                        <a:effectLst/>
-                        <a:latin typeface="Times New Roman" panose="02020603050405020304" pitchFamily="18" charset="0"/>
-                        <a:ea typeface="Times New Roman" panose="02020603050405020304" pitchFamily="18" charset="0"/>
-                        <a:cs typeface="Times New Roman" panose="02020603050405020304" pitchFamily="18" charset="0"/>
-                      </a:endParaRPr>
-                    </a:p>
-                  </a:txBody>
-                  <a:tcPr marL="58911" marR="58911" marT="0" marB="0" anchor="ctr">
-                    <a:solidFill>
-                      <a:schemeClr val="accent1">
-                        <a:tint val="40000"/>
-                      </a:schemeClr>
-                    </a:solidFill>
-                  </a:tcPr>
-                </a:tc>
-              </a:tr>
-              <a:tr h="210499">
-                <a:tc>
-                  <a:txBody>
-                    <a:bodyPr/>
-                    <a:lstStyle/>
-                    <a:p>
-                      <a:pPr algn="ctr">
-                        <a:lnSpc>
-                          <a:spcPct val="150000"/>
-                        </a:lnSpc>
-                        <a:spcAft>
-                          <a:spcPts val="0"/>
-                        </a:spcAft>
-                      </a:pPr>
-                      <a:r>
-                        <a:rPr lang="pt-BR" sz="1000" b="0" dirty="0">
-                          <a:solidFill>
-                            <a:schemeClr val="tx1"/>
-                          </a:solidFill>
-                          <a:effectLst/>
-                        </a:rPr>
-                        <a:t>100% em 4310 ms</a:t>
-                      </a:r>
-                      <a:endParaRPr lang="pt-BR" sz="900" b="0" dirty="0">
-                        <a:solidFill>
-                          <a:schemeClr val="tx1"/>
-                        </a:solidFill>
-                        <a:effectLst/>
-                        <a:latin typeface="Times New Roman" panose="02020603050405020304" pitchFamily="18" charset="0"/>
-                        <a:ea typeface="Times New Roman" panose="02020603050405020304" pitchFamily="18" charset="0"/>
-                        <a:cs typeface="Times New Roman" panose="02020603050405020304" pitchFamily="18" charset="0"/>
-                      </a:endParaRPr>
-                    </a:p>
-                  </a:txBody>
-                  <a:tcPr marL="58911" marR="58911" marT="0" marB="0" anchor="ctr">
-                    <a:solidFill>
-                      <a:schemeClr val="accent1">
-                        <a:tint val="40000"/>
-                      </a:schemeClr>
-                    </a:solidFill>
-                  </a:tcPr>
-                </a:tc>
-                <a:tc>
-                  <a:txBody>
-                    <a:bodyPr/>
-                    <a:lstStyle/>
-                    <a:p>
-                      <a:pPr algn="ctr">
-                        <a:lnSpc>
-                          <a:spcPct val="150000"/>
-                        </a:lnSpc>
-                        <a:spcAft>
-                          <a:spcPts val="0"/>
-                        </a:spcAft>
-                      </a:pPr>
-                      <a:r>
-                        <a:rPr lang="pt-BR" sz="1000">
-                          <a:effectLst/>
-                        </a:rPr>
-                        <a:t>11% em 6872 ms</a:t>
-                      </a:r>
-                      <a:endParaRPr lang="pt-BR" sz="900">
-                        <a:effectLst/>
-                        <a:latin typeface="Times New Roman" panose="02020603050405020304" pitchFamily="18" charset="0"/>
-                        <a:ea typeface="Times New Roman" panose="02020603050405020304" pitchFamily="18" charset="0"/>
-                        <a:cs typeface="Times New Roman" panose="02020603050405020304" pitchFamily="18" charset="0"/>
-                      </a:endParaRPr>
-                    </a:p>
-                  </a:txBody>
-                  <a:tcPr marL="58911" marR="58911" marT="0" marB="0" anchor="ctr">
-                    <a:solidFill>
-                      <a:schemeClr val="accent1">
-                        <a:tint val="40000"/>
-                      </a:schemeClr>
-                    </a:solidFill>
-                  </a:tcPr>
-                </a:tc>
-                <a:tc>
-                  <a:txBody>
-                    <a:bodyPr/>
-                    <a:lstStyle/>
-                    <a:p>
-                      <a:pPr algn="ctr">
-                        <a:lnSpc>
-                          <a:spcPct val="150000"/>
-                        </a:lnSpc>
-                        <a:spcAft>
-                          <a:spcPts val="0"/>
-                        </a:spcAft>
-                      </a:pPr>
-                      <a:r>
-                        <a:rPr lang="pt-BR" sz="1000" dirty="0">
-                          <a:effectLst/>
-                        </a:rPr>
-                        <a:t>11% em 6820 ms</a:t>
-                      </a:r>
-                      <a:endParaRPr lang="pt-BR" sz="900" dirty="0">
-                        <a:effectLst/>
-                        <a:latin typeface="Times New Roman" panose="02020603050405020304" pitchFamily="18" charset="0"/>
-                        <a:ea typeface="Times New Roman" panose="02020603050405020304" pitchFamily="18" charset="0"/>
-                        <a:cs typeface="Times New Roman" panose="02020603050405020304" pitchFamily="18" charset="0"/>
-                      </a:endParaRPr>
-                    </a:p>
-                  </a:txBody>
-                  <a:tcPr marL="58911" marR="58911" marT="0" marB="0" anchor="ctr">
-                    <a:solidFill>
-                      <a:schemeClr val="accent1">
-                        <a:tint val="40000"/>
-                      </a:schemeClr>
-                    </a:solidFill>
-                  </a:tcPr>
-                </a:tc>
-                <a:tc>
-                  <a:txBody>
-                    <a:bodyPr/>
-                    <a:lstStyle/>
-                    <a:p>
-                      <a:pPr algn="ctr">
-                        <a:lnSpc>
-                          <a:spcPct val="150000"/>
-                        </a:lnSpc>
-                        <a:spcAft>
-                          <a:spcPts val="0"/>
-                        </a:spcAft>
-                      </a:pPr>
-                      <a:r>
-                        <a:rPr lang="pt-BR" sz="1000" dirty="0">
-                          <a:effectLst/>
-                        </a:rPr>
-                        <a:t>0% em 11219 ms</a:t>
-                      </a:r>
-                      <a:endParaRPr lang="pt-BR" sz="900" dirty="0">
-                        <a:effectLst/>
-                        <a:latin typeface="Times New Roman" panose="02020603050405020304" pitchFamily="18" charset="0"/>
-                        <a:ea typeface="Times New Roman" panose="02020603050405020304" pitchFamily="18" charset="0"/>
-                        <a:cs typeface="Times New Roman" panose="02020603050405020304" pitchFamily="18" charset="0"/>
-                      </a:endParaRPr>
-                    </a:p>
-                  </a:txBody>
-                  <a:tcPr marL="58911" marR="58911" marT="0" marB="0" anchor="ctr">
-                    <a:solidFill>
-                      <a:schemeClr val="accent1">
-                        <a:tint val="40000"/>
-                      </a:schemeClr>
-                    </a:solidFill>
-                  </a:tcPr>
-                </a:tc>
-              </a:tr>
-            </a:tbl>
-          </a:graphicData>
-        </a:graphic>
-      </p:graphicFrame>
-      <p:graphicFrame>
-        <p:nvGraphicFramePr>
-          <p:cNvPr id="14" name="Tabela 13"/>
-          <p:cNvGraphicFramePr>
-            <a:graphicFrameLocks noGrp="1"/>
-          </p:cNvGraphicFramePr>
-          <p:nvPr>
-            <p:extLst>
-              <p:ext uri="{D42A27DB-BD31-4B8C-83A1-F6EECF244321}">
-                <p14:modId xmlns:p14="http://schemas.microsoft.com/office/powerpoint/2010/main" val="556502568"/>
-              </p:ext>
-            </p:extLst>
-          </p:nvPr>
-        </p:nvGraphicFramePr>
-        <p:xfrm>
-          <a:off x="6095999" y="4980641"/>
-          <a:ext cx="5124719" cy="1178221"/>
-        </p:xfrm>
-        <a:graphic>
-          <a:graphicData uri="http://schemas.openxmlformats.org/drawingml/2006/table">
-            <a:tbl>
-              <a:tblPr firstRow="1" firstCol="1" bandRow="1">
-                <a:tableStyleId>{5C22544A-7EE6-4342-B048-85BDC9FD1C3A}</a:tableStyleId>
-              </a:tblPr>
-              <a:tblGrid>
-                <a:gridCol w="1280771"/>
-                <a:gridCol w="1281316"/>
-                <a:gridCol w="1281316"/>
-                <a:gridCol w="1281316"/>
-              </a:tblGrid>
-              <a:tr h="471289">
-                <a:tc>
-                  <a:txBody>
-                    <a:bodyPr/>
-                    <a:lstStyle/>
-                    <a:p>
-                      <a:pPr algn="ctr">
-                        <a:lnSpc>
-                          <a:spcPct val="150000"/>
-                        </a:lnSpc>
-                        <a:spcAft>
-                          <a:spcPts val="0"/>
-                        </a:spcAft>
-                      </a:pPr>
-                      <a:r>
-                        <a:rPr lang="pt-BR" sz="1000" dirty="0">
-                          <a:effectLst/>
-                        </a:rPr>
-                        <a:t>Distância Euclidiana </a:t>
-                      </a:r>
-                      <a:endParaRPr lang="pt-BR" sz="900" dirty="0">
-                        <a:effectLst/>
-                        <a:latin typeface="Times New Roman" panose="02020603050405020304" pitchFamily="18" charset="0"/>
-                        <a:ea typeface="Times New Roman" panose="02020603050405020304" pitchFamily="18" charset="0"/>
-                        <a:cs typeface="Times New Roman" panose="02020603050405020304" pitchFamily="18" charset="0"/>
-                      </a:endParaRPr>
-                    </a:p>
-                  </a:txBody>
-                  <a:tcPr marL="58911" marR="58911" marT="0" marB="0" anchor="ctr"/>
-                </a:tc>
-                <a:tc>
-                  <a:txBody>
-                    <a:bodyPr/>
-                    <a:lstStyle/>
-                    <a:p>
-                      <a:pPr algn="ctr">
-                        <a:lnSpc>
-                          <a:spcPct val="150000"/>
-                        </a:lnSpc>
-                        <a:spcAft>
-                          <a:spcPts val="0"/>
-                        </a:spcAft>
-                      </a:pPr>
-                      <a:r>
-                        <a:rPr lang="pt-BR" sz="1000">
-                          <a:effectLst/>
-                        </a:rPr>
-                        <a:t>Distância Manhattan</a:t>
-                      </a:r>
-                      <a:endParaRPr lang="pt-BR" sz="900">
-                        <a:effectLst/>
-                        <a:latin typeface="Times New Roman" panose="02020603050405020304" pitchFamily="18" charset="0"/>
-                        <a:ea typeface="Times New Roman" panose="02020603050405020304" pitchFamily="18" charset="0"/>
-                        <a:cs typeface="Times New Roman" panose="02020603050405020304" pitchFamily="18" charset="0"/>
-                      </a:endParaRPr>
-                    </a:p>
-                  </a:txBody>
-                  <a:tcPr marL="58911" marR="58911" marT="0" marB="0" anchor="ctr"/>
-                </a:tc>
-                <a:tc>
-                  <a:txBody>
-                    <a:bodyPr/>
-                    <a:lstStyle/>
-                    <a:p>
-                      <a:pPr algn="ctr">
-                        <a:lnSpc>
-                          <a:spcPct val="150000"/>
-                        </a:lnSpc>
-                        <a:spcAft>
-                          <a:spcPts val="0"/>
-                        </a:spcAft>
-                      </a:pPr>
-                      <a:r>
-                        <a:rPr lang="pt-BR" sz="1000" dirty="0">
-                          <a:effectLst/>
-                        </a:rPr>
-                        <a:t>Distância Manhattan Ponderada</a:t>
-                      </a:r>
-                      <a:endParaRPr lang="pt-BR" sz="900" dirty="0">
-                        <a:effectLst/>
-                        <a:latin typeface="Times New Roman" panose="02020603050405020304" pitchFamily="18" charset="0"/>
-                        <a:ea typeface="Times New Roman" panose="02020603050405020304" pitchFamily="18" charset="0"/>
-                        <a:cs typeface="Times New Roman" panose="02020603050405020304" pitchFamily="18" charset="0"/>
-                      </a:endParaRPr>
-                    </a:p>
-                  </a:txBody>
-                  <a:tcPr marL="58911" marR="58911" marT="0" marB="0" anchor="ctr"/>
-                </a:tc>
-                <a:tc>
-                  <a:txBody>
-                    <a:bodyPr/>
-                    <a:lstStyle/>
-                    <a:p>
-                      <a:pPr algn="ctr">
-                        <a:lnSpc>
-                          <a:spcPct val="150000"/>
-                        </a:lnSpc>
-                        <a:spcAft>
-                          <a:spcPts val="0"/>
-                        </a:spcAft>
-                      </a:pPr>
-                      <a:r>
-                        <a:rPr lang="pt-BR" sz="1000">
-                          <a:effectLst/>
-                        </a:rPr>
-                        <a:t>Distância Euclidiana Ponderada</a:t>
-                      </a:r>
-                      <a:endParaRPr lang="pt-BR" sz="900">
-                        <a:effectLst/>
-                        <a:latin typeface="Times New Roman" panose="02020603050405020304" pitchFamily="18" charset="0"/>
-                        <a:ea typeface="Times New Roman" panose="02020603050405020304" pitchFamily="18" charset="0"/>
-                        <a:cs typeface="Times New Roman" panose="02020603050405020304" pitchFamily="18" charset="0"/>
-                      </a:endParaRPr>
-                    </a:p>
-                  </a:txBody>
-                  <a:tcPr marL="58911" marR="58911" marT="0" marB="0" anchor="ctr"/>
-                </a:tc>
-              </a:tr>
-              <a:tr h="235644">
-                <a:tc>
-                  <a:txBody>
-                    <a:bodyPr/>
-                    <a:lstStyle/>
-                    <a:p>
-                      <a:pPr algn="ctr">
-                        <a:lnSpc>
-                          <a:spcPct val="150000"/>
-                        </a:lnSpc>
-                        <a:spcAft>
-                          <a:spcPts val="0"/>
-                        </a:spcAft>
-                      </a:pPr>
-                      <a:r>
-                        <a:rPr lang="pt-BR" sz="1000" b="0">
-                          <a:solidFill>
-                            <a:schemeClr val="tx1"/>
-                          </a:solidFill>
-                          <a:effectLst/>
-                        </a:rPr>
-                        <a:t>20% em 6248 ms</a:t>
-                      </a:r>
-                      <a:endParaRPr lang="pt-BR" sz="900" b="0">
-                        <a:solidFill>
-                          <a:schemeClr val="tx1"/>
-                        </a:solidFill>
-                        <a:effectLst/>
-                        <a:latin typeface="Times New Roman" panose="02020603050405020304" pitchFamily="18" charset="0"/>
-                        <a:ea typeface="Times New Roman" panose="02020603050405020304" pitchFamily="18" charset="0"/>
-                        <a:cs typeface="Times New Roman" panose="02020603050405020304" pitchFamily="18" charset="0"/>
-                      </a:endParaRPr>
-                    </a:p>
-                  </a:txBody>
-                  <a:tcPr marL="58911" marR="58911" marT="0" marB="0" anchor="ctr">
-                    <a:solidFill>
-                      <a:schemeClr val="accent1">
-                        <a:tint val="40000"/>
-                      </a:schemeClr>
-                    </a:solidFill>
-                  </a:tcPr>
-                </a:tc>
-                <a:tc>
-                  <a:txBody>
-                    <a:bodyPr/>
-                    <a:lstStyle/>
-                    <a:p>
-                      <a:pPr algn="ctr">
-                        <a:lnSpc>
-                          <a:spcPct val="150000"/>
-                        </a:lnSpc>
-                        <a:spcAft>
-                          <a:spcPts val="0"/>
-                        </a:spcAft>
-                      </a:pPr>
-                      <a:r>
-                        <a:rPr lang="pt-BR" sz="1000" b="0">
-                          <a:solidFill>
-                            <a:schemeClr val="tx1"/>
-                          </a:solidFill>
-                          <a:effectLst/>
-                        </a:rPr>
-                        <a:t>11% em 6986 ms</a:t>
-                      </a:r>
-                      <a:endParaRPr lang="pt-BR" sz="900" b="0">
-                        <a:solidFill>
-                          <a:schemeClr val="tx1"/>
-                        </a:solidFill>
-                        <a:effectLst/>
-                        <a:latin typeface="Times New Roman" panose="02020603050405020304" pitchFamily="18" charset="0"/>
-                        <a:ea typeface="Times New Roman" panose="02020603050405020304" pitchFamily="18" charset="0"/>
-                        <a:cs typeface="Times New Roman" panose="02020603050405020304" pitchFamily="18" charset="0"/>
-                      </a:endParaRPr>
-                    </a:p>
-                  </a:txBody>
-                  <a:tcPr marL="58911" marR="58911" marT="0" marB="0" anchor="ctr">
-                    <a:solidFill>
-                      <a:schemeClr val="accent1">
-                        <a:tint val="40000"/>
-                      </a:schemeClr>
-                    </a:solidFill>
-                  </a:tcPr>
-                </a:tc>
-                <a:tc>
-                  <a:txBody>
-                    <a:bodyPr/>
-                    <a:lstStyle/>
-                    <a:p>
-                      <a:pPr algn="ctr">
-                        <a:lnSpc>
-                          <a:spcPct val="150000"/>
-                        </a:lnSpc>
-                        <a:spcAft>
-                          <a:spcPts val="0"/>
-                        </a:spcAft>
-                      </a:pPr>
-                      <a:r>
-                        <a:rPr lang="pt-BR" sz="1000" b="0">
-                          <a:solidFill>
-                            <a:schemeClr val="tx1"/>
-                          </a:solidFill>
-                          <a:effectLst/>
-                        </a:rPr>
-                        <a:t>11% em 11410 ms</a:t>
-                      </a:r>
-                      <a:endParaRPr lang="pt-BR" sz="900" b="0">
-                        <a:solidFill>
-                          <a:schemeClr val="tx1"/>
-                        </a:solidFill>
-                        <a:effectLst/>
-                        <a:latin typeface="Times New Roman" panose="02020603050405020304" pitchFamily="18" charset="0"/>
-                        <a:ea typeface="Times New Roman" panose="02020603050405020304" pitchFamily="18" charset="0"/>
-                        <a:cs typeface="Times New Roman" panose="02020603050405020304" pitchFamily="18" charset="0"/>
-                      </a:endParaRPr>
-                    </a:p>
-                  </a:txBody>
-                  <a:tcPr marL="58911" marR="58911" marT="0" marB="0" anchor="ctr">
-                    <a:solidFill>
-                      <a:schemeClr val="accent1">
-                        <a:tint val="40000"/>
-                      </a:schemeClr>
-                    </a:solidFill>
-                  </a:tcPr>
-                </a:tc>
-                <a:tc>
-                  <a:txBody>
-                    <a:bodyPr/>
-                    <a:lstStyle/>
-                    <a:p>
-                      <a:pPr algn="ctr">
-                        <a:lnSpc>
-                          <a:spcPct val="150000"/>
-                        </a:lnSpc>
-                        <a:spcAft>
-                          <a:spcPts val="0"/>
-                        </a:spcAft>
-                      </a:pPr>
-                      <a:r>
-                        <a:rPr lang="pt-BR" sz="1000" b="0">
-                          <a:solidFill>
-                            <a:schemeClr val="tx1"/>
-                          </a:solidFill>
-                          <a:effectLst/>
-                        </a:rPr>
-                        <a:t>20% em 12351 ms</a:t>
-                      </a:r>
-                      <a:endParaRPr lang="pt-BR" sz="900" b="0">
-                        <a:solidFill>
-                          <a:schemeClr val="tx1"/>
-                        </a:solidFill>
-                        <a:effectLst/>
-                        <a:latin typeface="Times New Roman" panose="02020603050405020304" pitchFamily="18" charset="0"/>
-                        <a:ea typeface="Times New Roman" panose="02020603050405020304" pitchFamily="18" charset="0"/>
-                        <a:cs typeface="Times New Roman" panose="02020603050405020304" pitchFamily="18" charset="0"/>
-                      </a:endParaRPr>
-                    </a:p>
-                  </a:txBody>
-                  <a:tcPr marL="58911" marR="58911" marT="0" marB="0" anchor="ctr">
-                    <a:solidFill>
-                      <a:schemeClr val="accent1">
-                        <a:tint val="40000"/>
-                      </a:schemeClr>
-                    </a:solidFill>
-                  </a:tcPr>
-                </a:tc>
-              </a:tr>
-              <a:tr h="235644">
-                <a:tc>
-                  <a:txBody>
-                    <a:bodyPr/>
-                    <a:lstStyle/>
-                    <a:p>
-                      <a:pPr algn="ctr">
-                        <a:lnSpc>
-                          <a:spcPct val="150000"/>
-                        </a:lnSpc>
-                        <a:spcAft>
-                          <a:spcPts val="0"/>
-                        </a:spcAft>
-                      </a:pPr>
-                      <a:r>
-                        <a:rPr lang="pt-BR" sz="1000" b="0">
-                          <a:solidFill>
-                            <a:schemeClr val="tx1"/>
-                          </a:solidFill>
-                          <a:effectLst/>
-                        </a:rPr>
-                        <a:t>20% em 6201 ms</a:t>
-                      </a:r>
-                      <a:endParaRPr lang="pt-BR" sz="900" b="0">
-                        <a:solidFill>
-                          <a:schemeClr val="tx1"/>
-                        </a:solidFill>
-                        <a:effectLst/>
-                        <a:latin typeface="Times New Roman" panose="02020603050405020304" pitchFamily="18" charset="0"/>
-                        <a:ea typeface="Times New Roman" panose="02020603050405020304" pitchFamily="18" charset="0"/>
-                        <a:cs typeface="Times New Roman" panose="02020603050405020304" pitchFamily="18" charset="0"/>
-                      </a:endParaRPr>
-                    </a:p>
-                  </a:txBody>
-                  <a:tcPr marL="58911" marR="58911" marT="0" marB="0" anchor="ctr">
-                    <a:solidFill>
-                      <a:schemeClr val="accent1">
-                        <a:tint val="40000"/>
-                      </a:schemeClr>
-                    </a:solidFill>
-                  </a:tcPr>
-                </a:tc>
-                <a:tc>
-                  <a:txBody>
-                    <a:bodyPr/>
-                    <a:lstStyle/>
-                    <a:p>
-                      <a:pPr algn="ctr">
-                        <a:lnSpc>
-                          <a:spcPct val="150000"/>
-                        </a:lnSpc>
-                        <a:spcAft>
-                          <a:spcPts val="0"/>
-                        </a:spcAft>
-                      </a:pPr>
-                      <a:r>
-                        <a:rPr lang="pt-BR" sz="1000" b="0">
-                          <a:solidFill>
-                            <a:schemeClr val="tx1"/>
-                          </a:solidFill>
-                          <a:effectLst/>
-                        </a:rPr>
-                        <a:t>11% em 7080 ms</a:t>
-                      </a:r>
-                      <a:endParaRPr lang="pt-BR" sz="900" b="0">
-                        <a:solidFill>
-                          <a:schemeClr val="tx1"/>
-                        </a:solidFill>
-                        <a:effectLst/>
-                        <a:latin typeface="Times New Roman" panose="02020603050405020304" pitchFamily="18" charset="0"/>
-                        <a:ea typeface="Times New Roman" panose="02020603050405020304" pitchFamily="18" charset="0"/>
-                        <a:cs typeface="Times New Roman" panose="02020603050405020304" pitchFamily="18" charset="0"/>
-                      </a:endParaRPr>
-                    </a:p>
-                  </a:txBody>
-                  <a:tcPr marL="58911" marR="58911" marT="0" marB="0" anchor="ctr">
-                    <a:solidFill>
-                      <a:schemeClr val="accent1">
-                        <a:tint val="40000"/>
-                      </a:schemeClr>
-                    </a:solidFill>
-                  </a:tcPr>
-                </a:tc>
-                <a:tc>
-                  <a:txBody>
-                    <a:bodyPr/>
-                    <a:lstStyle/>
-                    <a:p>
-                      <a:pPr algn="ctr">
-                        <a:lnSpc>
-                          <a:spcPct val="150000"/>
-                        </a:lnSpc>
-                        <a:spcAft>
-                          <a:spcPts val="0"/>
-                        </a:spcAft>
-                      </a:pPr>
-                      <a:r>
-                        <a:rPr lang="pt-BR" sz="1000" b="0">
-                          <a:solidFill>
-                            <a:schemeClr val="tx1"/>
-                          </a:solidFill>
-                          <a:effectLst/>
-                        </a:rPr>
-                        <a:t>11% em 11365 ms</a:t>
-                      </a:r>
-                      <a:endParaRPr lang="pt-BR" sz="900" b="0">
-                        <a:solidFill>
-                          <a:schemeClr val="tx1"/>
-                        </a:solidFill>
-                        <a:effectLst/>
-                        <a:latin typeface="Times New Roman" panose="02020603050405020304" pitchFamily="18" charset="0"/>
-                        <a:ea typeface="Times New Roman" panose="02020603050405020304" pitchFamily="18" charset="0"/>
-                        <a:cs typeface="Times New Roman" panose="02020603050405020304" pitchFamily="18" charset="0"/>
-                      </a:endParaRPr>
-                    </a:p>
-                  </a:txBody>
-                  <a:tcPr marL="58911" marR="58911" marT="0" marB="0" anchor="ctr">
-                    <a:solidFill>
-                      <a:schemeClr val="accent1">
-                        <a:tint val="40000"/>
-                      </a:schemeClr>
-                    </a:solidFill>
-                  </a:tcPr>
-                </a:tc>
-                <a:tc>
-                  <a:txBody>
-                    <a:bodyPr/>
-                    <a:lstStyle/>
-                    <a:p>
-                      <a:pPr algn="ctr">
-                        <a:lnSpc>
-                          <a:spcPct val="150000"/>
-                        </a:lnSpc>
-                        <a:spcAft>
-                          <a:spcPts val="0"/>
-                        </a:spcAft>
-                      </a:pPr>
-                      <a:r>
-                        <a:rPr lang="pt-BR" sz="1000" b="0">
-                          <a:solidFill>
-                            <a:schemeClr val="tx1"/>
-                          </a:solidFill>
-                          <a:effectLst/>
-                        </a:rPr>
-                        <a:t>20% em 12301 ms</a:t>
-                      </a:r>
-                      <a:endParaRPr lang="pt-BR" sz="900" b="0">
-                        <a:solidFill>
-                          <a:schemeClr val="tx1"/>
-                        </a:solidFill>
-                        <a:effectLst/>
-                        <a:latin typeface="Times New Roman" panose="02020603050405020304" pitchFamily="18" charset="0"/>
-                        <a:ea typeface="Times New Roman" panose="02020603050405020304" pitchFamily="18" charset="0"/>
-                        <a:cs typeface="Times New Roman" panose="02020603050405020304" pitchFamily="18" charset="0"/>
-                      </a:endParaRPr>
-                    </a:p>
-                  </a:txBody>
-                  <a:tcPr marL="58911" marR="58911" marT="0" marB="0" anchor="ctr">
-                    <a:solidFill>
-                      <a:schemeClr val="accent1">
-                        <a:tint val="40000"/>
-                      </a:schemeClr>
-                    </a:solidFill>
-                  </a:tcPr>
-                </a:tc>
-              </a:tr>
-              <a:tr h="235644">
-                <a:tc>
-                  <a:txBody>
-                    <a:bodyPr/>
-                    <a:lstStyle/>
-                    <a:p>
-                      <a:pPr algn="ctr">
-                        <a:lnSpc>
-                          <a:spcPct val="150000"/>
-                        </a:lnSpc>
-                        <a:spcAft>
-                          <a:spcPts val="0"/>
-                        </a:spcAft>
-                      </a:pPr>
-                      <a:r>
-                        <a:rPr lang="pt-BR" sz="1000" b="0">
-                          <a:solidFill>
-                            <a:schemeClr val="tx1"/>
-                          </a:solidFill>
-                          <a:effectLst/>
-                        </a:rPr>
-                        <a:t>20% em 6111 ms</a:t>
-                      </a:r>
-                      <a:endParaRPr lang="pt-BR" sz="900" b="0">
-                        <a:solidFill>
-                          <a:schemeClr val="tx1"/>
-                        </a:solidFill>
-                        <a:effectLst/>
-                        <a:latin typeface="Times New Roman" panose="02020603050405020304" pitchFamily="18" charset="0"/>
-                        <a:ea typeface="Times New Roman" panose="02020603050405020304" pitchFamily="18" charset="0"/>
-                        <a:cs typeface="Times New Roman" panose="02020603050405020304" pitchFamily="18" charset="0"/>
-                      </a:endParaRPr>
-                    </a:p>
-                  </a:txBody>
-                  <a:tcPr marL="58911" marR="58911" marT="0" marB="0" anchor="ctr">
-                    <a:solidFill>
-                      <a:schemeClr val="accent1">
-                        <a:tint val="40000"/>
-                      </a:schemeClr>
-                    </a:solidFill>
-                  </a:tcPr>
-                </a:tc>
-                <a:tc>
-                  <a:txBody>
-                    <a:bodyPr/>
-                    <a:lstStyle/>
-                    <a:p>
-                      <a:pPr algn="ctr">
-                        <a:lnSpc>
-                          <a:spcPct val="150000"/>
-                        </a:lnSpc>
-                        <a:spcAft>
-                          <a:spcPts val="0"/>
-                        </a:spcAft>
-                      </a:pPr>
-                      <a:r>
-                        <a:rPr lang="pt-BR" sz="1000" b="0">
-                          <a:solidFill>
-                            <a:schemeClr val="tx1"/>
-                          </a:solidFill>
-                          <a:effectLst/>
-                        </a:rPr>
-                        <a:t>11% em 7205 ms</a:t>
-                      </a:r>
-                      <a:endParaRPr lang="pt-BR" sz="900" b="0">
-                        <a:solidFill>
-                          <a:schemeClr val="tx1"/>
-                        </a:solidFill>
-                        <a:effectLst/>
-                        <a:latin typeface="Times New Roman" panose="02020603050405020304" pitchFamily="18" charset="0"/>
-                        <a:ea typeface="Times New Roman" panose="02020603050405020304" pitchFamily="18" charset="0"/>
-                        <a:cs typeface="Times New Roman" panose="02020603050405020304" pitchFamily="18" charset="0"/>
-                      </a:endParaRPr>
-                    </a:p>
-                  </a:txBody>
-                  <a:tcPr marL="58911" marR="58911" marT="0" marB="0" anchor="ctr">
-                    <a:solidFill>
-                      <a:schemeClr val="accent1">
-                        <a:tint val="40000"/>
-                      </a:schemeClr>
-                    </a:solidFill>
-                  </a:tcPr>
-                </a:tc>
-                <a:tc>
-                  <a:txBody>
-                    <a:bodyPr/>
-                    <a:lstStyle/>
-                    <a:p>
-                      <a:pPr algn="ctr">
-                        <a:lnSpc>
-                          <a:spcPct val="150000"/>
-                        </a:lnSpc>
-                        <a:spcAft>
-                          <a:spcPts val="0"/>
-                        </a:spcAft>
-                      </a:pPr>
-                      <a:r>
-                        <a:rPr lang="pt-BR" sz="1000" b="0">
-                          <a:solidFill>
-                            <a:schemeClr val="tx1"/>
-                          </a:solidFill>
-                          <a:effectLst/>
-                        </a:rPr>
-                        <a:t>11% em 11373 ms</a:t>
-                      </a:r>
-                      <a:endParaRPr lang="pt-BR" sz="900" b="0">
-                        <a:solidFill>
-                          <a:schemeClr val="tx1"/>
-                        </a:solidFill>
-                        <a:effectLst/>
-                        <a:latin typeface="Times New Roman" panose="02020603050405020304" pitchFamily="18" charset="0"/>
-                        <a:ea typeface="Times New Roman" panose="02020603050405020304" pitchFamily="18" charset="0"/>
-                        <a:cs typeface="Times New Roman" panose="02020603050405020304" pitchFamily="18" charset="0"/>
-                      </a:endParaRPr>
-                    </a:p>
-                  </a:txBody>
-                  <a:tcPr marL="58911" marR="58911" marT="0" marB="0" anchor="ctr">
-                    <a:solidFill>
-                      <a:schemeClr val="accent1">
-                        <a:tint val="40000"/>
-                      </a:schemeClr>
-                    </a:solidFill>
-                  </a:tcPr>
-                </a:tc>
-                <a:tc>
-                  <a:txBody>
-                    <a:bodyPr/>
-                    <a:lstStyle/>
-                    <a:p>
-                      <a:pPr algn="ctr">
-                        <a:lnSpc>
-                          <a:spcPct val="150000"/>
-                        </a:lnSpc>
-                        <a:spcAft>
-                          <a:spcPts val="0"/>
-                        </a:spcAft>
-                      </a:pPr>
-                      <a:r>
-                        <a:rPr lang="pt-BR" sz="1000" b="0" dirty="0">
-                          <a:solidFill>
-                            <a:schemeClr val="tx1"/>
-                          </a:solidFill>
-                          <a:effectLst/>
-                        </a:rPr>
-                        <a:t>20% em 12534 ms</a:t>
-                      </a:r>
-                      <a:endParaRPr lang="pt-BR" sz="900" b="0" dirty="0">
-                        <a:solidFill>
-                          <a:schemeClr val="tx1"/>
-                        </a:solidFill>
-                        <a:effectLst/>
-                        <a:latin typeface="Times New Roman" panose="02020603050405020304" pitchFamily="18" charset="0"/>
-                        <a:ea typeface="Times New Roman" panose="02020603050405020304" pitchFamily="18" charset="0"/>
-                        <a:cs typeface="Times New Roman" panose="02020603050405020304" pitchFamily="18" charset="0"/>
-                      </a:endParaRPr>
-                    </a:p>
-                  </a:txBody>
-                  <a:tcPr marL="58911" marR="58911" marT="0" marB="0" anchor="ctr">
-                    <a:solidFill>
-                      <a:schemeClr val="accent1">
-                        <a:tint val="40000"/>
-                      </a:schemeClr>
-                    </a:solidFill>
-                  </a:tcPr>
-                </a:tc>
-              </a:tr>
-            </a:tbl>
-          </a:graphicData>
-        </a:graphic>
-      </p:graphicFrame>
       <p:pic>
         <p:nvPicPr>
           <p:cNvPr id="13" name="Picture 4" descr="https://i.pinimg.com/originals/db/72/21/db7221672fc6b447f7af2b1f61b140ef.png"/>
@@ -5855,7 +3992,7 @@
 </p:sld>
 </file>
 
-<file path=ppt/slides/slide11.xml><?xml version="1.0" encoding="utf-8"?>
+<file path=ppt/slides/slide12.xml><?xml version="1.0" encoding="utf-8"?>
 <p:sld xmlns:a="http://schemas.openxmlformats.org/drawingml/2006/main" xmlns:r="http://schemas.openxmlformats.org/officeDocument/2006/relationships" xmlns:p="http://schemas.openxmlformats.org/presentationml/2006/main">
   <p:cSld>
     <p:spTree>
@@ -5902,7 +4039,7 @@
                 <a:latin typeface="Times New Roman" panose="02020603050405020304" pitchFamily="18" charset="0"/>
                 <a:cs typeface="Times New Roman" panose="02020603050405020304" pitchFamily="18" charset="0"/>
               </a:rPr>
-              <a:t>Conclusão</a:t>
+              <a:t>Execução do Código</a:t>
             </a:r>
             <a:endParaRPr lang="pt-BR" sz="5400" b="1" dirty="0">
               <a:effectLst>
@@ -5918,6 +4055,158 @@
           </a:p>
         </p:txBody>
       </p:sp>
+      <p:pic>
+        <p:nvPicPr>
+          <p:cNvPr id="4" name="Picture 2" descr="C:\Users\thiago\Desktop\Estudo BCC\introdução à Ciência da computação\Trabalho ICC\UFRPE Imagem.jpg"/>
+          <p:cNvPicPr>
+            <a:picLocks noChangeAspect="1" noChangeArrowheads="1"/>
+          </p:cNvPicPr>
+          <p:nvPr/>
+        </p:nvPicPr>
+        <p:blipFill>
+          <a:blip r:embed="rId2" cstate="print"/>
+          <a:srcRect/>
+          <a:stretch>
+            <a:fillRect/>
+          </a:stretch>
+        </p:blipFill>
+        <p:spPr bwMode="auto">
+          <a:xfrm>
+            <a:off x="11148392" y="5606494"/>
+            <a:ext cx="1043608" cy="1251506"/>
+          </a:xfrm>
+          <a:prstGeom prst="rect">
+            <a:avLst/>
+          </a:prstGeom>
+          <a:noFill/>
+        </p:spPr>
+      </p:pic>
+      <p:sp>
+        <p:nvSpPr>
+          <p:cNvPr id="9" name="Espaço Reservado para Conteúdo 8"/>
+          <p:cNvSpPr>
+            <a:spLocks noGrp="1"/>
+          </p:cNvSpPr>
+          <p:nvPr>
+            <p:ph idx="1"/>
+          </p:nvPr>
+        </p:nvSpPr>
+        <p:spPr/>
+        <p:txBody>
+          <a:bodyPr/>
+          <a:lstStyle/>
+          <a:p>
+            <a:endParaRPr lang="pt-BR" dirty="0"/>
+          </a:p>
+        </p:txBody>
+      </p:sp>
+      <p:pic>
+        <p:nvPicPr>
+          <p:cNvPr id="6" name="Imagem 5"/>
+          <p:cNvPicPr>
+            <a:picLocks noChangeAspect="1"/>
+          </p:cNvPicPr>
+          <p:nvPr/>
+        </p:nvPicPr>
+        <p:blipFill>
+          <a:blip r:embed="rId3"/>
+          <a:stretch>
+            <a:fillRect/>
+          </a:stretch>
+        </p:blipFill>
+        <p:spPr>
+          <a:xfrm>
+            <a:off x="10540488" y="365125"/>
+            <a:ext cx="813312" cy="937245"/>
+          </a:xfrm>
+          <a:prstGeom prst="rect">
+            <a:avLst/>
+          </a:prstGeom>
+        </p:spPr>
+      </p:pic>
+    </p:spTree>
+    <p:extLst>
+      <p:ext uri="{BB962C8B-B14F-4D97-AF65-F5344CB8AC3E}">
+        <p14:creationId xmlns:p14="http://schemas.microsoft.com/office/powerpoint/2010/main" val="3260011846"/>
+      </p:ext>
+    </p:extLst>
+  </p:cSld>
+  <p:clrMapOvr>
+    <a:masterClrMapping/>
+  </p:clrMapOvr>
+  <p:timing>
+    <p:tnLst>
+      <p:par>
+        <p:cTn id="1" dur="indefinite" restart="never" nodeType="tmRoot"/>
+      </p:par>
+    </p:tnLst>
+  </p:timing>
+</p:sld>
+</file>
+
+<file path=ppt/slides/slide13.xml><?xml version="1.0" encoding="utf-8"?>
+<p:sld xmlns:a="http://schemas.openxmlformats.org/drawingml/2006/main" xmlns:r="http://schemas.openxmlformats.org/officeDocument/2006/relationships" xmlns:p="http://schemas.openxmlformats.org/presentationml/2006/main">
+  <p:cSld>
+    <p:spTree>
+      <p:nvGrpSpPr>
+        <p:cNvPr id="1" name=""/>
+        <p:cNvGrpSpPr/>
+        <p:nvPr/>
+      </p:nvGrpSpPr>
+      <p:grpSpPr>
+        <a:xfrm>
+          <a:off x="0" y="0"/>
+          <a:ext cx="0" cy="0"/>
+          <a:chOff x="0" y="0"/>
+          <a:chExt cx="0" cy="0"/>
+        </a:xfrm>
+      </p:grpSpPr>
+      <p:sp>
+        <p:nvSpPr>
+          <p:cNvPr id="2" name="Título 1"/>
+          <p:cNvSpPr>
+            <a:spLocks noGrp="1"/>
+          </p:cNvSpPr>
+          <p:nvPr>
+            <p:ph type="title"/>
+          </p:nvPr>
+        </p:nvSpPr>
+        <p:spPr/>
+        <p:txBody>
+          <a:bodyPr>
+            <a:normAutofit/>
+          </a:bodyPr>
+          <a:lstStyle/>
+          <a:p>
+            <a:pPr algn="ctr"/>
+            <a:r>
+              <a:rPr lang="pt-BR" sz="5400" b="1" dirty="0" smtClean="0">
+                <a:effectLst>
+                  <a:outerShdw blurRad="38100" dist="38100" dir="2700000" algn="tl">
+                    <a:srgbClr val="000000">
+                      <a:alpha val="43137"/>
+                    </a:srgbClr>
+                  </a:outerShdw>
+                </a:effectLst>
+                <a:latin typeface="Times New Roman" panose="02020603050405020304" pitchFamily="18" charset="0"/>
+                <a:cs typeface="Times New Roman" panose="02020603050405020304" pitchFamily="18" charset="0"/>
+              </a:rPr>
+              <a:t>Conclusão</a:t>
+            </a:r>
+            <a:endParaRPr lang="pt-BR" sz="5400" b="1" dirty="0">
+              <a:effectLst>
+                <a:outerShdw blurRad="38100" dist="38100" dir="2700000" algn="tl">
+                  <a:srgbClr val="000000">
+                    <a:alpha val="43137"/>
+                  </a:srgbClr>
+                </a:outerShdw>
+              </a:effectLst>
+              <a:latin typeface="Times New Roman" panose="02020603050405020304" pitchFamily="18" charset="0"/>
+              <a:cs typeface="Times New Roman" panose="02020603050405020304" pitchFamily="18" charset="0"/>
+            </a:endParaRPr>
+          </a:p>
+        </p:txBody>
+      </p:sp>
       <p:sp>
         <p:nvSpPr>
           <p:cNvPr id="3" name="Espaço Reservado para Conteúdo 2"/>
@@ -5936,7 +4225,7 @@
         </p:spPr>
         <p:txBody>
           <a:bodyPr>
-            <a:normAutofit/>
+            <a:normAutofit fontScale="92500"/>
           </a:bodyPr>
           <a:lstStyle/>
           <a:p>
@@ -5953,8 +4242,179 @@
                 <a:latin typeface="Times New Roman" panose="02020603050405020304" pitchFamily="18" charset="0"/>
                 <a:cs typeface="Times New Roman" panose="02020603050405020304" pitchFamily="18" charset="0"/>
               </a:rPr>
-              <a:t>Histograma não é um bom classificador para o KNN</a:t>
-            </a:r>
+              <a:t>Sistemas de recomendação são ótimos serviços para se ter um ponto de partida</a:t>
+            </a:r>
+            <a:br>
+              <a:rPr lang="pt-BR" sz="2800" dirty="0" smtClean="0">
+                <a:effectLst>
+                  <a:outerShdw blurRad="38100" dist="38100" dir="2700000" algn="tl">
+                    <a:srgbClr val="000000">
+                      <a:alpha val="43137"/>
+                    </a:srgbClr>
+                  </a:outerShdw>
+                </a:effectLst>
+                <a:latin typeface="Times New Roman" panose="02020603050405020304" pitchFamily="18" charset="0"/>
+                <a:cs typeface="Times New Roman" panose="02020603050405020304" pitchFamily="18" charset="0"/>
+              </a:rPr>
+            </a:br>
+            <a:endParaRPr lang="pt-BR" sz="2800" dirty="0" smtClean="0">
+              <a:effectLst>
+                <a:outerShdw blurRad="38100" dist="38100" dir="2700000" algn="tl">
+                  <a:srgbClr val="000000">
+                    <a:alpha val="43137"/>
+                  </a:srgbClr>
+                </a:outerShdw>
+              </a:effectLst>
+              <a:latin typeface="Times New Roman" panose="02020603050405020304" pitchFamily="18" charset="0"/>
+              <a:cs typeface="Times New Roman" panose="02020603050405020304" pitchFamily="18" charset="0"/>
+            </a:endParaRPr>
+          </a:p>
+          <a:p>
+            <a:pPr lvl="2"/>
+            <a:r>
+              <a:rPr lang="pt-BR" sz="2800" dirty="0" smtClean="0">
+                <a:effectLst>
+                  <a:outerShdw blurRad="38100" dist="38100" dir="2700000" algn="tl">
+                    <a:srgbClr val="000000">
+                      <a:alpha val="43137"/>
+                    </a:srgbClr>
+                  </a:outerShdw>
+                </a:effectLst>
+                <a:latin typeface="Times New Roman" panose="02020603050405020304" pitchFamily="18" charset="0"/>
+                <a:cs typeface="Times New Roman" panose="02020603050405020304" pitchFamily="18" charset="0"/>
+              </a:rPr>
+              <a:t>Provável equívoco durante o desenvolvimento do código, não importando o valor de K ainda se obtém as mesmas recomendações</a:t>
+            </a:r>
+          </a:p>
+          <a:p>
+            <a:pPr marL="914400" lvl="2" indent="0">
+              <a:buNone/>
+            </a:pPr>
+            <a:endParaRPr lang="pt-BR" sz="2800" dirty="0" smtClean="0">
+              <a:effectLst>
+                <a:outerShdw blurRad="38100" dist="38100" dir="2700000" algn="tl">
+                  <a:srgbClr val="000000">
+                    <a:alpha val="43137"/>
+                  </a:srgbClr>
+                </a:outerShdw>
+              </a:effectLst>
+              <a:latin typeface="Times New Roman" panose="02020603050405020304" pitchFamily="18" charset="0"/>
+              <a:cs typeface="Times New Roman" panose="02020603050405020304" pitchFamily="18" charset="0"/>
+            </a:endParaRPr>
+          </a:p>
+          <a:p>
+            <a:pPr lvl="2"/>
+            <a:r>
+              <a:rPr lang="pt-BR" sz="2800" dirty="0" smtClean="0">
+                <a:effectLst>
+                  <a:outerShdw blurRad="38100" dist="38100" dir="2700000" algn="tl">
+                    <a:srgbClr val="000000">
+                      <a:alpha val="43137"/>
+                    </a:srgbClr>
+                  </a:outerShdw>
+                </a:effectLst>
+                <a:latin typeface="Times New Roman" panose="02020603050405020304" pitchFamily="18" charset="0"/>
+                <a:cs typeface="Times New Roman" panose="02020603050405020304" pitchFamily="18" charset="0"/>
+              </a:rPr>
+              <a:t>De acordo com os resultados o índice de similaridade </a:t>
+            </a:r>
+            <a:r>
+              <a:rPr lang="pt-BR" sz="2800" dirty="0" err="1">
+                <a:effectLst>
+                  <a:outerShdw blurRad="38100" dist="38100" dir="2700000" algn="tl">
+                    <a:srgbClr val="000000">
+                      <a:alpha val="43137"/>
+                    </a:srgbClr>
+                  </a:outerShdw>
+                </a:effectLst>
+                <a:latin typeface="Times New Roman" panose="02020603050405020304" pitchFamily="18" charset="0"/>
+                <a:cs typeface="Times New Roman" panose="02020603050405020304" pitchFamily="18" charset="0"/>
+              </a:rPr>
+              <a:t>H</a:t>
+            </a:r>
+            <a:r>
+              <a:rPr lang="pt-BR" sz="2800" dirty="0" err="1" smtClean="0">
+                <a:effectLst>
+                  <a:outerShdw blurRad="38100" dist="38100" dir="2700000" algn="tl">
+                    <a:srgbClr val="000000">
+                      <a:alpha val="43137"/>
+                    </a:srgbClr>
+                  </a:outerShdw>
+                </a:effectLst>
+                <a:latin typeface="Times New Roman" panose="02020603050405020304" pitchFamily="18" charset="0"/>
+                <a:cs typeface="Times New Roman" panose="02020603050405020304" pitchFamily="18" charset="0"/>
+              </a:rPr>
+              <a:t>amming</a:t>
+            </a:r>
+            <a:r>
+              <a:rPr lang="pt-BR" sz="2800" dirty="0" smtClean="0">
+                <a:effectLst>
+                  <a:outerShdw blurRad="38100" dist="38100" dir="2700000" algn="tl">
+                    <a:srgbClr val="000000">
+                      <a:alpha val="43137"/>
+                    </a:srgbClr>
+                  </a:outerShdw>
+                </a:effectLst>
+                <a:latin typeface="Times New Roman" panose="02020603050405020304" pitchFamily="18" charset="0"/>
+                <a:cs typeface="Times New Roman" panose="02020603050405020304" pitchFamily="18" charset="0"/>
+              </a:rPr>
+              <a:t> tem melhores resultados se comparados as demais distâncias utilizadas</a:t>
+            </a:r>
+            <a:endParaRPr lang="pt-BR" sz="2800" dirty="0" smtClean="0">
+              <a:effectLst>
+                <a:outerShdw blurRad="38100" dist="38100" dir="2700000" algn="tl">
+                  <a:srgbClr val="000000">
+                    <a:alpha val="43137"/>
+                  </a:srgbClr>
+                </a:outerShdw>
+              </a:effectLst>
+              <a:latin typeface="Times New Roman" panose="02020603050405020304" pitchFamily="18" charset="0"/>
+              <a:cs typeface="Times New Roman" panose="02020603050405020304" pitchFamily="18" charset="0"/>
+            </a:endParaRPr>
+          </a:p>
+          <a:p>
+            <a:pPr marL="914400" lvl="2" indent="0">
+              <a:buNone/>
+            </a:pPr>
+            <a:endParaRPr lang="pt-BR" sz="2800" dirty="0">
+              <a:effectLst>
+                <a:outerShdw blurRad="38100" dist="38100" dir="2700000" algn="tl">
+                  <a:srgbClr val="000000">
+                    <a:alpha val="43137"/>
+                  </a:srgbClr>
+                </a:outerShdw>
+              </a:effectLst>
+              <a:latin typeface="Times New Roman" panose="02020603050405020304" pitchFamily="18" charset="0"/>
+              <a:cs typeface="Times New Roman" panose="02020603050405020304" pitchFamily="18" charset="0"/>
+            </a:endParaRPr>
+          </a:p>
+          <a:p>
+            <a:pPr lvl="2"/>
+            <a:r>
+              <a:rPr lang="pt-BR" sz="2800" dirty="0" smtClean="0">
+                <a:effectLst>
+                  <a:outerShdw blurRad="38100" dist="38100" dir="2700000" algn="tl">
+                    <a:srgbClr val="000000">
+                      <a:alpha val="43137"/>
+                    </a:srgbClr>
+                  </a:outerShdw>
+                </a:effectLst>
+                <a:latin typeface="Times New Roman" panose="02020603050405020304" pitchFamily="18" charset="0"/>
+                <a:cs typeface="Times New Roman" panose="02020603050405020304" pitchFamily="18" charset="0"/>
+              </a:rPr>
+              <a:t>Outras abordagens seriam mais interessantes, redes neurais por exemplo</a:t>
+            </a:r>
+            <a:endParaRPr lang="pt-BR" sz="2800" dirty="0">
+              <a:effectLst>
+                <a:outerShdw blurRad="38100" dist="38100" dir="2700000" algn="tl">
+                  <a:srgbClr val="000000">
+                    <a:alpha val="43137"/>
+                  </a:srgbClr>
+                </a:outerShdw>
+              </a:effectLst>
+              <a:latin typeface="Times New Roman" panose="02020603050405020304" pitchFamily="18" charset="0"/>
+              <a:cs typeface="Times New Roman" panose="02020603050405020304" pitchFamily="18" charset="0"/>
+            </a:endParaRPr>
           </a:p>
           <a:p>
             <a:pPr lvl="2"/>
@@ -5969,113 +4429,6 @@
               <a:latin typeface="Times New Roman" panose="02020603050405020304" pitchFamily="18" charset="0"/>
               <a:cs typeface="Times New Roman" panose="02020603050405020304" pitchFamily="18" charset="0"/>
             </a:endParaRPr>
-          </a:p>
-          <a:p>
-            <a:pPr lvl="2"/>
-            <a:endParaRPr lang="pt-BR" sz="2800" dirty="0">
-              <a:effectLst>
-                <a:outerShdw blurRad="38100" dist="38100" dir="2700000" algn="tl">
-                  <a:srgbClr val="000000">
-                    <a:alpha val="43137"/>
-                  </a:srgbClr>
-                </a:outerShdw>
-              </a:effectLst>
-              <a:latin typeface="Times New Roman" panose="02020603050405020304" pitchFamily="18" charset="0"/>
-              <a:cs typeface="Times New Roman" panose="02020603050405020304" pitchFamily="18" charset="0"/>
-            </a:endParaRPr>
-          </a:p>
-          <a:p>
-            <a:pPr lvl="2"/>
-            <a:r>
-              <a:rPr lang="pt-BR" sz="2800" dirty="0" smtClean="0">
-                <a:effectLst>
-                  <a:outerShdw blurRad="38100" dist="38100" dir="2700000" algn="tl">
-                    <a:srgbClr val="000000">
-                      <a:alpha val="43137"/>
-                    </a:srgbClr>
-                  </a:outerShdw>
-                </a:effectLst>
-                <a:latin typeface="Times New Roman" panose="02020603050405020304" pitchFamily="18" charset="0"/>
-                <a:cs typeface="Times New Roman" panose="02020603050405020304" pitchFamily="18" charset="0"/>
-              </a:rPr>
-              <a:t>Soluções</a:t>
-            </a:r>
-          </a:p>
-          <a:p>
-            <a:pPr lvl="3"/>
-            <a:r>
-              <a:rPr lang="pt-BR" sz="2600" dirty="0" smtClean="0">
-                <a:effectLst>
-                  <a:outerShdw blurRad="38100" dist="38100" dir="2700000" algn="tl">
-                    <a:srgbClr val="000000">
-                      <a:alpha val="43137"/>
-                    </a:srgbClr>
-                  </a:outerShdw>
-                </a:effectLst>
-                <a:latin typeface="Times New Roman" panose="02020603050405020304" pitchFamily="18" charset="0"/>
-                <a:cs typeface="Times New Roman" panose="02020603050405020304" pitchFamily="18" charset="0"/>
-              </a:rPr>
-              <a:t>Utilizar imagens RGB, para ter mais informações para o KNN</a:t>
-            </a:r>
-          </a:p>
-          <a:p>
-            <a:pPr lvl="3"/>
-            <a:r>
-              <a:rPr lang="pt-BR" sz="2600" dirty="0" smtClean="0">
-                <a:effectLst>
-                  <a:outerShdw blurRad="38100" dist="38100" dir="2700000" algn="tl">
-                    <a:srgbClr val="000000">
-                      <a:alpha val="43137"/>
-                    </a:srgbClr>
-                  </a:outerShdw>
-                </a:effectLst>
-                <a:latin typeface="Times New Roman" panose="02020603050405020304" pitchFamily="18" charset="0"/>
-                <a:cs typeface="Times New Roman" panose="02020603050405020304" pitchFamily="18" charset="0"/>
-              </a:rPr>
-              <a:t>Diminuir a quantidade de classes</a:t>
-            </a:r>
-            <a:endParaRPr lang="pt-BR" sz="2800" dirty="0">
-              <a:effectLst>
-                <a:outerShdw blurRad="38100" dist="38100" dir="2700000" algn="tl">
-                  <a:srgbClr val="000000">
-                    <a:alpha val="43137"/>
-                  </a:srgbClr>
-                </a:outerShdw>
-              </a:effectLst>
-              <a:latin typeface="Times New Roman" panose="02020603050405020304" pitchFamily="18" charset="0"/>
-              <a:cs typeface="Times New Roman" panose="02020603050405020304" pitchFamily="18" charset="0"/>
-            </a:endParaRPr>
-          </a:p>
-          <a:p>
-            <a:pPr lvl="2"/>
-            <a:endParaRPr lang="pt-BR" sz="2800" dirty="0" smtClean="0">
-              <a:effectLst>
-                <a:outerShdw blurRad="38100" dist="38100" dir="2700000" algn="tl">
-                  <a:srgbClr val="000000">
-                    <a:alpha val="43137"/>
-                  </a:srgbClr>
-                </a:outerShdw>
-              </a:effectLst>
-              <a:latin typeface="Times New Roman" panose="02020603050405020304" pitchFamily="18" charset="0"/>
-              <a:cs typeface="Times New Roman" panose="02020603050405020304" pitchFamily="18" charset="0"/>
-            </a:endParaRPr>
-          </a:p>
-          <a:p>
-            <a:pPr lvl="2"/>
-            <a:r>
-              <a:rPr lang="pt-BR" sz="2800" dirty="0" smtClean="0">
-                <a:effectLst>
-                  <a:outerShdw blurRad="38100" dist="38100" dir="2700000" algn="tl">
-                    <a:srgbClr val="000000">
-                      <a:alpha val="43137"/>
-                    </a:srgbClr>
-                  </a:outerShdw>
-                </a:effectLst>
-                <a:latin typeface="Times New Roman" panose="02020603050405020304" pitchFamily="18" charset="0"/>
-                <a:cs typeface="Times New Roman" panose="02020603050405020304" pitchFamily="18" charset="0"/>
-              </a:rPr>
-              <a:t>KNN com Distancia Euclidiana Ponderada e com leitura aleatória obteve os melhores resultados.</a:t>
-            </a:r>
           </a:p>
         </p:txBody>
       </p:sp>
@@ -6166,7 +4519,7 @@
 </p:sld>
 </file>
 
-<file path=ppt/slides/slide12.xml><?xml version="1.0" encoding="utf-8"?>
+<file path=ppt/slides/slide14.xml><?xml version="1.0" encoding="utf-8"?>
 <p:sld xmlns:a="http://schemas.openxmlformats.org/drawingml/2006/main" xmlns:r="http://schemas.openxmlformats.org/officeDocument/2006/relationships" xmlns:p="http://schemas.openxmlformats.org/presentationml/2006/main">
   <p:cSld>
     <p:spTree>
@@ -6193,21 +4546,71 @@
             <p:ph type="title"/>
           </p:nvPr>
         </p:nvSpPr>
+        <p:spPr/>
+        <p:txBody>
+          <a:bodyPr>
+            <a:normAutofit/>
+          </a:bodyPr>
+          <a:lstStyle/>
+          <a:p>
+            <a:pPr algn="ctr"/>
+            <a:endParaRPr lang="pt-BR" sz="5400" b="1" dirty="0">
+              <a:effectLst>
+                <a:outerShdw blurRad="38100" dist="38100" dir="2700000" algn="tl">
+                  <a:srgbClr val="000000">
+                    <a:alpha val="43137"/>
+                  </a:srgbClr>
+                </a:outerShdw>
+              </a:effectLst>
+              <a:latin typeface="Times New Roman" panose="02020603050405020304" pitchFamily="18" charset="0"/>
+              <a:cs typeface="Times New Roman" panose="02020603050405020304" pitchFamily="18" charset="0"/>
+            </a:endParaRPr>
+          </a:p>
+        </p:txBody>
+      </p:sp>
+      <p:sp>
+        <p:nvSpPr>
+          <p:cNvPr id="3" name="Espaço Reservado para Conteúdo 2"/>
+          <p:cNvSpPr>
+            <a:spLocks noGrp="1"/>
+          </p:cNvSpPr>
+          <p:nvPr>
+            <p:ph idx="1"/>
+          </p:nvPr>
+        </p:nvSpPr>
         <p:spPr>
           <a:xfrm>
-            <a:off x="838200" y="2766219"/>
-            <a:ext cx="10515600" cy="1325563"/>
+            <a:off x="838200" y="1825624"/>
+            <a:ext cx="10515600" cy="4698743"/>
           </a:xfrm>
         </p:spPr>
         <p:txBody>
           <a:bodyPr>
-            <a:noAutofit/>
+            <a:normAutofit/>
           </a:bodyPr>
           <a:lstStyle/>
           <a:p>
-            <a:pPr algn="ctr"/>
-            <a:r>
-              <a:rPr lang="pt-BR" sz="9600" b="1" dirty="0" smtClean="0">
+            <a:pPr marL="914400" lvl="2" indent="0" algn="ctr">
+              <a:buNone/>
+            </a:pPr>
+            <a:endParaRPr lang="pt-BR" sz="8000" dirty="0" smtClean="0">
+              <a:effectLst>
+                <a:outerShdw blurRad="38100" dist="38100" dir="2700000" algn="tl">
+                  <a:srgbClr val="000000">
+                    <a:alpha val="43137"/>
+                  </a:srgbClr>
+                </a:outerShdw>
+              </a:effectLst>
+              <a:latin typeface="Times New Roman" panose="02020603050405020304" pitchFamily="18" charset="0"/>
+              <a:cs typeface="Times New Roman" panose="02020603050405020304" pitchFamily="18" charset="0"/>
+            </a:endParaRPr>
+          </a:p>
+          <a:p>
+            <a:pPr marL="914400" lvl="2" indent="0" algn="ctr">
+              <a:buNone/>
+            </a:pPr>
+            <a:r>
+              <a:rPr lang="pt-BR" sz="8000" dirty="0" smtClean="0">
                 <a:effectLst>
                   <a:outerShdw blurRad="38100" dist="38100" dir="2700000" algn="tl">
                     <a:srgbClr val="000000">
@@ -6218,9 +4621,9 @@
                 <a:latin typeface="Times New Roman" panose="02020603050405020304" pitchFamily="18" charset="0"/>
                 <a:cs typeface="Times New Roman" panose="02020603050405020304" pitchFamily="18" charset="0"/>
               </a:rPr>
-              <a:t>OBRIGADO!</a:t>
-            </a:r>
-            <a:endParaRPr lang="pt-BR" sz="9600" b="1" dirty="0">
+              <a:t>DÚVIDAS?</a:t>
+            </a:r>
+            <a:endParaRPr lang="pt-BR" sz="8000" dirty="0" smtClean="0">
               <a:effectLst>
                 <a:outerShdw blurRad="38100" dist="38100" dir="2700000" algn="tl">
                   <a:srgbClr val="000000">
@@ -6262,7 +4665,7 @@
       </p:pic>
       <p:pic>
         <p:nvPicPr>
-          <p:cNvPr id="5" name="Picture 16" descr="Half-Life 3 Logo Vector"/>
+          <p:cNvPr id="6" name="Picture 16" descr="Half-Life 3 Logo Vector"/>
           <p:cNvPicPr>
             <a:picLocks noChangeAspect="1" noChangeArrowheads="1"/>
           </p:cNvPicPr>
@@ -6304,6 +4707,120 @@
     </p:spTree>
     <p:extLst>
       <p:ext uri="{BB962C8B-B14F-4D97-AF65-F5344CB8AC3E}">
+        <p14:creationId xmlns:p14="http://schemas.microsoft.com/office/powerpoint/2010/main" val="584335705"/>
+      </p:ext>
+    </p:extLst>
+  </p:cSld>
+  <p:clrMapOvr>
+    <a:masterClrMapping/>
+  </p:clrMapOvr>
+  <p:timing>
+    <p:tnLst>
+      <p:par>
+        <p:cTn id="1" dur="indefinite" restart="never" nodeType="tmRoot"/>
+      </p:par>
+    </p:tnLst>
+  </p:timing>
+</p:sld>
+</file>
+
+<file path=ppt/slides/slide15.xml><?xml version="1.0" encoding="utf-8"?>
+<p:sld xmlns:a="http://schemas.openxmlformats.org/drawingml/2006/main" xmlns:r="http://schemas.openxmlformats.org/officeDocument/2006/relationships" xmlns:p="http://schemas.openxmlformats.org/presentationml/2006/main">
+  <p:cSld>
+    <p:spTree>
+      <p:nvGrpSpPr>
+        <p:cNvPr id="1" name=""/>
+        <p:cNvGrpSpPr/>
+        <p:nvPr/>
+      </p:nvGrpSpPr>
+      <p:grpSpPr>
+        <a:xfrm>
+          <a:off x="0" y="0"/>
+          <a:ext cx="0" cy="0"/>
+          <a:chOff x="0" y="0"/>
+          <a:chExt cx="0" cy="0"/>
+        </a:xfrm>
+      </p:grpSpPr>
+      <p:sp>
+        <p:nvSpPr>
+          <p:cNvPr id="2" name="Título 1"/>
+          <p:cNvSpPr>
+            <a:spLocks noGrp="1"/>
+          </p:cNvSpPr>
+          <p:nvPr>
+            <p:ph type="title"/>
+          </p:nvPr>
+        </p:nvSpPr>
+        <p:spPr>
+          <a:xfrm>
+            <a:off x="838200" y="2766219"/>
+            <a:ext cx="10515600" cy="1325563"/>
+          </a:xfrm>
+        </p:spPr>
+        <p:txBody>
+          <a:bodyPr>
+            <a:noAutofit/>
+          </a:bodyPr>
+          <a:lstStyle/>
+          <a:p>
+            <a:pPr algn="ctr"/>
+            <a:r>
+              <a:rPr lang="pt-BR" sz="9600" b="1" dirty="0" smtClean="0">
+                <a:effectLst>
+                  <a:outerShdw blurRad="38100" dist="38100" dir="2700000" algn="tl">
+                    <a:srgbClr val="000000">
+                      <a:alpha val="43137"/>
+                    </a:srgbClr>
+                  </a:outerShdw>
+                </a:effectLst>
+                <a:latin typeface="Times New Roman" panose="02020603050405020304" pitchFamily="18" charset="0"/>
+                <a:cs typeface="Times New Roman" panose="02020603050405020304" pitchFamily="18" charset="0"/>
+              </a:rPr>
+              <a:t>OBRIGADO!</a:t>
+            </a:r>
+            <a:endParaRPr lang="pt-BR" sz="9600" b="1" dirty="0">
+              <a:effectLst>
+                <a:outerShdw blurRad="38100" dist="38100" dir="2700000" algn="tl">
+                  <a:srgbClr val="000000">
+                    <a:alpha val="43137"/>
+                  </a:srgbClr>
+                </a:outerShdw>
+              </a:effectLst>
+              <a:latin typeface="Times New Roman" panose="02020603050405020304" pitchFamily="18" charset="0"/>
+              <a:cs typeface="Times New Roman" panose="02020603050405020304" pitchFamily="18" charset="0"/>
+            </a:endParaRPr>
+          </a:p>
+        </p:txBody>
+      </p:sp>
+      <p:pic>
+        <p:nvPicPr>
+          <p:cNvPr id="4" name="Picture 2" descr="C:\Users\thiago\Desktop\Estudo BCC\introdução à Ciência da computação\Trabalho ICC\UFRPE Imagem.jpg"/>
+          <p:cNvPicPr>
+            <a:picLocks noChangeAspect="1" noChangeArrowheads="1"/>
+          </p:cNvPicPr>
+          <p:nvPr/>
+        </p:nvPicPr>
+        <p:blipFill>
+          <a:blip r:embed="rId2" cstate="print"/>
+          <a:srcRect/>
+          <a:stretch>
+            <a:fillRect/>
+          </a:stretch>
+        </p:blipFill>
+        <p:spPr bwMode="auto">
+          <a:xfrm>
+            <a:off x="11148392" y="5606494"/>
+            <a:ext cx="1043608" cy="1251506"/>
+          </a:xfrm>
+          <a:prstGeom prst="rect">
+            <a:avLst/>
+          </a:prstGeom>
+          <a:noFill/>
+        </p:spPr>
+      </p:pic>
+    </p:spTree>
+    <p:extLst>
+      <p:ext uri="{BB962C8B-B14F-4D97-AF65-F5344CB8AC3E}">
         <p14:creationId xmlns:p14="http://schemas.microsoft.com/office/powerpoint/2010/main" val="2385802009"/>
       </p:ext>
     </p:extLst>
@@ -6504,17 +5021,6 @@
               </a:rPr>
               <a:t>Resultados</a:t>
             </a:r>
-            <a:endParaRPr lang="pt-BR" sz="3600" dirty="0" smtClean="0">
-              <a:effectLst>
-                <a:outerShdw blurRad="38100" dist="38100" dir="2700000" algn="tl">
-                  <a:srgbClr val="000000">
-                    <a:alpha val="43137"/>
-                  </a:srgbClr>
-                </a:outerShdw>
-              </a:effectLst>
-              <a:latin typeface="Times New Roman" panose="02020603050405020304" pitchFamily="18" charset="0"/>
-              <a:cs typeface="Times New Roman" panose="02020603050405020304" pitchFamily="18" charset="0"/>
-            </a:endParaRPr>
           </a:p>
           <a:p>
             <a:pPr marL="514350" indent="-514350">
@@ -6669,7 +5175,12 @@
             <p:ph type="title"/>
           </p:nvPr>
         </p:nvSpPr>
-        <p:spPr/>
+        <p:spPr>
+          <a:xfrm>
+            <a:off x="897832" y="341034"/>
+            <a:ext cx="10515600" cy="1325563"/>
+          </a:xfrm>
+        </p:spPr>
         <p:txBody>
           <a:bodyPr>
             <a:normAutofit/>
@@ -6823,7 +5334,7 @@
         </p:blipFill>
         <p:spPr bwMode="auto">
           <a:xfrm>
-            <a:off x="1339911" y="3817937"/>
+            <a:off x="10425927" y="365125"/>
             <a:ext cx="927873" cy="937245"/>
           </a:xfrm>
           <a:prstGeom prst="rect">
@@ -6843,31 +5354,48 @@
       </p:pic>
       <p:pic>
         <p:nvPicPr>
-          <p:cNvPr id="7" name="Imagem 6"/>
+          <p:cNvPr id="1026" name="Picture 2" descr="Resultado de imagem para spotify icon png"/>
           <p:cNvPicPr>
-            <a:picLocks noChangeAspect="1"/>
+            <a:picLocks noChangeAspect="1" noChangeArrowheads="1"/>
           </p:cNvPicPr>
           <p:nvPr/>
         </p:nvPicPr>
         <p:blipFill>
-          <a:blip r:embed="rId4"/>
+          <a:blip r:embed="rId4" cstate="print">
+            <a:extLst>
+              <a:ext uri="{28A0092B-C50C-407E-A947-70E740481C1C}">
+                <a14:useLocalDpi xmlns:a14="http://schemas.microsoft.com/office/drawing/2010/main" val="0"/>
+              </a:ext>
+            </a:extLst>
+          </a:blip>
+          <a:srcRect/>
           <a:stretch>
             <a:fillRect/>
           </a:stretch>
         </p:blipFill>
-        <p:spPr>
+        <p:spPr bwMode="auto">
           <a:xfrm>
-            <a:off x="6965048" y="3817936"/>
-            <a:ext cx="813312" cy="937245"/>
+            <a:off x="2048770" y="3370441"/>
+            <a:ext cx="1377011" cy="1377012"/>
           </a:xfrm>
           <a:prstGeom prst="rect">
             <a:avLst/>
           </a:prstGeom>
+          <a:noFill/>
+          <a:extLst>
+            <a:ext uri="{909E8E84-426E-40DD-AFC4-6F175D3DCCD1}">
+              <a14:hiddenFill xmlns:a14="http://schemas.microsoft.com/office/drawing/2010/main">
+                <a:solidFill>
+                  <a:srgbClr val="FFFFFF"/>
+                </a:solidFill>
+              </a14:hiddenFill>
+            </a:ext>
+          </a:extLst>
         </p:spPr>
       </p:pic>
       <p:pic>
         <p:nvPicPr>
-          <p:cNvPr id="1052" name="Picture 28" descr="Resultado de imagem para street fight v icon png"/>
+          <p:cNvPr id="5" name="Picture 6" descr="Resultado de imagem para netflix icon png"/>
           <p:cNvPicPr>
             <a:picLocks noChangeAspect="1" noChangeArrowheads="1"/>
           </p:cNvPicPr>
@@ -6888,8 +5416,8 @@
         </p:blipFill>
         <p:spPr bwMode="auto">
           <a:xfrm>
-            <a:off x="3838657" y="3817936"/>
-            <a:ext cx="1318230" cy="1001855"/>
+            <a:off x="3795535" y="5010001"/>
+            <a:ext cx="1600498" cy="1600498"/>
           </a:xfrm>
           <a:prstGeom prst="rect">
             <a:avLst/>
@@ -6908,14 +5436,14 @@
       </p:pic>
       <p:pic>
         <p:nvPicPr>
-          <p:cNvPr id="1054" name="Picture 30" descr="Resultado de imagem para xcom icon png"/>
+          <p:cNvPr id="1032" name="Picture 8" descr="Resultado de imagem para waze icon png"/>
           <p:cNvPicPr>
             <a:picLocks noChangeAspect="1" noChangeArrowheads="1"/>
           </p:cNvPicPr>
           <p:nvPr/>
         </p:nvPicPr>
         <p:blipFill>
-          <a:blip r:embed="rId6">
+          <a:blip r:embed="rId6" cstate="print">
             <a:extLst>
               <a:ext uri="{28A0092B-C50C-407E-A947-70E740481C1C}">
                 <a14:useLocalDpi xmlns:a14="http://schemas.microsoft.com/office/drawing/2010/main" val="0"/>
@@ -6929,8 +5457,8 @@
         </p:blipFill>
         <p:spPr bwMode="auto">
           <a:xfrm>
-            <a:off x="5445914" y="3817936"/>
-            <a:ext cx="960027" cy="960027"/>
+            <a:off x="5396033" y="3156907"/>
+            <a:ext cx="1804080" cy="1804080"/>
           </a:xfrm>
           <a:prstGeom prst="rect">
             <a:avLst/>
@@ -6949,14 +5477,14 @@
       </p:pic>
       <p:pic>
         <p:nvPicPr>
-          <p:cNvPr id="1056" name="Picture 32" descr="Resultado de imagem para the witcher icon png"/>
+          <p:cNvPr id="1034" name="Picture 10" descr="Resultado de imagem para steam icon png"/>
           <p:cNvPicPr>
             <a:picLocks noChangeAspect="1" noChangeArrowheads="1"/>
           </p:cNvPicPr>
           <p:nvPr/>
         </p:nvPicPr>
         <p:blipFill>
-          <a:blip r:embed="rId7">
+          <a:blip r:embed="rId7" cstate="print">
             <a:extLst>
               <a:ext uri="{28A0092B-C50C-407E-A947-70E740481C1C}">
                 <a14:useLocalDpi xmlns:a14="http://schemas.microsoft.com/office/drawing/2010/main" val="0"/>
@@ -6970,8 +5498,8 @@
         </p:blipFill>
         <p:spPr bwMode="auto">
           <a:xfrm>
-            <a:off x="8036099" y="3703129"/>
-            <a:ext cx="1231468" cy="1231468"/>
+            <a:off x="7780116" y="5016783"/>
+            <a:ext cx="1593716" cy="1593716"/>
           </a:xfrm>
           <a:prstGeom prst="rect">
             <a:avLst/>
@@ -7055,7 +5583,7 @@
                 <a:latin typeface="Times New Roman" panose="02020603050405020304" pitchFamily="18" charset="0"/>
                 <a:cs typeface="Times New Roman" panose="02020603050405020304" pitchFamily="18" charset="0"/>
               </a:rPr>
-              <a:t>Objetivos</a:t>
+              <a:t>Problema</a:t>
             </a:r>
             <a:endParaRPr lang="pt-BR" sz="5400" b="1" dirty="0">
               <a:effectLst>
@@ -7089,7 +5617,7 @@
         </p:spPr>
         <p:txBody>
           <a:bodyPr>
-            <a:normAutofit/>
+            <a:normAutofit lnSpcReduction="10000"/>
           </a:bodyPr>
           <a:lstStyle/>
           <a:p>
@@ -7102,7 +5630,6 @@
                     </a:srgbClr>
                   </a:outerShdw>
                 </a:effectLst>
-                <a:latin typeface="Times New Roman" panose="02020603050405020304" pitchFamily="18" charset="0"/>
                 <a:cs typeface="Times New Roman" panose="02020603050405020304" pitchFamily="18" charset="0"/>
               </a:rPr>
               <a:t>Geral</a:t>
@@ -7111,7 +5638,13 @@
           <a:p>
             <a:pPr lvl="1"/>
             <a:r>
-              <a:rPr lang="pt-BR" sz="3200" dirty="0">
+              <a:rPr lang="pt-BR" sz="3200" dirty="0" smtClean="0">
+                <a:cs typeface="Times New Roman" panose="02020603050405020304" pitchFamily="18" charset="0"/>
+              </a:rPr>
+              <a:t>Uma opção para se ter uma sugestão de que jogo comprar/jogar.</a:t>
+            </a:r>
+            <a:r>
+              <a:rPr lang="pt-BR" sz="3200" dirty="0" smtClean="0">
                 <a:effectLst>
                   <a:outerShdw blurRad="38100" dist="38100" dir="2700000" algn="tl">
                     <a:srgbClr val="000000">
@@ -7119,11 +5652,13 @@
                     </a:srgbClr>
                   </a:outerShdw>
                 </a:effectLst>
-                <a:latin typeface="Times New Roman" panose="02020603050405020304" pitchFamily="18" charset="0"/>
                 <a:cs typeface="Times New Roman" panose="02020603050405020304" pitchFamily="18" charset="0"/>
               </a:rPr>
-              <a:t>Classificar imagens em 10 diferentes classes por meio do algoritmo de inteligência artificial KNN. </a:t>
-            </a:r>
+              <a:t> </a:t>
+            </a:r>
+          </a:p>
+          <a:p>
+            <a:pPr lvl="1"/>
             <a:endParaRPr lang="pt-BR" sz="3200" dirty="0" smtClean="0">
               <a:effectLst>
                 <a:outerShdw blurRad="38100" dist="38100" dir="2700000" algn="tl">
@@ -7132,7 +5667,58 @@
                   </a:srgbClr>
                 </a:outerShdw>
               </a:effectLst>
-              <a:latin typeface="Times New Roman" panose="02020603050405020304" pitchFamily="18" charset="0"/>
+              <a:cs typeface="Times New Roman" panose="02020603050405020304" pitchFamily="18" charset="0"/>
+            </a:endParaRPr>
+          </a:p>
+          <a:p>
+            <a:r>
+              <a:rPr lang="pt-BR" sz="3600" dirty="0" err="1" smtClean="0">
+                <a:effectLst>
+                  <a:outerShdw blurRad="38100" dist="38100" dir="2700000" algn="tl">
+                    <a:srgbClr val="000000">
+                      <a:alpha val="43137"/>
+                    </a:srgbClr>
+                  </a:outerShdw>
+                </a:effectLst>
+                <a:cs typeface="Times New Roman" panose="02020603050405020304" pitchFamily="18" charset="0"/>
+              </a:rPr>
+              <a:t>Dataset</a:t>
+            </a:r>
+            <a:endParaRPr lang="pt-BR" sz="3600" dirty="0" smtClean="0">
+              <a:effectLst>
+                <a:outerShdw blurRad="38100" dist="38100" dir="2700000" algn="tl">
+                  <a:srgbClr val="000000">
+                    <a:alpha val="43137"/>
+                  </a:srgbClr>
+                </a:outerShdw>
+              </a:effectLst>
+              <a:cs typeface="Times New Roman" panose="02020603050405020304" pitchFamily="18" charset="0"/>
+            </a:endParaRPr>
+          </a:p>
+          <a:p>
+            <a:pPr lvl="1"/>
+            <a:r>
+              <a:rPr lang="pt-BR" sz="3200" dirty="0">
+                <a:cs typeface="Times New Roman" panose="02020603050405020304" pitchFamily="18" charset="0"/>
+              </a:rPr>
+              <a:t>Utilizado o Craig Kelly - </a:t>
+            </a:r>
+            <a:r>
+              <a:rPr lang="pt-BR" sz="3200" dirty="0" err="1" smtClean="0">
+                <a:cs typeface="Times New Roman" panose="02020603050405020304" pitchFamily="18" charset="0"/>
+              </a:rPr>
+              <a:t>steam</a:t>
+            </a:r>
+            <a:r>
+              <a:rPr lang="pt-BR" sz="3200" dirty="0" smtClean="0">
+                <a:cs typeface="Times New Roman" panose="02020603050405020304" pitchFamily="18" charset="0"/>
+              </a:rPr>
+              <a:t>-game-data</a:t>
+            </a:r>
+          </a:p>
+          <a:p>
+            <a:pPr lvl="1"/>
+            <a:endParaRPr lang="pt-BR" sz="3200" dirty="0" smtClean="0">
               <a:cs typeface="Times New Roman" panose="02020603050405020304" pitchFamily="18" charset="0"/>
             </a:endParaRPr>
           </a:p>
@@ -7146,182 +5732,19 @@
                     </a:srgbClr>
                   </a:outerShdw>
                 </a:effectLst>
-                <a:latin typeface="Times New Roman" panose="02020603050405020304" pitchFamily="18" charset="0"/>
                 <a:cs typeface="Times New Roman" panose="02020603050405020304" pitchFamily="18" charset="0"/>
               </a:rPr>
-              <a:t>Específicos</a:t>
+              <a:t>Classes</a:t>
             </a:r>
           </a:p>
           <a:p>
             <a:pPr lvl="1"/>
             <a:r>
               <a:rPr lang="pt-BR" sz="3200" dirty="0" smtClean="0">
-                <a:effectLst>
-                  <a:outerShdw blurRad="38100" dist="38100" dir="2700000" algn="tl">
-                    <a:srgbClr val="000000">
-                      <a:alpha val="43137"/>
-                    </a:srgbClr>
-                  </a:outerShdw>
-                </a:effectLst>
-                <a:latin typeface="Times New Roman" panose="02020603050405020304" pitchFamily="18" charset="0"/>
                 <a:cs typeface="Times New Roman" panose="02020603050405020304" pitchFamily="18" charset="0"/>
               </a:rPr>
-              <a:t>Utilizar o </a:t>
-            </a:r>
-            <a:r>
-              <a:rPr lang="pt-BR" sz="3200" dirty="0" err="1" smtClean="0">
-                <a:effectLst>
-                  <a:outerShdw blurRad="38100" dist="38100" dir="2700000" algn="tl">
-                    <a:srgbClr val="000000">
-                      <a:alpha val="43137"/>
-                    </a:srgbClr>
-                  </a:outerShdw>
-                </a:effectLst>
-                <a:latin typeface="Times New Roman" panose="02020603050405020304" pitchFamily="18" charset="0"/>
-                <a:cs typeface="Times New Roman" panose="02020603050405020304" pitchFamily="18" charset="0"/>
-              </a:rPr>
-              <a:t>dataset</a:t>
-            </a:r>
-            <a:r>
-              <a:rPr lang="pt-BR" sz="3200" dirty="0" smtClean="0">
-                <a:effectLst>
-                  <a:outerShdw blurRad="38100" dist="38100" dir="2700000" algn="tl">
-                    <a:srgbClr val="000000">
-                      <a:alpha val="43137"/>
-                    </a:srgbClr>
-                  </a:outerShdw>
-                </a:effectLst>
-                <a:latin typeface="Times New Roman" panose="02020603050405020304" pitchFamily="18" charset="0"/>
-                <a:cs typeface="Times New Roman" panose="02020603050405020304" pitchFamily="18" charset="0"/>
-              </a:rPr>
-              <a:t> – Craig Kelly - </a:t>
-            </a:r>
-            <a:r>
-              <a:rPr lang="pt-BR" sz="3200" dirty="0" err="1" smtClean="0">
-                <a:effectLst>
-                  <a:outerShdw blurRad="38100" dist="38100" dir="2700000" algn="tl">
-                    <a:srgbClr val="000000">
-                      <a:alpha val="43137"/>
-                    </a:srgbClr>
-                  </a:outerShdw>
-                </a:effectLst>
-                <a:latin typeface="Times New Roman" panose="02020603050405020304" pitchFamily="18" charset="0"/>
-                <a:cs typeface="Times New Roman" panose="02020603050405020304" pitchFamily="18" charset="0"/>
-              </a:rPr>
-              <a:t>steam</a:t>
-            </a:r>
-            <a:r>
-              <a:rPr lang="pt-BR" sz="3200" dirty="0" smtClean="0">
-                <a:effectLst>
-                  <a:outerShdw blurRad="38100" dist="38100" dir="2700000" algn="tl">
-                    <a:srgbClr val="000000">
-                      <a:alpha val="43137"/>
-                    </a:srgbClr>
-                  </a:outerShdw>
-                </a:effectLst>
-                <a:latin typeface="Times New Roman" panose="02020603050405020304" pitchFamily="18" charset="0"/>
-                <a:cs typeface="Times New Roman" panose="02020603050405020304" pitchFamily="18" charset="0"/>
-              </a:rPr>
-              <a:t>-game-data ;</a:t>
-            </a:r>
-            <a:endParaRPr lang="pt-BR" sz="3200" dirty="0">
-              <a:effectLst>
-                <a:outerShdw blurRad="38100" dist="38100" dir="2700000" algn="tl">
-                  <a:srgbClr val="000000">
-                    <a:alpha val="43137"/>
-                  </a:srgbClr>
-                </a:outerShdw>
-              </a:effectLst>
-              <a:latin typeface="Times New Roman" panose="02020603050405020304" pitchFamily="18" charset="0"/>
-              <a:cs typeface="Times New Roman" panose="02020603050405020304" pitchFamily="18" charset="0"/>
-            </a:endParaRPr>
-          </a:p>
-          <a:p>
-            <a:pPr lvl="1"/>
-            <a:r>
-              <a:rPr lang="pt-BR" sz="3200" dirty="0" smtClean="0">
-                <a:effectLst>
-                  <a:outerShdw blurRad="38100" dist="38100" dir="2700000" algn="tl">
-                    <a:srgbClr val="000000">
-                      <a:alpha val="43137"/>
-                    </a:srgbClr>
-                  </a:outerShdw>
-                </a:effectLst>
-                <a:latin typeface="Times New Roman" panose="02020603050405020304" pitchFamily="18" charset="0"/>
-                <a:cs typeface="Times New Roman" panose="02020603050405020304" pitchFamily="18" charset="0"/>
-              </a:rPr>
-              <a:t>Filtrar campos interessantes. </a:t>
-            </a:r>
-            <a:endParaRPr lang="pt-BR" sz="3200" dirty="0">
-              <a:effectLst>
-                <a:outerShdw blurRad="38100" dist="38100" dir="2700000" algn="tl">
-                  <a:srgbClr val="000000">
-                    <a:alpha val="43137"/>
-                  </a:srgbClr>
-                </a:outerShdw>
-              </a:effectLst>
-              <a:latin typeface="Times New Roman" panose="02020603050405020304" pitchFamily="18" charset="0"/>
-              <a:cs typeface="Times New Roman" panose="02020603050405020304" pitchFamily="18" charset="0"/>
-            </a:endParaRPr>
-          </a:p>
-          <a:p>
-            <a:pPr lvl="1"/>
-            <a:r>
-              <a:rPr lang="pt-BR" sz="3200" dirty="0">
-                <a:effectLst>
-                  <a:outerShdw blurRad="38100" dist="38100" dir="2700000" algn="tl">
-                    <a:srgbClr val="000000">
-                      <a:alpha val="43137"/>
-                    </a:srgbClr>
-                  </a:outerShdw>
-                </a:effectLst>
-                <a:latin typeface="Times New Roman" panose="02020603050405020304" pitchFamily="18" charset="0"/>
-                <a:cs typeface="Times New Roman" panose="02020603050405020304" pitchFamily="18" charset="0"/>
-              </a:rPr>
-              <a:t>Implementar o algoritmo KNN.</a:t>
-            </a:r>
-          </a:p>
-          <a:p>
-            <a:pPr lvl="1"/>
-            <a:r>
-              <a:rPr lang="pt-BR" sz="3200" dirty="0" smtClean="0">
-                <a:effectLst>
-                  <a:outerShdw blurRad="38100" dist="38100" dir="2700000" algn="tl">
-                    <a:srgbClr val="000000">
-                      <a:alpha val="43137"/>
-                    </a:srgbClr>
-                  </a:outerShdw>
-                </a:effectLst>
-                <a:latin typeface="Times New Roman" panose="02020603050405020304" pitchFamily="18" charset="0"/>
-                <a:cs typeface="Times New Roman" panose="02020603050405020304" pitchFamily="18" charset="0"/>
-              </a:rPr>
-              <a:t>Recomendar ao usuário jogos com base nas entradas.</a:t>
-            </a:r>
-            <a:endParaRPr lang="pt-BR" sz="3200" dirty="0">
-              <a:effectLst>
-                <a:outerShdw blurRad="38100" dist="38100" dir="2700000" algn="tl">
-                  <a:srgbClr val="000000">
-                    <a:alpha val="43137"/>
-                  </a:srgbClr>
-                </a:outerShdw>
-              </a:effectLst>
-              <a:latin typeface="Times New Roman" panose="02020603050405020304" pitchFamily="18" charset="0"/>
-              <a:cs typeface="Times New Roman" panose="02020603050405020304" pitchFamily="18" charset="0"/>
-            </a:endParaRPr>
-          </a:p>
-          <a:p>
-            <a:pPr lvl="1"/>
-            <a:endParaRPr lang="pt-BR" sz="3200" dirty="0">
-              <a:effectLst>
-                <a:outerShdw blurRad="38100" dist="38100" dir="2700000" algn="tl">
-                  <a:srgbClr val="000000">
-                    <a:alpha val="43137"/>
-                  </a:srgbClr>
-                </a:outerShdw>
-              </a:effectLst>
-              <a:latin typeface="Times New Roman" panose="02020603050405020304" pitchFamily="18" charset="0"/>
-              <a:cs typeface="Times New Roman" panose="02020603050405020304" pitchFamily="18" charset="0"/>
-            </a:endParaRPr>
+              <a:t>Cada jogo é uma classe</a:t>
+            </a:r>
           </a:p>
         </p:txBody>
       </p:sp>
@@ -7487,19 +5910,18 @@
         </p:nvSpPr>
         <p:spPr>
           <a:xfrm>
-            <a:off x="838200" y="1825624"/>
+            <a:off x="838200" y="1774108"/>
             <a:ext cx="10515600" cy="4175377"/>
           </a:xfrm>
         </p:spPr>
         <p:txBody>
           <a:bodyPr>
-            <a:normAutofit/>
+            <a:normAutofit lnSpcReduction="10000"/>
           </a:bodyPr>
           <a:lstStyle/>
           <a:p>
-            <a:pPr lvl="1"/>
-            <a:r>
-              <a:rPr lang="pt-BR" sz="3200" dirty="0" smtClean="0">
+            <a:r>
+              <a:rPr lang="pt-BR" sz="3600" dirty="0">
                 <a:effectLst>
                   <a:outerShdw blurRad="38100" dist="38100" dir="2700000" algn="tl">
                     <a:srgbClr val="000000">
@@ -7507,31 +5929,31 @@
                     </a:srgbClr>
                   </a:outerShdw>
                 </a:effectLst>
-                <a:latin typeface="Times New Roman" panose="02020603050405020304" pitchFamily="18" charset="0"/>
                 <a:cs typeface="Times New Roman" panose="02020603050405020304" pitchFamily="18" charset="0"/>
               </a:rPr>
-              <a:t>Classificação de Imagens</a:t>
-            </a:r>
-          </a:p>
-          <a:p>
-            <a:pPr lvl="2"/>
-            <a:r>
-              <a:rPr lang="pt-BR" sz="2800" dirty="0" smtClean="0">
-                <a:effectLst>
-                  <a:outerShdw blurRad="38100" dist="38100" dir="2700000" algn="tl">
-                    <a:srgbClr val="000000">
-                      <a:alpha val="43137"/>
-                    </a:srgbClr>
-                  </a:outerShdw>
-                </a:effectLst>
-                <a:latin typeface="Times New Roman" panose="02020603050405020304" pitchFamily="18" charset="0"/>
+              <a:t>Vetor de características</a:t>
+            </a:r>
+          </a:p>
+          <a:p>
+            <a:pPr lvl="1"/>
+            <a:r>
+              <a:rPr lang="pt-BR" sz="3200" dirty="0" err="1">
                 <a:cs typeface="Times New Roman" panose="02020603050405020304" pitchFamily="18" charset="0"/>
               </a:rPr>
-              <a:t>Dado uma imagem conseguir classificar em uma das 10 classes</a:t>
-            </a:r>
-          </a:p>
-          <a:p>
-            <a:pPr lvl="2"/>
+              <a:t>Dataset</a:t>
+            </a:r>
+            <a:r>
+              <a:rPr lang="pt-BR" sz="3200" dirty="0">
+                <a:cs typeface="Times New Roman" panose="02020603050405020304" pitchFamily="18" charset="0"/>
+              </a:rPr>
+              <a:t> inicial com número muito grande de características, 78 no total</a:t>
+            </a:r>
+            <a:r>
+              <a:rPr lang="pt-BR" sz="3200" dirty="0" smtClean="0">
+                <a:cs typeface="Times New Roman" panose="02020603050405020304" pitchFamily="18" charset="0"/>
+              </a:rPr>
+              <a:t>.</a:t>
+            </a:r>
             <a:endParaRPr lang="pt-BR" sz="3200" dirty="0" smtClean="0">
               <a:effectLst>
                 <a:outerShdw blurRad="38100" dist="38100" dir="2700000" algn="tl">
@@ -7540,14 +5962,12 @@
                   </a:srgbClr>
                 </a:outerShdw>
               </a:effectLst>
-              <a:latin typeface="Times New Roman" panose="02020603050405020304" pitchFamily="18" charset="0"/>
               <a:cs typeface="Times New Roman" panose="02020603050405020304" pitchFamily="18" charset="0"/>
             </a:endParaRPr>
           </a:p>
           <a:p>
-            <a:pPr lvl="1"/>
-            <a:r>
-              <a:rPr lang="pt-BR" sz="3200" dirty="0" smtClean="0">
+            <a:r>
+              <a:rPr lang="pt-BR" sz="3600" dirty="0" smtClean="0">
                 <a:effectLst>
                   <a:outerShdw blurRad="38100" dist="38100" dir="2700000" algn="tl">
                     <a:srgbClr val="000000">
@@ -7555,16 +5975,23 @@
                     </a:srgbClr>
                   </a:outerShdw>
                 </a:effectLst>
-                <a:latin typeface="Times New Roman" panose="02020603050405020304" pitchFamily="18" charset="0"/>
                 <a:cs typeface="Times New Roman" panose="02020603050405020304" pitchFamily="18" charset="0"/>
               </a:rPr>
-              <a:t>Classes do Problema</a:t>
-            </a:r>
-          </a:p>
-          <a:p>
-            <a:pPr lvl="2"/>
-            <a:r>
-              <a:rPr lang="pt-BR" sz="2400" dirty="0" err="1" smtClean="0">
+              <a:t>Exemplares</a:t>
+            </a:r>
+          </a:p>
+          <a:p>
+            <a:pPr lvl="1"/>
+            <a:r>
+              <a:rPr lang="pt-BR" sz="3200" dirty="0" smtClean="0">
+                <a:cs typeface="Times New Roman" panose="02020603050405020304" pitchFamily="18" charset="0"/>
+              </a:rPr>
+              <a:t>Alguns exemplares encontravam-se com atributos desfalcados</a:t>
+            </a:r>
+          </a:p>
+          <a:p>
+            <a:r>
+              <a:rPr lang="pt-BR" sz="3600" dirty="0" smtClean="0">
                 <a:effectLst>
                   <a:outerShdw blurRad="38100" dist="38100" dir="2700000" algn="tl">
                     <a:srgbClr val="000000">
@@ -7572,202 +5999,20 @@
                     </a:srgbClr>
                   </a:outerShdw>
                 </a:effectLst>
-                <a:latin typeface="Times New Roman" panose="02020603050405020304" pitchFamily="18" charset="0"/>
                 <a:cs typeface="Times New Roman" panose="02020603050405020304" pitchFamily="18" charset="0"/>
               </a:rPr>
-              <a:t>Airplane</a:t>
-            </a:r>
-            <a:r>
-              <a:rPr lang="pt-BR" sz="2400" dirty="0" smtClean="0">
-                <a:effectLst>
-                  <a:outerShdw blurRad="38100" dist="38100" dir="2700000" algn="tl">
-                    <a:srgbClr val="000000">
-                      <a:alpha val="43137"/>
-                    </a:srgbClr>
-                  </a:outerShdw>
-                </a:effectLst>
-                <a:latin typeface="Times New Roman" panose="02020603050405020304" pitchFamily="18" charset="0"/>
+              <a:t>Critério de Desempate</a:t>
+            </a:r>
+          </a:p>
+          <a:p>
+            <a:pPr lvl="1"/>
+            <a:r>
+              <a:rPr lang="pt-BR" sz="3200" dirty="0" smtClean="0">
                 <a:cs typeface="Times New Roman" panose="02020603050405020304" pitchFamily="18" charset="0"/>
               </a:rPr>
-              <a:t> (Avião);</a:t>
-            </a:r>
-            <a:endParaRPr lang="pt-BR" sz="2100" dirty="0" smtClean="0">
-              <a:effectLst>
-                <a:outerShdw blurRad="38100" dist="38100" dir="2700000" algn="tl">
-                  <a:srgbClr val="000000">
-                    <a:alpha val="43137"/>
-                  </a:srgbClr>
-                </a:outerShdw>
-              </a:effectLst>
-              <a:latin typeface="Times New Roman" panose="02020603050405020304" pitchFamily="18" charset="0"/>
-              <a:cs typeface="Times New Roman" panose="02020603050405020304" pitchFamily="18" charset="0"/>
-            </a:endParaRPr>
-          </a:p>
-          <a:p>
-            <a:pPr lvl="2"/>
-            <a:r>
-              <a:rPr lang="pt-BR" sz="2400" dirty="0" err="1" smtClean="0">
-                <a:effectLst>
-                  <a:outerShdw blurRad="38100" dist="38100" dir="2700000" algn="tl">
-                    <a:srgbClr val="000000">
-                      <a:alpha val="43137"/>
-                    </a:srgbClr>
-                  </a:outerShdw>
-                </a:effectLst>
-                <a:latin typeface="Times New Roman" panose="02020603050405020304" pitchFamily="18" charset="0"/>
-                <a:cs typeface="Times New Roman" panose="02020603050405020304" pitchFamily="18" charset="0"/>
-              </a:rPr>
-              <a:t>Automobile</a:t>
-            </a:r>
-            <a:r>
-              <a:rPr lang="pt-BR" sz="2400" dirty="0" smtClean="0">
-                <a:effectLst>
-                  <a:outerShdw blurRad="38100" dist="38100" dir="2700000" algn="tl">
-                    <a:srgbClr val="000000">
-                      <a:alpha val="43137"/>
-                    </a:srgbClr>
-                  </a:outerShdw>
-                </a:effectLst>
-                <a:latin typeface="Times New Roman" panose="02020603050405020304" pitchFamily="18" charset="0"/>
-                <a:cs typeface="Times New Roman" panose="02020603050405020304" pitchFamily="18" charset="0"/>
-              </a:rPr>
-              <a:t> (Automóvel);</a:t>
-            </a:r>
-            <a:endParaRPr lang="pt-BR" sz="2100" dirty="0" smtClean="0">
-              <a:effectLst>
-                <a:outerShdw blurRad="38100" dist="38100" dir="2700000" algn="tl">
-                  <a:srgbClr val="000000">
-                    <a:alpha val="43137"/>
-                  </a:srgbClr>
-                </a:outerShdw>
-              </a:effectLst>
-              <a:latin typeface="Times New Roman" panose="02020603050405020304" pitchFamily="18" charset="0"/>
-              <a:cs typeface="Times New Roman" panose="02020603050405020304" pitchFamily="18" charset="0"/>
-            </a:endParaRPr>
-          </a:p>
-          <a:p>
-            <a:pPr lvl="2"/>
-            <a:r>
-              <a:rPr lang="pt-BR" sz="2400" dirty="0" smtClean="0">
-                <a:effectLst>
-                  <a:outerShdw blurRad="38100" dist="38100" dir="2700000" algn="tl">
-                    <a:srgbClr val="000000">
-                      <a:alpha val="43137"/>
-                    </a:srgbClr>
-                  </a:outerShdw>
-                </a:effectLst>
-                <a:latin typeface="Times New Roman" panose="02020603050405020304" pitchFamily="18" charset="0"/>
-                <a:cs typeface="Times New Roman" panose="02020603050405020304" pitchFamily="18" charset="0"/>
-              </a:rPr>
-              <a:t>Bird (Pássaro);</a:t>
-            </a:r>
-            <a:endParaRPr lang="pt-BR" sz="2100" dirty="0" smtClean="0">
-              <a:effectLst>
-                <a:outerShdw blurRad="38100" dist="38100" dir="2700000" algn="tl">
-                  <a:srgbClr val="000000">
-                    <a:alpha val="43137"/>
-                  </a:srgbClr>
-                </a:outerShdw>
-              </a:effectLst>
-              <a:latin typeface="Times New Roman" panose="02020603050405020304" pitchFamily="18" charset="0"/>
-              <a:cs typeface="Times New Roman" panose="02020603050405020304" pitchFamily="18" charset="0"/>
-            </a:endParaRPr>
-          </a:p>
-          <a:p>
-            <a:pPr lvl="2"/>
-            <a:r>
-              <a:rPr lang="pt-BR" sz="2400" dirty="0" err="1" smtClean="0">
-                <a:effectLst>
-                  <a:outerShdw blurRad="38100" dist="38100" dir="2700000" algn="tl">
-                    <a:srgbClr val="000000">
-                      <a:alpha val="43137"/>
-                    </a:srgbClr>
-                  </a:outerShdw>
-                </a:effectLst>
-                <a:latin typeface="Times New Roman" panose="02020603050405020304" pitchFamily="18" charset="0"/>
-                <a:cs typeface="Times New Roman" panose="02020603050405020304" pitchFamily="18" charset="0"/>
-              </a:rPr>
-              <a:t>Cat</a:t>
-            </a:r>
-            <a:r>
-              <a:rPr lang="pt-BR" sz="2400" dirty="0" smtClean="0">
-                <a:effectLst>
-                  <a:outerShdw blurRad="38100" dist="38100" dir="2700000" algn="tl">
-                    <a:srgbClr val="000000">
-                      <a:alpha val="43137"/>
-                    </a:srgbClr>
-                  </a:outerShdw>
-                </a:effectLst>
-                <a:latin typeface="Times New Roman" panose="02020603050405020304" pitchFamily="18" charset="0"/>
-                <a:cs typeface="Times New Roman" panose="02020603050405020304" pitchFamily="18" charset="0"/>
-              </a:rPr>
-              <a:t> (Gato); </a:t>
-            </a:r>
-            <a:endParaRPr lang="pt-BR" sz="2100" dirty="0" smtClean="0">
-              <a:effectLst>
-                <a:outerShdw blurRad="38100" dist="38100" dir="2700000" algn="tl">
-                  <a:srgbClr val="000000">
-                    <a:alpha val="43137"/>
-                  </a:srgbClr>
-                </a:outerShdw>
-              </a:effectLst>
-              <a:latin typeface="Times New Roman" panose="02020603050405020304" pitchFamily="18" charset="0"/>
-              <a:cs typeface="Times New Roman" panose="02020603050405020304" pitchFamily="18" charset="0"/>
-            </a:endParaRPr>
-          </a:p>
-          <a:p>
-            <a:pPr lvl="2"/>
-            <a:r>
-              <a:rPr lang="pt-BR" sz="2400" dirty="0" err="1" smtClean="0">
-                <a:effectLst>
-                  <a:outerShdw blurRad="38100" dist="38100" dir="2700000" algn="tl">
-                    <a:srgbClr val="000000">
-                      <a:alpha val="43137"/>
-                    </a:srgbClr>
-                  </a:outerShdw>
-                </a:effectLst>
-                <a:latin typeface="Times New Roman" panose="02020603050405020304" pitchFamily="18" charset="0"/>
-                <a:cs typeface="Times New Roman" panose="02020603050405020304" pitchFamily="18" charset="0"/>
-              </a:rPr>
-              <a:t>Deer</a:t>
-            </a:r>
-            <a:r>
-              <a:rPr lang="pt-BR" sz="2400" dirty="0" smtClean="0">
-                <a:effectLst>
-                  <a:outerShdw blurRad="38100" dist="38100" dir="2700000" algn="tl">
-                    <a:srgbClr val="000000">
-                      <a:alpha val="43137"/>
-                    </a:srgbClr>
-                  </a:outerShdw>
-                </a:effectLst>
-                <a:latin typeface="Times New Roman" panose="02020603050405020304" pitchFamily="18" charset="0"/>
-                <a:cs typeface="Times New Roman" panose="02020603050405020304" pitchFamily="18" charset="0"/>
-              </a:rPr>
-              <a:t> (Veado);</a:t>
-            </a:r>
-            <a:endParaRPr lang="pt-BR" sz="2100" dirty="0" smtClean="0">
-              <a:effectLst>
-                <a:outerShdw blurRad="38100" dist="38100" dir="2700000" algn="tl">
-                  <a:srgbClr val="000000">
-                    <a:alpha val="43137"/>
-                  </a:srgbClr>
-                </a:outerShdw>
-              </a:effectLst>
-              <a:latin typeface="Times New Roman" panose="02020603050405020304" pitchFamily="18" charset="0"/>
-              <a:cs typeface="Times New Roman" panose="02020603050405020304" pitchFamily="18" charset="0"/>
-            </a:endParaRPr>
-          </a:p>
-          <a:p>
-            <a:pPr lvl="2"/>
-            <a:endParaRPr lang="pt-BR" sz="2800" dirty="0" smtClean="0">
-              <a:effectLst>
-                <a:outerShdw blurRad="38100" dist="38100" dir="2700000" algn="tl">
-                  <a:srgbClr val="000000">
-                    <a:alpha val="43137"/>
-                  </a:srgbClr>
-                </a:outerShdw>
-              </a:effectLst>
-              <a:latin typeface="Times New Roman" panose="02020603050405020304" pitchFamily="18" charset="0"/>
+              <a:t>Apenas os atributos são suficiente para recomendar?</a:t>
+            </a:r>
+            <a:endParaRPr lang="pt-BR" sz="3200" dirty="0" smtClean="0">
               <a:cs typeface="Times New Roman" panose="02020603050405020304" pitchFamily="18" charset="0"/>
             </a:endParaRPr>
           </a:p>
@@ -7799,206 +6044,6 @@
           <a:noFill/>
         </p:spPr>
       </p:pic>
-      <p:sp>
-        <p:nvSpPr>
-          <p:cNvPr id="5" name="CaixaDeTexto 4"/>
-          <p:cNvSpPr txBox="1"/>
-          <p:nvPr/>
-        </p:nvSpPr>
-        <p:spPr>
-          <a:xfrm>
-            <a:off x="5528733" y="3785010"/>
-            <a:ext cx="3722879" cy="2215991"/>
-          </a:xfrm>
-          <a:prstGeom prst="rect">
-            <a:avLst/>
-          </a:prstGeom>
-          <a:noFill/>
-        </p:spPr>
-        <p:txBody>
-          <a:bodyPr wrap="none" rtlCol="0">
-            <a:spAutoFit/>
-          </a:bodyPr>
-          <a:lstStyle/>
-          <a:p>
-            <a:pPr marL="1257300" lvl="2" indent="-342900">
-              <a:buFont typeface="Arial" panose="020B0604020202020204" pitchFamily="34" charset="0"/>
-              <a:buChar char="•"/>
-            </a:pPr>
-            <a:r>
-              <a:rPr lang="pt-BR" sz="2400" dirty="0" err="1">
-                <a:latin typeface="Times New Roman" panose="02020603050405020304" pitchFamily="18" charset="0"/>
-                <a:cs typeface="Times New Roman" panose="02020603050405020304" pitchFamily="18" charset="0"/>
-              </a:rPr>
-              <a:t>Dog</a:t>
-            </a:r>
-            <a:r>
-              <a:rPr lang="pt-BR" sz="2400" dirty="0">
-                <a:latin typeface="Times New Roman" panose="02020603050405020304" pitchFamily="18" charset="0"/>
-                <a:cs typeface="Times New Roman" panose="02020603050405020304" pitchFamily="18" charset="0"/>
-              </a:rPr>
-              <a:t> (Cachorro);</a:t>
-            </a:r>
-            <a:endParaRPr lang="pt-BR" sz="2100" dirty="0">
-              <a:latin typeface="Times New Roman" panose="02020603050405020304" pitchFamily="18" charset="0"/>
-              <a:cs typeface="Times New Roman" panose="02020603050405020304" pitchFamily="18" charset="0"/>
-            </a:endParaRPr>
-          </a:p>
-          <a:p>
-            <a:pPr marL="1257300" lvl="2" indent="-342900">
-              <a:buFont typeface="Arial" panose="020B0604020202020204" pitchFamily="34" charset="0"/>
-              <a:buChar char="•"/>
-            </a:pPr>
-            <a:r>
-              <a:rPr lang="pt-BR" sz="2400" dirty="0" err="1">
-                <a:latin typeface="Times New Roman" panose="02020603050405020304" pitchFamily="18" charset="0"/>
-                <a:cs typeface="Times New Roman" panose="02020603050405020304" pitchFamily="18" charset="0"/>
-              </a:rPr>
-              <a:t>Frog</a:t>
-            </a:r>
-            <a:r>
-              <a:rPr lang="pt-BR" sz="2400" dirty="0">
-                <a:latin typeface="Times New Roman" panose="02020603050405020304" pitchFamily="18" charset="0"/>
-                <a:cs typeface="Times New Roman" panose="02020603050405020304" pitchFamily="18" charset="0"/>
-              </a:rPr>
-              <a:t> (Sapo);</a:t>
-            </a:r>
-            <a:endParaRPr lang="pt-BR" sz="2100" dirty="0">
-              <a:latin typeface="Times New Roman" panose="02020603050405020304" pitchFamily="18" charset="0"/>
-              <a:cs typeface="Times New Roman" panose="02020603050405020304" pitchFamily="18" charset="0"/>
-            </a:endParaRPr>
-          </a:p>
-          <a:p>
-            <a:pPr marL="1257300" lvl="2" indent="-342900">
-              <a:buFont typeface="Arial" panose="020B0604020202020204" pitchFamily="34" charset="0"/>
-              <a:buChar char="•"/>
-            </a:pPr>
-            <a:r>
-              <a:rPr lang="pt-BR" sz="2400" dirty="0" err="1">
-                <a:latin typeface="Times New Roman" panose="02020603050405020304" pitchFamily="18" charset="0"/>
-                <a:cs typeface="Times New Roman" panose="02020603050405020304" pitchFamily="18" charset="0"/>
-              </a:rPr>
-              <a:t>Horse</a:t>
-            </a:r>
-            <a:r>
-              <a:rPr lang="pt-BR" sz="2400" dirty="0">
-                <a:latin typeface="Times New Roman" panose="02020603050405020304" pitchFamily="18" charset="0"/>
-                <a:cs typeface="Times New Roman" panose="02020603050405020304" pitchFamily="18" charset="0"/>
-              </a:rPr>
-              <a:t> (Cavalo);</a:t>
-            </a:r>
-            <a:endParaRPr lang="pt-BR" sz="2100" dirty="0">
-              <a:latin typeface="Times New Roman" panose="02020603050405020304" pitchFamily="18" charset="0"/>
-              <a:cs typeface="Times New Roman" panose="02020603050405020304" pitchFamily="18" charset="0"/>
-            </a:endParaRPr>
-          </a:p>
-          <a:p>
-            <a:pPr marL="1257300" lvl="2" indent="-342900">
-              <a:buFont typeface="Arial" panose="020B0604020202020204" pitchFamily="34" charset="0"/>
-              <a:buChar char="•"/>
-            </a:pPr>
-            <a:r>
-              <a:rPr lang="pt-BR" sz="2400" dirty="0" err="1">
-                <a:latin typeface="Times New Roman" panose="02020603050405020304" pitchFamily="18" charset="0"/>
-                <a:cs typeface="Times New Roman" panose="02020603050405020304" pitchFamily="18" charset="0"/>
-              </a:rPr>
-              <a:t>Ship</a:t>
-            </a:r>
-            <a:r>
-              <a:rPr lang="pt-BR" sz="2400" dirty="0">
-                <a:latin typeface="Times New Roman" panose="02020603050405020304" pitchFamily="18" charset="0"/>
-                <a:cs typeface="Times New Roman" panose="02020603050405020304" pitchFamily="18" charset="0"/>
-              </a:rPr>
-              <a:t> (Navio);</a:t>
-            </a:r>
-            <a:endParaRPr lang="pt-BR" sz="2100" dirty="0">
-              <a:latin typeface="Times New Roman" panose="02020603050405020304" pitchFamily="18" charset="0"/>
-              <a:cs typeface="Times New Roman" panose="02020603050405020304" pitchFamily="18" charset="0"/>
-            </a:endParaRPr>
-          </a:p>
-          <a:p>
-            <a:pPr marL="1257300" lvl="2" indent="-342900">
-              <a:buFont typeface="Arial" panose="020B0604020202020204" pitchFamily="34" charset="0"/>
-              <a:buChar char="•"/>
-            </a:pPr>
-            <a:r>
-              <a:rPr lang="pt-BR" sz="2400" dirty="0" err="1">
-                <a:latin typeface="Times New Roman" panose="02020603050405020304" pitchFamily="18" charset="0"/>
-                <a:cs typeface="Times New Roman" panose="02020603050405020304" pitchFamily="18" charset="0"/>
-              </a:rPr>
-              <a:t>Truck</a:t>
-            </a:r>
-            <a:r>
-              <a:rPr lang="pt-BR" sz="2400" dirty="0">
-                <a:latin typeface="Times New Roman" panose="02020603050405020304" pitchFamily="18" charset="0"/>
-                <a:cs typeface="Times New Roman" panose="02020603050405020304" pitchFamily="18" charset="0"/>
-              </a:rPr>
-              <a:t> (Caminhão)</a:t>
-            </a:r>
-            <a:endParaRPr lang="pt-BR" sz="2100" dirty="0">
-              <a:latin typeface="Times New Roman" panose="02020603050405020304" pitchFamily="18" charset="0"/>
-              <a:cs typeface="Times New Roman" panose="02020603050405020304" pitchFamily="18" charset="0"/>
-            </a:endParaRPr>
-          </a:p>
-          <a:p>
-            <a:pPr marL="285750" indent="-285750">
-              <a:buFont typeface="Arial" panose="020B0604020202020204" pitchFamily="34" charset="0"/>
-              <a:buChar char="•"/>
-            </a:pPr>
-            <a:endParaRPr lang="pt-BR" dirty="0"/>
-          </a:p>
-        </p:txBody>
-      </p:sp>
-      <p:sp>
-        <p:nvSpPr>
-          <p:cNvPr id="6" name="CaixaDeTexto 5"/>
-          <p:cNvSpPr txBox="1"/>
-          <p:nvPr/>
-        </p:nvSpPr>
-        <p:spPr>
-          <a:xfrm>
-            <a:off x="1295400" y="6046751"/>
-            <a:ext cx="7443063" cy="1077218"/>
-          </a:xfrm>
-          <a:prstGeom prst="rect">
-            <a:avLst/>
-          </a:prstGeom>
-          <a:noFill/>
-        </p:spPr>
-        <p:txBody>
-          <a:bodyPr wrap="none" rtlCol="0">
-            <a:spAutoFit/>
-          </a:bodyPr>
-          <a:lstStyle/>
-          <a:p>
-            <a:pPr marL="457200" indent="-457200">
-              <a:buFont typeface="Arial" panose="020B0604020202020204" pitchFamily="34" charset="0"/>
-              <a:buChar char="•"/>
-            </a:pPr>
-            <a:r>
-              <a:rPr lang="pt-BR" sz="3200" dirty="0">
-                <a:effectLst>
-                  <a:outerShdw blurRad="38100" dist="38100" dir="2700000" algn="tl">
-                    <a:srgbClr val="000000">
-                      <a:alpha val="43137"/>
-                    </a:srgbClr>
-                  </a:outerShdw>
-                </a:effectLst>
-                <a:latin typeface="Times New Roman" panose="02020603050405020304" pitchFamily="18" charset="0"/>
-                <a:cs typeface="Times New Roman" panose="02020603050405020304" pitchFamily="18" charset="0"/>
-              </a:rPr>
-              <a:t>Histograma como vetor de características</a:t>
-            </a:r>
-          </a:p>
-          <a:p>
-            <a:pPr marL="457200" indent="-457200">
-              <a:buFont typeface="Arial" panose="020B0604020202020204" pitchFamily="34" charset="0"/>
-              <a:buChar char="•"/>
-            </a:pPr>
-            <a:endParaRPr lang="pt-BR" sz="3200" dirty="0"/>
-          </a:p>
-        </p:txBody>
-      </p:sp>
       <p:pic>
         <p:nvPicPr>
           <p:cNvPr id="8" name="Picture 14" descr="Overwatch Logo"/>
@@ -8107,7 +6152,7 @@
                 <a:latin typeface="Times New Roman" panose="02020603050405020304" pitchFamily="18" charset="0"/>
                 <a:cs typeface="Times New Roman" panose="02020603050405020304" pitchFamily="18" charset="0"/>
               </a:rPr>
-              <a:t>Algoritmo KNN</a:t>
+              <a:t>Resolução</a:t>
             </a:r>
             <a:endParaRPr lang="pt-BR" sz="5400" b="1" dirty="0">
               <a:effectLst>
@@ -8135,17 +6180,60 @@
         </p:nvSpPr>
         <p:spPr>
           <a:xfrm>
-            <a:off x="8464" y="1825625"/>
-            <a:ext cx="8085667" cy="2746376"/>
+            <a:off x="838200" y="1774108"/>
+            <a:ext cx="10515600" cy="4175377"/>
           </a:xfrm>
         </p:spPr>
         <p:txBody>
           <a:bodyPr>
-            <a:normAutofit/>
+            <a:normAutofit fontScale="92500" lnSpcReduction="10000"/>
           </a:bodyPr>
           <a:lstStyle/>
           <a:p>
+            <a:r>
+              <a:rPr lang="pt-BR" sz="3600" dirty="0" smtClean="0">
+                <a:effectLst>
+                  <a:outerShdw blurRad="38100" dist="38100" dir="2700000" algn="tl">
+                    <a:srgbClr val="000000">
+                      <a:alpha val="43137"/>
+                    </a:srgbClr>
+                  </a:outerShdw>
+                </a:effectLst>
+                <a:cs typeface="Times New Roman" panose="02020603050405020304" pitchFamily="18" charset="0"/>
+              </a:rPr>
+              <a:t>Classes</a:t>
+            </a:r>
+            <a:endParaRPr lang="pt-BR" sz="3600" dirty="0">
+              <a:effectLst>
+                <a:outerShdw blurRad="38100" dist="38100" dir="2700000" algn="tl">
+                  <a:srgbClr val="000000">
+                    <a:alpha val="43137"/>
+                  </a:srgbClr>
+                </a:outerShdw>
+              </a:effectLst>
+              <a:cs typeface="Times New Roman" panose="02020603050405020304" pitchFamily="18" charset="0"/>
+            </a:endParaRPr>
+          </a:p>
+          <a:p>
             <a:pPr lvl="1"/>
+            <a:r>
+              <a:rPr lang="pt-BR" sz="3200" dirty="0" smtClean="0">
+                <a:cs typeface="Times New Roman" panose="02020603050405020304" pitchFamily="18" charset="0"/>
+              </a:rPr>
+              <a:t>Ao final não foi um problema que impactou além do </a:t>
+            </a:r>
+            <a:r>
+              <a:rPr lang="pt-BR" sz="3200" dirty="0" err="1" smtClean="0">
+                <a:cs typeface="Times New Roman" panose="02020603050405020304" pitchFamily="18" charset="0"/>
+              </a:rPr>
+              <a:t>Weka</a:t>
+            </a:r>
+            <a:endParaRPr lang="pt-BR" sz="3200" dirty="0">
+              <a:cs typeface="Times New Roman" panose="02020603050405020304" pitchFamily="18" charset="0"/>
+            </a:endParaRPr>
+          </a:p>
+          <a:p>
+            <a:pPr lvl="2"/>
             <a:endParaRPr lang="pt-BR" sz="3200" dirty="0" smtClean="0">
               <a:effectLst>
                 <a:outerShdw blurRad="38100" dist="38100" dir="2700000" algn="tl">
@@ -8154,28 +6242,12 @@
                   </a:srgbClr>
                 </a:outerShdw>
               </a:effectLst>
-              <a:latin typeface="Times New Roman" panose="02020603050405020304" pitchFamily="18" charset="0"/>
               <a:cs typeface="Times New Roman" panose="02020603050405020304" pitchFamily="18" charset="0"/>
             </a:endParaRPr>
           </a:p>
           <a:p>
-            <a:pPr lvl="1"/>
-            <a:endParaRPr lang="pt-BR" sz="3200" dirty="0">
-              <a:effectLst>
-                <a:outerShdw blurRad="38100" dist="38100" dir="2700000" algn="tl">
-                  <a:srgbClr val="000000">
-                    <a:alpha val="43137"/>
-                  </a:srgbClr>
-                </a:outerShdw>
-              </a:effectLst>
-              <a:latin typeface="Times New Roman" panose="02020603050405020304" pitchFamily="18" charset="0"/>
-              <a:cs typeface="Times New Roman" panose="02020603050405020304" pitchFamily="18" charset="0"/>
-            </a:endParaRPr>
-          </a:p>
-          <a:p>
-            <a:pPr lvl="1"/>
-            <a:r>
-              <a:rPr lang="pt-BR" sz="3200" dirty="0" smtClean="0">
+            <a:r>
+              <a:rPr lang="pt-BR" sz="3600" dirty="0" smtClean="0">
                 <a:effectLst>
                   <a:outerShdw blurRad="38100" dist="38100" dir="2700000" algn="tl">
                     <a:srgbClr val="000000">
@@ -8183,13 +6255,59 @@
                     </a:srgbClr>
                   </a:outerShdw>
                 </a:effectLst>
-                <a:latin typeface="Times New Roman" panose="02020603050405020304" pitchFamily="18" charset="0"/>
                 <a:cs typeface="Times New Roman" panose="02020603050405020304" pitchFamily="18" charset="0"/>
               </a:rPr>
-              <a:t>Distancia </a:t>
-            </a:r>
-            <a:r>
-              <a:rPr lang="pt-BR" sz="3200" dirty="0">
+              <a:t>Vetor de características</a:t>
+            </a:r>
+          </a:p>
+          <a:p>
+            <a:pPr lvl="1"/>
+            <a:r>
+              <a:rPr lang="pt-BR" sz="3200" dirty="0" smtClean="0">
+                <a:cs typeface="Times New Roman" panose="02020603050405020304" pitchFamily="18" charset="0"/>
+              </a:rPr>
+              <a:t>Ao final ficou reduzido para 15 atributos (</a:t>
+            </a:r>
+            <a:r>
+              <a:rPr lang="pt-BR" sz="3200" dirty="0" err="1" smtClean="0">
+                <a:cs typeface="Times New Roman" panose="02020603050405020304" pitchFamily="18" charset="0"/>
+              </a:rPr>
+              <a:t>genreIsFPS</a:t>
+            </a:r>
+            <a:r>
+              <a:rPr lang="pt-BR" sz="3200" dirty="0" smtClean="0">
+                <a:cs typeface="Times New Roman" panose="02020603050405020304" pitchFamily="18" charset="0"/>
+              </a:rPr>
+              <a:t>, </a:t>
+            </a:r>
+            <a:r>
+              <a:rPr lang="pt-BR" sz="3200" dirty="0" err="1" smtClean="0">
+                <a:cs typeface="Times New Roman" panose="02020603050405020304" pitchFamily="18" charset="0"/>
+              </a:rPr>
+              <a:t>genreIsMMO</a:t>
+            </a:r>
+            <a:r>
+              <a:rPr lang="pt-BR" sz="3200" dirty="0" smtClean="0">
+                <a:cs typeface="Times New Roman" panose="02020603050405020304" pitchFamily="18" charset="0"/>
+              </a:rPr>
+              <a:t>, </a:t>
+            </a:r>
+            <a:r>
+              <a:rPr lang="pt-BR" sz="3200" dirty="0" err="1" smtClean="0">
+                <a:cs typeface="Times New Roman" panose="02020603050405020304" pitchFamily="18" charset="0"/>
+              </a:rPr>
+              <a:t>genreIsStrategy</a:t>
+            </a:r>
+            <a:r>
+              <a:rPr lang="pt-BR" sz="3200" dirty="0" smtClean="0">
+                <a:cs typeface="Times New Roman" panose="02020603050405020304" pitchFamily="18" charset="0"/>
+              </a:rPr>
+              <a:t>,...)</a:t>
+            </a:r>
+          </a:p>
+          <a:p>
+            <a:r>
+              <a:rPr lang="pt-BR" sz="3600" dirty="0" smtClean="0">
                 <a:effectLst>
                   <a:outerShdw blurRad="38100" dist="38100" dir="2700000" algn="tl">
                     <a:srgbClr val="000000">
@@ -8197,34 +6315,20 @@
                     </a:srgbClr>
                   </a:outerShdw>
                 </a:effectLst>
-                <a:latin typeface="Times New Roman" panose="02020603050405020304" pitchFamily="18" charset="0"/>
                 <a:cs typeface="Times New Roman" panose="02020603050405020304" pitchFamily="18" charset="0"/>
               </a:rPr>
-              <a:t>E</a:t>
-            </a:r>
+              <a:t>Exemplares</a:t>
+            </a:r>
+          </a:p>
+          <a:p>
+            <a:pPr lvl="1"/>
             <a:r>
               <a:rPr lang="pt-BR" sz="3200" dirty="0" smtClean="0">
-                <a:effectLst>
-                  <a:outerShdw blurRad="38100" dist="38100" dir="2700000" algn="tl">
-                    <a:srgbClr val="000000">
-                      <a:alpha val="43137"/>
-                    </a:srgbClr>
-                  </a:outerShdw>
-                </a:effectLst>
-                <a:latin typeface="Times New Roman" panose="02020603050405020304" pitchFamily="18" charset="0"/>
                 <a:cs typeface="Times New Roman" panose="02020603050405020304" pitchFamily="18" charset="0"/>
               </a:rPr>
-              <a:t>uclidiana Ponderada (PDE)</a:t>
-            </a:r>
-            <a:endParaRPr lang="pt-BR" sz="3200" dirty="0">
-              <a:effectLst>
-                <a:outerShdw blurRad="38100" dist="38100" dir="2700000" algn="tl">
-                  <a:srgbClr val="000000">
-                    <a:alpha val="43137"/>
-                  </a:srgbClr>
-                </a:outerShdw>
-              </a:effectLst>
-              <a:latin typeface="Times New Roman" panose="02020603050405020304" pitchFamily="18" charset="0"/>
+              <a:t>Removidos os exemplares que tinham algum déficit de informação</a:t>
+            </a:r>
+            <a:endParaRPr lang="pt-BR" sz="3200" dirty="0" smtClean="0">
               <a:cs typeface="Times New Roman" panose="02020603050405020304" pitchFamily="18" charset="0"/>
             </a:endParaRPr>
           </a:p>
@@ -8256,386 +6360,104 @@
           <a:noFill/>
         </p:spPr>
       </p:pic>
-      <mc:AlternateContent xmlns:mc="http://schemas.openxmlformats.org/markup-compatibility/2006" xmlns:a14="http://schemas.microsoft.com/office/drawing/2010/main">
-        <mc:Choice Requires="a14">
-          <p:sp>
-            <p:nvSpPr>
-              <p:cNvPr id="6" name="Retângulo 5"/>
-              <p:cNvSpPr/>
-              <p:nvPr/>
-            </p:nvSpPr>
-            <p:spPr>
-              <a:xfrm>
-                <a:off x="1837267" y="4706937"/>
-                <a:ext cx="4478866" cy="1169936"/>
-              </a:xfrm>
-              <a:prstGeom prst="rect">
-                <a:avLst/>
-              </a:prstGeom>
-            </p:spPr>
-            <p:txBody>
-              <a:bodyPr wrap="square">
-                <a:spAutoFit/>
-              </a:bodyPr>
-              <a:lstStyle/>
-              <a:p>
-                <a:pPr/>
-                <a14:m>
-                  <m:oMathPara xmlns:m="http://schemas.openxmlformats.org/officeDocument/2006/math">
-                    <m:oMathParaPr>
-                      <m:jc m:val="centerGroup"/>
-                    </m:oMathParaPr>
-                    <m:oMath xmlns:m="http://schemas.openxmlformats.org/officeDocument/2006/math">
-                      <m:r>
-                        <a:rPr lang="pt-BR" i="1" smtClean="0">
-                          <a:effectLst>
-                            <a:outerShdw blurRad="38100" dist="38100" dir="2700000" algn="tl">
-                              <a:srgbClr val="000000">
-                                <a:alpha val="43137"/>
-                              </a:srgbClr>
-                            </a:outerShdw>
-                          </a:effectLst>
-                          <a:latin typeface="Cambria Math" panose="02040503050406030204" pitchFamily="18" charset="0"/>
-                        </a:rPr>
-                        <m:t>𝐷𝐸𝑃</m:t>
-                      </m:r>
-                      <m:r>
-                        <m:rPr>
-                          <m:nor/>
-                        </m:rPr>
-                        <a:rPr lang="pt-BR" i="1">
-                          <a:effectLst>
-                            <a:outerShdw blurRad="38100" dist="38100" dir="2700000" algn="tl">
-                              <a:srgbClr val="000000">
-                                <a:alpha val="43137"/>
-                              </a:srgbClr>
-                            </a:outerShdw>
-                          </a:effectLst>
-                          <a:latin typeface="Cambria Math" panose="02040503050406030204" pitchFamily="18" charset="0"/>
-                        </a:rPr>
-                        <m:t>(</m:t>
-                      </m:r>
-                      <m:r>
-                        <m:rPr>
-                          <m:nor/>
-                        </m:rPr>
-                        <a:rPr lang="pt-BR" i="1">
-                          <a:effectLst>
-                            <a:outerShdw blurRad="38100" dist="38100" dir="2700000" algn="tl">
-                              <a:srgbClr val="000000">
-                                <a:alpha val="43137"/>
-                              </a:srgbClr>
-                            </a:outerShdw>
-                          </a:effectLst>
-                          <a:latin typeface="Cambria Math" panose="02040503050406030204" pitchFamily="18" charset="0"/>
-                        </a:rPr>
-                        <m:t>a</m:t>
-                      </m:r>
-                      <m:r>
-                        <m:rPr>
-                          <m:nor/>
-                        </m:rPr>
-                        <a:rPr lang="pt-BR" i="1">
-                          <a:effectLst>
-                            <a:outerShdw blurRad="38100" dist="38100" dir="2700000" algn="tl">
-                              <a:srgbClr val="000000">
-                                <a:alpha val="43137"/>
-                              </a:srgbClr>
-                            </a:outerShdw>
-                          </a:effectLst>
-                          <a:latin typeface="Cambria Math" panose="02040503050406030204" pitchFamily="18" charset="0"/>
-                        </a:rPr>
-                        <m:t>, </m:t>
-                      </m:r>
-                      <m:r>
-                        <m:rPr>
-                          <m:nor/>
-                        </m:rPr>
-                        <a:rPr lang="pt-BR" i="1">
-                          <a:effectLst>
-                            <a:outerShdw blurRad="38100" dist="38100" dir="2700000" algn="tl">
-                              <a:srgbClr val="000000">
-                                <a:alpha val="43137"/>
-                              </a:srgbClr>
-                            </a:outerShdw>
-                          </a:effectLst>
-                          <a:latin typeface="Cambria Math" panose="02040503050406030204" pitchFamily="18" charset="0"/>
-                        </a:rPr>
-                        <m:t>b</m:t>
-                      </m:r>
-                      <m:r>
-                        <m:rPr>
-                          <m:nor/>
-                        </m:rPr>
-                        <a:rPr lang="pt-BR" i="1">
-                          <a:effectLst>
-                            <a:outerShdw blurRad="38100" dist="38100" dir="2700000" algn="tl">
-                              <a:srgbClr val="000000">
-                                <a:alpha val="43137"/>
-                              </a:srgbClr>
-                            </a:outerShdw>
-                          </a:effectLst>
-                          <a:latin typeface="Cambria Math" panose="02040503050406030204" pitchFamily="18" charset="0"/>
-                        </a:rPr>
-                        <m:t>) = </m:t>
-                      </m:r>
-                      <m:rad>
-                        <m:radPr>
-                          <m:ctrlPr>
-                            <a:rPr lang="pt-BR" i="1">
-                              <a:effectLst>
-                                <a:outerShdw blurRad="38100" dist="38100" dir="2700000" algn="tl">
-                                  <a:srgbClr val="000000">
-                                    <a:alpha val="43137"/>
-                                  </a:srgbClr>
-                                </a:outerShdw>
-                              </a:effectLst>
-                              <a:latin typeface="Cambria Math" panose="02040503050406030204" pitchFamily="18" charset="0"/>
-                            </a:rPr>
-                          </m:ctrlPr>
-                        </m:radPr>
-                        <m:deg>
-                          <m:r>
-                            <a:rPr lang="pt-BR" i="0">
-                              <a:effectLst>
-                                <a:outerShdw blurRad="38100" dist="38100" dir="2700000" algn="tl">
-                                  <a:srgbClr val="000000">
-                                    <a:alpha val="43137"/>
-                                  </a:srgbClr>
-                                </a:outerShdw>
-                              </a:effectLst>
-                              <a:latin typeface="Cambria Math" panose="02040503050406030204" pitchFamily="18" charset="0"/>
-                            </a:rPr>
-                            <m:t>2</m:t>
-                          </m:r>
-                        </m:deg>
-                        <m:e>
-                          <m:nary>
-                            <m:naryPr>
-                              <m:chr m:val="∑"/>
-                              <m:limLoc m:val="undOvr"/>
-                              <m:ctrlPr>
-                                <a:rPr lang="pt-BR" i="1">
-                                  <a:effectLst>
-                                    <a:outerShdw blurRad="38100" dist="38100" dir="2700000" algn="tl">
-                                      <a:srgbClr val="000000">
-                                        <a:alpha val="43137"/>
-                                      </a:srgbClr>
-                                    </a:outerShdw>
-                                  </a:effectLst>
-                                  <a:latin typeface="Cambria Math" panose="02040503050406030204" pitchFamily="18" charset="0"/>
-                                </a:rPr>
-                              </m:ctrlPr>
-                            </m:naryPr>
-                            <m:sub>
-                              <m:r>
-                                <a:rPr lang="pt-BR" i="1">
-                                  <a:effectLst>
-                                    <a:outerShdw blurRad="38100" dist="38100" dir="2700000" algn="tl">
-                                      <a:srgbClr val="000000">
-                                        <a:alpha val="43137"/>
-                                      </a:srgbClr>
-                                    </a:outerShdw>
-                                  </a:effectLst>
-                                  <a:latin typeface="Cambria Math" panose="02040503050406030204" pitchFamily="18" charset="0"/>
-                                </a:rPr>
-                                <m:t>𝑖</m:t>
-                              </m:r>
-                              <m:r>
-                                <a:rPr lang="pt-BR" i="0">
-                                  <a:effectLst>
-                                    <a:outerShdw blurRad="38100" dist="38100" dir="2700000" algn="tl">
-                                      <a:srgbClr val="000000">
-                                        <a:alpha val="43137"/>
-                                      </a:srgbClr>
-                                    </a:outerShdw>
-                                  </a:effectLst>
-                                  <a:latin typeface="Cambria Math" panose="02040503050406030204" pitchFamily="18" charset="0"/>
-                                </a:rPr>
-                                <m:t>=0</m:t>
-                              </m:r>
-                            </m:sub>
-                            <m:sup>
-                              <m:r>
-                                <a:rPr lang="pt-BR" i="0">
-                                  <a:effectLst>
-                                    <a:outerShdw blurRad="38100" dist="38100" dir="2700000" algn="tl">
-                                      <a:srgbClr val="000000">
-                                        <a:alpha val="43137"/>
-                                      </a:srgbClr>
-                                    </a:outerShdw>
-                                  </a:effectLst>
-                                  <a:latin typeface="Cambria Math" panose="02040503050406030204" pitchFamily="18" charset="0"/>
-                                </a:rPr>
-                                <m:t>255</m:t>
-                              </m:r>
-                            </m:sup>
-                            <m:e>
-                              <m:r>
-                                <a:rPr lang="pt-BR" i="1">
-                                  <a:effectLst>
-                                    <a:outerShdw blurRad="38100" dist="38100" dir="2700000" algn="tl">
-                                      <a:srgbClr val="000000">
-                                        <a:alpha val="43137"/>
-                                      </a:srgbClr>
-                                    </a:outerShdw>
-                                  </a:effectLst>
-                                  <a:latin typeface="Cambria Math" panose="02040503050406030204" pitchFamily="18" charset="0"/>
-                                </a:rPr>
-                                <m:t>𝑤</m:t>
-                              </m:r>
-                              <m:r>
-                                <a:rPr lang="pt-BR" i="0">
-                                  <a:effectLst>
-                                    <a:outerShdw blurRad="38100" dist="38100" dir="2700000" algn="tl">
-                                      <a:srgbClr val="000000">
-                                        <a:alpha val="43137"/>
-                                      </a:srgbClr>
-                                    </a:outerShdw>
-                                  </a:effectLst>
-                                  <a:latin typeface="Cambria Math" panose="02040503050406030204" pitchFamily="18" charset="0"/>
-                                </a:rPr>
-                                <m:t>∗(</m:t>
-                              </m:r>
-                              <m:r>
-                                <a:rPr lang="pt-BR" i="1">
-                                  <a:effectLst>
-                                    <a:outerShdw blurRad="38100" dist="38100" dir="2700000" algn="tl">
-                                      <a:srgbClr val="000000">
-                                        <a:alpha val="43137"/>
-                                      </a:srgbClr>
-                                    </a:outerShdw>
-                                  </a:effectLst>
-                                  <a:latin typeface="Cambria Math" panose="02040503050406030204" pitchFamily="18" charset="0"/>
-                                </a:rPr>
-                                <m:t>𝑎𝑖</m:t>
-                              </m:r>
-                              <m:r>
-                                <a:rPr lang="pt-BR" i="0">
-                                  <a:effectLst>
-                                    <a:outerShdw blurRad="38100" dist="38100" dir="2700000" algn="tl">
-                                      <a:srgbClr val="000000">
-                                        <a:alpha val="43137"/>
-                                      </a:srgbClr>
-                                    </a:outerShdw>
-                                  </a:effectLst>
-                                  <a:latin typeface="Cambria Math" panose="02040503050406030204" pitchFamily="18" charset="0"/>
-                                </a:rPr>
-                                <m:t>−</m:t>
-                              </m:r>
-                              <m:r>
-                                <a:rPr lang="pt-BR" i="1">
-                                  <a:effectLst>
-                                    <a:outerShdw blurRad="38100" dist="38100" dir="2700000" algn="tl">
-                                      <a:srgbClr val="000000">
-                                        <a:alpha val="43137"/>
-                                      </a:srgbClr>
-                                    </a:outerShdw>
-                                  </a:effectLst>
-                                  <a:latin typeface="Cambria Math" panose="02040503050406030204" pitchFamily="18" charset="0"/>
-                                </a:rPr>
-                                <m:t>𝑏𝑖</m:t>
-                              </m:r>
-                              <m:r>
-                                <a:rPr lang="pt-BR" i="0">
-                                  <a:effectLst>
-                                    <a:outerShdw blurRad="38100" dist="38100" dir="2700000" algn="tl">
-                                      <a:srgbClr val="000000">
-                                        <a:alpha val="43137"/>
-                                      </a:srgbClr>
-                                    </a:outerShdw>
-                                  </a:effectLst>
-                                  <a:latin typeface="Cambria Math" panose="02040503050406030204" pitchFamily="18" charset="0"/>
-                                </a:rPr>
-                                <m:t>)²</m:t>
-                              </m:r>
-                            </m:e>
-                          </m:nary>
-                        </m:e>
-                      </m:rad>
-                    </m:oMath>
-                  </m:oMathPara>
-                </a14:m>
-                <a:endParaRPr lang="pt-BR" dirty="0">
-                  <a:effectLst>
-                    <a:outerShdw blurRad="38100" dist="38100" dir="2700000" algn="tl">
-                      <a:srgbClr val="000000">
-                        <a:alpha val="43137"/>
-                      </a:srgbClr>
-                    </a:outerShdw>
-                  </a:effectLst>
-                </a:endParaRPr>
-              </a:p>
-            </p:txBody>
-          </p:sp>
-        </mc:Choice>
-        <mc:Fallback xmlns="">
-          <p:sp>
-            <p:nvSpPr>
-              <p:cNvPr id="6" name="Retângulo 5"/>
-              <p:cNvSpPr>
-                <a:spLocks noRot="1" noChangeAspect="1" noMove="1" noResize="1" noEditPoints="1" noAdjustHandles="1" noChangeArrowheads="1" noChangeShapeType="1" noTextEdit="1"/>
-              </p:cNvSpPr>
-              <p:nvPr/>
-            </p:nvSpPr>
-            <p:spPr>
-              <a:xfrm>
-                <a:off x="1837267" y="4706937"/>
-                <a:ext cx="4478866" cy="1169936"/>
-              </a:xfrm>
-              <a:prstGeom prst="rect">
-                <a:avLst/>
-              </a:prstGeom>
-              <a:blipFill rotWithShape="0">
-                <a:blip r:embed="rId3"/>
-                <a:stretch>
-                  <a:fillRect b="-2604"/>
-                </a:stretch>
-              </a:blipFill>
-            </p:spPr>
-            <p:txBody>
-              <a:bodyPr/>
-              <a:lstStyle/>
-              <a:p>
-                <a:r>
-                  <a:rPr lang="pt-BR">
-                    <a:noFill/>
-                  </a:rPr>
-                  <a:t> </a:t>
-                </a:r>
-              </a:p>
-            </p:txBody>
-          </p:sp>
-        </mc:Fallback>
-      </mc:AlternateContent>
-      <p:sp>
-        <p:nvSpPr>
-          <p:cNvPr id="7" name="CaixaDeTexto 6"/>
-          <p:cNvSpPr txBox="1"/>
+      <p:pic>
+        <p:nvPicPr>
+          <p:cNvPr id="6" name="Picture 28" descr="Resultado de imagem para street fight v icon png"/>
+          <p:cNvPicPr>
+            <a:picLocks noChangeAspect="1" noChangeArrowheads="1"/>
+          </p:cNvPicPr>
           <p:nvPr/>
-        </p:nvSpPr>
-        <p:spPr>
+        </p:nvPicPr>
+        <p:blipFill>
+          <a:blip r:embed="rId3" cstate="print">
+            <a:extLst>
+              <a:ext uri="{28A0092B-C50C-407E-A947-70E740481C1C}">
+                <a14:useLocalDpi xmlns:a14="http://schemas.microsoft.com/office/drawing/2010/main" val="0"/>
+              </a:ext>
+            </a:extLst>
+          </a:blip>
+          <a:srcRect/>
+          <a:stretch>
+            <a:fillRect/>
+          </a:stretch>
+        </p:blipFill>
+        <p:spPr bwMode="auto">
           <a:xfrm>
-            <a:off x="8094131" y="2377622"/>
-            <a:ext cx="4097869" cy="584775"/>
+            <a:off x="9830162" y="365125"/>
+            <a:ext cx="1318230" cy="1001855"/>
           </a:xfrm>
           <a:prstGeom prst="rect">
             <a:avLst/>
           </a:prstGeom>
           <a:noFill/>
+          <a:extLst>
+            <a:ext uri="{909E8E84-426E-40DD-AFC4-6F175D3DCCD1}">
+              <a14:hiddenFill xmlns:a14="http://schemas.microsoft.com/office/drawing/2010/main">
+                <a:solidFill>
+                  <a:srgbClr val="FFFFFF"/>
+                </a:solidFill>
+              </a14:hiddenFill>
+            </a:ext>
+          </a:extLst>
         </p:spPr>
-        <p:txBody>
-          <a:bodyPr wrap="square" rtlCol="0">
-            <a:spAutoFit/>
+      </p:pic>
+    </p:spTree>
+    <p:extLst>
+      <p:ext uri="{BB962C8B-B14F-4D97-AF65-F5344CB8AC3E}">
+        <p14:creationId xmlns:p14="http://schemas.microsoft.com/office/powerpoint/2010/main" val="1354414175"/>
+      </p:ext>
+    </p:extLst>
+  </p:cSld>
+  <p:clrMapOvr>
+    <a:masterClrMapping/>
+  </p:clrMapOvr>
+  <p:timing>
+    <p:tnLst>
+      <p:par>
+        <p:cTn id="1" dur="indefinite" restart="never" nodeType="tmRoot"/>
+      </p:par>
+    </p:tnLst>
+  </p:timing>
+</p:sld>
+</file>
+
+<file path=ppt/slides/slide7.xml><?xml version="1.0" encoding="utf-8"?>
+<p:sld xmlns:a="http://schemas.openxmlformats.org/drawingml/2006/main" xmlns:r="http://schemas.openxmlformats.org/officeDocument/2006/relationships" xmlns:p="http://schemas.openxmlformats.org/presentationml/2006/main">
+  <p:cSld>
+    <p:spTree>
+      <p:nvGrpSpPr>
+        <p:cNvPr id="1" name=""/>
+        <p:cNvGrpSpPr/>
+        <p:nvPr/>
+      </p:nvGrpSpPr>
+      <p:grpSpPr>
+        <a:xfrm>
+          <a:off x="0" y="0"/>
+          <a:ext cx="0" cy="0"/>
+          <a:chOff x="0" y="0"/>
+          <a:chExt cx="0" cy="0"/>
+        </a:xfrm>
+      </p:grpSpPr>
+      <p:sp>
+        <p:nvSpPr>
+          <p:cNvPr id="2" name="Título 1"/>
+          <p:cNvSpPr>
+            <a:spLocks noGrp="1"/>
+          </p:cNvSpPr>
+          <p:nvPr>
+            <p:ph type="title"/>
+          </p:nvPr>
+        </p:nvSpPr>
+        <p:spPr/>
+        <p:txBody>
+          <a:bodyPr>
+            <a:normAutofit/>
           </a:bodyPr>
           <a:lstStyle/>
           <a:p>
-            <a:pPr marL="457200" indent="-457200">
-              <a:buFont typeface="Arial" panose="020B0604020202020204" pitchFamily="34" charset="0"/>
-              <a:buChar char="•"/>
-            </a:pPr>
-            <a:r>
-              <a:rPr lang="pt-BR" sz="3200" dirty="0" smtClean="0">
+            <a:pPr algn="ctr"/>
+            <a:r>
+              <a:rPr lang="pt-BR" sz="5400" b="1" dirty="0" smtClean="0">
                 <a:effectLst>
                   <a:outerShdw blurRad="38100" dist="38100" dir="2700000" algn="tl">
                     <a:srgbClr val="000000">
@@ -8646,9 +6468,9 @@
                 <a:latin typeface="Times New Roman" panose="02020603050405020304" pitchFamily="18" charset="0"/>
                 <a:cs typeface="Times New Roman" panose="02020603050405020304" pitchFamily="18" charset="0"/>
               </a:rPr>
-              <a:t>Calculo de Peso:</a:t>
-            </a:r>
-            <a:endParaRPr lang="pt-BR" sz="3200" dirty="0">
+              <a:t>Resolução</a:t>
+            </a:r>
+            <a:endParaRPr lang="pt-BR" sz="5400" b="1" dirty="0">
               <a:effectLst>
                 <a:outerShdw blurRad="38100" dist="38100" dir="2700000" algn="tl">
                   <a:srgbClr val="000000">
@@ -8662,421 +6484,355 @@
           </a:p>
         </p:txBody>
       </p:sp>
-      <mc:AlternateContent xmlns:mc="http://schemas.openxmlformats.org/markup-compatibility/2006" xmlns:a14="http://schemas.microsoft.com/office/drawing/2010/main">
-        <mc:Choice Requires="a14">
-          <p:sp>
-            <p:nvSpPr>
-              <p:cNvPr id="8" name="Retângulo 7"/>
-              <p:cNvSpPr/>
-              <p:nvPr/>
-            </p:nvSpPr>
-            <p:spPr>
-              <a:xfrm>
-                <a:off x="7554097" y="3453225"/>
-                <a:ext cx="4278146" cy="957313"/>
-              </a:xfrm>
-              <a:prstGeom prst="rect">
-                <a:avLst/>
-              </a:prstGeom>
-            </p:spPr>
-            <p:txBody>
-              <a:bodyPr wrap="square">
-                <a:spAutoFit/>
-              </a:bodyPr>
-              <a:lstStyle/>
-              <a:p>
-                <a:pPr/>
-                <a14:m>
-                  <m:oMathPara xmlns:m="http://schemas.openxmlformats.org/officeDocument/2006/math">
-                    <m:oMathParaPr>
-                      <m:jc m:val="centerGroup"/>
-                    </m:oMathParaPr>
-                    <m:oMath xmlns:m="http://schemas.openxmlformats.org/officeDocument/2006/math">
-                      <m:r>
-                        <a:rPr lang="pt-BR" i="1" smtClean="0">
-                          <a:effectLst>
-                            <a:outerShdw blurRad="38100" dist="38100" dir="2700000" algn="tl">
-                              <a:srgbClr val="000000">
-                                <a:alpha val="43137"/>
-                              </a:srgbClr>
-                            </a:outerShdw>
-                          </a:effectLst>
-                          <a:latin typeface="Cambria Math" panose="02040503050406030204" pitchFamily="18" charset="0"/>
-                        </a:rPr>
-                        <m:t>𝑤</m:t>
-                      </m:r>
-                      <m:d>
-                        <m:dPr>
-                          <m:ctrlPr>
-                            <a:rPr lang="pt-BR" i="1">
-                              <a:effectLst>
-                                <a:outerShdw blurRad="38100" dist="38100" dir="2700000" algn="tl">
-                                  <a:srgbClr val="000000">
-                                    <a:alpha val="43137"/>
-                                  </a:srgbClr>
-                                </a:outerShdw>
-                              </a:effectLst>
-                              <a:latin typeface="Cambria Math" panose="02040503050406030204" pitchFamily="18" charset="0"/>
-                            </a:rPr>
-                          </m:ctrlPr>
-                        </m:dPr>
-                        <m:e>
-                          <m:r>
-                            <a:rPr lang="pt-BR" i="1">
-                              <a:effectLst>
-                                <a:outerShdw blurRad="38100" dist="38100" dir="2700000" algn="tl">
-                                  <a:srgbClr val="000000">
-                                    <a:alpha val="43137"/>
-                                  </a:srgbClr>
-                                </a:outerShdw>
-                              </a:effectLst>
-                              <a:latin typeface="Cambria Math" panose="02040503050406030204" pitchFamily="18" charset="0"/>
-                            </a:rPr>
-                            <m:t>𝑎</m:t>
-                          </m:r>
-                          <m:r>
-                            <a:rPr lang="pt-BR" i="0">
-                              <a:effectLst>
-                                <a:outerShdw blurRad="38100" dist="38100" dir="2700000" algn="tl">
-                                  <a:srgbClr val="000000">
-                                    <a:alpha val="43137"/>
-                                  </a:srgbClr>
-                                </a:outerShdw>
-                              </a:effectLst>
-                              <a:latin typeface="Cambria Math" panose="02040503050406030204" pitchFamily="18" charset="0"/>
-                            </a:rPr>
-                            <m:t>,</m:t>
-                          </m:r>
-                          <m:r>
-                            <a:rPr lang="pt-BR" i="1">
-                              <a:effectLst>
-                                <a:outerShdw blurRad="38100" dist="38100" dir="2700000" algn="tl">
-                                  <a:srgbClr val="000000">
-                                    <a:alpha val="43137"/>
-                                  </a:srgbClr>
-                                </a:outerShdw>
-                              </a:effectLst>
-                              <a:latin typeface="Cambria Math" panose="02040503050406030204" pitchFamily="18" charset="0"/>
-                            </a:rPr>
-                            <m:t>𝑏</m:t>
-                          </m:r>
-                        </m:e>
-                      </m:d>
-                      <m:r>
-                        <a:rPr lang="pt-BR" i="0">
-                          <a:effectLst>
-                            <a:outerShdw blurRad="38100" dist="38100" dir="2700000" algn="tl">
-                              <a:srgbClr val="000000">
-                                <a:alpha val="43137"/>
-                              </a:srgbClr>
-                            </a:outerShdw>
-                          </a:effectLst>
-                          <a:latin typeface="Cambria Math" panose="02040503050406030204" pitchFamily="18" charset="0"/>
-                        </a:rPr>
-                        <m:t>=</m:t>
-                      </m:r>
-                      <m:f>
-                        <m:fPr>
-                          <m:ctrlPr>
-                            <a:rPr lang="pt-BR" i="1">
-                              <a:effectLst>
-                                <a:outerShdw blurRad="38100" dist="38100" dir="2700000" algn="tl">
-                                  <a:srgbClr val="000000">
-                                    <a:alpha val="43137"/>
-                                  </a:srgbClr>
-                                </a:outerShdw>
-                              </a:effectLst>
-                              <a:latin typeface="Cambria Math" panose="02040503050406030204" pitchFamily="18" charset="0"/>
-                            </a:rPr>
-                          </m:ctrlPr>
-                        </m:fPr>
-                        <m:num>
-                          <m:r>
-                            <a:rPr lang="pt-BR" i="0">
-                              <a:effectLst>
-                                <a:outerShdw blurRad="38100" dist="38100" dir="2700000" algn="tl">
-                                  <a:srgbClr val="000000">
-                                    <a:alpha val="43137"/>
-                                  </a:srgbClr>
-                                </a:outerShdw>
-                              </a:effectLst>
-                              <a:latin typeface="Cambria Math" panose="02040503050406030204" pitchFamily="18" charset="0"/>
-                            </a:rPr>
-                            <m:t>1</m:t>
-                          </m:r>
-                        </m:num>
-                        <m:den>
-                          <m:rad>
-                            <m:radPr>
-                              <m:ctrlPr>
-                                <a:rPr lang="pt-BR" i="1">
-                                  <a:effectLst>
-                                    <a:outerShdw blurRad="38100" dist="38100" dir="2700000" algn="tl">
-                                      <a:srgbClr val="000000">
-                                        <a:alpha val="43137"/>
-                                      </a:srgbClr>
-                                    </a:outerShdw>
-                                  </a:effectLst>
-                                  <a:latin typeface="Cambria Math" panose="02040503050406030204" pitchFamily="18" charset="0"/>
-                                </a:rPr>
-                              </m:ctrlPr>
-                            </m:radPr>
-                            <m:deg>
-                              <m:r>
-                                <a:rPr lang="pt-BR" i="0">
-                                  <a:effectLst>
-                                    <a:outerShdw blurRad="38100" dist="38100" dir="2700000" algn="tl">
-                                      <a:srgbClr val="000000">
-                                        <a:alpha val="43137"/>
-                                      </a:srgbClr>
-                                    </a:outerShdw>
-                                  </a:effectLst>
-                                  <a:latin typeface="Cambria Math" panose="02040503050406030204" pitchFamily="18" charset="0"/>
-                                </a:rPr>
-                                <m:t>2</m:t>
-                              </m:r>
-                            </m:deg>
-                            <m:e>
-                              <m:nary>
-                                <m:naryPr>
-                                  <m:chr m:val="∑"/>
-                                  <m:limLoc m:val="undOvr"/>
-                                  <m:ctrlPr>
-                                    <a:rPr lang="pt-BR" i="1">
-                                      <a:effectLst>
-                                        <a:outerShdw blurRad="38100" dist="38100" dir="2700000" algn="tl">
-                                          <a:srgbClr val="000000">
-                                            <a:alpha val="43137"/>
-                                          </a:srgbClr>
-                                        </a:outerShdw>
-                                      </a:effectLst>
-                                      <a:latin typeface="Cambria Math" panose="02040503050406030204" pitchFamily="18" charset="0"/>
-                                    </a:rPr>
-                                  </m:ctrlPr>
-                                </m:naryPr>
-                                <m:sub>
-                                  <m:r>
-                                    <a:rPr lang="pt-BR" i="1">
-                                      <a:effectLst>
-                                        <a:outerShdw blurRad="38100" dist="38100" dir="2700000" algn="tl">
-                                          <a:srgbClr val="000000">
-                                            <a:alpha val="43137"/>
-                                          </a:srgbClr>
-                                        </a:outerShdw>
-                                      </a:effectLst>
-                                      <a:latin typeface="Cambria Math" panose="02040503050406030204" pitchFamily="18" charset="0"/>
-                                    </a:rPr>
-                                    <m:t>𝑖</m:t>
-                                  </m:r>
-                                  <m:r>
-                                    <a:rPr lang="pt-BR" i="0">
-                                      <a:effectLst>
-                                        <a:outerShdw blurRad="38100" dist="38100" dir="2700000" algn="tl">
-                                          <a:srgbClr val="000000">
-                                            <a:alpha val="43137"/>
-                                          </a:srgbClr>
-                                        </a:outerShdw>
-                                      </a:effectLst>
-                                      <a:latin typeface="Cambria Math" panose="02040503050406030204" pitchFamily="18" charset="0"/>
-                                    </a:rPr>
-                                    <m:t>=0</m:t>
-                                  </m:r>
-                                </m:sub>
-                                <m:sup>
-                                  <m:r>
-                                    <a:rPr lang="pt-BR" i="0">
-                                      <a:effectLst>
-                                        <a:outerShdw blurRad="38100" dist="38100" dir="2700000" algn="tl">
-                                          <a:srgbClr val="000000">
-                                            <a:alpha val="43137"/>
-                                          </a:srgbClr>
-                                        </a:outerShdw>
-                                      </a:effectLst>
-                                      <a:latin typeface="Cambria Math" panose="02040503050406030204" pitchFamily="18" charset="0"/>
-                                    </a:rPr>
-                                    <m:t>255</m:t>
-                                  </m:r>
-                                </m:sup>
-                                <m:e>
-                                  <m:d>
-                                    <m:dPr>
-                                      <m:endChr m:val=""/>
-                                      <m:ctrlPr>
-                                        <a:rPr lang="pt-BR" i="1">
-                                          <a:effectLst>
-                                            <a:outerShdw blurRad="38100" dist="38100" dir="2700000" algn="tl">
-                                              <a:srgbClr val="000000">
-                                                <a:alpha val="43137"/>
-                                              </a:srgbClr>
-                                            </a:outerShdw>
-                                          </a:effectLst>
-                                          <a:latin typeface="Cambria Math" panose="02040503050406030204" pitchFamily="18" charset="0"/>
-                                        </a:rPr>
-                                      </m:ctrlPr>
-                                    </m:dPr>
-                                    <m:e>
-                                      <m:r>
-                                        <a:rPr lang="pt-BR" i="1">
-                                          <a:effectLst>
-                                            <a:outerShdw blurRad="38100" dist="38100" dir="2700000" algn="tl">
-                                              <a:srgbClr val="000000">
-                                                <a:alpha val="43137"/>
-                                              </a:srgbClr>
-                                            </a:outerShdw>
-                                          </a:effectLst>
-                                          <a:latin typeface="Cambria Math" panose="02040503050406030204" pitchFamily="18" charset="0"/>
-                                        </a:rPr>
-                                        <m:t>𝑎𝑖</m:t>
-                                      </m:r>
-                                      <m:r>
-                                        <a:rPr lang="pt-BR" i="0">
-                                          <a:effectLst>
-                                            <a:outerShdw blurRad="38100" dist="38100" dir="2700000" algn="tl">
-                                              <a:srgbClr val="000000">
-                                                <a:alpha val="43137"/>
-                                              </a:srgbClr>
-                                            </a:outerShdw>
-                                          </a:effectLst>
-                                          <a:latin typeface="Cambria Math" panose="02040503050406030204" pitchFamily="18" charset="0"/>
-                                        </a:rPr>
-                                        <m:t>−</m:t>
-                                      </m:r>
-                                      <m:r>
-                                        <a:rPr lang="pt-BR" i="1">
-                                          <a:effectLst>
-                                            <a:outerShdw blurRad="38100" dist="38100" dir="2700000" algn="tl">
-                                              <a:srgbClr val="000000">
-                                                <a:alpha val="43137"/>
-                                              </a:srgbClr>
-                                            </a:outerShdw>
-                                          </a:effectLst>
-                                          <a:latin typeface="Cambria Math" panose="02040503050406030204" pitchFamily="18" charset="0"/>
-                                        </a:rPr>
-                                        <m:t>𝑏𝑖</m:t>
-                                      </m:r>
-                                      <m:r>
-                                        <a:rPr lang="pt-BR" i="0">
-                                          <a:effectLst>
-                                            <a:outerShdw blurRad="38100" dist="38100" dir="2700000" algn="tl">
-                                              <a:srgbClr val="000000">
-                                                <a:alpha val="43137"/>
-                                              </a:srgbClr>
-                                            </a:outerShdw>
-                                          </a:effectLst>
-                                          <a:latin typeface="Cambria Math" panose="02040503050406030204" pitchFamily="18" charset="0"/>
-                                        </a:rPr>
-                                        <m:t>)²</m:t>
-                                      </m:r>
-                                    </m:e>
-                                  </m:d>
-                                </m:e>
-                              </m:nary>
-                            </m:e>
-                          </m:rad>
-                        </m:den>
-                      </m:f>
-                    </m:oMath>
-                  </m:oMathPara>
-                </a14:m>
-                <a:endParaRPr lang="pt-BR" dirty="0">
-                  <a:effectLst>
-                    <a:outerShdw blurRad="38100" dist="38100" dir="2700000" algn="tl">
-                      <a:srgbClr val="000000">
-                        <a:alpha val="43137"/>
-                      </a:srgbClr>
-                    </a:outerShdw>
-                  </a:effectLst>
-                </a:endParaRPr>
-              </a:p>
-            </p:txBody>
-          </p:sp>
-        </mc:Choice>
-        <mc:Fallback xmlns="">
-          <p:sp>
-            <p:nvSpPr>
-              <p:cNvPr id="8" name="Retângulo 7"/>
-              <p:cNvSpPr>
-                <a:spLocks noRot="1" noChangeAspect="1" noMove="1" noResize="1" noEditPoints="1" noAdjustHandles="1" noChangeArrowheads="1" noChangeShapeType="1" noTextEdit="1"/>
-              </p:cNvSpPr>
-              <p:nvPr/>
-            </p:nvSpPr>
-            <p:spPr>
-              <a:xfrm>
-                <a:off x="7554097" y="3453225"/>
-                <a:ext cx="4278146" cy="957313"/>
-              </a:xfrm>
-              <a:prstGeom prst="rect">
-                <a:avLst/>
-              </a:prstGeom>
-              <a:blipFill rotWithShape="0">
-                <a:blip r:embed="rId4"/>
-                <a:stretch>
-                  <a:fillRect b="-1266"/>
-                </a:stretch>
-              </a:blipFill>
-            </p:spPr>
-            <p:txBody>
-              <a:bodyPr/>
-              <a:lstStyle/>
-              <a:p>
-                <a:r>
-                  <a:rPr lang="pt-BR">
-                    <a:noFill/>
-                  </a:rPr>
-                  <a:t> </a:t>
-                </a:r>
-              </a:p>
-            </p:txBody>
-          </p:sp>
-        </mc:Fallback>
-      </mc:AlternateContent>
-      <p:cxnSp>
-        <p:nvCxnSpPr>
-          <p:cNvPr id="9" name="Conector reto 8"/>
-          <p:cNvCxnSpPr/>
-          <p:nvPr/>
-        </p:nvCxnSpPr>
+      <p:sp>
+        <p:nvSpPr>
+          <p:cNvPr id="3" name="Espaço Reservado para Conteúdo 2"/>
+          <p:cNvSpPr>
+            <a:spLocks noGrp="1"/>
+          </p:cNvSpPr>
+          <p:nvPr>
+            <p:ph idx="1"/>
+          </p:nvPr>
+        </p:nvSpPr>
         <p:spPr>
           <a:xfrm>
-            <a:off x="7628238" y="2207740"/>
-            <a:ext cx="1" cy="2274501"/>
+            <a:off x="838200" y="1774108"/>
+            <a:ext cx="10515600" cy="4175377"/>
           </a:xfrm>
-          <a:prstGeom prst="line">
-            <a:avLst/>
-          </a:prstGeom>
-          <a:effectLst>
-            <a:outerShdw blurRad="50800" dist="38100" dir="2700000" algn="tl" rotWithShape="0">
-              <a:prstClr val="black">
-                <a:alpha val="40000"/>
-              </a:prstClr>
-            </a:outerShdw>
-          </a:effectLst>
         </p:spPr>
-        <p:style>
-          <a:lnRef idx="1">
-            <a:schemeClr val="dk1"/>
-          </a:lnRef>
-          <a:fillRef idx="0">
-            <a:schemeClr val="dk1"/>
-          </a:fillRef>
-          <a:effectRef idx="0">
-            <a:schemeClr val="dk1"/>
-          </a:effectRef>
-          <a:fontRef idx="minor">
-            <a:schemeClr val="tx1"/>
-          </a:fontRef>
-        </p:style>
-      </p:cxnSp>
+        <p:txBody>
+          <a:bodyPr>
+            <a:normAutofit/>
+          </a:bodyPr>
+          <a:lstStyle/>
+          <a:p>
+            <a:r>
+              <a:rPr lang="pt-BR" sz="3600" dirty="0" smtClean="0">
+                <a:effectLst>
+                  <a:outerShdw blurRad="38100" dist="38100" dir="2700000" algn="tl">
+                    <a:srgbClr val="000000">
+                      <a:alpha val="43137"/>
+                    </a:srgbClr>
+                  </a:outerShdw>
+                </a:effectLst>
+                <a:cs typeface="Times New Roman" panose="02020603050405020304" pitchFamily="18" charset="0"/>
+              </a:rPr>
+              <a:t>Critério de desempate</a:t>
+            </a:r>
+            <a:endParaRPr lang="pt-BR" sz="3600" dirty="0">
+              <a:effectLst>
+                <a:outerShdw blurRad="38100" dist="38100" dir="2700000" algn="tl">
+                  <a:srgbClr val="000000">
+                    <a:alpha val="43137"/>
+                  </a:srgbClr>
+                </a:outerShdw>
+              </a:effectLst>
+              <a:cs typeface="Times New Roman" panose="02020603050405020304" pitchFamily="18" charset="0"/>
+            </a:endParaRPr>
+          </a:p>
+          <a:p>
+            <a:pPr lvl="1"/>
+            <a:r>
+              <a:rPr lang="pt-BR" sz="3200" dirty="0" smtClean="0">
+                <a:cs typeface="Times New Roman" panose="02020603050405020304" pitchFamily="18" charset="0"/>
+              </a:rPr>
+              <a:t>O </a:t>
+            </a:r>
+            <a:r>
+              <a:rPr lang="pt-BR" sz="3200" dirty="0" err="1" smtClean="0">
+                <a:cs typeface="Times New Roman" panose="02020603050405020304" pitchFamily="18" charset="0"/>
+              </a:rPr>
+              <a:t>dataset</a:t>
+            </a:r>
+            <a:r>
+              <a:rPr lang="pt-BR" sz="3200" dirty="0" smtClean="0">
+                <a:cs typeface="Times New Roman" panose="02020603050405020304" pitchFamily="18" charset="0"/>
+              </a:rPr>
+              <a:t> possui uma “taxa de recomendação”</a:t>
+            </a:r>
+            <a:endParaRPr lang="pt-BR" sz="3200" dirty="0">
+              <a:cs typeface="Times New Roman" panose="02020603050405020304" pitchFamily="18" charset="0"/>
+            </a:endParaRPr>
+          </a:p>
+          <a:p>
+            <a:pPr lvl="2"/>
+            <a:endParaRPr lang="pt-BR" sz="3200" dirty="0" smtClean="0">
+              <a:effectLst>
+                <a:outerShdw blurRad="38100" dist="38100" dir="2700000" algn="tl">
+                  <a:srgbClr val="000000">
+                    <a:alpha val="43137"/>
+                  </a:srgbClr>
+                </a:outerShdw>
+              </a:effectLst>
+              <a:cs typeface="Times New Roman" panose="02020603050405020304" pitchFamily="18" charset="0"/>
+            </a:endParaRPr>
+          </a:p>
+        </p:txBody>
+      </p:sp>
       <p:pic>
         <p:nvPicPr>
-          <p:cNvPr id="10" name="Picture 24" descr="50 blessings"/>
+          <p:cNvPr id="4" name="Picture 2" descr="C:\Users\thiago\Desktop\Estudo BCC\introdução à Ciência da computação\Trabalho ICC\UFRPE Imagem.jpg"/>
           <p:cNvPicPr>
             <a:picLocks noChangeAspect="1" noChangeArrowheads="1"/>
           </p:cNvPicPr>
           <p:nvPr/>
         </p:nvPicPr>
         <p:blipFill>
-          <a:blip r:embed="rId5">
+          <a:blip r:embed="rId2" cstate="print"/>
+          <a:srcRect/>
+          <a:stretch>
+            <a:fillRect/>
+          </a:stretch>
+        </p:blipFill>
+        <p:spPr bwMode="auto">
+          <a:xfrm>
+            <a:off x="11148392" y="5606494"/>
+            <a:ext cx="1043608" cy="1251506"/>
+          </a:xfrm>
+          <a:prstGeom prst="rect">
+            <a:avLst/>
+          </a:prstGeom>
+          <a:noFill/>
+        </p:spPr>
+      </p:pic>
+      <p:pic>
+        <p:nvPicPr>
+          <p:cNvPr id="7" name="Picture 32" descr="Resultado de imagem para the witcher icon png"/>
+          <p:cNvPicPr>
+            <a:picLocks noChangeAspect="1" noChangeArrowheads="1"/>
+          </p:cNvPicPr>
+          <p:nvPr/>
+        </p:nvPicPr>
+        <p:blipFill>
+          <a:blip r:embed="rId3">
+            <a:extLst>
+              <a:ext uri="{28A0092B-C50C-407E-A947-70E740481C1C}">
+                <a14:useLocalDpi xmlns:a14="http://schemas.microsoft.com/office/drawing/2010/main" val="0"/>
+              </a:ext>
+            </a:extLst>
+          </a:blip>
+          <a:srcRect/>
+          <a:stretch>
+            <a:fillRect/>
+          </a:stretch>
+        </p:blipFill>
+        <p:spPr bwMode="auto">
+          <a:xfrm>
+            <a:off x="10122332" y="365125"/>
+            <a:ext cx="1231468" cy="1231468"/>
+          </a:xfrm>
+          <a:prstGeom prst="rect">
+            <a:avLst/>
+          </a:prstGeom>
+          <a:noFill/>
+          <a:extLst>
+            <a:ext uri="{909E8E84-426E-40DD-AFC4-6F175D3DCCD1}">
+              <a14:hiddenFill xmlns:a14="http://schemas.microsoft.com/office/drawing/2010/main">
+                <a:solidFill>
+                  <a:srgbClr val="FFFFFF"/>
+                </a:solidFill>
+              </a14:hiddenFill>
+            </a:ext>
+          </a:extLst>
+        </p:spPr>
+      </p:pic>
+    </p:spTree>
+    <p:extLst>
+      <p:ext uri="{BB962C8B-B14F-4D97-AF65-F5344CB8AC3E}">
+        <p14:creationId xmlns:p14="http://schemas.microsoft.com/office/powerpoint/2010/main" val="114530310"/>
+      </p:ext>
+    </p:extLst>
+  </p:cSld>
+  <p:clrMapOvr>
+    <a:masterClrMapping/>
+  </p:clrMapOvr>
+  <p:timing>
+    <p:tnLst>
+      <p:par>
+        <p:cTn id="1" dur="indefinite" restart="never" nodeType="tmRoot"/>
+      </p:par>
+    </p:tnLst>
+  </p:timing>
+</p:sld>
+</file>
+
+<file path=ppt/slides/slide8.xml><?xml version="1.0" encoding="utf-8"?>
+<p:sld xmlns:a="http://schemas.openxmlformats.org/drawingml/2006/main" xmlns:r="http://schemas.openxmlformats.org/officeDocument/2006/relationships" xmlns:p="http://schemas.openxmlformats.org/presentationml/2006/main">
+  <p:cSld>
+    <p:spTree>
+      <p:nvGrpSpPr>
+        <p:cNvPr id="1" name=""/>
+        <p:cNvGrpSpPr/>
+        <p:nvPr/>
+      </p:nvGrpSpPr>
+      <p:grpSpPr>
+        <a:xfrm>
+          <a:off x="0" y="0"/>
+          <a:ext cx="0" cy="0"/>
+          <a:chOff x="0" y="0"/>
+          <a:chExt cx="0" cy="0"/>
+        </a:xfrm>
+      </p:grpSpPr>
+      <p:sp>
+        <p:nvSpPr>
+          <p:cNvPr id="2" name="Título 1"/>
+          <p:cNvSpPr>
+            <a:spLocks noGrp="1"/>
+          </p:cNvSpPr>
+          <p:nvPr>
+            <p:ph type="title"/>
+          </p:nvPr>
+        </p:nvSpPr>
+        <p:spPr/>
+        <p:txBody>
+          <a:bodyPr>
+            <a:normAutofit/>
+          </a:bodyPr>
+          <a:lstStyle/>
+          <a:p>
+            <a:pPr algn="ctr"/>
+            <a:r>
+              <a:rPr lang="pt-BR" sz="5400" b="1" dirty="0" smtClean="0">
+                <a:effectLst>
+                  <a:outerShdw blurRad="38100" dist="38100" dir="2700000" algn="tl">
+                    <a:srgbClr val="000000">
+                      <a:alpha val="43137"/>
+                    </a:srgbClr>
+                  </a:outerShdw>
+                </a:effectLst>
+                <a:latin typeface="Times New Roman" panose="02020603050405020304" pitchFamily="18" charset="0"/>
+                <a:cs typeface="Times New Roman" panose="02020603050405020304" pitchFamily="18" charset="0"/>
+              </a:rPr>
+              <a:t>Algoritmo</a:t>
+            </a:r>
+            <a:endParaRPr lang="pt-BR" sz="5400" b="1" dirty="0">
+              <a:effectLst>
+                <a:outerShdw blurRad="38100" dist="38100" dir="2700000" algn="tl">
+                  <a:srgbClr val="000000">
+                    <a:alpha val="43137"/>
+                  </a:srgbClr>
+                </a:outerShdw>
+              </a:effectLst>
+              <a:latin typeface="Times New Roman" panose="02020603050405020304" pitchFamily="18" charset="0"/>
+              <a:cs typeface="Times New Roman" panose="02020603050405020304" pitchFamily="18" charset="0"/>
+            </a:endParaRPr>
+          </a:p>
+        </p:txBody>
+      </p:sp>
+      <p:sp>
+        <p:nvSpPr>
+          <p:cNvPr id="3" name="Espaço Reservado para Conteúdo 2"/>
+          <p:cNvSpPr>
+            <a:spLocks noGrp="1"/>
+          </p:cNvSpPr>
+          <p:nvPr>
+            <p:ph idx="1"/>
+          </p:nvPr>
+        </p:nvSpPr>
+        <p:spPr>
+          <a:xfrm>
+            <a:off x="838200" y="1774108"/>
+            <a:ext cx="10515600" cy="4175377"/>
+          </a:xfrm>
+        </p:spPr>
+        <p:txBody>
+          <a:bodyPr>
+            <a:normAutofit/>
+          </a:bodyPr>
+          <a:lstStyle/>
+          <a:p>
+            <a:r>
+              <a:rPr lang="pt-BR" sz="3600" dirty="0" smtClean="0">
+                <a:effectLst>
+                  <a:outerShdw blurRad="38100" dist="38100" dir="2700000" algn="tl">
+                    <a:srgbClr val="000000">
+                      <a:alpha val="43137"/>
+                    </a:srgbClr>
+                  </a:outerShdw>
+                </a:effectLst>
+                <a:latin typeface="Times New Roman" panose="02020603050405020304" pitchFamily="18" charset="0"/>
+                <a:cs typeface="Times New Roman" panose="02020603050405020304" pitchFamily="18" charset="0"/>
+              </a:rPr>
+              <a:t>KNN</a:t>
+            </a:r>
+            <a:endParaRPr lang="pt-BR" sz="3600" dirty="0">
+              <a:effectLst>
+                <a:outerShdw blurRad="38100" dist="38100" dir="2700000" algn="tl">
+                  <a:srgbClr val="000000">
+                    <a:alpha val="43137"/>
+                  </a:srgbClr>
+                </a:outerShdw>
+              </a:effectLst>
+              <a:latin typeface="Times New Roman" panose="02020603050405020304" pitchFamily="18" charset="0"/>
+              <a:cs typeface="Times New Roman" panose="02020603050405020304" pitchFamily="18" charset="0"/>
+            </a:endParaRPr>
+          </a:p>
+          <a:p>
+            <a:pPr lvl="1"/>
+            <a:r>
+              <a:rPr lang="pt-BR" sz="3200" dirty="0" smtClean="0">
+                <a:latin typeface="Times New Roman" panose="02020603050405020304" pitchFamily="18" charset="0"/>
+                <a:cs typeface="Times New Roman" panose="02020603050405020304" pitchFamily="18" charset="0"/>
+              </a:rPr>
+              <a:t>Determinar o rótulo de classificação baseado nas amostras vizinhas advindas de um conjunto de treinamento</a:t>
+            </a:r>
+            <a:endParaRPr lang="pt-BR" sz="3200" dirty="0">
+              <a:latin typeface="Times New Roman" panose="02020603050405020304" pitchFamily="18" charset="0"/>
+              <a:cs typeface="Times New Roman" panose="02020603050405020304" pitchFamily="18" charset="0"/>
+            </a:endParaRPr>
+          </a:p>
+          <a:p>
+            <a:pPr lvl="2"/>
+            <a:endParaRPr lang="pt-BR" sz="3200" dirty="0" smtClean="0">
+              <a:effectLst>
+                <a:outerShdw blurRad="38100" dist="38100" dir="2700000" algn="tl">
+                  <a:srgbClr val="000000">
+                    <a:alpha val="43137"/>
+                  </a:srgbClr>
+                </a:outerShdw>
+              </a:effectLst>
+              <a:latin typeface="Times New Roman" panose="02020603050405020304" pitchFamily="18" charset="0"/>
+              <a:cs typeface="Times New Roman" panose="02020603050405020304" pitchFamily="18" charset="0"/>
+            </a:endParaRPr>
+          </a:p>
+        </p:txBody>
+      </p:sp>
+      <p:pic>
+        <p:nvPicPr>
+          <p:cNvPr id="4" name="Picture 2" descr="C:\Users\thiago\Desktop\Estudo BCC\introdução à Ciência da computação\Trabalho ICC\UFRPE Imagem.jpg"/>
+          <p:cNvPicPr>
+            <a:picLocks noChangeAspect="1" noChangeArrowheads="1"/>
+          </p:cNvPicPr>
+          <p:nvPr/>
+        </p:nvPicPr>
+        <p:blipFill>
+          <a:blip r:embed="rId2" cstate="print"/>
+          <a:srcRect/>
+          <a:stretch>
+            <a:fillRect/>
+          </a:stretch>
+        </p:blipFill>
+        <p:spPr bwMode="auto">
+          <a:xfrm>
+            <a:off x="11148392" y="5606494"/>
+            <a:ext cx="1043608" cy="1251506"/>
+          </a:xfrm>
+          <a:prstGeom prst="rect">
+            <a:avLst/>
+          </a:prstGeom>
+          <a:noFill/>
+        </p:spPr>
+      </p:pic>
+      <p:pic>
+        <p:nvPicPr>
+          <p:cNvPr id="6" name="Picture 24" descr="50 blessings"/>
+          <p:cNvPicPr>
+            <a:picLocks noChangeAspect="1" noChangeArrowheads="1"/>
+          </p:cNvPicPr>
+          <p:nvPr/>
+        </p:nvPicPr>
+        <p:blipFill>
+          <a:blip r:embed="rId3">
             <a:extLst>
               <a:ext uri="{28A0092B-C50C-407E-A947-70E740481C1C}">
                 <a14:useLocalDpi xmlns:a14="http://schemas.microsoft.com/office/drawing/2010/main" val="0"/>
@@ -9111,7 +6867,7 @@
     </p:spTree>
     <p:extLst>
       <p:ext uri="{BB962C8B-B14F-4D97-AF65-F5344CB8AC3E}">
-        <p14:creationId xmlns:p14="http://schemas.microsoft.com/office/powerpoint/2010/main" val="1291987112"/>
+        <p14:creationId xmlns:p14="http://schemas.microsoft.com/office/powerpoint/2010/main" val="1959028695"/>
       </p:ext>
     </p:extLst>
   </p:cSld>
@@ -9128,7 +6884,7 @@
 </p:sld>
 </file>
 
-<file path=ppt/slides/slide7.xml><?xml version="1.0" encoding="utf-8"?>
+<file path=ppt/slides/slide9.xml><?xml version="1.0" encoding="utf-8"?>
 <p:sld xmlns:a="http://schemas.openxmlformats.org/drawingml/2006/main" xmlns:r="http://schemas.openxmlformats.org/officeDocument/2006/relationships" xmlns:p="http://schemas.openxmlformats.org/presentationml/2006/main">
   <p:cSld>
     <p:spTree>
@@ -9175,7 +6931,7 @@
                 <a:latin typeface="Times New Roman" panose="02020603050405020304" pitchFamily="18" charset="0"/>
                 <a:cs typeface="Times New Roman" panose="02020603050405020304" pitchFamily="18" charset="0"/>
               </a:rPr>
-              <a:t>Distancias</a:t>
+              <a:t>Distancia</a:t>
             </a:r>
             <a:endParaRPr lang="pt-BR" sz="5400" b="1" dirty="0">
               <a:effectLst>
@@ -9206,15 +6962,50 @@
           <a:bodyPr/>
           <a:lstStyle/>
           <a:p>
-            <a:endParaRPr lang="pt-BR" dirty="0"/>
-          </a:p>
-          <a:p>
+            <a:endParaRPr lang="pt-BR" dirty="0" smtClean="0"/>
+          </a:p>
+          <a:p>
+            <a:r>
+              <a:rPr lang="pt-BR" dirty="0" err="1" smtClean="0"/>
+              <a:t>Hamming</a:t>
+            </a:r>
             <a:r>
               <a:rPr lang="pt-BR" dirty="0" smtClean="0"/>
-              <a:t>Distancia Manhattan Ponderada</a:t>
-            </a:r>
-          </a:p>
-          <a:p>
+              <a:t> Para Atributos Categóricos</a:t>
+            </a:r>
+            <a:br>
+              <a:rPr lang="pt-BR" dirty="0" smtClean="0"/>
+            </a:br>
+            <a:r>
+              <a:rPr lang="pt-BR" dirty="0" smtClean="0"/>
+              <a:t/>
+            </a:r>
+            <a:br>
+              <a:rPr lang="pt-BR" dirty="0" smtClean="0"/>
+            </a:br>
+            <a:r>
+              <a:rPr lang="pt-BR" dirty="0" smtClean="0"/>
+              <a:t/>
+            </a:r>
+            <a:br>
+              <a:rPr lang="pt-BR" dirty="0" smtClean="0"/>
+            </a:br>
+            <a:r>
+              <a:rPr lang="pt-BR" dirty="0" smtClean="0"/>
+              <a:t/>
+            </a:r>
+            <a:br>
+              <a:rPr lang="pt-BR" dirty="0" smtClean="0"/>
+            </a:br>
+            <a:endParaRPr lang="pt-BR" dirty="0" smtClean="0"/>
+          </a:p>
+          <a:p>
+            <a:endParaRPr lang="pt-BR" dirty="0" smtClean="0"/>
+          </a:p>
+          <a:p>
+            <a:pPr marL="0" indent="0">
+              <a:buNone/>
+            </a:pPr>
             <a:endParaRPr lang="pt-BR" dirty="0"/>
           </a:p>
         </p:txBody>
@@ -9245,262 +7036,8 @@
           <a:noFill/>
         </p:spPr>
       </p:pic>
-      <p:pic>
-        <p:nvPicPr>
-          <p:cNvPr id="7" name="Picture 22" descr="File:Dishonored hand symbol vector by marekmaurizio-d5hss5w.png"/>
-          <p:cNvPicPr>
-            <a:picLocks noChangeAspect="1" noChangeArrowheads="1"/>
-          </p:cNvPicPr>
-          <p:nvPr/>
-        </p:nvPicPr>
-        <p:blipFill>
-          <a:blip r:embed="rId3" cstate="print">
-            <a:extLst>
-              <a:ext uri="{28A0092B-C50C-407E-A947-70E740481C1C}">
-                <a14:useLocalDpi xmlns:a14="http://schemas.microsoft.com/office/drawing/2010/main" val="0"/>
-              </a:ext>
-            </a:extLst>
-          </a:blip>
-          <a:srcRect/>
-          <a:stretch>
-            <a:fillRect/>
-          </a:stretch>
-        </p:blipFill>
-        <p:spPr bwMode="auto">
-          <a:xfrm>
-            <a:off x="10076888" y="500936"/>
-            <a:ext cx="1071504" cy="1053939"/>
-          </a:xfrm>
-          <a:prstGeom prst="rect">
-            <a:avLst/>
-          </a:prstGeom>
-          <a:noFill/>
-          <a:extLst>
-            <a:ext uri="{909E8E84-426E-40DD-AFC4-6F175D3DCCD1}">
-              <a14:hiddenFill xmlns:a14="http://schemas.microsoft.com/office/drawing/2010/main">
-                <a:solidFill>
-                  <a:srgbClr val="FFFFFF"/>
-                </a:solidFill>
-              </a14:hiddenFill>
-            </a:ext>
-          </a:extLst>
-        </p:spPr>
-      </p:pic>
-    </p:spTree>
-    <p:extLst>
-      <p:ext uri="{BB962C8B-B14F-4D97-AF65-F5344CB8AC3E}">
-        <p14:creationId xmlns:p14="http://schemas.microsoft.com/office/powerpoint/2010/main" val="150882329"/>
-      </p:ext>
-    </p:extLst>
-  </p:cSld>
-  <p:clrMapOvr>
-    <a:masterClrMapping/>
-  </p:clrMapOvr>
-  <p:timing>
-    <p:tnLst>
-      <p:par>
-        <p:cTn id="1" dur="indefinite" restart="never" nodeType="tmRoot"/>
-      </p:par>
-    </p:tnLst>
-  </p:timing>
-</p:sld>
-</file>
-
-<file path=ppt/slides/slide8.xml><?xml version="1.0" encoding="utf-8"?>
-<p:sld xmlns:a="http://schemas.openxmlformats.org/drawingml/2006/main" xmlns:r="http://schemas.openxmlformats.org/officeDocument/2006/relationships" xmlns:p="http://schemas.openxmlformats.org/presentationml/2006/main">
-  <p:cSld>
-    <p:spTree>
-      <p:nvGrpSpPr>
-        <p:cNvPr id="1" name=""/>
-        <p:cNvGrpSpPr/>
-        <p:nvPr/>
-      </p:nvGrpSpPr>
-      <p:grpSpPr>
-        <a:xfrm>
-          <a:off x="0" y="0"/>
-          <a:ext cx="0" cy="0"/>
-          <a:chOff x="0" y="0"/>
-          <a:chExt cx="0" cy="0"/>
-        </a:xfrm>
-      </p:grpSpPr>
-      <p:sp>
-        <p:nvSpPr>
-          <p:cNvPr id="2" name="Título 1"/>
-          <p:cNvSpPr>
-            <a:spLocks noGrp="1"/>
-          </p:cNvSpPr>
-          <p:nvPr>
-            <p:ph type="title"/>
-          </p:nvPr>
-        </p:nvSpPr>
-        <p:spPr/>
-        <p:txBody>
-          <a:bodyPr>
-            <a:normAutofit/>
-          </a:bodyPr>
-          <a:lstStyle/>
-          <a:p>
-            <a:pPr algn="ctr"/>
-            <a:r>
-              <a:rPr lang="pt-BR" sz="5400" b="1" dirty="0" smtClean="0">
-                <a:effectLst>
-                  <a:outerShdw blurRad="38100" dist="38100" dir="2700000" algn="tl">
-                    <a:srgbClr val="000000">
-                      <a:alpha val="43137"/>
-                    </a:srgbClr>
-                  </a:outerShdw>
-                </a:effectLst>
-                <a:latin typeface="Times New Roman" panose="02020603050405020304" pitchFamily="18" charset="0"/>
-                <a:cs typeface="Times New Roman" panose="02020603050405020304" pitchFamily="18" charset="0"/>
-              </a:rPr>
-              <a:t>Distancias</a:t>
-            </a:r>
-            <a:endParaRPr lang="pt-BR" sz="5400" b="1" dirty="0">
-              <a:effectLst>
-                <a:outerShdw blurRad="38100" dist="38100" dir="2700000" algn="tl">
-                  <a:srgbClr val="000000">
-                    <a:alpha val="43137"/>
-                  </a:srgbClr>
-                </a:outerShdw>
-              </a:effectLst>
-              <a:latin typeface="Times New Roman" panose="02020603050405020304" pitchFamily="18" charset="0"/>
-              <a:cs typeface="Times New Roman" panose="02020603050405020304" pitchFamily="18" charset="0"/>
-            </a:endParaRPr>
-          </a:p>
-        </p:txBody>
-      </p:sp>
-      <p:sp>
-        <p:nvSpPr>
-          <p:cNvPr id="3" name="Espaço Reservado para Conteúdo 2"/>
-          <p:cNvSpPr>
-            <a:spLocks noGrp="1"/>
-          </p:cNvSpPr>
-          <p:nvPr>
-            <p:ph idx="1"/>
-          </p:nvPr>
-        </p:nvSpPr>
-        <p:spPr/>
-        <p:txBody>
-          <a:bodyPr/>
-          <a:lstStyle/>
-          <a:p>
-            <a:endParaRPr lang="pt-BR" dirty="0" smtClean="0"/>
-          </a:p>
-          <a:p>
-            <a:r>
-              <a:rPr lang="pt-BR" dirty="0" err="1" smtClean="0"/>
-              <a:t>Hamming</a:t>
-            </a:r>
-            <a:r>
-              <a:rPr lang="pt-BR" dirty="0" smtClean="0"/>
-              <a:t> Para Atributos Categóricos</a:t>
-            </a:r>
-            <a:br>
-              <a:rPr lang="pt-BR" dirty="0" smtClean="0"/>
-            </a:br>
-            <a:r>
-              <a:rPr lang="pt-BR" dirty="0" smtClean="0"/>
-              <a:t/>
-            </a:r>
-            <a:br>
-              <a:rPr lang="pt-BR" dirty="0" smtClean="0"/>
-            </a:br>
-            <a:r>
-              <a:rPr lang="pt-BR" dirty="0" smtClean="0"/>
-              <a:t/>
-            </a:r>
-            <a:br>
-              <a:rPr lang="pt-BR" dirty="0" smtClean="0"/>
-            </a:br>
-            <a:r>
-              <a:rPr lang="pt-BR" dirty="0" smtClean="0"/>
-              <a:t/>
-            </a:r>
-            <a:br>
-              <a:rPr lang="pt-BR" dirty="0" smtClean="0"/>
-            </a:br>
-            <a:endParaRPr lang="pt-BR" dirty="0" smtClean="0"/>
-          </a:p>
-          <a:p>
-            <a:endParaRPr lang="pt-BR" dirty="0" smtClean="0"/>
-          </a:p>
-          <a:p>
-            <a:pPr marL="0" indent="0">
-              <a:buNone/>
-            </a:pPr>
-            <a:endParaRPr lang="pt-BR" dirty="0"/>
-          </a:p>
-        </p:txBody>
-      </p:sp>
-      <p:pic>
-        <p:nvPicPr>
-          <p:cNvPr id="4" name="Picture 2" descr="C:\Users\thiago\Desktop\Estudo BCC\introdução à Ciência da computação\Trabalho ICC\UFRPE Imagem.jpg"/>
-          <p:cNvPicPr>
-            <a:picLocks noChangeAspect="1" noChangeArrowheads="1"/>
-          </p:cNvPicPr>
-          <p:nvPr/>
-        </p:nvPicPr>
-        <p:blipFill>
-          <a:blip r:embed="rId2" cstate="print"/>
-          <a:srcRect/>
-          <a:stretch>
-            <a:fillRect/>
-          </a:stretch>
-        </p:blipFill>
-        <p:spPr bwMode="auto">
-          <a:xfrm>
-            <a:off x="11148392" y="5606494"/>
-            <a:ext cx="1043608" cy="1251506"/>
-          </a:xfrm>
-          <a:prstGeom prst="rect">
-            <a:avLst/>
-          </a:prstGeom>
-          <a:noFill/>
-        </p:spPr>
-      </p:pic>
-      <p:pic>
-        <p:nvPicPr>
-          <p:cNvPr id="9" name="Picture 10" descr="Batman Arkham City Logo Vector"/>
-          <p:cNvPicPr>
-            <a:picLocks noChangeAspect="1" noChangeArrowheads="1"/>
-          </p:cNvPicPr>
-          <p:nvPr/>
-        </p:nvPicPr>
-        <p:blipFill>
-          <a:blip r:embed="rId3">
-            <a:extLst>
-              <a:ext uri="{28A0092B-C50C-407E-A947-70E740481C1C}">
-                <a14:useLocalDpi xmlns:a14="http://schemas.microsoft.com/office/drawing/2010/main" val="0"/>
-              </a:ext>
-            </a:extLst>
-          </a:blip>
-          <a:srcRect/>
-          <a:stretch>
-            <a:fillRect/>
-          </a:stretch>
-        </p:blipFill>
-        <p:spPr bwMode="auto">
-          <a:xfrm>
-            <a:off x="9622955" y="365125"/>
-            <a:ext cx="1525437" cy="803397"/>
-          </a:xfrm>
-          <a:prstGeom prst="rect">
-            <a:avLst/>
-          </a:prstGeom>
-          <a:noFill/>
-          <a:extLst>
-            <a:ext uri="{909E8E84-426E-40DD-AFC4-6F175D3DCCD1}">
-              <a14:hiddenFill xmlns:a14="http://schemas.microsoft.com/office/drawing/2010/main">
-                <a:solidFill>
-                  <a:srgbClr val="FFFFFF"/>
-                </a:solidFill>
-              </a14:hiddenFill>
-            </a:ext>
-          </a:extLst>
-        </p:spPr>
-      </p:pic>
-      <mc:AlternateContent xmlns:mc="http://schemas.openxmlformats.org/markup-compatibility/2006">
-        <mc:Choice xmlns:a14="http://schemas.microsoft.com/office/drawing/2010/main" Requires="a14">
+      <mc:AlternateContent xmlns:mc="http://schemas.openxmlformats.org/markup-compatibility/2006" xmlns:a14="http://schemas.microsoft.com/office/drawing/2010/main">
+        <mc:Choice Requires="a14">
           <p:sp>
             <p:nvSpPr>
               <p:cNvPr id="10" name="CaixaDeTexto 9"/>
@@ -9523,6 +7060,7 @@
               </a:bodyPr>
               <a:lstStyle/>
               <a:p>
+                <a:pPr/>
                 <a14:m>
                   <m:oMathPara xmlns:m="http://schemas.openxmlformats.org/officeDocument/2006/math">
                     <m:oMathParaPr>
@@ -9817,7 +7355,7 @@
             </p:txBody>
           </p:sp>
         </mc:Choice>
-        <mc:Fallback>
+        <mc:Fallback xmlns="">
           <p:sp>
             <p:nvSpPr>
               <p:cNvPr id="10" name="CaixaDeTexto 9"/>
@@ -9856,8 +7394,8 @@
           </p:sp>
         </mc:Fallback>
       </mc:AlternateContent>
-      <mc:AlternateContent xmlns:mc="http://schemas.openxmlformats.org/markup-compatibility/2006">
-        <mc:Choice xmlns:a14="http://schemas.microsoft.com/office/drawing/2010/main" Requires="a14">
+      <mc:AlternateContent xmlns:mc="http://schemas.openxmlformats.org/markup-compatibility/2006" xmlns:a14="http://schemas.microsoft.com/office/drawing/2010/main">
+        <mc:Choice Requires="a14">
           <p:sp>
             <p:nvSpPr>
               <p:cNvPr id="11" name="CaixaDeTexto 10"/>
@@ -9880,6 +7418,7 @@
               </a:bodyPr>
               <a:lstStyle/>
               <a:p>
+                <a:pPr/>
                 <a14:m>
                   <m:oMathPara xmlns:m="http://schemas.openxmlformats.org/officeDocument/2006/math">
                     <m:oMathParaPr>
@@ -10247,7 +7786,7 @@
             </p:txBody>
           </p:sp>
         </mc:Choice>
-        <mc:Fallback>
+        <mc:Fallback xmlns="">
           <p:sp>
             <p:nvSpPr>
               <p:cNvPr id="11" name="CaixaDeTexto 10"/>
@@ -10286,144 +7825,16 @@
           </p:sp>
         </mc:Fallback>
       </mc:AlternateContent>
-    </p:spTree>
-    <p:extLst>
-      <p:ext uri="{BB962C8B-B14F-4D97-AF65-F5344CB8AC3E}">
-        <p14:creationId xmlns:p14="http://schemas.microsoft.com/office/powerpoint/2010/main" val="3199034417"/>
-      </p:ext>
-    </p:extLst>
-  </p:cSld>
-  <p:clrMapOvr>
-    <a:masterClrMapping/>
-  </p:clrMapOvr>
-  <p:timing>
-    <p:tnLst>
-      <p:par>
-        <p:cTn id="1" dur="indefinite" restart="never" nodeType="tmRoot"/>
-      </p:par>
-    </p:tnLst>
-  </p:timing>
-</p:sld>
-</file>
-
-<file path=ppt/slides/slide9.xml><?xml version="1.0" encoding="utf-8"?>
-<p:sld xmlns:a="http://schemas.openxmlformats.org/drawingml/2006/main" xmlns:r="http://schemas.openxmlformats.org/officeDocument/2006/relationships" xmlns:p="http://schemas.openxmlformats.org/presentationml/2006/main">
-  <p:cSld>
-    <p:spTree>
-      <p:nvGrpSpPr>
-        <p:cNvPr id="1" name=""/>
-        <p:cNvGrpSpPr/>
-        <p:nvPr/>
-      </p:nvGrpSpPr>
-      <p:grpSpPr>
-        <a:xfrm>
-          <a:off x="0" y="0"/>
-          <a:ext cx="0" cy="0"/>
-          <a:chOff x="0" y="0"/>
-          <a:chExt cx="0" cy="0"/>
-        </a:xfrm>
-      </p:grpSpPr>
-      <p:sp>
-        <p:nvSpPr>
-          <p:cNvPr id="2" name="Título 1"/>
-          <p:cNvSpPr>
-            <a:spLocks noGrp="1"/>
-          </p:cNvSpPr>
-          <p:nvPr>
-            <p:ph type="title"/>
-          </p:nvPr>
-        </p:nvSpPr>
-        <p:spPr/>
-        <p:txBody>
-          <a:bodyPr>
-            <a:normAutofit/>
-          </a:bodyPr>
-          <a:lstStyle/>
-          <a:p>
-            <a:pPr algn="ctr"/>
-            <a:r>
-              <a:rPr lang="pt-BR" sz="5400" b="1" dirty="0" err="1" smtClean="0">
-                <a:effectLst>
-                  <a:outerShdw blurRad="38100" dist="38100" dir="2700000" algn="tl">
-                    <a:srgbClr val="000000">
-                      <a:alpha val="43137"/>
-                    </a:srgbClr>
-                  </a:outerShdw>
-                </a:effectLst>
-                <a:latin typeface="Times New Roman" panose="02020603050405020304" pitchFamily="18" charset="0"/>
-                <a:cs typeface="Times New Roman" panose="02020603050405020304" pitchFamily="18" charset="0"/>
-              </a:rPr>
-              <a:t>Pseudo-Código</a:t>
-            </a:r>
-            <a:endParaRPr lang="pt-BR" sz="5400" b="1" dirty="0">
-              <a:effectLst>
-                <a:outerShdw blurRad="38100" dist="38100" dir="2700000" algn="tl">
-                  <a:srgbClr val="000000">
-                    <a:alpha val="43137"/>
-                  </a:srgbClr>
-                </a:outerShdw>
-              </a:effectLst>
-              <a:latin typeface="Times New Roman" panose="02020603050405020304" pitchFamily="18" charset="0"/>
-              <a:cs typeface="Times New Roman" panose="02020603050405020304" pitchFamily="18" charset="0"/>
-            </a:endParaRPr>
-          </a:p>
-        </p:txBody>
-      </p:sp>
       <p:pic>
         <p:nvPicPr>
-          <p:cNvPr id="4" name="Picture 2" descr="C:\Users\thiago\Desktop\Estudo BCC\introdução à Ciência da computação\Trabalho ICC\UFRPE Imagem.jpg"/>
+          <p:cNvPr id="8" name="Picture 22" descr="File:Dishonored hand symbol vector by marekmaurizio-d5hss5w.png"/>
           <p:cNvPicPr>
             <a:picLocks noChangeAspect="1" noChangeArrowheads="1"/>
           </p:cNvPicPr>
           <p:nvPr/>
         </p:nvPicPr>
         <p:blipFill>
-          <a:blip r:embed="rId2" cstate="print"/>
-          <a:srcRect/>
-          <a:stretch>
-            <a:fillRect/>
-          </a:stretch>
-        </p:blipFill>
-        <p:spPr bwMode="auto">
-          <a:xfrm>
-            <a:off x="11148392" y="5606494"/>
-            <a:ext cx="1043608" cy="1251506"/>
-          </a:xfrm>
-          <a:prstGeom prst="rect">
-            <a:avLst/>
-          </a:prstGeom>
-          <a:noFill/>
-        </p:spPr>
-      </p:pic>
-      <p:sp>
-        <p:nvSpPr>
-          <p:cNvPr id="9" name="Espaço Reservado para Conteúdo 8"/>
-          <p:cNvSpPr>
-            <a:spLocks noGrp="1"/>
-          </p:cNvSpPr>
-          <p:nvPr>
-            <p:ph idx="1"/>
-          </p:nvPr>
-        </p:nvSpPr>
-        <p:spPr/>
-        <p:txBody>
-          <a:bodyPr/>
-          <a:lstStyle/>
-          <a:p>
-            <a:endParaRPr lang="pt-BR" dirty="0"/>
-          </a:p>
-        </p:txBody>
-      </p:sp>
-      <p:pic>
-        <p:nvPicPr>
-          <p:cNvPr id="15" name="Picture 26" descr="Resultado de imagem para mortal kombat x icon png"/>
-          <p:cNvPicPr>
-            <a:picLocks noChangeAspect="1" noChangeArrowheads="1"/>
-          </p:cNvPicPr>
-          <p:nvPr/>
-        </p:nvPicPr>
-        <p:blipFill>
-          <a:blip r:embed="rId3" cstate="print">
+          <a:blip r:embed="rId6" cstate="print">
             <a:extLst>
               <a:ext uri="{28A0092B-C50C-407E-A947-70E740481C1C}">
                 <a14:useLocalDpi xmlns:a14="http://schemas.microsoft.com/office/drawing/2010/main" val="0"/>
@@ -10437,8 +7848,8 @@
         </p:blipFill>
         <p:spPr bwMode="auto">
           <a:xfrm>
-            <a:off x="10438522" y="365125"/>
-            <a:ext cx="915278" cy="937245"/>
+            <a:off x="10076888" y="500936"/>
+            <a:ext cx="1071504" cy="1053939"/>
           </a:xfrm>
           <a:prstGeom prst="rect">
             <a:avLst/>
@@ -10458,7 +7869,7 @@
     </p:spTree>
     <p:extLst>
       <p:ext uri="{BB962C8B-B14F-4D97-AF65-F5344CB8AC3E}">
-        <p14:creationId xmlns:p14="http://schemas.microsoft.com/office/powerpoint/2010/main" val="3607148027"/>
+        <p14:creationId xmlns:p14="http://schemas.microsoft.com/office/powerpoint/2010/main" val="3199034417"/>
       </p:ext>
     </p:extLst>
   </p:cSld>

--- a/IA_PROJETO/artefatos/Projeto Apresentação.pptx
+++ b/IA_PROJETO/artefatos/Projeto Apresentação.pptx
@@ -6,20 +6,19 @@
   </p:sldMasterIdLst>
   <p:sldIdLst>
     <p:sldId id="256" r:id="rId2"/>
-    <p:sldId id="257" r:id="rId3"/>
-    <p:sldId id="258" r:id="rId4"/>
-    <p:sldId id="259" r:id="rId5"/>
-    <p:sldId id="262" r:id="rId6"/>
-    <p:sldId id="268" r:id="rId7"/>
-    <p:sldId id="269" r:id="rId8"/>
-    <p:sldId id="270" r:id="rId9"/>
-    <p:sldId id="265" r:id="rId10"/>
-    <p:sldId id="267" r:id="rId11"/>
-    <p:sldId id="260" r:id="rId12"/>
-    <p:sldId id="271" r:id="rId13"/>
-    <p:sldId id="263" r:id="rId14"/>
-    <p:sldId id="272" r:id="rId15"/>
-    <p:sldId id="264" r:id="rId16"/>
+    <p:sldId id="258" r:id="rId3"/>
+    <p:sldId id="259" r:id="rId4"/>
+    <p:sldId id="262" r:id="rId5"/>
+    <p:sldId id="268" r:id="rId6"/>
+    <p:sldId id="269" r:id="rId7"/>
+    <p:sldId id="270" r:id="rId8"/>
+    <p:sldId id="265" r:id="rId9"/>
+    <p:sldId id="267" r:id="rId10"/>
+    <p:sldId id="260" r:id="rId11"/>
+    <p:sldId id="271" r:id="rId12"/>
+    <p:sldId id="263" r:id="rId13"/>
+    <p:sldId id="272" r:id="rId14"/>
+    <p:sldId id="264" r:id="rId15"/>
   </p:sldIdLst>
   <p:sldSz cx="12192000" cy="6858000"/>
   <p:notesSz cx="6858000" cy="9144000"/>
@@ -3154,646 +3153,6 @@
           <a:p>
             <a:pPr algn="ctr"/>
             <a:r>
-              <a:rPr lang="pt-BR" sz="5400" b="1" dirty="0" err="1" smtClean="0">
-                <a:effectLst>
-                  <a:outerShdw blurRad="38100" dist="38100" dir="2700000" algn="tl">
-                    <a:srgbClr val="000000">
-                      <a:alpha val="43137"/>
-                    </a:srgbClr>
-                  </a:outerShdw>
-                </a:effectLst>
-                <a:latin typeface="Times New Roman" panose="02020603050405020304" pitchFamily="18" charset="0"/>
-                <a:cs typeface="Times New Roman" panose="02020603050405020304" pitchFamily="18" charset="0"/>
-              </a:rPr>
-              <a:t>Pseudo-Código</a:t>
-            </a:r>
-            <a:endParaRPr lang="pt-BR" sz="5400" b="1" dirty="0">
-              <a:effectLst>
-                <a:outerShdw blurRad="38100" dist="38100" dir="2700000" algn="tl">
-                  <a:srgbClr val="000000">
-                    <a:alpha val="43137"/>
-                  </a:srgbClr>
-                </a:outerShdw>
-              </a:effectLst>
-              <a:latin typeface="Times New Roman" panose="02020603050405020304" pitchFamily="18" charset="0"/>
-              <a:cs typeface="Times New Roman" panose="02020603050405020304" pitchFamily="18" charset="0"/>
-            </a:endParaRPr>
-          </a:p>
-        </p:txBody>
-      </p:sp>
-      <p:pic>
-        <p:nvPicPr>
-          <p:cNvPr id="4" name="Picture 2" descr="C:\Users\thiago\Desktop\Estudo BCC\introdução à Ciência da computação\Trabalho ICC\UFRPE Imagem.jpg"/>
-          <p:cNvPicPr>
-            <a:picLocks noChangeAspect="1" noChangeArrowheads="1"/>
-          </p:cNvPicPr>
-          <p:nvPr/>
-        </p:nvPicPr>
-        <p:blipFill>
-          <a:blip r:embed="rId2" cstate="print"/>
-          <a:srcRect/>
-          <a:stretch>
-            <a:fillRect/>
-          </a:stretch>
-        </p:blipFill>
-        <p:spPr bwMode="auto">
-          <a:xfrm>
-            <a:off x="11148392" y="5606494"/>
-            <a:ext cx="1043608" cy="1251506"/>
-          </a:xfrm>
-          <a:prstGeom prst="rect">
-            <a:avLst/>
-          </a:prstGeom>
-          <a:noFill/>
-        </p:spPr>
-      </p:pic>
-      <p:pic>
-        <p:nvPicPr>
-          <p:cNvPr id="15" name="Picture 26" descr="Resultado de imagem para mortal kombat x icon png"/>
-          <p:cNvPicPr>
-            <a:picLocks noChangeAspect="1" noChangeArrowheads="1"/>
-          </p:cNvPicPr>
-          <p:nvPr/>
-        </p:nvPicPr>
-        <p:blipFill>
-          <a:blip r:embed="rId3" cstate="print">
-            <a:extLst>
-              <a:ext uri="{28A0092B-C50C-407E-A947-70E740481C1C}">
-                <a14:useLocalDpi xmlns:a14="http://schemas.microsoft.com/office/drawing/2010/main" val="0"/>
-              </a:ext>
-            </a:extLst>
-          </a:blip>
-          <a:srcRect/>
-          <a:stretch>
-            <a:fillRect/>
-          </a:stretch>
-        </p:blipFill>
-        <p:spPr bwMode="auto">
-          <a:xfrm>
-            <a:off x="10438522" y="365125"/>
-            <a:ext cx="915278" cy="937245"/>
-          </a:xfrm>
-          <a:prstGeom prst="rect">
-            <a:avLst/>
-          </a:prstGeom>
-          <a:noFill/>
-          <a:extLst>
-            <a:ext uri="{909E8E84-426E-40DD-AFC4-6F175D3DCCD1}">
-              <a14:hiddenFill xmlns:a14="http://schemas.microsoft.com/office/drawing/2010/main">
-                <a:solidFill>
-                  <a:srgbClr val="FFFFFF"/>
-                </a:solidFill>
-              </a14:hiddenFill>
-            </a:ext>
-          </a:extLst>
-        </p:spPr>
-      </p:pic>
-      <p:sp>
-        <p:nvSpPr>
-          <p:cNvPr id="6" name="Caixa de Texto 2"/>
-          <p:cNvSpPr txBox="1">
-            <a:spLocks noGrp="1" noChangeArrowheads="1"/>
-          </p:cNvSpPr>
-          <p:nvPr>
-            <p:ph idx="1"/>
-          </p:nvPr>
-        </p:nvSpPr>
-        <p:spPr bwMode="auto">
-          <a:xfrm>
-            <a:off x="838200" y="1825625"/>
-            <a:ext cx="10515600" cy="4016484"/>
-          </a:xfrm>
-          <a:prstGeom prst="rect">
-            <a:avLst/>
-          </a:prstGeom>
-          <a:solidFill>
-            <a:srgbClr val="FFFFFF"/>
-          </a:solidFill>
-          <a:ln w="9525">
-            <a:solidFill>
-              <a:srgbClr val="000000"/>
-            </a:solidFill>
-            <a:miter lim="800000"/>
-            <a:headEnd/>
-            <a:tailEnd/>
-          </a:ln>
-        </p:spPr>
-        <p:txBody>
-          <a:bodyPr rot="0" vert="horz" wrap="square" lIns="91440" tIns="45720" rIns="91440" bIns="45720" anchor="t" anchorCtr="0">
-            <a:spAutoFit/>
-          </a:bodyPr>
-          <a:lstStyle/>
-          <a:p>
-            <a:pPr marL="457200" indent="-228600" algn="just">
-              <a:spcBef>
-                <a:spcPts val="600"/>
-              </a:spcBef>
-              <a:spcAft>
-                <a:spcPts val="0"/>
-              </a:spcAft>
-              <a:buFont typeface="+mj-lt"/>
-              <a:buAutoNum type="arabicPeriod"/>
-              <a:tabLst>
-                <a:tab pos="457200" algn="l"/>
-              </a:tabLst>
-            </a:pPr>
-            <a:r>
-              <a:rPr lang="en-US" sz="2000" b="1" dirty="0" err="1">
-                <a:effectLst/>
-                <a:latin typeface="Times" panose="02020603050405020304" pitchFamily="18" charset="0"/>
-                <a:ea typeface="Times New Roman" panose="02020603050405020304" pitchFamily="18" charset="0"/>
-                <a:cs typeface="Times New Roman" panose="02020603050405020304" pitchFamily="18" charset="0"/>
-              </a:rPr>
-              <a:t>Inicialização</a:t>
-            </a:r>
-            <a:r>
-              <a:rPr lang="en-US" sz="2000" b="1" dirty="0">
-                <a:effectLst/>
-                <a:latin typeface="Times" panose="02020603050405020304" pitchFamily="18" charset="0"/>
-                <a:ea typeface="Times New Roman" panose="02020603050405020304" pitchFamily="18" charset="0"/>
-                <a:cs typeface="Times New Roman" panose="02020603050405020304" pitchFamily="18" charset="0"/>
-              </a:rPr>
-              <a:t>:</a:t>
-            </a:r>
-            <a:endParaRPr lang="pt-BR" sz="2000" dirty="0">
-              <a:effectLst/>
-              <a:latin typeface="Times" panose="02020603050405020304" pitchFamily="18" charset="0"/>
-              <a:ea typeface="Times New Roman" panose="02020603050405020304" pitchFamily="18" charset="0"/>
-              <a:cs typeface="Times New Roman" panose="02020603050405020304" pitchFamily="18" charset="0"/>
-            </a:endParaRPr>
-          </a:p>
-          <a:p>
-            <a:pPr marL="457200" indent="-228600" algn="just">
-              <a:spcAft>
-                <a:spcPts val="0"/>
-              </a:spcAft>
-              <a:buFont typeface="+mj-lt"/>
-              <a:buAutoNum type="arabicPeriod"/>
-              <a:tabLst>
-                <a:tab pos="457200" algn="l"/>
-              </a:tabLst>
-            </a:pPr>
-            <a:r>
-              <a:rPr lang="en-US" sz="2000" dirty="0">
-                <a:effectLst/>
-                <a:latin typeface="Times" panose="02020603050405020304" pitchFamily="18" charset="0"/>
-                <a:ea typeface="Times New Roman" panose="02020603050405020304" pitchFamily="18" charset="0"/>
-                <a:cs typeface="Times New Roman" panose="02020603050405020304" pitchFamily="18" charset="0"/>
-              </a:rPr>
-              <a:t>          </a:t>
-            </a:r>
-            <a:r>
-              <a:rPr lang="en-US" sz="2000" dirty="0" err="1">
-                <a:effectLst/>
-                <a:latin typeface="Times" panose="02020603050405020304" pitchFamily="18" charset="0"/>
-                <a:ea typeface="Times New Roman" panose="02020603050405020304" pitchFamily="18" charset="0"/>
-                <a:cs typeface="Times New Roman" panose="02020603050405020304" pitchFamily="18" charset="0"/>
-              </a:rPr>
-              <a:t>Recebe</a:t>
-            </a:r>
-            <a:r>
-              <a:rPr lang="en-US" sz="2000" dirty="0">
-                <a:effectLst/>
-                <a:latin typeface="Times" panose="02020603050405020304" pitchFamily="18" charset="0"/>
-                <a:ea typeface="Times New Roman" panose="02020603050405020304" pitchFamily="18" charset="0"/>
-                <a:cs typeface="Times New Roman" panose="02020603050405020304" pitchFamily="18" charset="0"/>
-              </a:rPr>
-              <a:t> o dataset;</a:t>
-            </a:r>
-            <a:endParaRPr lang="pt-BR" sz="2000" dirty="0">
-              <a:effectLst/>
-              <a:latin typeface="Times" panose="02020603050405020304" pitchFamily="18" charset="0"/>
-              <a:ea typeface="Times New Roman" panose="02020603050405020304" pitchFamily="18" charset="0"/>
-              <a:cs typeface="Times New Roman" panose="02020603050405020304" pitchFamily="18" charset="0"/>
-            </a:endParaRPr>
-          </a:p>
-          <a:p>
-            <a:pPr marL="457200" indent="-228600" algn="just">
-              <a:spcAft>
-                <a:spcPts val="0"/>
-              </a:spcAft>
-              <a:buFont typeface="+mj-lt"/>
-              <a:buAutoNum type="arabicPeriod"/>
-              <a:tabLst>
-                <a:tab pos="457200" algn="l"/>
-              </a:tabLst>
-            </a:pPr>
-            <a:r>
-              <a:rPr lang="en-US" sz="2000" dirty="0">
-                <a:effectLst/>
-                <a:latin typeface="Times" panose="02020603050405020304" pitchFamily="18" charset="0"/>
-                <a:ea typeface="Times New Roman" panose="02020603050405020304" pitchFamily="18" charset="0"/>
-                <a:cs typeface="Times New Roman" panose="02020603050405020304" pitchFamily="18" charset="0"/>
-              </a:rPr>
-              <a:t>          </a:t>
-            </a:r>
-            <a:r>
-              <a:rPr lang="en-US" sz="2000" dirty="0" err="1">
-                <a:effectLst/>
-                <a:latin typeface="Times" panose="02020603050405020304" pitchFamily="18" charset="0"/>
-                <a:ea typeface="Times New Roman" panose="02020603050405020304" pitchFamily="18" charset="0"/>
-                <a:cs typeface="Times New Roman" panose="02020603050405020304" pitchFamily="18" charset="0"/>
-              </a:rPr>
-              <a:t>Receba</a:t>
-            </a:r>
-            <a:r>
-              <a:rPr lang="en-US" sz="2000" dirty="0">
-                <a:effectLst/>
-                <a:latin typeface="Times" panose="02020603050405020304" pitchFamily="18" charset="0"/>
-                <a:ea typeface="Times New Roman" panose="02020603050405020304" pitchFamily="18" charset="0"/>
-                <a:cs typeface="Times New Roman" panose="02020603050405020304" pitchFamily="18" charset="0"/>
-              </a:rPr>
-              <a:t> </a:t>
-            </a:r>
-            <a:r>
-              <a:rPr lang="en-US" sz="2000" dirty="0" err="1">
-                <a:effectLst/>
-                <a:latin typeface="Times" panose="02020603050405020304" pitchFamily="18" charset="0"/>
-                <a:ea typeface="Times New Roman" panose="02020603050405020304" pitchFamily="18" charset="0"/>
-                <a:cs typeface="Times New Roman" panose="02020603050405020304" pitchFamily="18" charset="0"/>
-              </a:rPr>
-              <a:t>os</a:t>
-            </a:r>
-            <a:r>
-              <a:rPr lang="en-US" sz="2000" dirty="0">
-                <a:effectLst/>
-                <a:latin typeface="Times" panose="02020603050405020304" pitchFamily="18" charset="0"/>
-                <a:ea typeface="Times New Roman" panose="02020603050405020304" pitchFamily="18" charset="0"/>
-                <a:cs typeface="Times New Roman" panose="02020603050405020304" pitchFamily="18" charset="0"/>
-              </a:rPr>
-              <a:t> </a:t>
-            </a:r>
-            <a:r>
-              <a:rPr lang="en-US" sz="2000" dirty="0" err="1">
-                <a:effectLst/>
-                <a:latin typeface="Times" panose="02020603050405020304" pitchFamily="18" charset="0"/>
-                <a:ea typeface="Times New Roman" panose="02020603050405020304" pitchFamily="18" charset="0"/>
-                <a:cs typeface="Times New Roman" panose="02020603050405020304" pitchFamily="18" charset="0"/>
-              </a:rPr>
-              <a:t>jogos</a:t>
-            </a:r>
-            <a:r>
-              <a:rPr lang="en-US" sz="2000" dirty="0">
-                <a:effectLst/>
-                <a:latin typeface="Times" panose="02020603050405020304" pitchFamily="18" charset="0"/>
-                <a:ea typeface="Times New Roman" panose="02020603050405020304" pitchFamily="18" charset="0"/>
-                <a:cs typeface="Times New Roman" panose="02020603050405020304" pitchFamily="18" charset="0"/>
-              </a:rPr>
-              <a:t> do </a:t>
-            </a:r>
-            <a:r>
-              <a:rPr lang="en-US" sz="2000" dirty="0" err="1">
-                <a:effectLst/>
-                <a:latin typeface="Times" panose="02020603050405020304" pitchFamily="18" charset="0"/>
-                <a:ea typeface="Times New Roman" panose="02020603050405020304" pitchFamily="18" charset="0"/>
-                <a:cs typeface="Times New Roman" panose="02020603050405020304" pitchFamily="18" charset="0"/>
-              </a:rPr>
-              <a:t>usuário</a:t>
-            </a:r>
-            <a:endParaRPr lang="pt-BR" sz="2000" dirty="0">
-              <a:effectLst/>
-              <a:latin typeface="Times" panose="02020603050405020304" pitchFamily="18" charset="0"/>
-              <a:ea typeface="Times New Roman" panose="02020603050405020304" pitchFamily="18" charset="0"/>
-              <a:cs typeface="Times New Roman" panose="02020603050405020304" pitchFamily="18" charset="0"/>
-            </a:endParaRPr>
-          </a:p>
-          <a:p>
-            <a:pPr marL="457200" indent="-228600" algn="just">
-              <a:spcAft>
-                <a:spcPts val="0"/>
-              </a:spcAft>
-              <a:buFont typeface="+mj-lt"/>
-              <a:buAutoNum type="arabicPeriod"/>
-              <a:tabLst>
-                <a:tab pos="457200" algn="l"/>
-              </a:tabLst>
-            </a:pPr>
-            <a:r>
-              <a:rPr lang="pt-BR" sz="2000" b="1" dirty="0">
-                <a:effectLst/>
-                <a:latin typeface="Times" panose="02020603050405020304" pitchFamily="18" charset="0"/>
-                <a:ea typeface="Times New Roman" panose="02020603050405020304" pitchFamily="18" charset="0"/>
-                <a:cs typeface="Times" panose="02020603050405020304" pitchFamily="18" charset="0"/>
-              </a:rPr>
-              <a:t>para </a:t>
-            </a:r>
-            <a:r>
-              <a:rPr lang="pt-BR" sz="2000" dirty="0">
-                <a:effectLst/>
-                <a:latin typeface="Times" panose="02020603050405020304" pitchFamily="18" charset="0"/>
-                <a:ea typeface="Times New Roman" panose="02020603050405020304" pitchFamily="18" charset="0"/>
-                <a:cs typeface="Times" panose="02020603050405020304" pitchFamily="18" charset="0"/>
-              </a:rPr>
-              <a:t>cada novo jogo que o usuário inserir </a:t>
-            </a:r>
-            <a:r>
-              <a:rPr lang="pt-BR" sz="2000" b="1" dirty="0">
-                <a:effectLst/>
-                <a:latin typeface="Times" panose="02020603050405020304" pitchFamily="18" charset="0"/>
-                <a:ea typeface="Times New Roman" panose="02020603050405020304" pitchFamily="18" charset="0"/>
-                <a:cs typeface="Times" panose="02020603050405020304" pitchFamily="18" charset="0"/>
-              </a:rPr>
-              <a:t>faça</a:t>
-            </a:r>
-            <a:endParaRPr lang="pt-BR" sz="2000" dirty="0">
-              <a:effectLst/>
-              <a:latin typeface="Times" panose="02020603050405020304" pitchFamily="18" charset="0"/>
-              <a:ea typeface="Times New Roman" panose="02020603050405020304" pitchFamily="18" charset="0"/>
-              <a:cs typeface="Times New Roman" panose="02020603050405020304" pitchFamily="18" charset="0"/>
-            </a:endParaRPr>
-          </a:p>
-          <a:p>
-            <a:pPr marL="457200" indent="-228600" algn="just">
-              <a:spcAft>
-                <a:spcPts val="0"/>
-              </a:spcAft>
-              <a:buFont typeface="+mj-lt"/>
-              <a:buAutoNum type="arabicPeriod"/>
-              <a:tabLst>
-                <a:tab pos="457200" algn="l"/>
-              </a:tabLst>
-            </a:pPr>
-            <a:r>
-              <a:rPr lang="pt-BR" sz="2000" b="1" dirty="0">
-                <a:effectLst/>
-                <a:latin typeface="Times" panose="02020603050405020304" pitchFamily="18" charset="0"/>
-                <a:ea typeface="Times New Roman" panose="02020603050405020304" pitchFamily="18" charset="0"/>
-                <a:cs typeface="Times" panose="02020603050405020304" pitchFamily="18" charset="0"/>
-              </a:rPr>
-              <a:t>          </a:t>
-            </a:r>
-            <a:r>
-              <a:rPr lang="pt-BR" sz="2000" dirty="0">
-                <a:effectLst/>
-                <a:latin typeface="Times" panose="02020603050405020304" pitchFamily="18" charset="0"/>
-                <a:ea typeface="Times New Roman" panose="02020603050405020304" pitchFamily="18" charset="0"/>
-                <a:cs typeface="Times" panose="02020603050405020304" pitchFamily="18" charset="0"/>
-              </a:rPr>
-              <a:t>Calcula a distância da amostra do usuário para as amostras do </a:t>
-            </a:r>
-            <a:r>
-              <a:rPr lang="pt-BR" sz="2000" dirty="0" err="1">
-                <a:effectLst/>
-                <a:latin typeface="Times" panose="02020603050405020304" pitchFamily="18" charset="0"/>
-                <a:ea typeface="Times New Roman" panose="02020603050405020304" pitchFamily="18" charset="0"/>
-                <a:cs typeface="Times" panose="02020603050405020304" pitchFamily="18" charset="0"/>
-              </a:rPr>
-              <a:t>dataset</a:t>
-            </a:r>
-            <a:endParaRPr lang="pt-BR" sz="2000" dirty="0">
-              <a:effectLst/>
-              <a:latin typeface="Times" panose="02020603050405020304" pitchFamily="18" charset="0"/>
-              <a:ea typeface="Times New Roman" panose="02020603050405020304" pitchFamily="18" charset="0"/>
-              <a:cs typeface="Times New Roman" panose="02020603050405020304" pitchFamily="18" charset="0"/>
-            </a:endParaRPr>
-          </a:p>
-          <a:p>
-            <a:pPr marL="457200" indent="-228600" algn="just">
-              <a:spcAft>
-                <a:spcPts val="0"/>
-              </a:spcAft>
-              <a:buFont typeface="+mj-lt"/>
-              <a:buAutoNum type="arabicPeriod"/>
-              <a:tabLst>
-                <a:tab pos="457200" algn="l"/>
-              </a:tabLst>
-            </a:pPr>
-            <a:r>
-              <a:rPr lang="pt-BR" sz="2000" dirty="0">
-                <a:effectLst/>
-                <a:latin typeface="Times" panose="02020603050405020304" pitchFamily="18" charset="0"/>
-                <a:ea typeface="Times New Roman" panose="02020603050405020304" pitchFamily="18" charset="0"/>
-                <a:cs typeface="Times" panose="02020603050405020304" pitchFamily="18" charset="0"/>
-              </a:rPr>
-              <a:t>          Determinar os </a:t>
-            </a:r>
-            <a:r>
-              <a:rPr lang="pt-BR" sz="2000" b="1" dirty="0">
-                <a:effectLst/>
-                <a:latin typeface="Times" panose="02020603050405020304" pitchFamily="18" charset="0"/>
-                <a:ea typeface="Times New Roman" panose="02020603050405020304" pitchFamily="18" charset="0"/>
-                <a:cs typeface="Times" panose="02020603050405020304" pitchFamily="18" charset="0"/>
-              </a:rPr>
-              <a:t>K</a:t>
-            </a:r>
-            <a:r>
-              <a:rPr lang="pt-BR" sz="2000" dirty="0">
-                <a:effectLst/>
-                <a:latin typeface="Times" panose="02020603050405020304" pitchFamily="18" charset="0"/>
-                <a:ea typeface="Times New Roman" panose="02020603050405020304" pitchFamily="18" charset="0"/>
-                <a:cs typeface="Times" panose="02020603050405020304" pitchFamily="18" charset="0"/>
-              </a:rPr>
-              <a:t> mais próximos </a:t>
-            </a:r>
-            <a:endParaRPr lang="pt-BR" sz="2000" dirty="0">
-              <a:effectLst/>
-              <a:latin typeface="Times" panose="02020603050405020304" pitchFamily="18" charset="0"/>
-              <a:ea typeface="Times New Roman" panose="02020603050405020304" pitchFamily="18" charset="0"/>
-              <a:cs typeface="Times New Roman" panose="02020603050405020304" pitchFamily="18" charset="0"/>
-            </a:endParaRPr>
-          </a:p>
-          <a:p>
-            <a:pPr marL="457200" indent="-228600" algn="just">
-              <a:spcAft>
-                <a:spcPts val="0"/>
-              </a:spcAft>
-              <a:buFont typeface="+mj-lt"/>
-              <a:buAutoNum type="arabicPeriod"/>
-              <a:tabLst>
-                <a:tab pos="457200" algn="l"/>
-              </a:tabLst>
-            </a:pPr>
-            <a:r>
-              <a:rPr lang="pt-BR" sz="2000" dirty="0">
-                <a:effectLst/>
-                <a:latin typeface="Times" panose="02020603050405020304" pitchFamily="18" charset="0"/>
-                <a:ea typeface="Times New Roman" panose="02020603050405020304" pitchFamily="18" charset="0"/>
-                <a:cs typeface="Times" panose="02020603050405020304" pitchFamily="18" charset="0"/>
-              </a:rPr>
-              <a:t>          O rótulo com maior similaridade e tiver maior índice de recomendação</a:t>
-            </a:r>
-            <a:endParaRPr lang="pt-BR" sz="2000" dirty="0">
-              <a:effectLst/>
-              <a:latin typeface="Times" panose="02020603050405020304" pitchFamily="18" charset="0"/>
-              <a:ea typeface="Times New Roman" panose="02020603050405020304" pitchFamily="18" charset="0"/>
-              <a:cs typeface="Times New Roman" panose="02020603050405020304" pitchFamily="18" charset="0"/>
-            </a:endParaRPr>
-          </a:p>
-          <a:p>
-            <a:pPr marL="457200" indent="-228600" algn="just">
-              <a:spcAft>
-                <a:spcPts val="0"/>
-              </a:spcAft>
-              <a:buFont typeface="+mj-lt"/>
-              <a:buAutoNum type="arabicPeriod"/>
-              <a:tabLst>
-                <a:tab pos="457200" algn="l"/>
-              </a:tabLst>
-            </a:pPr>
-            <a:r>
-              <a:rPr lang="pt-BR" sz="2000" b="1" dirty="0">
-                <a:effectLst/>
-                <a:latin typeface="Times" panose="02020603050405020304" pitchFamily="18" charset="0"/>
-                <a:ea typeface="Times New Roman" panose="02020603050405020304" pitchFamily="18" charset="0"/>
-                <a:cs typeface="Times New Roman" panose="02020603050405020304" pitchFamily="18" charset="0"/>
-              </a:rPr>
-              <a:t>          </a:t>
-            </a:r>
-            <a:r>
-              <a:rPr lang="pt-BR" sz="2000" dirty="0">
-                <a:effectLst/>
-                <a:latin typeface="Times" panose="02020603050405020304" pitchFamily="18" charset="0"/>
-                <a:ea typeface="Times New Roman" panose="02020603050405020304" pitchFamily="18" charset="0"/>
-                <a:cs typeface="Times" panose="02020603050405020304" pitchFamily="18" charset="0"/>
-              </a:rPr>
-              <a:t>no conjunto dos </a:t>
-            </a:r>
-            <a:r>
-              <a:rPr lang="pt-BR" sz="2000" b="1" dirty="0">
-                <a:effectLst/>
-                <a:latin typeface="Times" panose="02020603050405020304" pitchFamily="18" charset="0"/>
-                <a:ea typeface="Times New Roman" panose="02020603050405020304" pitchFamily="18" charset="0"/>
-                <a:cs typeface="Times" panose="02020603050405020304" pitchFamily="18" charset="0"/>
-              </a:rPr>
-              <a:t>K </a:t>
-            </a:r>
-            <a:r>
-              <a:rPr lang="pt-BR" sz="2000" dirty="0">
-                <a:effectLst/>
-                <a:latin typeface="Times" panose="02020603050405020304" pitchFamily="18" charset="0"/>
-                <a:ea typeface="Times New Roman" panose="02020603050405020304" pitchFamily="18" charset="0"/>
-                <a:cs typeface="Times" panose="02020603050405020304" pitchFamily="18" charset="0"/>
-              </a:rPr>
-              <a:t>vizinhos será o escolhido</a:t>
-            </a:r>
-            <a:endParaRPr lang="pt-BR" sz="2000" dirty="0">
-              <a:effectLst/>
-              <a:latin typeface="Times" panose="02020603050405020304" pitchFamily="18" charset="0"/>
-              <a:ea typeface="Times New Roman" panose="02020603050405020304" pitchFamily="18" charset="0"/>
-              <a:cs typeface="Times New Roman" panose="02020603050405020304" pitchFamily="18" charset="0"/>
-            </a:endParaRPr>
-          </a:p>
-          <a:p>
-            <a:pPr marL="457200" indent="-228600" algn="just">
-              <a:spcAft>
-                <a:spcPts val="0"/>
-              </a:spcAft>
-              <a:buFont typeface="+mj-lt"/>
-              <a:buAutoNum type="arabicPeriod"/>
-              <a:tabLst>
-                <a:tab pos="457200" algn="l"/>
-              </a:tabLst>
-            </a:pPr>
-            <a:r>
-              <a:rPr lang="pt-BR" sz="2000" b="1" dirty="0">
-                <a:effectLst/>
-                <a:latin typeface="Times" panose="02020603050405020304" pitchFamily="18" charset="0"/>
-                <a:ea typeface="Times New Roman" panose="02020603050405020304" pitchFamily="18" charset="0"/>
-                <a:cs typeface="Times" panose="02020603050405020304" pitchFamily="18" charset="0"/>
-              </a:rPr>
-              <a:t>fim para</a:t>
-            </a:r>
-            <a:endParaRPr lang="pt-BR" sz="2000" dirty="0">
-              <a:effectLst/>
-              <a:latin typeface="Times" panose="02020603050405020304" pitchFamily="18" charset="0"/>
-              <a:ea typeface="Times New Roman" panose="02020603050405020304" pitchFamily="18" charset="0"/>
-              <a:cs typeface="Times New Roman" panose="02020603050405020304" pitchFamily="18" charset="0"/>
-            </a:endParaRPr>
-          </a:p>
-          <a:p>
-            <a:pPr marL="457200" indent="-228600" algn="just">
-              <a:spcAft>
-                <a:spcPts val="0"/>
-              </a:spcAft>
-              <a:buFont typeface="+mj-lt"/>
-              <a:buAutoNum type="arabicPeriod"/>
-              <a:tabLst>
-                <a:tab pos="457200" algn="l"/>
-              </a:tabLst>
-            </a:pPr>
-            <a:r>
-              <a:rPr lang="pt-BR" sz="2000" b="1" dirty="0">
-                <a:effectLst/>
-                <a:latin typeface="Times" panose="02020603050405020304" pitchFamily="18" charset="0"/>
-                <a:ea typeface="Times New Roman" panose="02020603050405020304" pitchFamily="18" charset="0"/>
-                <a:cs typeface="Times" panose="02020603050405020304" pitchFamily="18" charset="0"/>
-              </a:rPr>
-              <a:t>retornar: </a:t>
-            </a:r>
-            <a:r>
-              <a:rPr lang="pt-BR" sz="2000" dirty="0">
-                <a:effectLst/>
-                <a:latin typeface="Times" panose="02020603050405020304" pitchFamily="18" charset="0"/>
-                <a:ea typeface="Times New Roman" panose="02020603050405020304" pitchFamily="18" charset="0"/>
-                <a:cs typeface="Times" panose="02020603050405020304" pitchFamily="18" charset="0"/>
-              </a:rPr>
-              <a:t>jogo escolhido</a:t>
-            </a:r>
-            <a:endParaRPr lang="pt-BR" sz="2000" dirty="0">
-              <a:effectLst/>
-              <a:latin typeface="Times" panose="02020603050405020304" pitchFamily="18" charset="0"/>
-              <a:ea typeface="Times New Roman" panose="02020603050405020304" pitchFamily="18" charset="0"/>
-              <a:cs typeface="Times New Roman" panose="02020603050405020304" pitchFamily="18" charset="0"/>
-            </a:endParaRPr>
-          </a:p>
-        </p:txBody>
-      </p:sp>
-    </p:spTree>
-    <p:extLst>
-      <p:ext uri="{BB962C8B-B14F-4D97-AF65-F5344CB8AC3E}">
-        <p14:creationId xmlns:p14="http://schemas.microsoft.com/office/powerpoint/2010/main" val="3607148027"/>
-      </p:ext>
-    </p:extLst>
-  </p:cSld>
-  <p:clrMapOvr>
-    <a:masterClrMapping/>
-  </p:clrMapOvr>
-  <p:timing>
-    <p:tnLst>
-      <p:par>
-        <p:cTn id="1" dur="indefinite" restart="never" nodeType="tmRoot"/>
-      </p:par>
-    </p:tnLst>
-  </p:timing>
-</p:sld>
-</file>
-
-<file path=ppt/slides/slide11.xml><?xml version="1.0" encoding="utf-8"?>
-<p:sld xmlns:a="http://schemas.openxmlformats.org/drawingml/2006/main" xmlns:r="http://schemas.openxmlformats.org/officeDocument/2006/relationships" xmlns:p="http://schemas.openxmlformats.org/presentationml/2006/main">
-  <p:cSld>
-    <p:spTree>
-      <p:nvGrpSpPr>
-        <p:cNvPr id="1" name=""/>
-        <p:cNvGrpSpPr/>
-        <p:nvPr/>
-      </p:nvGrpSpPr>
-      <p:grpSpPr>
-        <a:xfrm>
-          <a:off x="0" y="0"/>
-          <a:ext cx="0" cy="0"/>
-          <a:chOff x="0" y="0"/>
-          <a:chExt cx="0" cy="0"/>
-        </a:xfrm>
-      </p:grpSpPr>
-      <p:sp>
-        <p:nvSpPr>
-          <p:cNvPr id="2" name="Título 1"/>
-          <p:cNvSpPr>
-            <a:spLocks noGrp="1"/>
-          </p:cNvSpPr>
-          <p:nvPr>
-            <p:ph type="title"/>
-          </p:nvPr>
-        </p:nvSpPr>
-        <p:spPr/>
-        <p:txBody>
-          <a:bodyPr>
-            <a:normAutofit/>
-          </a:bodyPr>
-          <a:lstStyle/>
-          <a:p>
-            <a:pPr algn="ctr"/>
-            <a:r>
               <a:rPr lang="pt-BR" sz="5400" b="1" dirty="0" smtClean="0">
                 <a:effectLst>
                   <a:outerShdw blurRad="38100" dist="38100" dir="2700000" algn="tl">
@@ -3992,7 +3351,7 @@
 </p:sld>
 </file>
 
-<file path=ppt/slides/slide12.xml><?xml version="1.0" encoding="utf-8"?>
+<file path=ppt/slides/slide11.xml><?xml version="1.0" encoding="utf-8"?>
 <p:sld xmlns:a="http://schemas.openxmlformats.org/drawingml/2006/main" xmlns:r="http://schemas.openxmlformats.org/officeDocument/2006/relationships" xmlns:p="http://schemas.openxmlformats.org/presentationml/2006/main">
   <p:cSld>
     <p:spTree>
@@ -4144,7 +3503,7 @@
 </p:sld>
 </file>
 
-<file path=ppt/slides/slide13.xml><?xml version="1.0" encoding="utf-8"?>
+<file path=ppt/slides/slide12.xml><?xml version="1.0" encoding="utf-8"?>
 <p:sld xmlns:a="http://schemas.openxmlformats.org/drawingml/2006/main" xmlns:r="http://schemas.openxmlformats.org/officeDocument/2006/relationships" xmlns:p="http://schemas.openxmlformats.org/presentationml/2006/main">
   <p:cSld>
     <p:spTree>
@@ -4519,7 +3878,7 @@
 </p:sld>
 </file>
 
-<file path=ppt/slides/slide14.xml><?xml version="1.0" encoding="utf-8"?>
+<file path=ppt/slides/slide13.xml><?xml version="1.0" encoding="utf-8"?>
 <p:sld xmlns:a="http://schemas.openxmlformats.org/drawingml/2006/main" xmlns:r="http://schemas.openxmlformats.org/officeDocument/2006/relationships" xmlns:p="http://schemas.openxmlformats.org/presentationml/2006/main">
   <p:cSld>
     <p:spTree>
@@ -4724,7 +4083,7 @@
 </p:sld>
 </file>
 
-<file path=ppt/slides/slide15.xml><?xml version="1.0" encoding="utf-8"?>
+<file path=ppt/slides/slide14.xml><?xml version="1.0" encoding="utf-8"?>
 <p:sld xmlns:a="http://schemas.openxmlformats.org/drawingml/2006/main" xmlns:r="http://schemas.openxmlformats.org/officeDocument/2006/relationships" xmlns:p="http://schemas.openxmlformats.org/presentationml/2006/main">
   <p:cSld>
     <p:spTree>
@@ -4839,316 +4198,6 @@
 </file>
 
 <file path=ppt/slides/slide2.xml><?xml version="1.0" encoding="utf-8"?>
-<p:sld xmlns:a="http://schemas.openxmlformats.org/drawingml/2006/main" xmlns:r="http://schemas.openxmlformats.org/officeDocument/2006/relationships" xmlns:p="http://schemas.openxmlformats.org/presentationml/2006/main">
-  <p:cSld>
-    <p:spTree>
-      <p:nvGrpSpPr>
-        <p:cNvPr id="1" name=""/>
-        <p:cNvGrpSpPr/>
-        <p:nvPr/>
-      </p:nvGrpSpPr>
-      <p:grpSpPr>
-        <a:xfrm>
-          <a:off x="0" y="0"/>
-          <a:ext cx="0" cy="0"/>
-          <a:chOff x="0" y="0"/>
-          <a:chExt cx="0" cy="0"/>
-        </a:xfrm>
-      </p:grpSpPr>
-      <p:sp>
-        <p:nvSpPr>
-          <p:cNvPr id="2" name="Título 1"/>
-          <p:cNvSpPr>
-            <a:spLocks noGrp="1"/>
-          </p:cNvSpPr>
-          <p:nvPr>
-            <p:ph type="title"/>
-          </p:nvPr>
-        </p:nvSpPr>
-        <p:spPr/>
-        <p:txBody>
-          <a:bodyPr>
-            <a:normAutofit/>
-          </a:bodyPr>
-          <a:lstStyle/>
-          <a:p>
-            <a:pPr algn="ctr"/>
-            <a:r>
-              <a:rPr lang="pt-BR" sz="5400" b="1" dirty="0" smtClean="0">
-                <a:effectLst>
-                  <a:outerShdw blurRad="38100" dist="38100" dir="2700000" algn="tl">
-                    <a:srgbClr val="000000">
-                      <a:alpha val="43137"/>
-                    </a:srgbClr>
-                  </a:outerShdw>
-                </a:effectLst>
-                <a:latin typeface="Times New Roman" panose="02020603050405020304" pitchFamily="18" charset="0"/>
-                <a:cs typeface="Times New Roman" panose="02020603050405020304" pitchFamily="18" charset="0"/>
-              </a:rPr>
-              <a:t>Sumário</a:t>
-            </a:r>
-            <a:endParaRPr lang="pt-BR" sz="5400" b="1" dirty="0">
-              <a:effectLst>
-                <a:outerShdw blurRad="38100" dist="38100" dir="2700000" algn="tl">
-                  <a:srgbClr val="000000">
-                    <a:alpha val="43137"/>
-                  </a:srgbClr>
-                </a:outerShdw>
-              </a:effectLst>
-              <a:latin typeface="Times New Roman" panose="02020603050405020304" pitchFamily="18" charset="0"/>
-              <a:cs typeface="Times New Roman" panose="02020603050405020304" pitchFamily="18" charset="0"/>
-            </a:endParaRPr>
-          </a:p>
-        </p:txBody>
-      </p:sp>
-      <p:sp>
-        <p:nvSpPr>
-          <p:cNvPr id="3" name="Espaço Reservado para Conteúdo 2"/>
-          <p:cNvSpPr>
-            <a:spLocks noGrp="1"/>
-          </p:cNvSpPr>
-          <p:nvPr>
-            <p:ph idx="1"/>
-          </p:nvPr>
-        </p:nvSpPr>
-        <p:spPr>
-          <a:xfrm>
-            <a:off x="838200" y="1825625"/>
-            <a:ext cx="10515600" cy="3984625"/>
-          </a:xfrm>
-        </p:spPr>
-        <p:txBody>
-          <a:bodyPr>
-            <a:normAutofit/>
-          </a:bodyPr>
-          <a:lstStyle/>
-          <a:p>
-            <a:pPr marL="514350" indent="-514350">
-              <a:buFont typeface="+mj-lt"/>
-              <a:buAutoNum type="arabicPeriod"/>
-            </a:pPr>
-            <a:r>
-              <a:rPr lang="pt-BR" sz="3600" dirty="0" smtClean="0">
-                <a:effectLst>
-                  <a:outerShdw blurRad="38100" dist="38100" dir="2700000" algn="tl">
-                    <a:srgbClr val="000000">
-                      <a:alpha val="43137"/>
-                    </a:srgbClr>
-                  </a:outerShdw>
-                </a:effectLst>
-                <a:latin typeface="Times New Roman" panose="02020603050405020304" pitchFamily="18" charset="0"/>
-                <a:cs typeface="Times New Roman" panose="02020603050405020304" pitchFamily="18" charset="0"/>
-              </a:rPr>
-              <a:t>Introdução</a:t>
-            </a:r>
-          </a:p>
-          <a:p>
-            <a:pPr marL="514350" indent="-514350">
-              <a:buFont typeface="+mj-lt"/>
-              <a:buAutoNum type="arabicPeriod"/>
-            </a:pPr>
-            <a:r>
-              <a:rPr lang="pt-BR" sz="3600" dirty="0" smtClean="0">
-                <a:effectLst>
-                  <a:outerShdw blurRad="38100" dist="38100" dir="2700000" algn="tl">
-                    <a:srgbClr val="000000">
-                      <a:alpha val="43137"/>
-                    </a:srgbClr>
-                  </a:outerShdw>
-                </a:effectLst>
-                <a:latin typeface="Times New Roman" panose="02020603050405020304" pitchFamily="18" charset="0"/>
-                <a:cs typeface="Times New Roman" panose="02020603050405020304" pitchFamily="18" charset="0"/>
-              </a:rPr>
-              <a:t>Objetivos</a:t>
-            </a:r>
-          </a:p>
-          <a:p>
-            <a:pPr marL="514350" indent="-514350">
-              <a:buFont typeface="+mj-lt"/>
-              <a:buAutoNum type="arabicPeriod"/>
-            </a:pPr>
-            <a:r>
-              <a:rPr lang="pt-BR" sz="3600" dirty="0" smtClean="0">
-                <a:effectLst>
-                  <a:outerShdw blurRad="38100" dist="38100" dir="2700000" algn="tl">
-                    <a:srgbClr val="000000">
-                      <a:alpha val="43137"/>
-                    </a:srgbClr>
-                  </a:outerShdw>
-                </a:effectLst>
-                <a:latin typeface="Times New Roman" panose="02020603050405020304" pitchFamily="18" charset="0"/>
-                <a:cs typeface="Times New Roman" panose="02020603050405020304" pitchFamily="18" charset="0"/>
-              </a:rPr>
-              <a:t>Problema</a:t>
-            </a:r>
-          </a:p>
-          <a:p>
-            <a:pPr marL="514350" indent="-514350">
-              <a:buFont typeface="+mj-lt"/>
-              <a:buAutoNum type="arabicPeriod"/>
-            </a:pPr>
-            <a:r>
-              <a:rPr lang="pt-BR" sz="3600" dirty="0" smtClean="0">
-                <a:effectLst>
-                  <a:outerShdw blurRad="38100" dist="38100" dir="2700000" algn="tl">
-                    <a:srgbClr val="000000">
-                      <a:alpha val="43137"/>
-                    </a:srgbClr>
-                  </a:outerShdw>
-                </a:effectLst>
-                <a:latin typeface="Times New Roman" panose="02020603050405020304" pitchFamily="18" charset="0"/>
-                <a:cs typeface="Times New Roman" panose="02020603050405020304" pitchFamily="18" charset="0"/>
-              </a:rPr>
-              <a:t>Algoritmo KNN</a:t>
-            </a:r>
-          </a:p>
-          <a:p>
-            <a:pPr marL="514350" indent="-514350">
-              <a:buFont typeface="+mj-lt"/>
-              <a:buAutoNum type="arabicPeriod"/>
-            </a:pPr>
-            <a:r>
-              <a:rPr lang="pt-BR" sz="3600" dirty="0" smtClean="0">
-                <a:effectLst>
-                  <a:outerShdw blurRad="38100" dist="38100" dir="2700000" algn="tl">
-                    <a:srgbClr val="000000">
-                      <a:alpha val="43137"/>
-                    </a:srgbClr>
-                  </a:outerShdw>
-                </a:effectLst>
-                <a:latin typeface="Times New Roman" panose="02020603050405020304" pitchFamily="18" charset="0"/>
-                <a:cs typeface="Times New Roman" panose="02020603050405020304" pitchFamily="18" charset="0"/>
-              </a:rPr>
-              <a:t>Resultados</a:t>
-            </a:r>
-          </a:p>
-          <a:p>
-            <a:pPr marL="514350" indent="-514350">
-              <a:buFont typeface="+mj-lt"/>
-              <a:buAutoNum type="arabicPeriod"/>
-            </a:pPr>
-            <a:r>
-              <a:rPr lang="pt-BR" sz="3600" dirty="0" smtClean="0">
-                <a:effectLst>
-                  <a:outerShdw blurRad="38100" dist="38100" dir="2700000" algn="tl">
-                    <a:srgbClr val="000000">
-                      <a:alpha val="43137"/>
-                    </a:srgbClr>
-                  </a:outerShdw>
-                </a:effectLst>
-                <a:latin typeface="Times New Roman" panose="02020603050405020304" pitchFamily="18" charset="0"/>
-                <a:cs typeface="Times New Roman" panose="02020603050405020304" pitchFamily="18" charset="0"/>
-              </a:rPr>
-              <a:t>Conclusão</a:t>
-            </a:r>
-          </a:p>
-          <a:p>
-            <a:pPr marL="514350" indent="-514350">
-              <a:buFont typeface="+mj-lt"/>
-              <a:buAutoNum type="arabicPeriod"/>
-            </a:pPr>
-            <a:endParaRPr lang="pt-BR" sz="3600" dirty="0">
-              <a:effectLst>
-                <a:outerShdw blurRad="38100" dist="38100" dir="2700000" algn="tl">
-                  <a:srgbClr val="000000">
-                    <a:alpha val="43137"/>
-                  </a:srgbClr>
-                </a:outerShdw>
-              </a:effectLst>
-              <a:latin typeface="Times New Roman" panose="02020603050405020304" pitchFamily="18" charset="0"/>
-              <a:cs typeface="Times New Roman" panose="02020603050405020304" pitchFamily="18" charset="0"/>
-            </a:endParaRPr>
-          </a:p>
-        </p:txBody>
-      </p:sp>
-      <p:pic>
-        <p:nvPicPr>
-          <p:cNvPr id="4" name="Picture 2" descr="C:\Users\thiago\Desktop\Estudo BCC\introdução à Ciência da computação\Trabalho ICC\UFRPE Imagem.jpg"/>
-          <p:cNvPicPr>
-            <a:picLocks noChangeAspect="1" noChangeArrowheads="1"/>
-          </p:cNvPicPr>
-          <p:nvPr/>
-        </p:nvPicPr>
-        <p:blipFill>
-          <a:blip r:embed="rId2" cstate="print"/>
-          <a:srcRect/>
-          <a:stretch>
-            <a:fillRect/>
-          </a:stretch>
-        </p:blipFill>
-        <p:spPr bwMode="auto">
-          <a:xfrm>
-            <a:off x="11148392" y="5606494"/>
-            <a:ext cx="1043608" cy="1251506"/>
-          </a:xfrm>
-          <a:prstGeom prst="rect">
-            <a:avLst/>
-          </a:prstGeom>
-          <a:noFill/>
-        </p:spPr>
-      </p:pic>
-      <p:pic>
-        <p:nvPicPr>
-          <p:cNvPr id="5" name="Picture 18" descr="Borderlands Game Logo Vector"/>
-          <p:cNvPicPr>
-            <a:picLocks noChangeAspect="1" noChangeArrowheads="1"/>
-          </p:cNvPicPr>
-          <p:nvPr/>
-        </p:nvPicPr>
-        <p:blipFill>
-          <a:blip r:embed="rId3" cstate="print">
-            <a:extLst>
-              <a:ext uri="{28A0092B-C50C-407E-A947-70E740481C1C}">
-                <a14:useLocalDpi xmlns:a14="http://schemas.microsoft.com/office/drawing/2010/main" val="0"/>
-              </a:ext>
-            </a:extLst>
-          </a:blip>
-          <a:srcRect/>
-          <a:stretch>
-            <a:fillRect/>
-          </a:stretch>
-        </p:blipFill>
-        <p:spPr bwMode="auto">
-          <a:xfrm>
-            <a:off x="10342159" y="365125"/>
-            <a:ext cx="1011641" cy="1004896"/>
-          </a:xfrm>
-          <a:prstGeom prst="rect">
-            <a:avLst/>
-          </a:prstGeom>
-          <a:noFill/>
-          <a:extLst>
-            <a:ext uri="{909E8E84-426E-40DD-AFC4-6F175D3DCCD1}">
-              <a14:hiddenFill xmlns:a14="http://schemas.microsoft.com/office/drawing/2010/main">
-                <a:solidFill>
-                  <a:srgbClr val="FFFFFF"/>
-                </a:solidFill>
-              </a14:hiddenFill>
-            </a:ext>
-          </a:extLst>
-        </p:spPr>
-      </p:pic>
-    </p:spTree>
-    <p:extLst>
-      <p:ext uri="{BB962C8B-B14F-4D97-AF65-F5344CB8AC3E}">
-        <p14:creationId xmlns:p14="http://schemas.microsoft.com/office/powerpoint/2010/main" val="4220018310"/>
-      </p:ext>
-    </p:extLst>
-  </p:cSld>
-  <p:clrMapOvr>
-    <a:masterClrMapping/>
-  </p:clrMapOvr>
-  <p:timing>
-    <p:tnLst>
-      <p:par>
-        <p:cTn id="1" dur="indefinite" restart="never" nodeType="tmRoot"/>
-      </p:par>
-    </p:tnLst>
-  </p:timing>
-</p:sld>
-</file>
-
-<file path=ppt/slides/slide3.xml><?xml version="1.0" encoding="utf-8"?>
 <p:sld xmlns:a="http://schemas.openxmlformats.org/drawingml/2006/main" xmlns:r="http://schemas.openxmlformats.org/officeDocument/2006/relationships" xmlns:p="http://schemas.openxmlformats.org/presentationml/2006/main">
   <p:cSld>
     <p:spTree>
@@ -5536,7 +4585,7 @@
 </p:sld>
 </file>
 
-<file path=ppt/slides/slide4.xml><?xml version="1.0" encoding="utf-8"?>
+<file path=ppt/slides/slide3.xml><?xml version="1.0" encoding="utf-8"?>
 <p:sld xmlns:a="http://schemas.openxmlformats.org/drawingml/2006/main" xmlns:r="http://schemas.openxmlformats.org/officeDocument/2006/relationships" xmlns:p="http://schemas.openxmlformats.org/presentationml/2006/main">
   <p:cSld>
     <p:spTree>
@@ -5583,7 +4632,7 @@
                 <a:latin typeface="Times New Roman" panose="02020603050405020304" pitchFamily="18" charset="0"/>
                 <a:cs typeface="Times New Roman" panose="02020603050405020304" pitchFamily="18" charset="0"/>
               </a:rPr>
-              <a:t>Problema</a:t>
+              <a:t>Problemas</a:t>
             </a:r>
             <a:endParaRPr lang="pt-BR" sz="5400" b="1" dirty="0">
               <a:effectLst>
@@ -5835,7 +4884,7 @@
 </p:sld>
 </file>
 
-<file path=ppt/slides/slide5.xml><?xml version="1.0" encoding="utf-8"?>
+<file path=ppt/slides/slide4.xml><?xml version="1.0" encoding="utf-8"?>
 <p:sld xmlns:a="http://schemas.openxmlformats.org/drawingml/2006/main" xmlns:r="http://schemas.openxmlformats.org/officeDocument/2006/relationships" xmlns:p="http://schemas.openxmlformats.org/presentationml/2006/main">
   <p:cSld>
     <p:spTree>
@@ -5882,7 +4931,7 @@
                 <a:latin typeface="Times New Roman" panose="02020603050405020304" pitchFamily="18" charset="0"/>
                 <a:cs typeface="Times New Roman" panose="02020603050405020304" pitchFamily="18" charset="0"/>
               </a:rPr>
-              <a:t>Problema</a:t>
+              <a:t>Problemas</a:t>
             </a:r>
             <a:endParaRPr lang="pt-BR" sz="5400" b="1" dirty="0">
               <a:effectLst>
@@ -6105,7 +5154,7 @@
 </p:sld>
 </file>
 
-<file path=ppt/slides/slide6.xml><?xml version="1.0" encoding="utf-8"?>
+<file path=ppt/slides/slide5.xml><?xml version="1.0" encoding="utf-8"?>
 <p:sld xmlns:a="http://schemas.openxmlformats.org/drawingml/2006/main" xmlns:r="http://schemas.openxmlformats.org/officeDocument/2006/relationships" xmlns:p="http://schemas.openxmlformats.org/presentationml/2006/main">
   <p:cSld>
     <p:spTree>
@@ -6421,7 +5470,7 @@
 </p:sld>
 </file>
 
-<file path=ppt/slides/slide7.xml><?xml version="1.0" encoding="utf-8"?>
+<file path=ppt/slides/slide6.xml><?xml version="1.0" encoding="utf-8"?>
 <p:sld xmlns:a="http://schemas.openxmlformats.org/drawingml/2006/main" xmlns:r="http://schemas.openxmlformats.org/officeDocument/2006/relationships" xmlns:p="http://schemas.openxmlformats.org/presentationml/2006/main">
   <p:cSld>
     <p:spTree>
@@ -6656,7 +5705,7 @@
 </p:sld>
 </file>
 
-<file path=ppt/slides/slide8.xml><?xml version="1.0" encoding="utf-8"?>
+<file path=ppt/slides/slide7.xml><?xml version="1.0" encoding="utf-8"?>
 <p:sld xmlns:a="http://schemas.openxmlformats.org/drawingml/2006/main" xmlns:r="http://schemas.openxmlformats.org/officeDocument/2006/relationships" xmlns:p="http://schemas.openxmlformats.org/presentationml/2006/main">
   <p:cSld>
     <p:spTree>
@@ -6884,7 +5933,7 @@
 </p:sld>
 </file>
 
-<file path=ppt/slides/slide9.xml><?xml version="1.0" encoding="utf-8"?>
+<file path=ppt/slides/slide8.xml><?xml version="1.0" encoding="utf-8"?>
 <p:sld xmlns:a="http://schemas.openxmlformats.org/drawingml/2006/main" xmlns:r="http://schemas.openxmlformats.org/officeDocument/2006/relationships" xmlns:p="http://schemas.openxmlformats.org/presentationml/2006/main">
   <p:cSld>
     <p:spTree>
@@ -7886,6 +6935,646 @@
 </p:sld>
 </file>
 
+<file path=ppt/slides/slide9.xml><?xml version="1.0" encoding="utf-8"?>
+<p:sld xmlns:a="http://schemas.openxmlformats.org/drawingml/2006/main" xmlns:r="http://schemas.openxmlformats.org/officeDocument/2006/relationships" xmlns:p="http://schemas.openxmlformats.org/presentationml/2006/main">
+  <p:cSld>
+    <p:spTree>
+      <p:nvGrpSpPr>
+        <p:cNvPr id="1" name=""/>
+        <p:cNvGrpSpPr/>
+        <p:nvPr/>
+      </p:nvGrpSpPr>
+      <p:grpSpPr>
+        <a:xfrm>
+          <a:off x="0" y="0"/>
+          <a:ext cx="0" cy="0"/>
+          <a:chOff x="0" y="0"/>
+          <a:chExt cx="0" cy="0"/>
+        </a:xfrm>
+      </p:grpSpPr>
+      <p:sp>
+        <p:nvSpPr>
+          <p:cNvPr id="2" name="Título 1"/>
+          <p:cNvSpPr>
+            <a:spLocks noGrp="1"/>
+          </p:cNvSpPr>
+          <p:nvPr>
+            <p:ph type="title"/>
+          </p:nvPr>
+        </p:nvSpPr>
+        <p:spPr/>
+        <p:txBody>
+          <a:bodyPr>
+            <a:normAutofit/>
+          </a:bodyPr>
+          <a:lstStyle/>
+          <a:p>
+            <a:pPr algn="ctr"/>
+            <a:r>
+              <a:rPr lang="pt-BR" sz="5400" b="1" dirty="0" err="1" smtClean="0">
+                <a:effectLst>
+                  <a:outerShdw blurRad="38100" dist="38100" dir="2700000" algn="tl">
+                    <a:srgbClr val="000000">
+                      <a:alpha val="43137"/>
+                    </a:srgbClr>
+                  </a:outerShdw>
+                </a:effectLst>
+                <a:latin typeface="Times New Roman" panose="02020603050405020304" pitchFamily="18" charset="0"/>
+                <a:cs typeface="Times New Roman" panose="02020603050405020304" pitchFamily="18" charset="0"/>
+              </a:rPr>
+              <a:t>Pseudo-Código</a:t>
+            </a:r>
+            <a:endParaRPr lang="pt-BR" sz="5400" b="1" dirty="0">
+              <a:effectLst>
+                <a:outerShdw blurRad="38100" dist="38100" dir="2700000" algn="tl">
+                  <a:srgbClr val="000000">
+                    <a:alpha val="43137"/>
+                  </a:srgbClr>
+                </a:outerShdw>
+              </a:effectLst>
+              <a:latin typeface="Times New Roman" panose="02020603050405020304" pitchFamily="18" charset="0"/>
+              <a:cs typeface="Times New Roman" panose="02020603050405020304" pitchFamily="18" charset="0"/>
+            </a:endParaRPr>
+          </a:p>
+        </p:txBody>
+      </p:sp>
+      <p:pic>
+        <p:nvPicPr>
+          <p:cNvPr id="4" name="Picture 2" descr="C:\Users\thiago\Desktop\Estudo BCC\introdução à Ciência da computação\Trabalho ICC\UFRPE Imagem.jpg"/>
+          <p:cNvPicPr>
+            <a:picLocks noChangeAspect="1" noChangeArrowheads="1"/>
+          </p:cNvPicPr>
+          <p:nvPr/>
+        </p:nvPicPr>
+        <p:blipFill>
+          <a:blip r:embed="rId2" cstate="print"/>
+          <a:srcRect/>
+          <a:stretch>
+            <a:fillRect/>
+          </a:stretch>
+        </p:blipFill>
+        <p:spPr bwMode="auto">
+          <a:xfrm>
+            <a:off x="11148392" y="5606494"/>
+            <a:ext cx="1043608" cy="1251506"/>
+          </a:xfrm>
+          <a:prstGeom prst="rect">
+            <a:avLst/>
+          </a:prstGeom>
+          <a:noFill/>
+        </p:spPr>
+      </p:pic>
+      <p:pic>
+        <p:nvPicPr>
+          <p:cNvPr id="15" name="Picture 26" descr="Resultado de imagem para mortal kombat x icon png"/>
+          <p:cNvPicPr>
+            <a:picLocks noChangeAspect="1" noChangeArrowheads="1"/>
+          </p:cNvPicPr>
+          <p:nvPr/>
+        </p:nvPicPr>
+        <p:blipFill>
+          <a:blip r:embed="rId3" cstate="print">
+            <a:extLst>
+              <a:ext uri="{28A0092B-C50C-407E-A947-70E740481C1C}">
+                <a14:useLocalDpi xmlns:a14="http://schemas.microsoft.com/office/drawing/2010/main" val="0"/>
+              </a:ext>
+            </a:extLst>
+          </a:blip>
+          <a:srcRect/>
+          <a:stretch>
+            <a:fillRect/>
+          </a:stretch>
+        </p:blipFill>
+        <p:spPr bwMode="auto">
+          <a:xfrm>
+            <a:off x="10438522" y="365125"/>
+            <a:ext cx="915278" cy="937245"/>
+          </a:xfrm>
+          <a:prstGeom prst="rect">
+            <a:avLst/>
+          </a:prstGeom>
+          <a:noFill/>
+          <a:extLst>
+            <a:ext uri="{909E8E84-426E-40DD-AFC4-6F175D3DCCD1}">
+              <a14:hiddenFill xmlns:a14="http://schemas.microsoft.com/office/drawing/2010/main">
+                <a:solidFill>
+                  <a:srgbClr val="FFFFFF"/>
+                </a:solidFill>
+              </a14:hiddenFill>
+            </a:ext>
+          </a:extLst>
+        </p:spPr>
+      </p:pic>
+      <p:sp>
+        <p:nvSpPr>
+          <p:cNvPr id="6" name="Caixa de Texto 2"/>
+          <p:cNvSpPr txBox="1">
+            <a:spLocks noGrp="1" noChangeArrowheads="1"/>
+          </p:cNvSpPr>
+          <p:nvPr>
+            <p:ph idx="1"/>
+          </p:nvPr>
+        </p:nvSpPr>
+        <p:spPr bwMode="auto">
+          <a:xfrm>
+            <a:off x="838200" y="1825625"/>
+            <a:ext cx="10515600" cy="4016484"/>
+          </a:xfrm>
+          <a:prstGeom prst="rect">
+            <a:avLst/>
+          </a:prstGeom>
+          <a:solidFill>
+            <a:srgbClr val="FFFFFF"/>
+          </a:solidFill>
+          <a:ln w="9525">
+            <a:solidFill>
+              <a:srgbClr val="000000"/>
+            </a:solidFill>
+            <a:miter lim="800000"/>
+            <a:headEnd/>
+            <a:tailEnd/>
+          </a:ln>
+        </p:spPr>
+        <p:txBody>
+          <a:bodyPr rot="0" vert="horz" wrap="square" lIns="91440" tIns="45720" rIns="91440" bIns="45720" anchor="t" anchorCtr="0">
+            <a:spAutoFit/>
+          </a:bodyPr>
+          <a:lstStyle/>
+          <a:p>
+            <a:pPr marL="457200" indent="-228600" algn="just">
+              <a:spcBef>
+                <a:spcPts val="600"/>
+              </a:spcBef>
+              <a:spcAft>
+                <a:spcPts val="0"/>
+              </a:spcAft>
+              <a:buFont typeface="+mj-lt"/>
+              <a:buAutoNum type="arabicPeriod"/>
+              <a:tabLst>
+                <a:tab pos="457200" algn="l"/>
+              </a:tabLst>
+            </a:pPr>
+            <a:r>
+              <a:rPr lang="en-US" sz="2000" b="1" dirty="0" err="1">
+                <a:effectLst/>
+                <a:latin typeface="Times" panose="02020603050405020304" pitchFamily="18" charset="0"/>
+                <a:ea typeface="Times New Roman" panose="02020603050405020304" pitchFamily="18" charset="0"/>
+                <a:cs typeface="Times New Roman" panose="02020603050405020304" pitchFamily="18" charset="0"/>
+              </a:rPr>
+              <a:t>Inicialização</a:t>
+            </a:r>
+            <a:r>
+              <a:rPr lang="en-US" sz="2000" b="1" dirty="0">
+                <a:effectLst/>
+                <a:latin typeface="Times" panose="02020603050405020304" pitchFamily="18" charset="0"/>
+                <a:ea typeface="Times New Roman" panose="02020603050405020304" pitchFamily="18" charset="0"/>
+                <a:cs typeface="Times New Roman" panose="02020603050405020304" pitchFamily="18" charset="0"/>
+              </a:rPr>
+              <a:t>:</a:t>
+            </a:r>
+            <a:endParaRPr lang="pt-BR" sz="2000" dirty="0">
+              <a:effectLst/>
+              <a:latin typeface="Times" panose="02020603050405020304" pitchFamily="18" charset="0"/>
+              <a:ea typeface="Times New Roman" panose="02020603050405020304" pitchFamily="18" charset="0"/>
+              <a:cs typeface="Times New Roman" panose="02020603050405020304" pitchFamily="18" charset="0"/>
+            </a:endParaRPr>
+          </a:p>
+          <a:p>
+            <a:pPr marL="457200" indent="-228600" algn="just">
+              <a:spcAft>
+                <a:spcPts val="0"/>
+              </a:spcAft>
+              <a:buFont typeface="+mj-lt"/>
+              <a:buAutoNum type="arabicPeriod"/>
+              <a:tabLst>
+                <a:tab pos="457200" algn="l"/>
+              </a:tabLst>
+            </a:pPr>
+            <a:r>
+              <a:rPr lang="en-US" sz="2000" dirty="0">
+                <a:effectLst/>
+                <a:latin typeface="Times" panose="02020603050405020304" pitchFamily="18" charset="0"/>
+                <a:ea typeface="Times New Roman" panose="02020603050405020304" pitchFamily="18" charset="0"/>
+                <a:cs typeface="Times New Roman" panose="02020603050405020304" pitchFamily="18" charset="0"/>
+              </a:rPr>
+              <a:t>          </a:t>
+            </a:r>
+            <a:r>
+              <a:rPr lang="en-US" sz="2000" dirty="0" err="1">
+                <a:effectLst/>
+                <a:latin typeface="Times" panose="02020603050405020304" pitchFamily="18" charset="0"/>
+                <a:ea typeface="Times New Roman" panose="02020603050405020304" pitchFamily="18" charset="0"/>
+                <a:cs typeface="Times New Roman" panose="02020603050405020304" pitchFamily="18" charset="0"/>
+              </a:rPr>
+              <a:t>Recebe</a:t>
+            </a:r>
+            <a:r>
+              <a:rPr lang="en-US" sz="2000" dirty="0">
+                <a:effectLst/>
+                <a:latin typeface="Times" panose="02020603050405020304" pitchFamily="18" charset="0"/>
+                <a:ea typeface="Times New Roman" panose="02020603050405020304" pitchFamily="18" charset="0"/>
+                <a:cs typeface="Times New Roman" panose="02020603050405020304" pitchFamily="18" charset="0"/>
+              </a:rPr>
+              <a:t> o dataset;</a:t>
+            </a:r>
+            <a:endParaRPr lang="pt-BR" sz="2000" dirty="0">
+              <a:effectLst/>
+              <a:latin typeface="Times" panose="02020603050405020304" pitchFamily="18" charset="0"/>
+              <a:ea typeface="Times New Roman" panose="02020603050405020304" pitchFamily="18" charset="0"/>
+              <a:cs typeface="Times New Roman" panose="02020603050405020304" pitchFamily="18" charset="0"/>
+            </a:endParaRPr>
+          </a:p>
+          <a:p>
+            <a:pPr marL="457200" indent="-228600" algn="just">
+              <a:spcAft>
+                <a:spcPts val="0"/>
+              </a:spcAft>
+              <a:buFont typeface="+mj-lt"/>
+              <a:buAutoNum type="arabicPeriod"/>
+              <a:tabLst>
+                <a:tab pos="457200" algn="l"/>
+              </a:tabLst>
+            </a:pPr>
+            <a:r>
+              <a:rPr lang="en-US" sz="2000" dirty="0">
+                <a:effectLst/>
+                <a:latin typeface="Times" panose="02020603050405020304" pitchFamily="18" charset="0"/>
+                <a:ea typeface="Times New Roman" panose="02020603050405020304" pitchFamily="18" charset="0"/>
+                <a:cs typeface="Times New Roman" panose="02020603050405020304" pitchFamily="18" charset="0"/>
+              </a:rPr>
+              <a:t>          </a:t>
+            </a:r>
+            <a:r>
+              <a:rPr lang="en-US" sz="2000" dirty="0" err="1">
+                <a:effectLst/>
+                <a:latin typeface="Times" panose="02020603050405020304" pitchFamily="18" charset="0"/>
+                <a:ea typeface="Times New Roman" panose="02020603050405020304" pitchFamily="18" charset="0"/>
+                <a:cs typeface="Times New Roman" panose="02020603050405020304" pitchFamily="18" charset="0"/>
+              </a:rPr>
+              <a:t>Receba</a:t>
+            </a:r>
+            <a:r>
+              <a:rPr lang="en-US" sz="2000" dirty="0">
+                <a:effectLst/>
+                <a:latin typeface="Times" panose="02020603050405020304" pitchFamily="18" charset="0"/>
+                <a:ea typeface="Times New Roman" panose="02020603050405020304" pitchFamily="18" charset="0"/>
+                <a:cs typeface="Times New Roman" panose="02020603050405020304" pitchFamily="18" charset="0"/>
+              </a:rPr>
+              <a:t> </a:t>
+            </a:r>
+            <a:r>
+              <a:rPr lang="en-US" sz="2000" dirty="0" err="1">
+                <a:effectLst/>
+                <a:latin typeface="Times" panose="02020603050405020304" pitchFamily="18" charset="0"/>
+                <a:ea typeface="Times New Roman" panose="02020603050405020304" pitchFamily="18" charset="0"/>
+                <a:cs typeface="Times New Roman" panose="02020603050405020304" pitchFamily="18" charset="0"/>
+              </a:rPr>
+              <a:t>os</a:t>
+            </a:r>
+            <a:r>
+              <a:rPr lang="en-US" sz="2000" dirty="0">
+                <a:effectLst/>
+                <a:latin typeface="Times" panose="02020603050405020304" pitchFamily="18" charset="0"/>
+                <a:ea typeface="Times New Roman" panose="02020603050405020304" pitchFamily="18" charset="0"/>
+                <a:cs typeface="Times New Roman" panose="02020603050405020304" pitchFamily="18" charset="0"/>
+              </a:rPr>
+              <a:t> </a:t>
+            </a:r>
+            <a:r>
+              <a:rPr lang="en-US" sz="2000" dirty="0" err="1">
+                <a:effectLst/>
+                <a:latin typeface="Times" panose="02020603050405020304" pitchFamily="18" charset="0"/>
+                <a:ea typeface="Times New Roman" panose="02020603050405020304" pitchFamily="18" charset="0"/>
+                <a:cs typeface="Times New Roman" panose="02020603050405020304" pitchFamily="18" charset="0"/>
+              </a:rPr>
+              <a:t>jogos</a:t>
+            </a:r>
+            <a:r>
+              <a:rPr lang="en-US" sz="2000" dirty="0">
+                <a:effectLst/>
+                <a:latin typeface="Times" panose="02020603050405020304" pitchFamily="18" charset="0"/>
+                <a:ea typeface="Times New Roman" panose="02020603050405020304" pitchFamily="18" charset="0"/>
+                <a:cs typeface="Times New Roman" panose="02020603050405020304" pitchFamily="18" charset="0"/>
+              </a:rPr>
+              <a:t> do </a:t>
+            </a:r>
+            <a:r>
+              <a:rPr lang="en-US" sz="2000" dirty="0" err="1">
+                <a:effectLst/>
+                <a:latin typeface="Times" panose="02020603050405020304" pitchFamily="18" charset="0"/>
+                <a:ea typeface="Times New Roman" panose="02020603050405020304" pitchFamily="18" charset="0"/>
+                <a:cs typeface="Times New Roman" panose="02020603050405020304" pitchFamily="18" charset="0"/>
+              </a:rPr>
+              <a:t>usuário</a:t>
+            </a:r>
+            <a:endParaRPr lang="pt-BR" sz="2000" dirty="0">
+              <a:effectLst/>
+              <a:latin typeface="Times" panose="02020603050405020304" pitchFamily="18" charset="0"/>
+              <a:ea typeface="Times New Roman" panose="02020603050405020304" pitchFamily="18" charset="0"/>
+              <a:cs typeface="Times New Roman" panose="02020603050405020304" pitchFamily="18" charset="0"/>
+            </a:endParaRPr>
+          </a:p>
+          <a:p>
+            <a:pPr marL="457200" indent="-228600" algn="just">
+              <a:spcAft>
+                <a:spcPts val="0"/>
+              </a:spcAft>
+              <a:buFont typeface="+mj-lt"/>
+              <a:buAutoNum type="arabicPeriod"/>
+              <a:tabLst>
+                <a:tab pos="457200" algn="l"/>
+              </a:tabLst>
+            </a:pPr>
+            <a:r>
+              <a:rPr lang="pt-BR" sz="2000" b="1" dirty="0">
+                <a:effectLst/>
+                <a:latin typeface="Times" panose="02020603050405020304" pitchFamily="18" charset="0"/>
+                <a:ea typeface="Times New Roman" panose="02020603050405020304" pitchFamily="18" charset="0"/>
+                <a:cs typeface="Times" panose="02020603050405020304" pitchFamily="18" charset="0"/>
+              </a:rPr>
+              <a:t>para </a:t>
+            </a:r>
+            <a:r>
+              <a:rPr lang="pt-BR" sz="2000" dirty="0">
+                <a:effectLst/>
+                <a:latin typeface="Times" panose="02020603050405020304" pitchFamily="18" charset="0"/>
+                <a:ea typeface="Times New Roman" panose="02020603050405020304" pitchFamily="18" charset="0"/>
+                <a:cs typeface="Times" panose="02020603050405020304" pitchFamily="18" charset="0"/>
+              </a:rPr>
+              <a:t>cada novo jogo que o usuário inserir </a:t>
+            </a:r>
+            <a:r>
+              <a:rPr lang="pt-BR" sz="2000" b="1" dirty="0">
+                <a:effectLst/>
+                <a:latin typeface="Times" panose="02020603050405020304" pitchFamily="18" charset="0"/>
+                <a:ea typeface="Times New Roman" panose="02020603050405020304" pitchFamily="18" charset="0"/>
+                <a:cs typeface="Times" panose="02020603050405020304" pitchFamily="18" charset="0"/>
+              </a:rPr>
+              <a:t>faça</a:t>
+            </a:r>
+            <a:endParaRPr lang="pt-BR" sz="2000" dirty="0">
+              <a:effectLst/>
+              <a:latin typeface="Times" panose="02020603050405020304" pitchFamily="18" charset="0"/>
+              <a:ea typeface="Times New Roman" panose="02020603050405020304" pitchFamily="18" charset="0"/>
+              <a:cs typeface="Times New Roman" panose="02020603050405020304" pitchFamily="18" charset="0"/>
+            </a:endParaRPr>
+          </a:p>
+          <a:p>
+            <a:pPr marL="457200" indent="-228600" algn="just">
+              <a:spcAft>
+                <a:spcPts val="0"/>
+              </a:spcAft>
+              <a:buFont typeface="+mj-lt"/>
+              <a:buAutoNum type="arabicPeriod"/>
+              <a:tabLst>
+                <a:tab pos="457200" algn="l"/>
+              </a:tabLst>
+            </a:pPr>
+            <a:r>
+              <a:rPr lang="pt-BR" sz="2000" b="1" dirty="0">
+                <a:effectLst/>
+                <a:latin typeface="Times" panose="02020603050405020304" pitchFamily="18" charset="0"/>
+                <a:ea typeface="Times New Roman" panose="02020603050405020304" pitchFamily="18" charset="0"/>
+                <a:cs typeface="Times" panose="02020603050405020304" pitchFamily="18" charset="0"/>
+              </a:rPr>
+              <a:t>          </a:t>
+            </a:r>
+            <a:r>
+              <a:rPr lang="pt-BR" sz="2000" dirty="0">
+                <a:effectLst/>
+                <a:latin typeface="Times" panose="02020603050405020304" pitchFamily="18" charset="0"/>
+                <a:ea typeface="Times New Roman" panose="02020603050405020304" pitchFamily="18" charset="0"/>
+                <a:cs typeface="Times" panose="02020603050405020304" pitchFamily="18" charset="0"/>
+              </a:rPr>
+              <a:t>Calcula a distância da amostra do usuário para as amostras do </a:t>
+            </a:r>
+            <a:r>
+              <a:rPr lang="pt-BR" sz="2000" dirty="0" err="1">
+                <a:effectLst/>
+                <a:latin typeface="Times" panose="02020603050405020304" pitchFamily="18" charset="0"/>
+                <a:ea typeface="Times New Roman" panose="02020603050405020304" pitchFamily="18" charset="0"/>
+                <a:cs typeface="Times" panose="02020603050405020304" pitchFamily="18" charset="0"/>
+              </a:rPr>
+              <a:t>dataset</a:t>
+            </a:r>
+            <a:endParaRPr lang="pt-BR" sz="2000" dirty="0">
+              <a:effectLst/>
+              <a:latin typeface="Times" panose="02020603050405020304" pitchFamily="18" charset="0"/>
+              <a:ea typeface="Times New Roman" panose="02020603050405020304" pitchFamily="18" charset="0"/>
+              <a:cs typeface="Times New Roman" panose="02020603050405020304" pitchFamily="18" charset="0"/>
+            </a:endParaRPr>
+          </a:p>
+          <a:p>
+            <a:pPr marL="457200" indent="-228600" algn="just">
+              <a:spcAft>
+                <a:spcPts val="0"/>
+              </a:spcAft>
+              <a:buFont typeface="+mj-lt"/>
+              <a:buAutoNum type="arabicPeriod"/>
+              <a:tabLst>
+                <a:tab pos="457200" algn="l"/>
+              </a:tabLst>
+            </a:pPr>
+            <a:r>
+              <a:rPr lang="pt-BR" sz="2000" dirty="0">
+                <a:effectLst/>
+                <a:latin typeface="Times" panose="02020603050405020304" pitchFamily="18" charset="0"/>
+                <a:ea typeface="Times New Roman" panose="02020603050405020304" pitchFamily="18" charset="0"/>
+                <a:cs typeface="Times" panose="02020603050405020304" pitchFamily="18" charset="0"/>
+              </a:rPr>
+              <a:t>          Determinar os </a:t>
+            </a:r>
+            <a:r>
+              <a:rPr lang="pt-BR" sz="2000" b="1" dirty="0">
+                <a:effectLst/>
+                <a:latin typeface="Times" panose="02020603050405020304" pitchFamily="18" charset="0"/>
+                <a:ea typeface="Times New Roman" panose="02020603050405020304" pitchFamily="18" charset="0"/>
+                <a:cs typeface="Times" panose="02020603050405020304" pitchFamily="18" charset="0"/>
+              </a:rPr>
+              <a:t>K</a:t>
+            </a:r>
+            <a:r>
+              <a:rPr lang="pt-BR" sz="2000" dirty="0">
+                <a:effectLst/>
+                <a:latin typeface="Times" panose="02020603050405020304" pitchFamily="18" charset="0"/>
+                <a:ea typeface="Times New Roman" panose="02020603050405020304" pitchFamily="18" charset="0"/>
+                <a:cs typeface="Times" panose="02020603050405020304" pitchFamily="18" charset="0"/>
+              </a:rPr>
+              <a:t> mais próximos </a:t>
+            </a:r>
+            <a:endParaRPr lang="pt-BR" sz="2000" dirty="0">
+              <a:effectLst/>
+              <a:latin typeface="Times" panose="02020603050405020304" pitchFamily="18" charset="0"/>
+              <a:ea typeface="Times New Roman" panose="02020603050405020304" pitchFamily="18" charset="0"/>
+              <a:cs typeface="Times New Roman" panose="02020603050405020304" pitchFamily="18" charset="0"/>
+            </a:endParaRPr>
+          </a:p>
+          <a:p>
+            <a:pPr marL="457200" indent="-228600" algn="just">
+              <a:spcAft>
+                <a:spcPts val="0"/>
+              </a:spcAft>
+              <a:buFont typeface="+mj-lt"/>
+              <a:buAutoNum type="arabicPeriod"/>
+              <a:tabLst>
+                <a:tab pos="457200" algn="l"/>
+              </a:tabLst>
+            </a:pPr>
+            <a:r>
+              <a:rPr lang="pt-BR" sz="2000" dirty="0">
+                <a:effectLst/>
+                <a:latin typeface="Times" panose="02020603050405020304" pitchFamily="18" charset="0"/>
+                <a:ea typeface="Times New Roman" panose="02020603050405020304" pitchFamily="18" charset="0"/>
+                <a:cs typeface="Times" panose="02020603050405020304" pitchFamily="18" charset="0"/>
+              </a:rPr>
+              <a:t>          O rótulo com maior similaridade e tiver maior índice de recomendação</a:t>
+            </a:r>
+            <a:endParaRPr lang="pt-BR" sz="2000" dirty="0">
+              <a:effectLst/>
+              <a:latin typeface="Times" panose="02020603050405020304" pitchFamily="18" charset="0"/>
+              <a:ea typeface="Times New Roman" panose="02020603050405020304" pitchFamily="18" charset="0"/>
+              <a:cs typeface="Times New Roman" panose="02020603050405020304" pitchFamily="18" charset="0"/>
+            </a:endParaRPr>
+          </a:p>
+          <a:p>
+            <a:pPr marL="457200" indent="-228600" algn="just">
+              <a:spcAft>
+                <a:spcPts val="0"/>
+              </a:spcAft>
+              <a:buFont typeface="+mj-lt"/>
+              <a:buAutoNum type="arabicPeriod"/>
+              <a:tabLst>
+                <a:tab pos="457200" algn="l"/>
+              </a:tabLst>
+            </a:pPr>
+            <a:r>
+              <a:rPr lang="pt-BR" sz="2000" b="1" dirty="0">
+                <a:effectLst/>
+                <a:latin typeface="Times" panose="02020603050405020304" pitchFamily="18" charset="0"/>
+                <a:ea typeface="Times New Roman" panose="02020603050405020304" pitchFamily="18" charset="0"/>
+                <a:cs typeface="Times New Roman" panose="02020603050405020304" pitchFamily="18" charset="0"/>
+              </a:rPr>
+              <a:t>          </a:t>
+            </a:r>
+            <a:r>
+              <a:rPr lang="pt-BR" sz="2000" dirty="0">
+                <a:effectLst/>
+                <a:latin typeface="Times" panose="02020603050405020304" pitchFamily="18" charset="0"/>
+                <a:ea typeface="Times New Roman" panose="02020603050405020304" pitchFamily="18" charset="0"/>
+                <a:cs typeface="Times" panose="02020603050405020304" pitchFamily="18" charset="0"/>
+              </a:rPr>
+              <a:t>no conjunto dos </a:t>
+            </a:r>
+            <a:r>
+              <a:rPr lang="pt-BR" sz="2000" b="1" dirty="0">
+                <a:effectLst/>
+                <a:latin typeface="Times" panose="02020603050405020304" pitchFamily="18" charset="0"/>
+                <a:ea typeface="Times New Roman" panose="02020603050405020304" pitchFamily="18" charset="0"/>
+                <a:cs typeface="Times" panose="02020603050405020304" pitchFamily="18" charset="0"/>
+              </a:rPr>
+              <a:t>K </a:t>
+            </a:r>
+            <a:r>
+              <a:rPr lang="pt-BR" sz="2000" dirty="0">
+                <a:effectLst/>
+                <a:latin typeface="Times" panose="02020603050405020304" pitchFamily="18" charset="0"/>
+                <a:ea typeface="Times New Roman" panose="02020603050405020304" pitchFamily="18" charset="0"/>
+                <a:cs typeface="Times" panose="02020603050405020304" pitchFamily="18" charset="0"/>
+              </a:rPr>
+              <a:t>vizinhos será o escolhido</a:t>
+            </a:r>
+            <a:endParaRPr lang="pt-BR" sz="2000" dirty="0">
+              <a:effectLst/>
+              <a:latin typeface="Times" panose="02020603050405020304" pitchFamily="18" charset="0"/>
+              <a:ea typeface="Times New Roman" panose="02020603050405020304" pitchFamily="18" charset="0"/>
+              <a:cs typeface="Times New Roman" panose="02020603050405020304" pitchFamily="18" charset="0"/>
+            </a:endParaRPr>
+          </a:p>
+          <a:p>
+            <a:pPr marL="457200" indent="-228600" algn="just">
+              <a:spcAft>
+                <a:spcPts val="0"/>
+              </a:spcAft>
+              <a:buFont typeface="+mj-lt"/>
+              <a:buAutoNum type="arabicPeriod"/>
+              <a:tabLst>
+                <a:tab pos="457200" algn="l"/>
+              </a:tabLst>
+            </a:pPr>
+            <a:r>
+              <a:rPr lang="pt-BR" sz="2000" b="1" dirty="0">
+                <a:effectLst/>
+                <a:latin typeface="Times" panose="02020603050405020304" pitchFamily="18" charset="0"/>
+                <a:ea typeface="Times New Roman" panose="02020603050405020304" pitchFamily="18" charset="0"/>
+                <a:cs typeface="Times" panose="02020603050405020304" pitchFamily="18" charset="0"/>
+              </a:rPr>
+              <a:t>fim para</a:t>
+            </a:r>
+            <a:endParaRPr lang="pt-BR" sz="2000" dirty="0">
+              <a:effectLst/>
+              <a:latin typeface="Times" panose="02020603050405020304" pitchFamily="18" charset="0"/>
+              <a:ea typeface="Times New Roman" panose="02020603050405020304" pitchFamily="18" charset="0"/>
+              <a:cs typeface="Times New Roman" panose="02020603050405020304" pitchFamily="18" charset="0"/>
+            </a:endParaRPr>
+          </a:p>
+          <a:p>
+            <a:pPr marL="457200" indent="-228600" algn="just">
+              <a:spcAft>
+                <a:spcPts val="0"/>
+              </a:spcAft>
+              <a:buFont typeface="+mj-lt"/>
+              <a:buAutoNum type="arabicPeriod"/>
+              <a:tabLst>
+                <a:tab pos="457200" algn="l"/>
+              </a:tabLst>
+            </a:pPr>
+            <a:r>
+              <a:rPr lang="pt-BR" sz="2000" b="1" dirty="0">
+                <a:effectLst/>
+                <a:latin typeface="Times" panose="02020603050405020304" pitchFamily="18" charset="0"/>
+                <a:ea typeface="Times New Roman" panose="02020603050405020304" pitchFamily="18" charset="0"/>
+                <a:cs typeface="Times" panose="02020603050405020304" pitchFamily="18" charset="0"/>
+              </a:rPr>
+              <a:t>retornar: </a:t>
+            </a:r>
+            <a:r>
+              <a:rPr lang="pt-BR" sz="2000" dirty="0">
+                <a:effectLst/>
+                <a:latin typeface="Times" panose="02020603050405020304" pitchFamily="18" charset="0"/>
+                <a:ea typeface="Times New Roman" panose="02020603050405020304" pitchFamily="18" charset="0"/>
+                <a:cs typeface="Times" panose="02020603050405020304" pitchFamily="18" charset="0"/>
+              </a:rPr>
+              <a:t>jogo escolhido</a:t>
+            </a:r>
+            <a:endParaRPr lang="pt-BR" sz="2000" dirty="0">
+              <a:effectLst/>
+              <a:latin typeface="Times" panose="02020603050405020304" pitchFamily="18" charset="0"/>
+              <a:ea typeface="Times New Roman" panose="02020603050405020304" pitchFamily="18" charset="0"/>
+              <a:cs typeface="Times New Roman" panose="02020603050405020304" pitchFamily="18" charset="0"/>
+            </a:endParaRPr>
+          </a:p>
+        </p:txBody>
+      </p:sp>
+    </p:spTree>
+    <p:extLst>
+      <p:ext uri="{BB962C8B-B14F-4D97-AF65-F5344CB8AC3E}">
+        <p14:creationId xmlns:p14="http://schemas.microsoft.com/office/powerpoint/2010/main" val="3607148027"/>
+      </p:ext>
+    </p:extLst>
+  </p:cSld>
+  <p:clrMapOvr>
+    <a:masterClrMapping/>
+  </p:clrMapOvr>
+  <p:timing>
+    <p:tnLst>
+      <p:par>
+        <p:cTn id="1" dur="indefinite" restart="never" nodeType="tmRoot"/>
+      </p:par>
+    </p:tnLst>
+  </p:timing>
+</p:sld>
+</file>
+
 <file path=ppt/theme/theme1.xml><?xml version="1.0" encoding="utf-8"?>
 <a:theme xmlns:a="http://schemas.openxmlformats.org/drawingml/2006/main" name="Tema do Office">
   <a:themeElements>
